--- a/docs/reference/figures/figures.pptx
+++ b/docs/reference/figures/figures.pptx
@@ -5,13 +5,16 @@
     <p:sldMasterId id="2147483660" r:id="rId1"/>
   </p:sldMasterIdLst>
   <p:notesMasterIdLst>
-    <p:notesMasterId r:id="rId6"/>
+    <p:notesMasterId r:id="rId9"/>
   </p:notesMasterIdLst>
   <p:sldIdLst>
-    <p:sldId id="256" r:id="rId2"/>
-    <p:sldId id="257" r:id="rId3"/>
-    <p:sldId id="258" r:id="rId4"/>
-    <p:sldId id="259" r:id="rId5"/>
+    <p:sldId id="260" r:id="rId2"/>
+    <p:sldId id="256" r:id="rId3"/>
+    <p:sldId id="257" r:id="rId4"/>
+    <p:sldId id="258" r:id="rId5"/>
+    <p:sldId id="259" r:id="rId6"/>
+    <p:sldId id="262" r:id="rId7"/>
+    <p:sldId id="263" r:id="rId8"/>
   </p:sldIdLst>
   <p:sldSz cx="19202400" cy="6858000"/>
   <p:notesSz cx="7010400" cy="9296400"/>
@@ -223,14 +226,6 @@
 </p:presentation>
 </file>
 
-<file path=ppt/revisionInfo.xml><?xml version="1.0" encoding="utf-8"?>
-<p1510:revInfo xmlns:a="http://schemas.openxmlformats.org/drawingml/2006/main" xmlns:r="http://schemas.openxmlformats.org/officeDocument/2006/relationships" xmlns:p1510="http://schemas.microsoft.com/office/powerpoint/2015/10/main">
-  <p1510:revLst>
-    <p1510:client id="{91697BA2-6172-4A82-953D-369E9F93C01D}" v="203" dt="2019-08-15T19:13:20.466"/>
-  </p1510:revLst>
-</p1510:revInfo>
-</file>
-
 <file path=ppt/changesInfos/changesInfo1.xml><?xml version="1.0" encoding="utf-8"?>
 <pc:chgInfo xmlns:a="http://schemas.openxmlformats.org/drawingml/2006/main" xmlns:r="http://schemas.openxmlformats.org/officeDocument/2006/relationships" xmlns:ac="http://schemas.microsoft.com/office/drawing/2013/main/command" xmlns:pc="http://schemas.microsoft.com/office/powerpoint/2013/main/command">
   <pc:docChgLst>
@@ -243,770 +238,6 @@
       <pc:docMkLst>
         <pc:docMk/>
       </pc:docMkLst>
-      <pc:sldChg chg="addSp delSp modSp">
-        <pc:chgData name="Maleen Abeydeera" userId="c6ce28c11b823c74" providerId="LiveId" clId="{91697BA2-6172-4A82-953D-369E9F93C01D}" dt="2019-08-13T20:50:41.850" v="269" actId="20577"/>
-        <pc:sldMkLst>
-          <pc:docMk/>
-          <pc:sldMk cId="876389296" sldId="367"/>
-        </pc:sldMkLst>
-        <pc:spChg chg="add mod">
-          <ac:chgData name="Maleen Abeydeera" userId="c6ce28c11b823c74" providerId="LiveId" clId="{91697BA2-6172-4A82-953D-369E9F93C01D}" dt="2019-07-31T02:17:18.329" v="62" actId="20577"/>
-          <ac:spMkLst>
-            <pc:docMk/>
-            <pc:sldMk cId="876389296" sldId="367"/>
-            <ac:spMk id="20" creationId="{DFEA7909-DBB9-43B5-A812-73F6BB8B2BFD}"/>
-          </ac:spMkLst>
-        </pc:spChg>
-        <pc:spChg chg="add mod">
-          <ac:chgData name="Maleen Abeydeera" userId="c6ce28c11b823c74" providerId="LiveId" clId="{91697BA2-6172-4A82-953D-369E9F93C01D}" dt="2019-07-31T02:18:10.120" v="72" actId="555"/>
-          <ac:spMkLst>
-            <pc:docMk/>
-            <pc:sldMk cId="876389296" sldId="367"/>
-            <ac:spMk id="23" creationId="{ACA6DBEE-235A-4624-A39A-9904A5EBA7CC}"/>
-          </ac:spMkLst>
-        </pc:spChg>
-        <pc:spChg chg="mod">
-          <ac:chgData name="Maleen Abeydeera" userId="c6ce28c11b823c74" providerId="LiveId" clId="{91697BA2-6172-4A82-953D-369E9F93C01D}" dt="2019-07-31T02:18:10.120" v="72" actId="555"/>
-          <ac:spMkLst>
-            <pc:docMk/>
-            <pc:sldMk cId="876389296" sldId="367"/>
-            <ac:spMk id="37" creationId="{83756B84-6F17-412E-91A3-F595DD3A252A}"/>
-          </ac:spMkLst>
-        </pc:spChg>
-        <pc:spChg chg="del mod">
-          <ac:chgData name="Maleen Abeydeera" userId="c6ce28c11b823c74" providerId="LiveId" clId="{91697BA2-6172-4A82-953D-369E9F93C01D}" dt="2019-07-31T02:16:43.391" v="53" actId="478"/>
-          <ac:spMkLst>
-            <pc:docMk/>
-            <pc:sldMk cId="876389296" sldId="367"/>
-            <ac:spMk id="43" creationId="{13E97BDD-C937-4700-B6DF-D6EA56987736}"/>
-          </ac:spMkLst>
-        </pc:spChg>
-        <pc:spChg chg="del mod">
-          <ac:chgData name="Maleen Abeydeera" userId="c6ce28c11b823c74" providerId="LiveId" clId="{91697BA2-6172-4A82-953D-369E9F93C01D}" dt="2019-07-31T02:17:23.118" v="63" actId="478"/>
-          <ac:spMkLst>
-            <pc:docMk/>
-            <pc:sldMk cId="876389296" sldId="367"/>
-            <ac:spMk id="44" creationId="{691BE14E-A643-4911-A656-0F540F4C2B28}"/>
-          </ac:spMkLst>
-        </pc:spChg>
-        <pc:spChg chg="mod">
-          <ac:chgData name="Maleen Abeydeera" userId="c6ce28c11b823c74" providerId="LiveId" clId="{91697BA2-6172-4A82-953D-369E9F93C01D}" dt="2019-07-31T02:16:38.140" v="51" actId="1076"/>
-          <ac:spMkLst>
-            <pc:docMk/>
-            <pc:sldMk cId="876389296" sldId="367"/>
-            <ac:spMk id="50" creationId="{0967016D-B4E7-4CAC-B055-6D6424113DB3}"/>
-          </ac:spMkLst>
-        </pc:spChg>
-        <pc:spChg chg="mod">
-          <ac:chgData name="Maleen Abeydeera" userId="c6ce28c11b823c74" providerId="LiveId" clId="{91697BA2-6172-4A82-953D-369E9F93C01D}" dt="2019-07-31T02:17:32.983" v="67" actId="20577"/>
-          <ac:spMkLst>
-            <pc:docMk/>
-            <pc:sldMk cId="876389296" sldId="367"/>
-            <ac:spMk id="73" creationId="{4E2A534A-1191-43FB-8199-5F7B16F3891E}"/>
-          </ac:spMkLst>
-        </pc:spChg>
-        <pc:graphicFrameChg chg="modGraphic">
-          <ac:chgData name="Maleen Abeydeera" userId="c6ce28c11b823c74" providerId="LiveId" clId="{91697BA2-6172-4A82-953D-369E9F93C01D}" dt="2019-08-13T20:50:41.850" v="269" actId="20577"/>
-          <ac:graphicFrameMkLst>
-            <pc:docMk/>
-            <pc:sldMk cId="876389296" sldId="367"/>
-            <ac:graphicFrameMk id="47" creationId="{E952A0B9-8A9F-4FC4-8596-2D1FE19414FE}"/>
-          </ac:graphicFrameMkLst>
-        </pc:graphicFrameChg>
-        <pc:cxnChg chg="mod">
-          <ac:chgData name="Maleen Abeydeera" userId="c6ce28c11b823c74" providerId="LiveId" clId="{91697BA2-6172-4A82-953D-369E9F93C01D}" dt="2019-07-31T02:18:26.932" v="74" actId="208"/>
-          <ac:cxnSpMkLst>
-            <pc:docMk/>
-            <pc:sldMk cId="876389296" sldId="367"/>
-            <ac:cxnSpMk id="46" creationId="{E23375EE-4638-4E54-8879-7E365E138B28}"/>
-          </ac:cxnSpMkLst>
-        </pc:cxnChg>
-        <pc:cxnChg chg="mod">
-          <ac:chgData name="Maleen Abeydeera" userId="c6ce28c11b823c74" providerId="LiveId" clId="{91697BA2-6172-4A82-953D-369E9F93C01D}" dt="2019-07-31T02:17:36.913" v="68" actId="1076"/>
-          <ac:cxnSpMkLst>
-            <pc:docMk/>
-            <pc:sldMk cId="876389296" sldId="367"/>
-            <ac:cxnSpMk id="74" creationId="{7B5A738B-89C9-49C6-8DA9-70884C93D5D4}"/>
-          </ac:cxnSpMkLst>
-        </pc:cxnChg>
-      </pc:sldChg>
-      <pc:sldChg chg="modSp">
-        <pc:chgData name="Maleen Abeydeera" userId="c6ce28c11b823c74" providerId="LiveId" clId="{91697BA2-6172-4A82-953D-369E9F93C01D}" dt="2019-08-15T19:13:20.465" v="315" actId="207"/>
-        <pc:sldMkLst>
-          <pc:docMk/>
-          <pc:sldMk cId="224077072" sldId="370"/>
-        </pc:sldMkLst>
-        <pc:spChg chg="mod">
-          <ac:chgData name="Maleen Abeydeera" userId="c6ce28c11b823c74" providerId="LiveId" clId="{91697BA2-6172-4A82-953D-369E9F93C01D}" dt="2019-08-13T20:27:18.723" v="260" actId="208"/>
-          <ac:spMkLst>
-            <pc:docMk/>
-            <pc:sldMk cId="224077072" sldId="370"/>
-            <ac:spMk id="15" creationId="{00000000-0000-0000-0000-000000000000}"/>
-          </ac:spMkLst>
-        </pc:spChg>
-        <pc:spChg chg="mod">
-          <ac:chgData name="Maleen Abeydeera" userId="c6ce28c11b823c74" providerId="LiveId" clId="{91697BA2-6172-4A82-953D-369E9F93C01D}" dt="2019-08-13T20:27:26.179" v="261" actId="207"/>
-          <ac:spMkLst>
-            <pc:docMk/>
-            <pc:sldMk cId="224077072" sldId="370"/>
-            <ac:spMk id="40" creationId="{00000000-0000-0000-0000-000000000000}"/>
-          </ac:spMkLst>
-        </pc:spChg>
-        <pc:spChg chg="mod">
-          <ac:chgData name="Maleen Abeydeera" userId="c6ce28c11b823c74" providerId="LiveId" clId="{91697BA2-6172-4A82-953D-369E9F93C01D}" dt="2019-08-15T19:13:20.465" v="315" actId="207"/>
-          <ac:spMkLst>
-            <pc:docMk/>
-            <pc:sldMk cId="224077072" sldId="370"/>
-            <ac:spMk id="41" creationId="{00000000-0000-0000-0000-000000000000}"/>
-          </ac:spMkLst>
-        </pc:spChg>
-        <pc:spChg chg="mod">
-          <ac:chgData name="Maleen Abeydeera" userId="c6ce28c11b823c74" providerId="LiveId" clId="{91697BA2-6172-4A82-953D-369E9F93C01D}" dt="2019-08-13T20:27:42.620" v="262" actId="207"/>
-          <ac:spMkLst>
-            <pc:docMk/>
-            <pc:sldMk cId="224077072" sldId="370"/>
-            <ac:spMk id="49" creationId="{00000000-0000-0000-0000-000000000000}"/>
-          </ac:spMkLst>
-        </pc:spChg>
-      </pc:sldChg>
-      <pc:sldChg chg="addSp delSp modSp addAnim delAnim modAnim">
-        <pc:chgData name="Maleen Abeydeera" userId="c6ce28c11b823c74" providerId="LiveId" clId="{91697BA2-6172-4A82-953D-369E9F93C01D}" dt="2019-08-15T17:19:12.156" v="314" actId="1076"/>
-        <pc:sldMkLst>
-          <pc:docMk/>
-          <pc:sldMk cId="1920744964" sldId="371"/>
-        </pc:sldMkLst>
-        <pc:spChg chg="del">
-          <ac:chgData name="Maleen Abeydeera" userId="c6ce28c11b823c74" providerId="LiveId" clId="{91697BA2-6172-4A82-953D-369E9F93C01D}" dt="2019-07-29T02:17:18.466" v="2" actId="478"/>
-          <ac:spMkLst>
-            <pc:docMk/>
-            <pc:sldMk cId="1920744964" sldId="371"/>
-            <ac:spMk id="35" creationId="{00000000-0000-0000-0000-000000000000}"/>
-          </ac:spMkLst>
-        </pc:spChg>
-        <pc:spChg chg="del">
-          <ac:chgData name="Maleen Abeydeera" userId="c6ce28c11b823c74" providerId="LiveId" clId="{91697BA2-6172-4A82-953D-369E9F93C01D}" dt="2019-07-29T02:17:18.466" v="2" actId="478"/>
-          <ac:spMkLst>
-            <pc:docMk/>
-            <pc:sldMk cId="1920744964" sldId="371"/>
-            <ac:spMk id="36" creationId="{00000000-0000-0000-0000-000000000000}"/>
-          </ac:spMkLst>
-        </pc:spChg>
-        <pc:spChg chg="del">
-          <ac:chgData name="Maleen Abeydeera" userId="c6ce28c11b823c74" providerId="LiveId" clId="{91697BA2-6172-4A82-953D-369E9F93C01D}" dt="2019-07-29T02:17:18.466" v="2" actId="478"/>
-          <ac:spMkLst>
-            <pc:docMk/>
-            <pc:sldMk cId="1920744964" sldId="371"/>
-            <ac:spMk id="37" creationId="{00000000-0000-0000-0000-000000000000}"/>
-          </ac:spMkLst>
-        </pc:spChg>
-        <pc:spChg chg="del">
-          <ac:chgData name="Maleen Abeydeera" userId="c6ce28c11b823c74" providerId="LiveId" clId="{91697BA2-6172-4A82-953D-369E9F93C01D}" dt="2019-07-29T02:17:18.466" v="2" actId="478"/>
-          <ac:spMkLst>
-            <pc:docMk/>
-            <pc:sldMk cId="1920744964" sldId="371"/>
-            <ac:spMk id="46" creationId="{00000000-0000-0000-0000-000000000000}"/>
-          </ac:spMkLst>
-        </pc:spChg>
-        <pc:spChg chg="del">
-          <ac:chgData name="Maleen Abeydeera" userId="c6ce28c11b823c74" providerId="LiveId" clId="{91697BA2-6172-4A82-953D-369E9F93C01D}" dt="2019-07-29T02:17:18.466" v="2" actId="478"/>
-          <ac:spMkLst>
-            <pc:docMk/>
-            <pc:sldMk cId="1920744964" sldId="371"/>
-            <ac:spMk id="74" creationId="{00000000-0000-0000-0000-000000000000}"/>
-          </ac:spMkLst>
-        </pc:spChg>
-        <pc:spChg chg="del">
-          <ac:chgData name="Maleen Abeydeera" userId="c6ce28c11b823c74" providerId="LiveId" clId="{91697BA2-6172-4A82-953D-369E9F93C01D}" dt="2019-07-29T02:17:18.466" v="2" actId="478"/>
-          <ac:spMkLst>
-            <pc:docMk/>
-            <pc:sldMk cId="1920744964" sldId="371"/>
-            <ac:spMk id="75" creationId="{00000000-0000-0000-0000-000000000000}"/>
-          </ac:spMkLst>
-        </pc:spChg>
-        <pc:spChg chg="mod">
-          <ac:chgData name="Maleen Abeydeera" userId="c6ce28c11b823c74" providerId="LiveId" clId="{91697BA2-6172-4A82-953D-369E9F93C01D}" dt="2019-08-15T17:13:52.226" v="288" actId="403"/>
-          <ac:spMkLst>
-            <pc:docMk/>
-            <pc:sldMk cId="1920744964" sldId="371"/>
-            <ac:spMk id="107" creationId="{62D019E6-10D2-4E27-A9FA-2763E6C080FF}"/>
-          </ac:spMkLst>
-        </pc:spChg>
-        <pc:spChg chg="mod">
-          <ac:chgData name="Maleen Abeydeera" userId="c6ce28c11b823c74" providerId="LiveId" clId="{91697BA2-6172-4A82-953D-369E9F93C01D}" dt="2019-08-15T17:15:05.411" v="302" actId="1037"/>
-          <ac:spMkLst>
-            <pc:docMk/>
-            <pc:sldMk cId="1920744964" sldId="371"/>
-            <ac:spMk id="112" creationId="{3301D388-2BC5-415B-ACD6-CFBD41EF6E88}"/>
-          </ac:spMkLst>
-        </pc:spChg>
-        <pc:spChg chg="mod">
-          <ac:chgData name="Maleen Abeydeera" userId="c6ce28c11b823c74" providerId="LiveId" clId="{91697BA2-6172-4A82-953D-369E9F93C01D}" dt="2019-08-15T17:13:52.226" v="288" actId="403"/>
-          <ac:spMkLst>
-            <pc:docMk/>
-            <pc:sldMk cId="1920744964" sldId="371"/>
-            <ac:spMk id="113" creationId="{1F11B164-BCD9-4F5F-AC06-F02F23805330}"/>
-          </ac:spMkLst>
-        </pc:spChg>
-        <pc:spChg chg="mod">
-          <ac:chgData name="Maleen Abeydeera" userId="c6ce28c11b823c74" providerId="LiveId" clId="{91697BA2-6172-4A82-953D-369E9F93C01D}" dt="2019-08-15T17:13:52.226" v="288" actId="403"/>
-          <ac:spMkLst>
-            <pc:docMk/>
-            <pc:sldMk cId="1920744964" sldId="371"/>
-            <ac:spMk id="120" creationId="{FACCCE71-ED0E-4A21-939D-DDA527D87E3E}"/>
-          </ac:spMkLst>
-        </pc:spChg>
-        <pc:spChg chg="del">
-          <ac:chgData name="Maleen Abeydeera" userId="c6ce28c11b823c74" providerId="LiveId" clId="{91697BA2-6172-4A82-953D-369E9F93C01D}" dt="2019-07-29T02:17:37.655" v="4" actId="478"/>
-          <ac:spMkLst>
-            <pc:docMk/>
-            <pc:sldMk cId="1920744964" sldId="371"/>
-            <ac:spMk id="122" creationId="{00000000-0000-0000-0000-000000000000}"/>
-          </ac:spMkLst>
-        </pc:spChg>
-        <pc:spChg chg="mod">
-          <ac:chgData name="Maleen Abeydeera" userId="c6ce28c11b823c74" providerId="LiveId" clId="{91697BA2-6172-4A82-953D-369E9F93C01D}" dt="2019-08-15T17:13:52.226" v="288" actId="403"/>
-          <ac:spMkLst>
-            <pc:docMk/>
-            <pc:sldMk cId="1920744964" sldId="371"/>
-            <ac:spMk id="123" creationId="{A43D8186-0746-46F5-95F6-D524F4DC3750}"/>
-          </ac:spMkLst>
-        </pc:spChg>
-        <pc:spChg chg="mod">
-          <ac:chgData name="Maleen Abeydeera" userId="c6ce28c11b823c74" providerId="LiveId" clId="{91697BA2-6172-4A82-953D-369E9F93C01D}" dt="2019-08-15T17:13:52.226" v="288" actId="403"/>
-          <ac:spMkLst>
-            <pc:docMk/>
-            <pc:sldMk cId="1920744964" sldId="371"/>
-            <ac:spMk id="125" creationId="{CBB65FCC-0F00-4D86-8DA6-E357262FAE10}"/>
-          </ac:spMkLst>
-        </pc:spChg>
-        <pc:spChg chg="mod">
-          <ac:chgData name="Maleen Abeydeera" userId="c6ce28c11b823c74" providerId="LiveId" clId="{91697BA2-6172-4A82-953D-369E9F93C01D}" dt="2019-08-15T17:13:52.226" v="288" actId="403"/>
-          <ac:spMkLst>
-            <pc:docMk/>
-            <pc:sldMk cId="1920744964" sldId="371"/>
-            <ac:spMk id="126" creationId="{64F9B88F-3073-49CE-A278-AE743B97F030}"/>
-          </ac:spMkLst>
-        </pc:spChg>
-        <pc:spChg chg="del">
-          <ac:chgData name="Maleen Abeydeera" userId="c6ce28c11b823c74" providerId="LiveId" clId="{91697BA2-6172-4A82-953D-369E9F93C01D}" dt="2019-07-29T02:17:37.655" v="4" actId="478"/>
-          <ac:spMkLst>
-            <pc:docMk/>
-            <pc:sldMk cId="1920744964" sldId="371"/>
-            <ac:spMk id="127" creationId="{00000000-0000-0000-0000-000000000000}"/>
-          </ac:spMkLst>
-        </pc:spChg>
-        <pc:spChg chg="del">
-          <ac:chgData name="Maleen Abeydeera" userId="c6ce28c11b823c74" providerId="LiveId" clId="{91697BA2-6172-4A82-953D-369E9F93C01D}" dt="2019-07-29T02:17:37.655" v="4" actId="478"/>
-          <ac:spMkLst>
-            <pc:docMk/>
-            <pc:sldMk cId="1920744964" sldId="371"/>
-            <ac:spMk id="128" creationId="{00000000-0000-0000-0000-000000000000}"/>
-          </ac:spMkLst>
-        </pc:spChg>
-        <pc:spChg chg="mod">
-          <ac:chgData name="Maleen Abeydeera" userId="c6ce28c11b823c74" providerId="LiveId" clId="{91697BA2-6172-4A82-953D-369E9F93C01D}" dt="2019-08-15T17:14:00.587" v="292" actId="1035"/>
-          <ac:spMkLst>
-            <pc:docMk/>
-            <pc:sldMk cId="1920744964" sldId="371"/>
-            <ac:spMk id="129" creationId="{A32DADFC-51AA-40DD-A036-BA6C8CD2141D}"/>
-          </ac:spMkLst>
-        </pc:spChg>
-        <pc:spChg chg="mod">
-          <ac:chgData name="Maleen Abeydeera" userId="c6ce28c11b823c74" providerId="LiveId" clId="{91697BA2-6172-4A82-953D-369E9F93C01D}" dt="2019-08-15T17:13:58.601" v="291" actId="1036"/>
-          <ac:spMkLst>
-            <pc:docMk/>
-            <pc:sldMk cId="1920744964" sldId="371"/>
-            <ac:spMk id="130" creationId="{D32063D9-3645-4384-A5D3-961B2B549B4B}"/>
-          </ac:spMkLst>
-        </pc:spChg>
-        <pc:spChg chg="del">
-          <ac:chgData name="Maleen Abeydeera" userId="c6ce28c11b823c74" providerId="LiveId" clId="{91697BA2-6172-4A82-953D-369E9F93C01D}" dt="2019-07-29T02:17:37.655" v="4" actId="478"/>
-          <ac:spMkLst>
-            <pc:docMk/>
-            <pc:sldMk cId="1920744964" sldId="371"/>
-            <ac:spMk id="134" creationId="{00000000-0000-0000-0000-000000000000}"/>
-          </ac:spMkLst>
-        </pc:spChg>
-        <pc:spChg chg="del">
-          <ac:chgData name="Maleen Abeydeera" userId="c6ce28c11b823c74" providerId="LiveId" clId="{91697BA2-6172-4A82-953D-369E9F93C01D}" dt="2019-07-29T02:17:37.655" v="4" actId="478"/>
-          <ac:spMkLst>
-            <pc:docMk/>
-            <pc:sldMk cId="1920744964" sldId="371"/>
-            <ac:spMk id="135" creationId="{00000000-0000-0000-0000-000000000000}"/>
-          </ac:spMkLst>
-        </pc:spChg>
-        <pc:spChg chg="del">
-          <ac:chgData name="Maleen Abeydeera" userId="c6ce28c11b823c74" providerId="LiveId" clId="{91697BA2-6172-4A82-953D-369E9F93C01D}" dt="2019-07-29T02:17:37.655" v="4" actId="478"/>
-          <ac:spMkLst>
-            <pc:docMk/>
-            <pc:sldMk cId="1920744964" sldId="371"/>
-            <ac:spMk id="136" creationId="{00000000-0000-0000-0000-000000000000}"/>
-          </ac:spMkLst>
-        </pc:spChg>
-        <pc:spChg chg="del">
-          <ac:chgData name="Maleen Abeydeera" userId="c6ce28c11b823c74" providerId="LiveId" clId="{91697BA2-6172-4A82-953D-369E9F93C01D}" dt="2019-07-29T02:17:37.655" v="4" actId="478"/>
-          <ac:spMkLst>
-            <pc:docMk/>
-            <pc:sldMk cId="1920744964" sldId="371"/>
-            <ac:spMk id="137" creationId="{00000000-0000-0000-0000-000000000000}"/>
-          </ac:spMkLst>
-        </pc:spChg>
-        <pc:spChg chg="del">
-          <ac:chgData name="Maleen Abeydeera" userId="c6ce28c11b823c74" providerId="LiveId" clId="{91697BA2-6172-4A82-953D-369E9F93C01D}" dt="2019-07-29T02:17:37.655" v="4" actId="478"/>
-          <ac:spMkLst>
-            <pc:docMk/>
-            <pc:sldMk cId="1920744964" sldId="371"/>
-            <ac:spMk id="138" creationId="{00000000-0000-0000-0000-000000000000}"/>
-          </ac:spMkLst>
-        </pc:spChg>
-        <pc:spChg chg="del">
-          <ac:chgData name="Maleen Abeydeera" userId="c6ce28c11b823c74" providerId="LiveId" clId="{91697BA2-6172-4A82-953D-369E9F93C01D}" dt="2019-07-29T02:17:37.655" v="4" actId="478"/>
-          <ac:spMkLst>
-            <pc:docMk/>
-            <pc:sldMk cId="1920744964" sldId="371"/>
-            <ac:spMk id="139" creationId="{00000000-0000-0000-0000-000000000000}"/>
-          </ac:spMkLst>
-        </pc:spChg>
-        <pc:spChg chg="del">
-          <ac:chgData name="Maleen Abeydeera" userId="c6ce28c11b823c74" providerId="LiveId" clId="{91697BA2-6172-4A82-953D-369E9F93C01D}" dt="2019-07-29T02:17:37.655" v="4" actId="478"/>
-          <ac:spMkLst>
-            <pc:docMk/>
-            <pc:sldMk cId="1920744964" sldId="371"/>
-            <ac:spMk id="141" creationId="{00000000-0000-0000-0000-000000000000}"/>
-          </ac:spMkLst>
-        </pc:spChg>
-        <pc:spChg chg="del">
-          <ac:chgData name="Maleen Abeydeera" userId="c6ce28c11b823c74" providerId="LiveId" clId="{91697BA2-6172-4A82-953D-369E9F93C01D}" dt="2019-07-29T02:17:37.655" v="4" actId="478"/>
-          <ac:spMkLst>
-            <pc:docMk/>
-            <pc:sldMk cId="1920744964" sldId="371"/>
-            <ac:spMk id="143" creationId="{00000000-0000-0000-0000-000000000000}"/>
-          </ac:spMkLst>
-        </pc:spChg>
-        <pc:spChg chg="del">
-          <ac:chgData name="Maleen Abeydeera" userId="c6ce28c11b823c74" providerId="LiveId" clId="{91697BA2-6172-4A82-953D-369E9F93C01D}" dt="2019-07-29T02:17:37.655" v="4" actId="478"/>
-          <ac:spMkLst>
-            <pc:docMk/>
-            <pc:sldMk cId="1920744964" sldId="371"/>
-            <ac:spMk id="144" creationId="{00000000-0000-0000-0000-000000000000}"/>
-          </ac:spMkLst>
-        </pc:spChg>
-        <pc:spChg chg="del">
-          <ac:chgData name="Maleen Abeydeera" userId="c6ce28c11b823c74" providerId="LiveId" clId="{91697BA2-6172-4A82-953D-369E9F93C01D}" dt="2019-07-29T02:17:37.655" v="4" actId="478"/>
-          <ac:spMkLst>
-            <pc:docMk/>
-            <pc:sldMk cId="1920744964" sldId="371"/>
-            <ac:spMk id="145" creationId="{00000000-0000-0000-0000-000000000000}"/>
-          </ac:spMkLst>
-        </pc:spChg>
-        <pc:spChg chg="del">
-          <ac:chgData name="Maleen Abeydeera" userId="c6ce28c11b823c74" providerId="LiveId" clId="{91697BA2-6172-4A82-953D-369E9F93C01D}" dt="2019-07-29T02:17:37.655" v="4" actId="478"/>
-          <ac:spMkLst>
-            <pc:docMk/>
-            <pc:sldMk cId="1920744964" sldId="371"/>
-            <ac:spMk id="146" creationId="{00000000-0000-0000-0000-000000000000}"/>
-          </ac:spMkLst>
-        </pc:spChg>
-        <pc:spChg chg="del">
-          <ac:chgData name="Maleen Abeydeera" userId="c6ce28c11b823c74" providerId="LiveId" clId="{91697BA2-6172-4A82-953D-369E9F93C01D}" dt="2019-07-29T02:17:37.655" v="4" actId="478"/>
-          <ac:spMkLst>
-            <pc:docMk/>
-            <pc:sldMk cId="1920744964" sldId="371"/>
-            <ac:spMk id="147" creationId="{00000000-0000-0000-0000-000000000000}"/>
-          </ac:spMkLst>
-        </pc:spChg>
-        <pc:spChg chg="del">
-          <ac:chgData name="Maleen Abeydeera" userId="c6ce28c11b823c74" providerId="LiveId" clId="{91697BA2-6172-4A82-953D-369E9F93C01D}" dt="2019-07-29T02:17:37.655" v="4" actId="478"/>
-          <ac:spMkLst>
-            <pc:docMk/>
-            <pc:sldMk cId="1920744964" sldId="371"/>
-            <ac:spMk id="148" creationId="{00000000-0000-0000-0000-000000000000}"/>
-          </ac:spMkLst>
-        </pc:spChg>
-        <pc:spChg chg="mod">
-          <ac:chgData name="Maleen Abeydeera" userId="c6ce28c11b823c74" providerId="LiveId" clId="{91697BA2-6172-4A82-953D-369E9F93C01D}" dt="2019-08-15T17:19:12.156" v="314" actId="1076"/>
-          <ac:spMkLst>
-            <pc:docMk/>
-            <pc:sldMk cId="1920744964" sldId="371"/>
-            <ac:spMk id="149" creationId="{00000000-0000-0000-0000-000000000000}"/>
-          </ac:spMkLst>
-        </pc:spChg>
-        <pc:spChg chg="mod">
-          <ac:chgData name="Maleen Abeydeera" userId="c6ce28c11b823c74" providerId="LiveId" clId="{91697BA2-6172-4A82-953D-369E9F93C01D}" dt="2019-08-15T17:19:12.156" v="314" actId="1076"/>
-          <ac:spMkLst>
-            <pc:docMk/>
-            <pc:sldMk cId="1920744964" sldId="371"/>
-            <ac:spMk id="150" creationId="{00000000-0000-0000-0000-000000000000}"/>
-          </ac:spMkLst>
-        </pc:spChg>
-        <pc:spChg chg="add mod">
-          <ac:chgData name="Maleen Abeydeera" userId="c6ce28c11b823c74" providerId="LiveId" clId="{91697BA2-6172-4A82-953D-369E9F93C01D}" dt="2019-08-15T17:13:52.226" v="288" actId="403"/>
-          <ac:spMkLst>
-            <pc:docMk/>
-            <pc:sldMk cId="1920744964" sldId="371"/>
-            <ac:spMk id="200" creationId="{6794CE3B-FBF6-4CC5-98DB-AA2B1458E138}"/>
-          </ac:spMkLst>
-        </pc:spChg>
-        <pc:spChg chg="add mod">
-          <ac:chgData name="Maleen Abeydeera" userId="c6ce28c11b823c74" providerId="LiveId" clId="{91697BA2-6172-4A82-953D-369E9F93C01D}" dt="2019-08-15T17:13:52.226" v="288" actId="403"/>
-          <ac:spMkLst>
-            <pc:docMk/>
-            <pc:sldMk cId="1920744964" sldId="371"/>
-            <ac:spMk id="201" creationId="{C6FB541F-DE95-4BF0-895A-5D08A4BFBEB7}"/>
-          </ac:spMkLst>
-        </pc:spChg>
-        <pc:spChg chg="add mod">
-          <ac:chgData name="Maleen Abeydeera" userId="c6ce28c11b823c74" providerId="LiveId" clId="{91697BA2-6172-4A82-953D-369E9F93C01D}" dt="2019-08-15T17:13:52.226" v="288" actId="403"/>
-          <ac:spMkLst>
-            <pc:docMk/>
-            <pc:sldMk cId="1920744964" sldId="371"/>
-            <ac:spMk id="202" creationId="{0488B1E9-A42B-41EB-831C-7D2967C164A3}"/>
-          </ac:spMkLst>
-        </pc:spChg>
-        <pc:spChg chg="add mod">
-          <ac:chgData name="Maleen Abeydeera" userId="c6ce28c11b823c74" providerId="LiveId" clId="{91697BA2-6172-4A82-953D-369E9F93C01D}" dt="2019-08-15T17:10:32.887" v="276" actId="1038"/>
-          <ac:spMkLst>
-            <pc:docMk/>
-            <pc:sldMk cId="1920744964" sldId="371"/>
-            <ac:spMk id="203" creationId="{FFE855B5-1A61-4C29-9F24-86D26F524E6F}"/>
-          </ac:spMkLst>
-        </pc:spChg>
-        <pc:spChg chg="add mod">
-          <ac:chgData name="Maleen Abeydeera" userId="c6ce28c11b823c74" providerId="LiveId" clId="{91697BA2-6172-4A82-953D-369E9F93C01D}" dt="2019-08-15T17:13:52.226" v="288" actId="403"/>
-          <ac:spMkLst>
-            <pc:docMk/>
-            <pc:sldMk cId="1920744964" sldId="371"/>
-            <ac:spMk id="204" creationId="{E07585E1-4C30-491E-9BE3-1B43DAED68B6}"/>
-          </ac:spMkLst>
-        </pc:spChg>
-        <pc:spChg chg="add mod">
-          <ac:chgData name="Maleen Abeydeera" userId="c6ce28c11b823c74" providerId="LiveId" clId="{91697BA2-6172-4A82-953D-369E9F93C01D}" dt="2019-08-15T17:13:52.226" v="288" actId="403"/>
-          <ac:spMkLst>
-            <pc:docMk/>
-            <pc:sldMk cId="1920744964" sldId="371"/>
-            <ac:spMk id="205" creationId="{B2CC7AE3-D4B9-46C6-BF7B-23290AD31498}"/>
-          </ac:spMkLst>
-        </pc:spChg>
-        <pc:spChg chg="add mod">
-          <ac:chgData name="Maleen Abeydeera" userId="c6ce28c11b823c74" providerId="LiveId" clId="{91697BA2-6172-4A82-953D-369E9F93C01D}" dt="2019-08-15T17:13:52.226" v="288" actId="403"/>
-          <ac:spMkLst>
-            <pc:docMk/>
-            <pc:sldMk cId="1920744964" sldId="371"/>
-            <ac:spMk id="206" creationId="{C543D6E4-01D9-43FE-9063-69A1EB7B5686}"/>
-          </ac:spMkLst>
-        </pc:spChg>
-        <pc:spChg chg="add mod">
-          <ac:chgData name="Maleen Abeydeera" userId="c6ce28c11b823c74" providerId="LiveId" clId="{91697BA2-6172-4A82-953D-369E9F93C01D}" dt="2019-08-15T17:13:52.226" v="288" actId="403"/>
-          <ac:spMkLst>
-            <pc:docMk/>
-            <pc:sldMk cId="1920744964" sldId="371"/>
-            <ac:spMk id="207" creationId="{A3DE972D-2631-4EB0-B336-7362CB6E839B}"/>
-          </ac:spMkLst>
-        </pc:spChg>
-        <pc:spChg chg="add mod">
-          <ac:chgData name="Maleen Abeydeera" userId="c6ce28c11b823c74" providerId="LiveId" clId="{91697BA2-6172-4A82-953D-369E9F93C01D}" dt="2019-08-15T17:13:52.226" v="288" actId="403"/>
-          <ac:spMkLst>
-            <pc:docMk/>
-            <pc:sldMk cId="1920744964" sldId="371"/>
-            <ac:spMk id="208" creationId="{91440C61-DC2C-4650-ADBA-3A769A6FF4BD}"/>
-          </ac:spMkLst>
-        </pc:spChg>
-        <pc:spChg chg="mod">
-          <ac:chgData name="Maleen Abeydeera" userId="c6ce28c11b823c74" providerId="LiveId" clId="{91697BA2-6172-4A82-953D-369E9F93C01D}" dt="2019-08-15T17:14:32.117" v="298" actId="1038"/>
-          <ac:spMkLst>
-            <pc:docMk/>
-            <pc:sldMk cId="1920744964" sldId="371"/>
-            <ac:spMk id="221" creationId="{E0D0D169-D299-4ECC-ADFD-B574D46E77B3}"/>
-          </ac:spMkLst>
-        </pc:spChg>
-        <pc:spChg chg="add del mod">
-          <ac:chgData name="Maleen Abeydeera" userId="c6ce28c11b823c74" providerId="LiveId" clId="{91697BA2-6172-4A82-953D-369E9F93C01D}" dt="2019-08-15T17:18:59.132" v="312" actId="14100"/>
-          <ac:spMkLst>
-            <pc:docMk/>
-            <pc:sldMk cId="1920744964" sldId="371"/>
-            <ac:spMk id="222" creationId="{1258524B-5D08-4EF7-8189-E2775AC8D729}"/>
-          </ac:spMkLst>
-        </pc:spChg>
-        <pc:spChg chg="add mod">
-          <ac:chgData name="Maleen Abeydeera" userId="c6ce28c11b823c74" providerId="LiveId" clId="{91697BA2-6172-4A82-953D-369E9F93C01D}" dt="2019-08-15T17:13:52.226" v="288" actId="403"/>
-          <ac:spMkLst>
-            <pc:docMk/>
-            <pc:sldMk cId="1920744964" sldId="371"/>
-            <ac:spMk id="223" creationId="{2B2B519C-E3D8-4192-8BFA-D046D2E31302}"/>
-          </ac:spMkLst>
-        </pc:spChg>
-        <pc:grpChg chg="del">
-          <ac:chgData name="Maleen Abeydeera" userId="c6ce28c11b823c74" providerId="LiveId" clId="{91697BA2-6172-4A82-953D-369E9F93C01D}" dt="2019-07-29T02:17:18.466" v="2" actId="478"/>
-          <ac:grpSpMkLst>
-            <pc:docMk/>
-            <pc:sldMk cId="1920744964" sldId="371"/>
-            <ac:grpSpMk id="8" creationId="{FA2F11A8-4D37-0548-8A78-9D96185A5537}"/>
-          </ac:grpSpMkLst>
-        </pc:grpChg>
-        <pc:grpChg chg="del">
-          <ac:chgData name="Maleen Abeydeera" userId="c6ce28c11b823c74" providerId="LiveId" clId="{91697BA2-6172-4A82-953D-369E9F93C01D}" dt="2019-07-29T02:17:18.466" v="2" actId="478"/>
-          <ac:grpSpMkLst>
-            <pc:docMk/>
-            <pc:sldMk cId="1920744964" sldId="371"/>
-            <ac:grpSpMk id="19" creationId="{00000000-0000-0000-0000-000000000000}"/>
-          </ac:grpSpMkLst>
-        </pc:grpChg>
-        <pc:grpChg chg="del">
-          <ac:chgData name="Maleen Abeydeera" userId="c6ce28c11b823c74" providerId="LiveId" clId="{91697BA2-6172-4A82-953D-369E9F93C01D}" dt="2019-07-29T02:17:18.466" v="2" actId="478"/>
-          <ac:grpSpMkLst>
-            <pc:docMk/>
-            <pc:sldMk cId="1920744964" sldId="371"/>
-            <ac:grpSpMk id="28" creationId="{00000000-0000-0000-0000-000000000000}"/>
-          </ac:grpSpMkLst>
-        </pc:grpChg>
-        <pc:grpChg chg="del">
-          <ac:chgData name="Maleen Abeydeera" userId="c6ce28c11b823c74" providerId="LiveId" clId="{91697BA2-6172-4A82-953D-369E9F93C01D}" dt="2019-07-29T02:17:18.466" v="2" actId="478"/>
-          <ac:grpSpMkLst>
-            <pc:docMk/>
-            <pc:sldMk cId="1920744964" sldId="371"/>
-            <ac:grpSpMk id="97" creationId="{00000000-0000-0000-0000-000000000000}"/>
-          </ac:grpSpMkLst>
-        </pc:grpChg>
-        <pc:grpChg chg="add mod">
-          <ac:chgData name="Maleen Abeydeera" userId="c6ce28c11b823c74" providerId="LiveId" clId="{91697BA2-6172-4A82-953D-369E9F93C01D}" dt="2019-08-15T17:13:52.226" v="288" actId="403"/>
-          <ac:grpSpMkLst>
-            <pc:docMk/>
-            <pc:sldMk cId="1920744964" sldId="371"/>
-            <ac:grpSpMk id="105" creationId="{A1BF02B2-4626-47E1-9828-EA9865CE11CC}"/>
-          </ac:grpSpMkLst>
-        </pc:grpChg>
-        <pc:grpChg chg="mod">
-          <ac:chgData name="Maleen Abeydeera" userId="c6ce28c11b823c74" providerId="LiveId" clId="{91697BA2-6172-4A82-953D-369E9F93C01D}" dt="2019-08-15T17:13:52.226" v="288" actId="403"/>
-          <ac:grpSpMkLst>
-            <pc:docMk/>
-            <pc:sldMk cId="1920744964" sldId="371"/>
-            <ac:grpSpMk id="106" creationId="{C3FDF2F8-FCEE-4017-B34B-6359CFC47171}"/>
-          </ac:grpSpMkLst>
-        </pc:grpChg>
-        <pc:grpChg chg="del">
-          <ac:chgData name="Maleen Abeydeera" userId="c6ce28c11b823c74" providerId="LiveId" clId="{91697BA2-6172-4A82-953D-369E9F93C01D}" dt="2019-07-29T02:17:37.655" v="4" actId="478"/>
-          <ac:grpSpMkLst>
-            <pc:docMk/>
-            <pc:sldMk cId="1920744964" sldId="371"/>
-            <ac:grpSpMk id="121" creationId="{00000000-0000-0000-0000-000000000000}"/>
-          </ac:grpSpMkLst>
-        </pc:grpChg>
-        <pc:grpChg chg="add mod">
-          <ac:chgData name="Maleen Abeydeera" userId="c6ce28c11b823c74" providerId="LiveId" clId="{91697BA2-6172-4A82-953D-369E9F93C01D}" dt="2019-08-15T17:13:52.226" v="288" actId="403"/>
-          <ac:grpSpMkLst>
-            <pc:docMk/>
-            <pc:sldMk cId="1920744964" sldId="371"/>
-            <ac:grpSpMk id="170" creationId="{5A3AF422-0C1D-4B82-B25B-7E99890D589E}"/>
-          </ac:grpSpMkLst>
-        </pc:grpChg>
-        <pc:grpChg chg="add mod">
-          <ac:chgData name="Maleen Abeydeera" userId="c6ce28c11b823c74" providerId="LiveId" clId="{91697BA2-6172-4A82-953D-369E9F93C01D}" dt="2019-08-15T17:10:32.887" v="276" actId="1038"/>
-          <ac:grpSpMkLst>
-            <pc:docMk/>
-            <pc:sldMk cId="1920744964" sldId="371"/>
-            <ac:grpSpMk id="209" creationId="{4ECC1552-E516-4F0E-9869-8E375EE63673}"/>
-          </ac:grpSpMkLst>
-        </pc:grpChg>
-        <pc:cxnChg chg="del">
-          <ac:chgData name="Maleen Abeydeera" userId="c6ce28c11b823c74" providerId="LiveId" clId="{91697BA2-6172-4A82-953D-369E9F93C01D}" dt="2019-07-29T02:17:18.466" v="2" actId="478"/>
-          <ac:cxnSpMkLst>
-            <pc:docMk/>
-            <pc:sldMk cId="1920744964" sldId="371"/>
-            <ac:cxnSpMk id="51" creationId="{00000000-0000-0000-0000-000000000000}"/>
-          </ac:cxnSpMkLst>
-        </pc:cxnChg>
-        <pc:cxnChg chg="del">
-          <ac:chgData name="Maleen Abeydeera" userId="c6ce28c11b823c74" providerId="LiveId" clId="{91697BA2-6172-4A82-953D-369E9F93C01D}" dt="2019-07-29T02:17:18.466" v="2" actId="478"/>
-          <ac:cxnSpMkLst>
-            <pc:docMk/>
-            <pc:sldMk cId="1920744964" sldId="371"/>
-            <ac:cxnSpMk id="53" creationId="{00000000-0000-0000-0000-000000000000}"/>
-          </ac:cxnSpMkLst>
-        </pc:cxnChg>
-        <pc:cxnChg chg="del">
-          <ac:chgData name="Maleen Abeydeera" userId="c6ce28c11b823c74" providerId="LiveId" clId="{91697BA2-6172-4A82-953D-369E9F93C01D}" dt="2019-07-29T02:17:18.466" v="2" actId="478"/>
-          <ac:cxnSpMkLst>
-            <pc:docMk/>
-            <pc:sldMk cId="1920744964" sldId="371"/>
-            <ac:cxnSpMk id="56" creationId="{00000000-0000-0000-0000-000000000000}"/>
-          </ac:cxnSpMkLst>
-        </pc:cxnChg>
-        <pc:cxnChg chg="del">
-          <ac:chgData name="Maleen Abeydeera" userId="c6ce28c11b823c74" providerId="LiveId" clId="{91697BA2-6172-4A82-953D-369E9F93C01D}" dt="2019-07-29T02:17:18.466" v="2" actId="478"/>
-          <ac:cxnSpMkLst>
-            <pc:docMk/>
-            <pc:sldMk cId="1920744964" sldId="371"/>
-            <ac:cxnSpMk id="58" creationId="{00000000-0000-0000-0000-000000000000}"/>
-          </ac:cxnSpMkLst>
-        </pc:cxnChg>
-        <pc:cxnChg chg="del">
-          <ac:chgData name="Maleen Abeydeera" userId="c6ce28c11b823c74" providerId="LiveId" clId="{91697BA2-6172-4A82-953D-369E9F93C01D}" dt="2019-07-29T02:17:18.466" v="2" actId="478"/>
-          <ac:cxnSpMkLst>
-            <pc:docMk/>
-            <pc:sldMk cId="1920744964" sldId="371"/>
-            <ac:cxnSpMk id="65" creationId="{00000000-0000-0000-0000-000000000000}"/>
-          </ac:cxnSpMkLst>
-        </pc:cxnChg>
-        <pc:cxnChg chg="del">
-          <ac:chgData name="Maleen Abeydeera" userId="c6ce28c11b823c74" providerId="LiveId" clId="{91697BA2-6172-4A82-953D-369E9F93C01D}" dt="2019-07-29T02:17:18.466" v="2" actId="478"/>
-          <ac:cxnSpMkLst>
-            <pc:docMk/>
-            <pc:sldMk cId="1920744964" sldId="371"/>
-            <ac:cxnSpMk id="66" creationId="{00000000-0000-0000-0000-000000000000}"/>
-          </ac:cxnSpMkLst>
-        </pc:cxnChg>
-        <pc:cxnChg chg="del">
-          <ac:chgData name="Maleen Abeydeera" userId="c6ce28c11b823c74" providerId="LiveId" clId="{91697BA2-6172-4A82-953D-369E9F93C01D}" dt="2019-07-29T02:17:18.466" v="2" actId="478"/>
-          <ac:cxnSpMkLst>
-            <pc:docMk/>
-            <pc:sldMk cId="1920744964" sldId="371"/>
-            <ac:cxnSpMk id="68" creationId="{00000000-0000-0000-0000-000000000000}"/>
-          </ac:cxnSpMkLst>
-        </pc:cxnChg>
-        <pc:cxnChg chg="del">
-          <ac:chgData name="Maleen Abeydeera" userId="c6ce28c11b823c74" providerId="LiveId" clId="{91697BA2-6172-4A82-953D-369E9F93C01D}" dt="2019-07-29T02:17:37.655" v="4" actId="478"/>
-          <ac:cxnSpMkLst>
-            <pc:docMk/>
-            <pc:sldMk cId="1920744964" sldId="371"/>
-            <ac:cxnSpMk id="124" creationId="{00000000-0000-0000-0000-000000000000}"/>
-          </ac:cxnSpMkLst>
-        </pc:cxnChg>
-        <pc:cxnChg chg="add mod">
-          <ac:chgData name="Maleen Abeydeera" userId="c6ce28c11b823c74" providerId="LiveId" clId="{91697BA2-6172-4A82-953D-369E9F93C01D}" dt="2019-08-15T17:10:32.887" v="276" actId="1038"/>
-          <ac:cxnSpMkLst>
-            <pc:docMk/>
-            <pc:sldMk cId="1920744964" sldId="371"/>
-            <ac:cxnSpMk id="199" creationId="{74B06795-03CA-481E-9BF5-3DD3E343B447}"/>
-          </ac:cxnSpMkLst>
-        </pc:cxnChg>
-        <pc:cxnChg chg="mod">
-          <ac:chgData name="Maleen Abeydeera" userId="c6ce28c11b823c74" providerId="LiveId" clId="{91697BA2-6172-4A82-953D-369E9F93C01D}" dt="2019-08-15T17:14:25.545" v="296" actId="1037"/>
-          <ac:cxnSpMkLst>
-            <pc:docMk/>
-            <pc:sldMk cId="1920744964" sldId="371"/>
-            <ac:cxnSpMk id="216" creationId="{E1213A67-8A83-4B7D-93F4-44BF08CC2304}"/>
-          </ac:cxnSpMkLst>
-        </pc:cxnChg>
-      </pc:sldChg>
-      <pc:sldChg chg="addSp delSp modSp add addAnim delAnim modAnim">
-        <pc:chgData name="Maleen Abeydeera" userId="c6ce28c11b823c74" providerId="LiveId" clId="{91697BA2-6172-4A82-953D-369E9F93C01D}" dt="2019-08-13T19:13:02.141" v="258" actId="14100"/>
-        <pc:sldMkLst>
-          <pc:docMk/>
-          <pc:sldMk cId="2731924444" sldId="379"/>
-        </pc:sldMkLst>
-        <pc:spChg chg="add mod">
-          <ac:chgData name="Maleen Abeydeera" userId="c6ce28c11b823c74" providerId="LiveId" clId="{91697BA2-6172-4A82-953D-369E9F93C01D}" dt="2019-08-13T19:12:59.323" v="257" actId="14100"/>
-          <ac:spMkLst>
-            <pc:docMk/>
-            <pc:sldMk cId="2731924444" sldId="379"/>
-            <ac:spMk id="2" creationId="{ACB16E52-098E-4EB1-9F0A-DBA15C0205CF}"/>
-          </ac:spMkLst>
-        </pc:spChg>
-        <pc:spChg chg="add mod">
-          <ac:chgData name="Maleen Abeydeera" userId="c6ce28c11b823c74" providerId="LiveId" clId="{91697BA2-6172-4A82-953D-369E9F93C01D}" dt="2019-08-13T19:12:54.048" v="256" actId="1038"/>
-          <ac:spMkLst>
-            <pc:docMk/>
-            <pc:sldMk cId="2731924444" sldId="379"/>
-            <ac:spMk id="3" creationId="{05B4868E-7000-4087-AD01-AB5549014C38}"/>
-          </ac:spMkLst>
-        </pc:spChg>
-        <pc:spChg chg="add del mod">
-          <ac:chgData name="Maleen Abeydeera" userId="c6ce28c11b823c74" providerId="LiveId" clId="{91697BA2-6172-4A82-953D-369E9F93C01D}" dt="2019-08-13T19:13:02.141" v="258" actId="14100"/>
-          <ac:spMkLst>
-            <pc:docMk/>
-            <pc:sldMk cId="2731924444" sldId="379"/>
-            <ac:spMk id="4" creationId="{96B0D3A5-48AA-4179-A3E8-3DABBC3A72CD}"/>
-          </ac:spMkLst>
-        </pc:spChg>
-        <pc:spChg chg="add mod">
-          <ac:chgData name="Maleen Abeydeera" userId="c6ce28c11b823c74" providerId="LiveId" clId="{91697BA2-6172-4A82-953D-369E9F93C01D}" dt="2019-08-13T19:12:54.048" v="256" actId="1038"/>
-          <ac:spMkLst>
-            <pc:docMk/>
-            <pc:sldMk cId="2731924444" sldId="379"/>
-            <ac:spMk id="5" creationId="{7D2C10AE-B706-4042-B206-679695B2FCBB}"/>
-          </ac:spMkLst>
-        </pc:spChg>
-        <pc:spChg chg="add mod">
-          <ac:chgData name="Maleen Abeydeera" userId="c6ce28c11b823c74" providerId="LiveId" clId="{91697BA2-6172-4A82-953D-369E9F93C01D}" dt="2019-08-13T19:12:37.844" v="252" actId="1076"/>
-          <ac:spMkLst>
-            <pc:docMk/>
-            <pc:sldMk cId="2731924444" sldId="379"/>
-            <ac:spMk id="6" creationId="{878655CD-E329-423F-9428-F8DCE6B02002}"/>
-          </ac:spMkLst>
-        </pc:spChg>
-        <pc:spChg chg="add mod">
-          <ac:chgData name="Maleen Abeydeera" userId="c6ce28c11b823c74" providerId="LiveId" clId="{91697BA2-6172-4A82-953D-369E9F93C01D}" dt="2019-08-13T19:12:40.697" v="253" actId="403"/>
-          <ac:spMkLst>
-            <pc:docMk/>
-            <pc:sldMk cId="2731924444" sldId="379"/>
-            <ac:spMk id="7" creationId="{0E3595F8-CC2A-454F-A5AF-0108AB0F88EF}"/>
-          </ac:spMkLst>
-        </pc:spChg>
-        <pc:spChg chg="add mod">
-          <ac:chgData name="Maleen Abeydeera" userId="c6ce28c11b823c74" providerId="LiveId" clId="{91697BA2-6172-4A82-953D-369E9F93C01D}" dt="2019-07-29T02:18:28.324" v="9" actId="1076"/>
-          <ac:spMkLst>
-            <pc:docMk/>
-            <pc:sldMk cId="2731924444" sldId="379"/>
-            <ac:spMk id="8" creationId="{C9286977-82B2-4397-91B9-1017ADEDC37A}"/>
-          </ac:spMkLst>
-        </pc:spChg>
-        <pc:spChg chg="add mod">
-          <ac:chgData name="Maleen Abeydeera" userId="c6ce28c11b823c74" providerId="LiveId" clId="{91697BA2-6172-4A82-953D-369E9F93C01D}" dt="2019-07-29T02:18:28.324" v="9" actId="1076"/>
-          <ac:spMkLst>
-            <pc:docMk/>
-            <pc:sldMk cId="2731924444" sldId="379"/>
-            <ac:spMk id="9" creationId="{B4C4A2C6-7963-48E4-8514-B99F329BF07D}"/>
-          </ac:spMkLst>
-        </pc:spChg>
-        <pc:spChg chg="add mod">
-          <ac:chgData name="Maleen Abeydeera" userId="c6ce28c11b823c74" providerId="LiveId" clId="{91697BA2-6172-4A82-953D-369E9F93C01D}" dt="2019-07-29T02:18:28.324" v="9" actId="1076"/>
-          <ac:spMkLst>
-            <pc:docMk/>
-            <pc:sldMk cId="2731924444" sldId="379"/>
-            <ac:spMk id="10" creationId="{90C55AC9-15C3-456E-ADDF-94303BD934AB}"/>
-          </ac:spMkLst>
-        </pc:spChg>
-        <pc:spChg chg="add mod">
-          <ac:chgData name="Maleen Abeydeera" userId="c6ce28c11b823c74" providerId="LiveId" clId="{91697BA2-6172-4A82-953D-369E9F93C01D}" dt="2019-07-29T02:18:28.324" v="9" actId="1076"/>
-          <ac:spMkLst>
-            <pc:docMk/>
-            <pc:sldMk cId="2731924444" sldId="379"/>
-            <ac:spMk id="11" creationId="{EEA09DC7-D7D6-4006-AC20-8101DA72DA8C}"/>
-          </ac:spMkLst>
-        </pc:spChg>
-        <pc:spChg chg="add del mod">
-          <ac:chgData name="Maleen Abeydeera" userId="c6ce28c11b823c74" providerId="LiveId" clId="{91697BA2-6172-4A82-953D-369E9F93C01D}" dt="2019-07-29T02:18:52.544" v="34" actId="478"/>
-          <ac:spMkLst>
-            <pc:docMk/>
-            <pc:sldMk cId="2731924444" sldId="379"/>
-            <ac:spMk id="12" creationId="{7E8918F3-5875-4EE9-81A4-B974AF63AAC7}"/>
-          </ac:spMkLst>
-        </pc:spChg>
-        <pc:spChg chg="add del mod">
-          <ac:chgData name="Maleen Abeydeera" userId="c6ce28c11b823c74" providerId="LiveId" clId="{91697BA2-6172-4A82-953D-369E9F93C01D}" dt="2019-07-29T02:18:42.405" v="22" actId="478"/>
-          <ac:spMkLst>
-            <pc:docMk/>
-            <pc:sldMk cId="2731924444" sldId="379"/>
-            <ac:spMk id="15" creationId="{D6FE183A-F762-4A6A-9511-4DA47E6714BC}"/>
-          </ac:spMkLst>
-        </pc:spChg>
-        <pc:cxnChg chg="add del mod">
-          <ac:chgData name="Maleen Abeydeera" userId="c6ce28c11b823c74" providerId="LiveId" clId="{91697BA2-6172-4A82-953D-369E9F93C01D}" dt="2019-07-29T02:18:45.945" v="23" actId="478"/>
-          <ac:cxnSpMkLst>
-            <pc:docMk/>
-            <pc:sldMk cId="2731924444" sldId="379"/>
-            <ac:cxnSpMk id="13" creationId="{94209E45-88D7-4FEC-96E0-869B6EA5EF4B}"/>
-          </ac:cxnSpMkLst>
-        </pc:cxnChg>
-        <pc:cxnChg chg="add del mod">
-          <ac:chgData name="Maleen Abeydeera" userId="c6ce28c11b823c74" providerId="LiveId" clId="{91697BA2-6172-4A82-953D-369E9F93C01D}" dt="2019-07-29T02:18:45.945" v="23" actId="478"/>
-          <ac:cxnSpMkLst>
-            <pc:docMk/>
-            <pc:sldMk cId="2731924444" sldId="379"/>
-            <ac:cxnSpMk id="14" creationId="{B8CA2BE1-8595-459B-B654-1FAB6C0923CD}"/>
-          </ac:cxnSpMkLst>
-        </pc:cxnChg>
-      </pc:sldChg>
     </pc:docChg>
   </pc:docChgLst>
 </pc:chgInfo>
@@ -1095,7 +326,7 @@
             <a:fld id="{46580E7D-B2DC-4873-A1D5-24947FA3B434}" type="datetimeFigureOut">
               <a:rPr lang="en-US" smtClean="0"/>
               <a:pPr/>
-              <a:t>8/26/2019</a:t>
+              <a:t>9/11/2019</a:t>
             </a:fld>
             <a:endParaRPr lang="en-US"/>
           </a:p>
@@ -1664,7 +895,7 @@
             <a:fld id="{A06D947B-1D2A-49EF-85F9-A26DAC4668D4}" type="datetime1">
               <a:rPr lang="en-US" smtClean="0"/>
               <a:pPr/>
-              <a:t>8/26/2019</a:t>
+              <a:t>9/11/2019</a:t>
             </a:fld>
             <a:endParaRPr lang="en-US"/>
           </a:p>
@@ -1886,7 +1117,7 @@
             <a:fld id="{E7F18A73-E2E7-4A56-925E-2D4A12B67684}" type="datetime1">
               <a:rPr lang="en-US" smtClean="0"/>
               <a:pPr/>
-              <a:t>8/26/2019</a:t>
+              <a:t>9/11/2019</a:t>
             </a:fld>
             <a:endParaRPr lang="en-US"/>
           </a:p>
@@ -2097,7 +1328,7 @@
             <a:fld id="{29513800-36B9-4B05-BF91-87F803556443}" type="datetime1">
               <a:rPr lang="en-US" smtClean="0"/>
               <a:pPr/>
-              <a:t>8/26/2019</a:t>
+              <a:t>9/11/2019</a:t>
             </a:fld>
             <a:endParaRPr lang="en-US"/>
           </a:p>
@@ -2639,7 +1870,7 @@
             <a:fld id="{2EC16A77-74E9-441D-A889-84029899A032}" type="datetime1">
               <a:rPr lang="en-US" smtClean="0"/>
               <a:pPr/>
-              <a:t>8/26/2019</a:t>
+              <a:t>9/11/2019</a:t>
             </a:fld>
             <a:endParaRPr lang="en-US"/>
           </a:p>
@@ -2915,7 +2146,7 @@
             <a:fld id="{51B4428C-7D26-46FF-997A-4B10CE3AACD9}" type="datetime1">
               <a:rPr lang="en-US" smtClean="0"/>
               <a:pPr/>
-              <a:t>8/26/2019</a:t>
+              <a:t>9/11/2019</a:t>
             </a:fld>
             <a:endParaRPr lang="en-US"/>
           </a:p>
@@ -3185,7 +2416,7 @@
             <a:fld id="{7BC39173-180F-4E3F-8EFB-503396DA6B3A}" type="datetime1">
               <a:rPr lang="en-US" smtClean="0"/>
               <a:pPr/>
-              <a:t>8/26/2019</a:t>
+              <a:t>9/11/2019</a:t>
             </a:fld>
             <a:endParaRPr lang="en-US"/>
           </a:p>
@@ -3419,7 +2650,7 @@
             <a:fld id="{20CAD4B9-AACB-4A9F-9815-63B9E6773138}" type="datetime1">
               <a:rPr lang="en-US" smtClean="0"/>
               <a:pPr/>
-              <a:t>8/26/2019</a:t>
+              <a:t>9/11/2019</a:t>
             </a:fld>
             <a:endParaRPr lang="en-US"/>
           </a:p>
@@ -3543,7 +2774,7 @@
             <a:fld id="{E5F700E1-E77E-464F-BD57-8E34C5E399A8}" type="datetime1">
               <a:rPr lang="en-US" smtClean="0"/>
               <a:pPr/>
-              <a:t>8/26/2019</a:t>
+              <a:t>9/11/2019</a:t>
             </a:fld>
             <a:endParaRPr lang="en-US"/>
           </a:p>
@@ -3702,7 +2933,7 @@
             <a:fld id="{1A542AAB-2A23-4505-BEF7-6A11B7849BA5}" type="datetime1">
               <a:rPr lang="en-US" smtClean="0"/>
               <a:pPr/>
-              <a:t>8/26/2019</a:t>
+              <a:t>9/11/2019</a:t>
             </a:fld>
             <a:endParaRPr lang="en-US"/>
           </a:p>
@@ -4252,7 +3483,7 @@
             <a:fld id="{B84E245D-8EE5-4CDE-870E-EC3F30013EBD}" type="datetime1">
               <a:rPr lang="en-US" smtClean="0"/>
               <a:pPr/>
-              <a:t>8/26/2019</a:t>
+              <a:t>9/11/2019</a:t>
             </a:fld>
             <a:endParaRPr lang="en-US"/>
           </a:p>
@@ -4759,6 +3990,3399 @@
       </p:grpSpPr>
       <p:sp>
         <p:nvSpPr>
+          <p:cNvPr id="20" name="Rectangle 19"/>
+          <p:cNvSpPr/>
+          <p:nvPr/>
+        </p:nvSpPr>
+        <p:spPr bwMode="auto">
+          <a:xfrm>
+            <a:off x="6201466" y="609601"/>
+            <a:ext cx="1113760" cy="1173498"/>
+          </a:xfrm>
+          <a:prstGeom prst="rect">
+            <a:avLst/>
+          </a:prstGeom>
+          <a:solidFill>
+            <a:srgbClr val="FDFDFD"/>
+          </a:solidFill>
+          <a:ln w="28575" cap="flat" cmpd="sng" algn="ctr">
+            <a:solidFill>
+              <a:schemeClr val="bg1">
+                <a:lumMod val="85000"/>
+              </a:schemeClr>
+            </a:solidFill>
+            <a:prstDash val="solid"/>
+            <a:round/>
+            <a:headEnd type="none" w="med" len="med"/>
+            <a:tailEnd type="none" w="med" len="med"/>
+          </a:ln>
+          <a:effectLst/>
+        </p:spPr>
+        <p:txBody>
+          <a:bodyPr vert="horz" wrap="square" lIns="91440" tIns="45720" rIns="91440" bIns="45720" numCol="1" rtlCol="0" anchor="t" anchorCtr="0" compatLnSpc="1">
+            <a:prstTxWarp prst="textNoShape">
+              <a:avLst/>
+            </a:prstTxWarp>
+          </a:bodyPr>
+          <a:lstStyle/>
+          <a:p>
+            <a:pPr marL="0" marR="0" indent="0" algn="l" defTabSz="914400" rtl="0" eaLnBrk="1" fontAlgn="base" latinLnBrk="0" hangingPunct="1">
+              <a:lnSpc>
+                <a:spcPct val="90000"/>
+              </a:lnSpc>
+              <a:spcBef>
+                <a:spcPct val="25000"/>
+              </a:spcBef>
+              <a:spcAft>
+                <a:spcPct val="0"/>
+              </a:spcAft>
+              <a:buClr>
+                <a:schemeClr val="bg1"/>
+              </a:buClr>
+              <a:buSzPct val="100000"/>
+              <a:buFont typeface="Wingdings" pitchFamily="2" charset="2"/>
+              <a:buChar char="•"/>
+              <a:tabLst/>
+            </a:pPr>
+            <a:endParaRPr kumimoji="0" lang="en-US" sz="1600" b="0" i="0" u="none" strike="noStrike" cap="none" normalizeH="0" baseline="0">
+              <a:ln>
+                <a:noFill/>
+              </a:ln>
+              <a:solidFill>
+                <a:schemeClr val="tx1"/>
+              </a:solidFill>
+              <a:effectLst/>
+              <a:latin typeface="Helvetica" pitchFamily="34" charset="0"/>
+            </a:endParaRPr>
+          </a:p>
+        </p:txBody>
+      </p:sp>
+      <p:sp>
+        <p:nvSpPr>
+          <p:cNvPr id="19" name="TextBox 18"/>
+          <p:cNvSpPr txBox="1"/>
+          <p:nvPr/>
+        </p:nvSpPr>
+        <p:spPr>
+          <a:xfrm>
+            <a:off x="6438386" y="571808"/>
+            <a:ext cx="639919" cy="338554"/>
+          </a:xfrm>
+          <a:prstGeom prst="rect">
+            <a:avLst/>
+          </a:prstGeom>
+          <a:noFill/>
+        </p:spPr>
+        <p:txBody>
+          <a:bodyPr wrap="none" rtlCol="0">
+            <a:spAutoFit/>
+          </a:bodyPr>
+          <a:lstStyle/>
+          <a:p>
+            <a:r>
+              <a:rPr lang="en-US" sz="1600" dirty="0">
+                <a:latin typeface="Helvetica" pitchFamily="34" charset="0"/>
+              </a:rPr>
+              <a:t>and2</a:t>
+            </a:r>
+          </a:p>
+        </p:txBody>
+      </p:sp>
+      <p:cxnSp>
+        <p:nvCxnSpPr>
+          <p:cNvPr id="21" name="Straight Arrow Connector 20"/>
+          <p:cNvCxnSpPr/>
+          <p:nvPr/>
+        </p:nvCxnSpPr>
+        <p:spPr bwMode="auto">
+          <a:xfrm>
+            <a:off x="7097036" y="1278628"/>
+            <a:ext cx="492506" cy="0"/>
+          </a:xfrm>
+          <a:prstGeom prst="straightConnector1">
+            <a:avLst/>
+          </a:prstGeom>
+          <a:noFill/>
+          <a:ln w="28575" cap="flat" cmpd="sng" algn="ctr">
+            <a:solidFill>
+              <a:schemeClr val="tx1"/>
+            </a:solidFill>
+            <a:prstDash val="solid"/>
+            <a:round/>
+            <a:headEnd type="none" w="med" len="med"/>
+            <a:tailEnd type="triangle"/>
+          </a:ln>
+          <a:effectLst/>
+        </p:spPr>
+      </p:cxnSp>
+      <p:cxnSp>
+        <p:nvCxnSpPr>
+          <p:cNvPr id="22" name="Straight Arrow Connector 21"/>
+          <p:cNvCxnSpPr/>
+          <p:nvPr/>
+        </p:nvCxnSpPr>
+        <p:spPr bwMode="auto">
+          <a:xfrm>
+            <a:off x="6026833" y="1077682"/>
+            <a:ext cx="349264" cy="0"/>
+          </a:xfrm>
+          <a:prstGeom prst="straightConnector1">
+            <a:avLst/>
+          </a:prstGeom>
+          <a:noFill/>
+          <a:ln w="28575" cap="flat" cmpd="sng" algn="ctr">
+            <a:solidFill>
+              <a:schemeClr val="tx1"/>
+            </a:solidFill>
+            <a:prstDash val="solid"/>
+            <a:round/>
+            <a:headEnd type="none" w="med" len="med"/>
+            <a:tailEnd type="triangle"/>
+          </a:ln>
+          <a:effectLst/>
+        </p:spPr>
+      </p:cxnSp>
+      <p:cxnSp>
+        <p:nvCxnSpPr>
+          <p:cNvPr id="24" name="Straight Arrow Connector 23"/>
+          <p:cNvCxnSpPr/>
+          <p:nvPr/>
+        </p:nvCxnSpPr>
+        <p:spPr bwMode="auto">
+          <a:xfrm>
+            <a:off x="6025553" y="1508781"/>
+            <a:ext cx="349264" cy="0"/>
+          </a:xfrm>
+          <a:prstGeom prst="straightConnector1">
+            <a:avLst/>
+          </a:prstGeom>
+          <a:noFill/>
+          <a:ln w="28575" cap="flat" cmpd="sng" algn="ctr">
+            <a:solidFill>
+              <a:schemeClr val="tx1"/>
+            </a:solidFill>
+            <a:prstDash val="solid"/>
+            <a:round/>
+            <a:headEnd type="none" w="med" len="med"/>
+            <a:tailEnd type="triangle"/>
+          </a:ln>
+          <a:effectLst/>
+        </p:spPr>
+      </p:cxnSp>
+      <p:sp>
+        <p:nvSpPr>
+          <p:cNvPr id="25" name="TextBox 24"/>
+          <p:cNvSpPr txBox="1"/>
+          <p:nvPr/>
+        </p:nvSpPr>
+        <p:spPr>
+          <a:xfrm>
+            <a:off x="5787242" y="895910"/>
+            <a:ext cx="298480" cy="338554"/>
+          </a:xfrm>
+          <a:prstGeom prst="rect">
+            <a:avLst/>
+          </a:prstGeom>
+          <a:noFill/>
+        </p:spPr>
+        <p:txBody>
+          <a:bodyPr wrap="none" rtlCol="0">
+            <a:spAutoFit/>
+          </a:bodyPr>
+          <a:lstStyle/>
+          <a:p>
+            <a:r>
+              <a:rPr lang="en-US" sz="1600" dirty="0">
+                <a:latin typeface="Helvetica" pitchFamily="34" charset="0"/>
+              </a:rPr>
+              <a:t>a</a:t>
+            </a:r>
+          </a:p>
+        </p:txBody>
+      </p:sp>
+      <p:sp>
+        <p:nvSpPr>
+          <p:cNvPr id="26" name="TextBox 25"/>
+          <p:cNvSpPr txBox="1"/>
+          <p:nvPr/>
+        </p:nvSpPr>
+        <p:spPr>
+          <a:xfrm>
+            <a:off x="5786473" y="1325649"/>
+            <a:ext cx="298480" cy="338554"/>
+          </a:xfrm>
+          <a:prstGeom prst="rect">
+            <a:avLst/>
+          </a:prstGeom>
+          <a:noFill/>
+        </p:spPr>
+        <p:txBody>
+          <a:bodyPr wrap="none" rtlCol="0">
+            <a:spAutoFit/>
+          </a:bodyPr>
+          <a:lstStyle/>
+          <a:p>
+            <a:r>
+              <a:rPr lang="en-US" sz="1600" dirty="0">
+                <a:latin typeface="Helvetica" pitchFamily="34" charset="0"/>
+              </a:rPr>
+              <a:t>b</a:t>
+            </a:r>
+          </a:p>
+        </p:txBody>
+      </p:sp>
+      <p:sp>
+        <p:nvSpPr>
+          <p:cNvPr id="27" name="Delay 68"/>
+          <p:cNvSpPr/>
+          <p:nvPr/>
+        </p:nvSpPr>
+        <p:spPr>
+          <a:xfrm>
+            <a:off x="6376097" y="910000"/>
+            <a:ext cx="720939" cy="754203"/>
+          </a:xfrm>
+          <a:prstGeom prst="flowChartDelay">
+            <a:avLst/>
+          </a:prstGeom>
+          <a:solidFill>
+            <a:schemeClr val="bg1"/>
+          </a:solidFill>
+          <a:ln w="28575">
+            <a:solidFill>
+              <a:schemeClr val="tx1"/>
+            </a:solidFill>
+          </a:ln>
+        </p:spPr>
+        <p:style>
+          <a:lnRef idx="2">
+            <a:schemeClr val="accent1">
+              <a:shade val="50000"/>
+            </a:schemeClr>
+          </a:lnRef>
+          <a:fillRef idx="1">
+            <a:schemeClr val="accent1"/>
+          </a:fillRef>
+          <a:effectRef idx="0">
+            <a:schemeClr val="accent1"/>
+          </a:effectRef>
+          <a:fontRef idx="minor">
+            <a:schemeClr val="lt1"/>
+          </a:fontRef>
+        </p:style>
+        <p:txBody>
+          <a:bodyPr rtlCol="0" anchor="ctr"/>
+          <a:lstStyle/>
+          <a:p>
+            <a:pPr algn="ctr"/>
+            <a:endParaRPr lang="en-GB" sz="2200">
+              <a:solidFill>
+                <a:schemeClr val="tx2"/>
+              </a:solidFill>
+            </a:endParaRPr>
+          </a:p>
+        </p:txBody>
+      </p:sp>
+      <p:sp>
+        <p:nvSpPr>
+          <p:cNvPr id="29" name="TextBox 28"/>
+          <p:cNvSpPr txBox="1"/>
+          <p:nvPr/>
+        </p:nvSpPr>
+        <p:spPr>
+          <a:xfrm>
+            <a:off x="6448317" y="1084927"/>
+            <a:ext cx="527709" cy="400110"/>
+          </a:xfrm>
+          <a:prstGeom prst="rect">
+            <a:avLst/>
+          </a:prstGeom>
+          <a:noFill/>
+        </p:spPr>
+        <p:txBody>
+          <a:bodyPr wrap="none" rtlCol="0">
+            <a:spAutoFit/>
+          </a:bodyPr>
+          <a:lstStyle/>
+          <a:p>
+            <a:r>
+              <a:rPr lang="en-US" sz="2000" dirty="0">
+                <a:latin typeface="Helvetica" pitchFamily="34" charset="0"/>
+              </a:rPr>
+              <a:t>&amp;&amp;</a:t>
+            </a:r>
+          </a:p>
+        </p:txBody>
+      </p:sp>
+      <p:sp>
+        <p:nvSpPr>
+          <p:cNvPr id="30" name="TextBox 29"/>
+          <p:cNvSpPr txBox="1"/>
+          <p:nvPr/>
+        </p:nvSpPr>
+        <p:spPr>
+          <a:xfrm>
+            <a:off x="7061620" y="987095"/>
+            <a:ext cx="470000" cy="338554"/>
+          </a:xfrm>
+          <a:prstGeom prst="rect">
+            <a:avLst/>
+          </a:prstGeom>
+          <a:noFill/>
+        </p:spPr>
+        <p:txBody>
+          <a:bodyPr wrap="none" rtlCol="0">
+            <a:spAutoFit/>
+          </a:bodyPr>
+          <a:lstStyle/>
+          <a:p>
+            <a:r>
+              <a:rPr lang="en-US" sz="1600" dirty="0">
+                <a:latin typeface="Helvetica" pitchFamily="34" charset="0"/>
+              </a:rPr>
+              <a:t>out</a:t>
+            </a:r>
+          </a:p>
+        </p:txBody>
+      </p:sp>
+      <p:sp>
+        <p:nvSpPr>
+          <p:cNvPr id="31" name="Rectangle 30"/>
+          <p:cNvSpPr/>
+          <p:nvPr/>
+        </p:nvSpPr>
+        <p:spPr bwMode="auto">
+          <a:xfrm>
+            <a:off x="8200295" y="609600"/>
+            <a:ext cx="1766661" cy="1173498"/>
+          </a:xfrm>
+          <a:prstGeom prst="rect">
+            <a:avLst/>
+          </a:prstGeom>
+          <a:solidFill>
+            <a:srgbClr val="FDFDFD"/>
+          </a:solidFill>
+          <a:ln w="28575" cap="flat" cmpd="sng" algn="ctr">
+            <a:solidFill>
+              <a:schemeClr val="bg1">
+                <a:lumMod val="85000"/>
+              </a:schemeClr>
+            </a:solidFill>
+            <a:prstDash val="solid"/>
+            <a:round/>
+            <a:headEnd type="none" w="med" len="med"/>
+            <a:tailEnd type="none" w="med" len="med"/>
+          </a:ln>
+          <a:effectLst/>
+        </p:spPr>
+        <p:txBody>
+          <a:bodyPr vert="horz" wrap="square" lIns="91440" tIns="45720" rIns="91440" bIns="45720" numCol="1" rtlCol="0" anchor="t" anchorCtr="0" compatLnSpc="1">
+            <a:prstTxWarp prst="textNoShape">
+              <a:avLst/>
+            </a:prstTxWarp>
+          </a:bodyPr>
+          <a:lstStyle/>
+          <a:p>
+            <a:pPr marL="0" marR="0" indent="0" algn="l" defTabSz="914400" rtl="0" eaLnBrk="1" fontAlgn="base" latinLnBrk="0" hangingPunct="1">
+              <a:lnSpc>
+                <a:spcPct val="90000"/>
+              </a:lnSpc>
+              <a:spcBef>
+                <a:spcPct val="25000"/>
+              </a:spcBef>
+              <a:spcAft>
+                <a:spcPct val="0"/>
+              </a:spcAft>
+              <a:buClr>
+                <a:schemeClr val="bg1"/>
+              </a:buClr>
+              <a:buSzPct val="100000"/>
+              <a:buFont typeface="Wingdings" pitchFamily="2" charset="2"/>
+              <a:buChar char="•"/>
+              <a:tabLst/>
+            </a:pPr>
+            <a:endParaRPr kumimoji="0" lang="en-US" sz="1600" b="0" i="0" u="none" strike="noStrike" cap="none" normalizeH="0" baseline="0">
+              <a:ln>
+                <a:noFill/>
+              </a:ln>
+              <a:solidFill>
+                <a:schemeClr val="tx1"/>
+              </a:solidFill>
+              <a:effectLst/>
+              <a:latin typeface="Helvetica" pitchFamily="34" charset="0"/>
+            </a:endParaRPr>
+          </a:p>
+        </p:txBody>
+      </p:sp>
+      <p:sp>
+        <p:nvSpPr>
+          <p:cNvPr id="32" name="TextBox 31"/>
+          <p:cNvSpPr txBox="1"/>
+          <p:nvPr/>
+        </p:nvSpPr>
+        <p:spPr>
+          <a:xfrm>
+            <a:off x="8729027" y="571808"/>
+            <a:ext cx="639919" cy="338554"/>
+          </a:xfrm>
+          <a:prstGeom prst="rect">
+            <a:avLst/>
+          </a:prstGeom>
+          <a:noFill/>
+        </p:spPr>
+        <p:txBody>
+          <a:bodyPr wrap="none" rtlCol="0">
+            <a:spAutoFit/>
+          </a:bodyPr>
+          <a:lstStyle/>
+          <a:p>
+            <a:r>
+              <a:rPr lang="en-US" sz="1600" dirty="0" smtClean="0">
+                <a:latin typeface="Helvetica" pitchFamily="34" charset="0"/>
+              </a:rPr>
+              <a:t>and4</a:t>
+            </a:r>
+            <a:endParaRPr lang="en-US" sz="1600" dirty="0">
+              <a:latin typeface="Helvetica" pitchFamily="34" charset="0"/>
+            </a:endParaRPr>
+          </a:p>
+        </p:txBody>
+      </p:sp>
+      <p:cxnSp>
+        <p:nvCxnSpPr>
+          <p:cNvPr id="33" name="Straight Arrow Connector 32"/>
+          <p:cNvCxnSpPr/>
+          <p:nvPr/>
+        </p:nvCxnSpPr>
+        <p:spPr bwMode="auto">
+          <a:xfrm>
+            <a:off x="9745398" y="1288408"/>
+            <a:ext cx="492506" cy="0"/>
+          </a:xfrm>
+          <a:prstGeom prst="straightConnector1">
+            <a:avLst/>
+          </a:prstGeom>
+          <a:noFill/>
+          <a:ln w="28575" cap="flat" cmpd="sng" algn="ctr">
+            <a:solidFill>
+              <a:schemeClr val="tx1"/>
+            </a:solidFill>
+            <a:prstDash val="solid"/>
+            <a:round/>
+            <a:headEnd type="none" w="med" len="med"/>
+            <a:tailEnd type="triangle"/>
+          </a:ln>
+          <a:effectLst/>
+        </p:spPr>
+      </p:cxnSp>
+      <p:sp>
+        <p:nvSpPr>
+          <p:cNvPr id="39" name="TextBox 38"/>
+          <p:cNvSpPr txBox="1"/>
+          <p:nvPr/>
+        </p:nvSpPr>
+        <p:spPr>
+          <a:xfrm>
+            <a:off x="8447147" y="966286"/>
+            <a:ext cx="527709" cy="400110"/>
+          </a:xfrm>
+          <a:prstGeom prst="rect">
+            <a:avLst/>
+          </a:prstGeom>
+          <a:noFill/>
+        </p:spPr>
+        <p:txBody>
+          <a:bodyPr wrap="none" rtlCol="0">
+            <a:spAutoFit/>
+          </a:bodyPr>
+          <a:lstStyle/>
+          <a:p>
+            <a:r>
+              <a:rPr lang="en-US" sz="2000" dirty="0">
+                <a:latin typeface="Helvetica" pitchFamily="34" charset="0"/>
+              </a:rPr>
+              <a:t>&amp;&amp;</a:t>
+            </a:r>
+          </a:p>
+        </p:txBody>
+      </p:sp>
+      <p:sp>
+        <p:nvSpPr>
+          <p:cNvPr id="40" name="TextBox 39"/>
+          <p:cNvSpPr txBox="1"/>
+          <p:nvPr/>
+        </p:nvSpPr>
+        <p:spPr>
+          <a:xfrm>
+            <a:off x="9709982" y="996875"/>
+            <a:ext cx="470000" cy="338554"/>
+          </a:xfrm>
+          <a:prstGeom prst="rect">
+            <a:avLst/>
+          </a:prstGeom>
+          <a:noFill/>
+        </p:spPr>
+        <p:txBody>
+          <a:bodyPr wrap="none" rtlCol="0">
+            <a:spAutoFit/>
+          </a:bodyPr>
+          <a:lstStyle/>
+          <a:p>
+            <a:r>
+              <a:rPr lang="en-US" sz="1600" dirty="0">
+                <a:latin typeface="Helvetica" pitchFamily="34" charset="0"/>
+              </a:rPr>
+              <a:t>out</a:t>
+            </a:r>
+          </a:p>
+        </p:txBody>
+      </p:sp>
+      <p:sp>
+        <p:nvSpPr>
+          <p:cNvPr id="41" name="Rectangle 40"/>
+          <p:cNvSpPr/>
+          <p:nvPr/>
+        </p:nvSpPr>
+        <p:spPr>
+          <a:xfrm>
+            <a:off x="8373648" y="868454"/>
+            <a:ext cx="558878" cy="387251"/>
+          </a:xfrm>
+          <a:prstGeom prst="rect">
+            <a:avLst/>
+          </a:prstGeom>
+          <a:solidFill>
+            <a:schemeClr val="bg1"/>
+          </a:solidFill>
+          <a:ln w="28575">
+            <a:solidFill>
+              <a:schemeClr val="tx1"/>
+            </a:solidFill>
+          </a:ln>
+        </p:spPr>
+        <p:style>
+          <a:lnRef idx="2">
+            <a:schemeClr val="accent1">
+              <a:shade val="50000"/>
+            </a:schemeClr>
+          </a:lnRef>
+          <a:fillRef idx="1">
+            <a:schemeClr val="accent1"/>
+          </a:fillRef>
+          <a:effectRef idx="0">
+            <a:schemeClr val="accent1"/>
+          </a:effectRef>
+          <a:fontRef idx="minor">
+            <a:schemeClr val="lt1"/>
+          </a:fontRef>
+        </p:style>
+        <p:txBody>
+          <a:bodyPr lIns="0" rIns="0" rtlCol="0" anchor="ctr"/>
+          <a:lstStyle/>
+          <a:p>
+            <a:pPr algn="ctr"/>
+            <a:r>
+              <a:rPr lang="en-US" dirty="0">
+                <a:solidFill>
+                  <a:schemeClr val="tx1"/>
+                </a:solidFill>
+                <a:latin typeface="Helvetica" panose="020B0604020202020204" pitchFamily="34" charset="0"/>
+                <a:cs typeface="Helvetica" panose="020B0604020202020204" pitchFamily="34" charset="0"/>
+              </a:rPr>
+              <a:t>and2</a:t>
+            </a:r>
+          </a:p>
+        </p:txBody>
+      </p:sp>
+      <p:cxnSp>
+        <p:nvCxnSpPr>
+          <p:cNvPr id="63" name="Straight Arrow Connector 62"/>
+          <p:cNvCxnSpPr/>
+          <p:nvPr/>
+        </p:nvCxnSpPr>
+        <p:spPr bwMode="auto">
+          <a:xfrm>
+            <a:off x="8923002" y="1045628"/>
+            <a:ext cx="115106" cy="826"/>
+          </a:xfrm>
+          <a:prstGeom prst="straightConnector1">
+            <a:avLst/>
+          </a:prstGeom>
+          <a:noFill/>
+          <a:ln w="28575" cap="flat" cmpd="sng" algn="ctr">
+            <a:solidFill>
+              <a:schemeClr val="tx1"/>
+            </a:solidFill>
+            <a:prstDash val="solid"/>
+            <a:round/>
+            <a:headEnd type="none" w="med" len="med"/>
+            <a:tailEnd type="none" w="med" len="med"/>
+          </a:ln>
+          <a:effectLst/>
+        </p:spPr>
+      </p:cxnSp>
+      <p:cxnSp>
+        <p:nvCxnSpPr>
+          <p:cNvPr id="64" name="Straight Arrow Connector 63"/>
+          <p:cNvCxnSpPr/>
+          <p:nvPr/>
+        </p:nvCxnSpPr>
+        <p:spPr bwMode="auto">
+          <a:xfrm>
+            <a:off x="9008270" y="1170060"/>
+            <a:ext cx="187979" cy="202"/>
+          </a:xfrm>
+          <a:prstGeom prst="straightConnector1">
+            <a:avLst/>
+          </a:prstGeom>
+          <a:noFill/>
+          <a:ln w="28575" cap="flat" cmpd="sng" algn="ctr">
+            <a:solidFill>
+              <a:schemeClr val="tx1"/>
+            </a:solidFill>
+            <a:prstDash val="solid"/>
+            <a:round/>
+            <a:headEnd type="none" w="med" len="med"/>
+            <a:tailEnd type="triangle"/>
+          </a:ln>
+          <a:effectLst/>
+        </p:spPr>
+      </p:cxnSp>
+      <p:cxnSp>
+        <p:nvCxnSpPr>
+          <p:cNvPr id="65" name="Straight Arrow Connector 64"/>
+          <p:cNvCxnSpPr/>
+          <p:nvPr/>
+        </p:nvCxnSpPr>
+        <p:spPr bwMode="auto">
+          <a:xfrm>
+            <a:off x="9021617" y="1040360"/>
+            <a:ext cx="0" cy="128128"/>
+          </a:xfrm>
+          <a:prstGeom prst="straightConnector1">
+            <a:avLst/>
+          </a:prstGeom>
+          <a:noFill/>
+          <a:ln w="28575" cap="flat" cmpd="sng" algn="ctr">
+            <a:solidFill>
+              <a:schemeClr val="tx1"/>
+            </a:solidFill>
+            <a:prstDash val="solid"/>
+            <a:round/>
+            <a:headEnd type="none" w="med" len="med"/>
+            <a:tailEnd type="none" w="med" len="med"/>
+          </a:ln>
+          <a:effectLst/>
+        </p:spPr>
+      </p:cxnSp>
+      <p:sp>
+        <p:nvSpPr>
+          <p:cNvPr id="71" name="TextBox 70"/>
+          <p:cNvSpPr txBox="1"/>
+          <p:nvPr/>
+        </p:nvSpPr>
+        <p:spPr>
+          <a:xfrm>
+            <a:off x="8964187" y="797902"/>
+            <a:ext cx="412292" cy="338554"/>
+          </a:xfrm>
+          <a:prstGeom prst="rect">
+            <a:avLst/>
+          </a:prstGeom>
+          <a:noFill/>
+        </p:spPr>
+        <p:txBody>
+          <a:bodyPr wrap="none" rtlCol="0">
+            <a:spAutoFit/>
+          </a:bodyPr>
+          <a:lstStyle/>
+          <a:p>
+            <a:r>
+              <a:rPr lang="en-US" sz="1600" dirty="0">
+                <a:latin typeface="Helvetica" pitchFamily="34" charset="0"/>
+              </a:rPr>
+              <a:t>ab</a:t>
+            </a:r>
+          </a:p>
+        </p:txBody>
+      </p:sp>
+      <p:sp>
+        <p:nvSpPr>
+          <p:cNvPr id="72" name="Rectangle 71"/>
+          <p:cNvSpPr/>
+          <p:nvPr/>
+        </p:nvSpPr>
+        <p:spPr bwMode="auto">
+          <a:xfrm>
+            <a:off x="6210059" y="2083497"/>
+            <a:ext cx="3756897" cy="1665425"/>
+          </a:xfrm>
+          <a:prstGeom prst="rect">
+            <a:avLst/>
+          </a:prstGeom>
+          <a:solidFill>
+            <a:srgbClr val="FDFDFD"/>
+          </a:solidFill>
+          <a:ln w="28575" cap="flat" cmpd="sng" algn="ctr">
+            <a:solidFill>
+              <a:schemeClr val="bg1">
+                <a:lumMod val="85000"/>
+              </a:schemeClr>
+            </a:solidFill>
+            <a:prstDash val="solid"/>
+            <a:round/>
+            <a:headEnd type="none" w="med" len="med"/>
+            <a:tailEnd type="none" w="med" len="med"/>
+          </a:ln>
+          <a:effectLst/>
+        </p:spPr>
+        <p:txBody>
+          <a:bodyPr vert="horz" wrap="square" lIns="91440" tIns="45720" rIns="91440" bIns="45720" numCol="1" rtlCol="0" anchor="t" anchorCtr="0" compatLnSpc="1">
+            <a:prstTxWarp prst="textNoShape">
+              <a:avLst/>
+            </a:prstTxWarp>
+          </a:bodyPr>
+          <a:lstStyle/>
+          <a:p>
+            <a:pPr marL="0" marR="0" indent="0" algn="l" defTabSz="914400" rtl="0" eaLnBrk="1" fontAlgn="base" latinLnBrk="0" hangingPunct="1">
+              <a:lnSpc>
+                <a:spcPct val="90000"/>
+              </a:lnSpc>
+              <a:spcBef>
+                <a:spcPct val="25000"/>
+              </a:spcBef>
+              <a:spcAft>
+                <a:spcPct val="0"/>
+              </a:spcAft>
+              <a:buClr>
+                <a:schemeClr val="bg1"/>
+              </a:buClr>
+              <a:buSzPct val="100000"/>
+              <a:buFont typeface="Wingdings" pitchFamily="2" charset="2"/>
+              <a:buChar char="•"/>
+              <a:tabLst/>
+            </a:pPr>
+            <a:endParaRPr kumimoji="0" lang="en-US" sz="1600" b="0" i="0" u="none" strike="noStrike" cap="none" normalizeH="0" baseline="0">
+              <a:ln>
+                <a:noFill/>
+              </a:ln>
+              <a:solidFill>
+                <a:schemeClr val="tx1"/>
+              </a:solidFill>
+              <a:effectLst/>
+              <a:latin typeface="Helvetica" pitchFamily="34" charset="0"/>
+            </a:endParaRPr>
+          </a:p>
+        </p:txBody>
+      </p:sp>
+      <p:sp>
+        <p:nvSpPr>
+          <p:cNvPr id="73" name="TextBox 72"/>
+          <p:cNvSpPr txBox="1"/>
+          <p:nvPr/>
+        </p:nvSpPr>
+        <p:spPr>
+          <a:xfrm>
+            <a:off x="7737506" y="2023658"/>
+            <a:ext cx="514885" cy="338554"/>
+          </a:xfrm>
+          <a:prstGeom prst="rect">
+            <a:avLst/>
+          </a:prstGeom>
+          <a:noFill/>
+        </p:spPr>
+        <p:txBody>
+          <a:bodyPr wrap="none" rtlCol="0">
+            <a:spAutoFit/>
+          </a:bodyPr>
+          <a:lstStyle/>
+          <a:p>
+            <a:r>
+              <a:rPr lang="en-US" sz="1600" dirty="0" err="1">
+                <a:latin typeface="Helvetica" pitchFamily="34" charset="0"/>
+              </a:rPr>
+              <a:t>maj</a:t>
+            </a:r>
+            <a:endParaRPr lang="en-US" sz="1600" dirty="0">
+              <a:latin typeface="Helvetica" pitchFamily="34" charset="0"/>
+            </a:endParaRPr>
+          </a:p>
+        </p:txBody>
+      </p:sp>
+      <p:cxnSp>
+        <p:nvCxnSpPr>
+          <p:cNvPr id="74" name="Straight Arrow Connector 73"/>
+          <p:cNvCxnSpPr>
+            <a:cxnSpLocks/>
+          </p:cNvCxnSpPr>
+          <p:nvPr/>
+        </p:nvCxnSpPr>
+        <p:spPr bwMode="auto">
+          <a:xfrm>
+            <a:off x="6032722" y="2987309"/>
+            <a:ext cx="391489" cy="0"/>
+          </a:xfrm>
+          <a:prstGeom prst="straightConnector1">
+            <a:avLst/>
+          </a:prstGeom>
+          <a:noFill/>
+          <a:ln w="38100" cap="flat" cmpd="sng" algn="ctr">
+            <a:solidFill>
+              <a:schemeClr val="tx1"/>
+            </a:solidFill>
+            <a:prstDash val="solid"/>
+            <a:round/>
+            <a:headEnd type="none" w="med" len="med"/>
+            <a:tailEnd type="triangle"/>
+          </a:ln>
+          <a:effectLst/>
+        </p:spPr>
+      </p:cxnSp>
+      <p:sp>
+        <p:nvSpPr>
+          <p:cNvPr id="79" name="TextBox 78"/>
+          <p:cNvSpPr txBox="1"/>
+          <p:nvPr/>
+        </p:nvSpPr>
+        <p:spPr>
+          <a:xfrm>
+            <a:off x="5792512" y="2799240"/>
+            <a:ext cx="287258" cy="338554"/>
+          </a:xfrm>
+          <a:prstGeom prst="rect">
+            <a:avLst/>
+          </a:prstGeom>
+          <a:noFill/>
+        </p:spPr>
+        <p:txBody>
+          <a:bodyPr wrap="none" rtlCol="0">
+            <a:spAutoFit/>
+          </a:bodyPr>
+          <a:lstStyle/>
+          <a:p>
+            <a:r>
+              <a:rPr lang="en-US" sz="1600" dirty="0">
+                <a:latin typeface="Helvetica" pitchFamily="34" charset="0"/>
+              </a:rPr>
+              <a:t>x</a:t>
+            </a:r>
+          </a:p>
+        </p:txBody>
+      </p:sp>
+      <p:sp>
+        <p:nvSpPr>
+          <p:cNvPr id="83" name="Rectangle 82"/>
+          <p:cNvSpPr/>
+          <p:nvPr/>
+        </p:nvSpPr>
+        <p:spPr>
+          <a:xfrm>
+            <a:off x="7312701" y="2454416"/>
+            <a:ext cx="447265" cy="459199"/>
+          </a:xfrm>
+          <a:prstGeom prst="rect">
+            <a:avLst/>
+          </a:prstGeom>
+          <a:solidFill>
+            <a:schemeClr val="bg1"/>
+          </a:solidFill>
+          <a:ln w="28575">
+            <a:solidFill>
+              <a:schemeClr val="tx1"/>
+            </a:solidFill>
+          </a:ln>
+        </p:spPr>
+        <p:style>
+          <a:lnRef idx="2">
+            <a:schemeClr val="accent1">
+              <a:shade val="50000"/>
+            </a:schemeClr>
+          </a:lnRef>
+          <a:fillRef idx="1">
+            <a:schemeClr val="accent1"/>
+          </a:fillRef>
+          <a:effectRef idx="0">
+            <a:schemeClr val="accent1"/>
+          </a:effectRef>
+          <a:fontRef idx="minor">
+            <a:schemeClr val="lt1"/>
+          </a:fontRef>
+        </p:style>
+        <p:txBody>
+          <a:bodyPr lIns="0" rIns="0" rtlCol="0" anchor="ctr"/>
+          <a:lstStyle/>
+          <a:p>
+            <a:pPr algn="ctr"/>
+            <a:r>
+              <a:rPr lang="en-US" sz="2400" dirty="0">
+                <a:solidFill>
+                  <a:schemeClr val="tx1"/>
+                </a:solidFill>
+                <a:latin typeface="Helvetica" panose="020B0604020202020204" pitchFamily="34" charset="0"/>
+                <a:cs typeface="Helvetica" panose="020B0604020202020204" pitchFamily="34" charset="0"/>
+              </a:rPr>
+              <a:t>+</a:t>
+            </a:r>
+          </a:p>
+        </p:txBody>
+      </p:sp>
+      <p:grpSp>
+        <p:nvGrpSpPr>
+          <p:cNvPr id="28" name="Group 27">
+            <a:extLst>
+              <a:ext uri="{FF2B5EF4-FFF2-40B4-BE49-F238E27FC236}">
+                <a16:creationId xmlns:a16="http://schemas.microsoft.com/office/drawing/2014/main" id="{09CE5C01-F206-794E-818D-E842453974D3}"/>
+              </a:ext>
+            </a:extLst>
+          </p:cNvPr>
+          <p:cNvGrpSpPr/>
+          <p:nvPr/>
+        </p:nvGrpSpPr>
+        <p:grpSpPr>
+          <a:xfrm>
+            <a:off x="6421737" y="2341767"/>
+            <a:ext cx="523659" cy="1104888"/>
+            <a:chOff x="6573377" y="2606049"/>
+            <a:chExt cx="355625" cy="922010"/>
+          </a:xfrm>
+        </p:grpSpPr>
+        <p:cxnSp>
+          <p:nvCxnSpPr>
+            <p:cNvPr id="80" name="Straight Arrow Connector 79"/>
+            <p:cNvCxnSpPr>
+              <a:cxnSpLocks/>
+            </p:cNvCxnSpPr>
+            <p:nvPr/>
+          </p:nvCxnSpPr>
+          <p:spPr bwMode="auto">
+            <a:xfrm>
+              <a:off x="6583713" y="2606049"/>
+              <a:ext cx="0" cy="922010"/>
+            </a:xfrm>
+            <a:prstGeom prst="straightConnector1">
+              <a:avLst/>
+            </a:prstGeom>
+            <a:noFill/>
+            <a:ln w="28575" cap="flat" cmpd="sng" algn="ctr">
+              <a:solidFill>
+                <a:schemeClr val="tx1"/>
+              </a:solidFill>
+              <a:prstDash val="solid"/>
+              <a:round/>
+              <a:headEnd type="none" w="med" len="med"/>
+              <a:tailEnd type="none" w="med" len="med"/>
+            </a:ln>
+            <a:effectLst/>
+          </p:spPr>
+        </p:cxnSp>
+        <p:cxnSp>
+          <p:nvCxnSpPr>
+            <p:cNvPr id="53" name="Straight Arrow Connector 52">
+              <a:extLst>
+                <a:ext uri="{FF2B5EF4-FFF2-40B4-BE49-F238E27FC236}">
+                  <a16:creationId xmlns:a16="http://schemas.microsoft.com/office/drawing/2014/main" id="{BBEBB062-140B-4340-AD76-90458791DC12}"/>
+                </a:ext>
+              </a:extLst>
+            </p:cNvPr>
+            <p:cNvCxnSpPr/>
+            <p:nvPr/>
+          </p:nvCxnSpPr>
+          <p:spPr bwMode="auto">
+            <a:xfrm>
+              <a:off x="6575762" y="2617975"/>
+              <a:ext cx="349264" cy="0"/>
+            </a:xfrm>
+            <a:prstGeom prst="straightConnector1">
+              <a:avLst/>
+            </a:prstGeom>
+            <a:noFill/>
+            <a:ln w="28575" cap="flat" cmpd="sng" algn="ctr">
+              <a:solidFill>
+                <a:schemeClr val="tx1"/>
+              </a:solidFill>
+              <a:prstDash val="solid"/>
+              <a:round/>
+              <a:headEnd type="none" w="med" len="med"/>
+              <a:tailEnd type="triangle"/>
+            </a:ln>
+            <a:effectLst/>
+          </p:spPr>
+        </p:cxnSp>
+        <p:cxnSp>
+          <p:nvCxnSpPr>
+            <p:cNvPr id="54" name="Straight Arrow Connector 53">
+              <a:extLst>
+                <a:ext uri="{FF2B5EF4-FFF2-40B4-BE49-F238E27FC236}">
+                  <a16:creationId xmlns:a16="http://schemas.microsoft.com/office/drawing/2014/main" id="{09A77776-0CE9-0C45-804A-513B535CBA8F}"/>
+                </a:ext>
+              </a:extLst>
+            </p:cNvPr>
+            <p:cNvCxnSpPr/>
+            <p:nvPr/>
+          </p:nvCxnSpPr>
+          <p:spPr bwMode="auto">
+            <a:xfrm>
+              <a:off x="6579738" y="3068365"/>
+              <a:ext cx="349264" cy="0"/>
+            </a:xfrm>
+            <a:prstGeom prst="straightConnector1">
+              <a:avLst/>
+            </a:prstGeom>
+            <a:noFill/>
+            <a:ln w="28575" cap="flat" cmpd="sng" algn="ctr">
+              <a:solidFill>
+                <a:schemeClr val="tx1"/>
+              </a:solidFill>
+              <a:prstDash val="solid"/>
+              <a:round/>
+              <a:headEnd type="none" w="med" len="med"/>
+              <a:tailEnd type="triangle"/>
+            </a:ln>
+            <a:effectLst/>
+          </p:spPr>
+        </p:cxnSp>
+        <p:cxnSp>
+          <p:nvCxnSpPr>
+            <p:cNvPr id="55" name="Straight Arrow Connector 54">
+              <a:extLst>
+                <a:ext uri="{FF2B5EF4-FFF2-40B4-BE49-F238E27FC236}">
+                  <a16:creationId xmlns:a16="http://schemas.microsoft.com/office/drawing/2014/main" id="{27D2AAD8-1DF3-2D49-87E4-425512DEA168}"/>
+                </a:ext>
+              </a:extLst>
+            </p:cNvPr>
+            <p:cNvCxnSpPr/>
+            <p:nvPr/>
+          </p:nvCxnSpPr>
+          <p:spPr bwMode="auto">
+            <a:xfrm>
+              <a:off x="6573377" y="3518754"/>
+              <a:ext cx="349264" cy="0"/>
+            </a:xfrm>
+            <a:prstGeom prst="straightConnector1">
+              <a:avLst/>
+            </a:prstGeom>
+            <a:noFill/>
+            <a:ln w="28575" cap="flat" cmpd="sng" algn="ctr">
+              <a:solidFill>
+                <a:schemeClr val="tx1"/>
+              </a:solidFill>
+              <a:prstDash val="solid"/>
+              <a:round/>
+              <a:headEnd type="none" w="med" len="med"/>
+              <a:tailEnd type="triangle"/>
+            </a:ln>
+            <a:effectLst/>
+          </p:spPr>
+        </p:cxnSp>
+      </p:grpSp>
+      <p:grpSp>
+        <p:nvGrpSpPr>
+          <p:cNvPr id="92" name="Group 91">
+            <a:extLst>
+              <a:ext uri="{FF2B5EF4-FFF2-40B4-BE49-F238E27FC236}">
+                <a16:creationId xmlns:a16="http://schemas.microsoft.com/office/drawing/2014/main" id="{A745A2DA-E2DA-C546-8E35-F3DCFBB2B165}"/>
+              </a:ext>
+            </a:extLst>
+          </p:cNvPr>
+          <p:cNvGrpSpPr/>
+          <p:nvPr/>
+        </p:nvGrpSpPr>
+        <p:grpSpPr>
+          <a:xfrm>
+            <a:off x="6154069" y="2672297"/>
+            <a:ext cx="269626" cy="400982"/>
+            <a:chOff x="6209579" y="2753701"/>
+            <a:chExt cx="269626" cy="400982"/>
+          </a:xfrm>
+        </p:grpSpPr>
+        <p:cxnSp>
+          <p:nvCxnSpPr>
+            <p:cNvPr id="75" name="Straight Arrow Connector 74"/>
+            <p:cNvCxnSpPr>
+              <a:cxnSpLocks/>
+            </p:cNvCxnSpPr>
+            <p:nvPr/>
+          </p:nvCxnSpPr>
+          <p:spPr bwMode="auto">
+            <a:xfrm flipV="1">
+              <a:off x="6266504" y="2965948"/>
+              <a:ext cx="87929" cy="188735"/>
+            </a:xfrm>
+            <a:prstGeom prst="straightConnector1">
+              <a:avLst/>
+            </a:prstGeom>
+            <a:noFill/>
+            <a:ln w="19050" cap="flat" cmpd="sng" algn="ctr">
+              <a:solidFill>
+                <a:schemeClr val="tx1"/>
+              </a:solidFill>
+              <a:prstDash val="solid"/>
+              <a:round/>
+              <a:headEnd type="none" w="med" len="med"/>
+              <a:tailEnd type="none" w="med" len="med"/>
+            </a:ln>
+            <a:effectLst/>
+          </p:spPr>
+        </p:cxnSp>
+        <p:sp>
+          <p:nvSpPr>
+            <p:cNvPr id="57" name="TextBox 56">
+              <a:extLst>
+                <a:ext uri="{FF2B5EF4-FFF2-40B4-BE49-F238E27FC236}">
+                  <a16:creationId xmlns:a16="http://schemas.microsoft.com/office/drawing/2014/main" id="{8740C054-D0FE-5546-B245-8F8F132DD8EA}"/>
+                </a:ext>
+              </a:extLst>
+            </p:cNvPr>
+            <p:cNvSpPr txBox="1"/>
+            <p:nvPr/>
+          </p:nvSpPr>
+          <p:spPr>
+            <a:xfrm>
+              <a:off x="6209579" y="2753701"/>
+              <a:ext cx="269626" cy="276999"/>
+            </a:xfrm>
+            <a:prstGeom prst="rect">
+              <a:avLst/>
+            </a:prstGeom>
+            <a:noFill/>
+          </p:spPr>
+          <p:txBody>
+            <a:bodyPr wrap="none" rtlCol="0">
+              <a:spAutoFit/>
+            </a:bodyPr>
+            <a:lstStyle/>
+            <a:p>
+              <a:r>
+                <a:rPr lang="en-US" sz="1200" dirty="0">
+                  <a:latin typeface="Helvetica" pitchFamily="34" charset="0"/>
+                </a:rPr>
+                <a:t>3</a:t>
+              </a:r>
+            </a:p>
+          </p:txBody>
+        </p:sp>
+      </p:grpSp>
+      <p:sp>
+        <p:nvSpPr>
+          <p:cNvPr id="58" name="TextBox 57">
+            <a:extLst>
+              <a:ext uri="{FF2B5EF4-FFF2-40B4-BE49-F238E27FC236}">
+                <a16:creationId xmlns:a16="http://schemas.microsoft.com/office/drawing/2014/main" id="{636A4E47-805D-7A4D-AA1B-BE877EEDC712}"/>
+              </a:ext>
+            </a:extLst>
+          </p:cNvPr>
+          <p:cNvSpPr txBox="1"/>
+          <p:nvPr/>
+        </p:nvSpPr>
+        <p:spPr>
+          <a:xfrm>
+            <a:off x="6409993" y="2034555"/>
+            <a:ext cx="516488" cy="338554"/>
+          </a:xfrm>
+          <a:prstGeom prst="rect">
+            <a:avLst/>
+          </a:prstGeom>
+          <a:noFill/>
+        </p:spPr>
+        <p:txBody>
+          <a:bodyPr wrap="none" rtlCol="0">
+            <a:spAutoFit/>
+          </a:bodyPr>
+          <a:lstStyle/>
+          <a:p>
+            <a:r>
+              <a:rPr lang="en-US" sz="1600" dirty="0">
+                <a:latin typeface="Helvetica" pitchFamily="34" charset="0"/>
+              </a:rPr>
+              <a:t>x[0]</a:t>
+            </a:r>
+          </a:p>
+        </p:txBody>
+      </p:sp>
+      <p:sp>
+        <p:nvSpPr>
+          <p:cNvPr id="59" name="TextBox 58">
+            <a:extLst>
+              <a:ext uri="{FF2B5EF4-FFF2-40B4-BE49-F238E27FC236}">
+                <a16:creationId xmlns:a16="http://schemas.microsoft.com/office/drawing/2014/main" id="{96916259-90DF-B547-9F5E-92326858F4EF}"/>
+              </a:ext>
+            </a:extLst>
+          </p:cNvPr>
+          <p:cNvSpPr txBox="1"/>
+          <p:nvPr/>
+        </p:nvSpPr>
+        <p:spPr>
+          <a:xfrm>
+            <a:off x="6416085" y="2578287"/>
+            <a:ext cx="516488" cy="338554"/>
+          </a:xfrm>
+          <a:prstGeom prst="rect">
+            <a:avLst/>
+          </a:prstGeom>
+          <a:noFill/>
+        </p:spPr>
+        <p:txBody>
+          <a:bodyPr wrap="none" rtlCol="0">
+            <a:spAutoFit/>
+          </a:bodyPr>
+          <a:lstStyle/>
+          <a:p>
+            <a:r>
+              <a:rPr lang="en-US" sz="1600" dirty="0">
+                <a:latin typeface="Helvetica" pitchFamily="34" charset="0"/>
+              </a:rPr>
+              <a:t>x[1]</a:t>
+            </a:r>
+          </a:p>
+        </p:txBody>
+      </p:sp>
+      <p:sp>
+        <p:nvSpPr>
+          <p:cNvPr id="61" name="TextBox 60">
+            <a:extLst>
+              <a:ext uri="{FF2B5EF4-FFF2-40B4-BE49-F238E27FC236}">
+                <a16:creationId xmlns:a16="http://schemas.microsoft.com/office/drawing/2014/main" id="{8FBB295F-A7F4-8C48-B789-E57E725F9E24}"/>
+              </a:ext>
+            </a:extLst>
+          </p:cNvPr>
+          <p:cNvSpPr txBox="1"/>
+          <p:nvPr/>
+        </p:nvSpPr>
+        <p:spPr>
+          <a:xfrm>
+            <a:off x="6420618" y="3118010"/>
+            <a:ext cx="516488" cy="338554"/>
+          </a:xfrm>
+          <a:prstGeom prst="rect">
+            <a:avLst/>
+          </a:prstGeom>
+          <a:noFill/>
+        </p:spPr>
+        <p:txBody>
+          <a:bodyPr wrap="none" rtlCol="0">
+            <a:spAutoFit/>
+          </a:bodyPr>
+          <a:lstStyle/>
+          <a:p>
+            <a:r>
+              <a:rPr lang="en-US" sz="1600" dirty="0">
+                <a:latin typeface="Helvetica" pitchFamily="34" charset="0"/>
+              </a:rPr>
+              <a:t>x[2]</a:t>
+            </a:r>
+          </a:p>
+        </p:txBody>
+      </p:sp>
+      <p:grpSp>
+        <p:nvGrpSpPr>
+          <p:cNvPr id="46" name="Group 45">
+            <a:extLst>
+              <a:ext uri="{FF2B5EF4-FFF2-40B4-BE49-F238E27FC236}">
+                <a16:creationId xmlns:a16="http://schemas.microsoft.com/office/drawing/2014/main" id="{54E9B7FD-65A4-9D4F-B6EE-F08DC56D210F}"/>
+              </a:ext>
+            </a:extLst>
+          </p:cNvPr>
+          <p:cNvGrpSpPr/>
+          <p:nvPr/>
+        </p:nvGrpSpPr>
+        <p:grpSpPr>
+          <a:xfrm>
+            <a:off x="6442811" y="2356058"/>
+            <a:ext cx="502585" cy="345625"/>
+            <a:chOff x="6594451" y="2437462"/>
+            <a:chExt cx="502585" cy="345625"/>
+          </a:xfrm>
+        </p:grpSpPr>
+        <p:cxnSp>
+          <p:nvCxnSpPr>
+            <p:cNvPr id="62" name="Straight Arrow Connector 61">
+              <a:extLst>
+                <a:ext uri="{FF2B5EF4-FFF2-40B4-BE49-F238E27FC236}">
+                  <a16:creationId xmlns:a16="http://schemas.microsoft.com/office/drawing/2014/main" id="{128A4899-573F-B646-AC8F-D9E4D4C9E3EC}"/>
+                </a:ext>
+              </a:extLst>
+            </p:cNvPr>
+            <p:cNvCxnSpPr>
+              <a:cxnSpLocks/>
+            </p:cNvCxnSpPr>
+            <p:nvPr/>
+          </p:nvCxnSpPr>
+          <p:spPr bwMode="auto">
+            <a:xfrm>
+              <a:off x="6820114" y="2608093"/>
+              <a:ext cx="267555" cy="0"/>
+            </a:xfrm>
+            <a:prstGeom prst="straightConnector1">
+              <a:avLst/>
+            </a:prstGeom>
+            <a:noFill/>
+            <a:ln w="28575" cap="flat" cmpd="sng" algn="ctr">
+              <a:solidFill>
+                <a:schemeClr val="tx1"/>
+              </a:solidFill>
+              <a:prstDash val="solid"/>
+              <a:round/>
+              <a:headEnd type="none" w="med" len="med"/>
+              <a:tailEnd type="triangle"/>
+            </a:ln>
+            <a:effectLst/>
+          </p:spPr>
+        </p:cxnSp>
+        <p:sp>
+          <p:nvSpPr>
+            <p:cNvPr id="66" name="TextBox 65">
+              <a:extLst>
+                <a:ext uri="{FF2B5EF4-FFF2-40B4-BE49-F238E27FC236}">
+                  <a16:creationId xmlns:a16="http://schemas.microsoft.com/office/drawing/2014/main" id="{68BB57C4-078D-004E-91F0-9327DB098BD4}"/>
+                </a:ext>
+              </a:extLst>
+            </p:cNvPr>
+            <p:cNvSpPr txBox="1"/>
+            <p:nvPr/>
+          </p:nvSpPr>
+          <p:spPr>
+            <a:xfrm>
+              <a:off x="6594451" y="2444533"/>
+              <a:ext cx="298480" cy="338554"/>
+            </a:xfrm>
+            <a:prstGeom prst="rect">
+              <a:avLst/>
+            </a:prstGeom>
+            <a:noFill/>
+          </p:spPr>
+          <p:txBody>
+            <a:bodyPr wrap="none" rtlCol="0">
+              <a:spAutoFit/>
+            </a:bodyPr>
+            <a:lstStyle/>
+            <a:p>
+              <a:r>
+                <a:rPr lang="en-US" sz="1600" dirty="0">
+                  <a:latin typeface="Helvetica" pitchFamily="34" charset="0"/>
+                </a:rPr>
+                <a:t>0</a:t>
+              </a:r>
+            </a:p>
+          </p:txBody>
+        </p:sp>
+        <p:cxnSp>
+          <p:nvCxnSpPr>
+            <p:cNvPr id="67" name="Straight Arrow Connector 66">
+              <a:extLst>
+                <a:ext uri="{FF2B5EF4-FFF2-40B4-BE49-F238E27FC236}">
+                  <a16:creationId xmlns:a16="http://schemas.microsoft.com/office/drawing/2014/main" id="{18C1786F-F2C6-B249-AFE0-29AA67A694BC}"/>
+                </a:ext>
+              </a:extLst>
+            </p:cNvPr>
+            <p:cNvCxnSpPr>
+              <a:cxnSpLocks/>
+            </p:cNvCxnSpPr>
+            <p:nvPr/>
+          </p:nvCxnSpPr>
+          <p:spPr bwMode="auto">
+            <a:xfrm>
+              <a:off x="7097036" y="2437462"/>
+              <a:ext cx="0" cy="176348"/>
+            </a:xfrm>
+            <a:prstGeom prst="straightConnector1">
+              <a:avLst/>
+            </a:prstGeom>
+            <a:noFill/>
+            <a:ln w="28575" cap="flat" cmpd="sng" algn="ctr">
+              <a:solidFill>
+                <a:schemeClr val="tx1"/>
+              </a:solidFill>
+              <a:prstDash val="solid"/>
+              <a:round/>
+              <a:headEnd type="none" w="med" len="med"/>
+              <a:tailEnd type="none" w="med" len="med"/>
+            </a:ln>
+            <a:effectLst/>
+          </p:spPr>
+        </p:cxnSp>
+      </p:grpSp>
+      <p:grpSp>
+        <p:nvGrpSpPr>
+          <p:cNvPr id="69" name="Group 68">
+            <a:extLst>
+              <a:ext uri="{FF2B5EF4-FFF2-40B4-BE49-F238E27FC236}">
+                <a16:creationId xmlns:a16="http://schemas.microsoft.com/office/drawing/2014/main" id="{050D103C-1575-884A-9D77-666FB214446D}"/>
+              </a:ext>
+            </a:extLst>
+          </p:cNvPr>
+          <p:cNvGrpSpPr/>
+          <p:nvPr/>
+        </p:nvGrpSpPr>
+        <p:grpSpPr>
+          <a:xfrm>
+            <a:off x="6452178" y="2889654"/>
+            <a:ext cx="502585" cy="345625"/>
+            <a:chOff x="6594451" y="2437462"/>
+            <a:chExt cx="502585" cy="345625"/>
+          </a:xfrm>
+        </p:grpSpPr>
+        <p:cxnSp>
+          <p:nvCxnSpPr>
+            <p:cNvPr id="70" name="Straight Arrow Connector 69">
+              <a:extLst>
+                <a:ext uri="{FF2B5EF4-FFF2-40B4-BE49-F238E27FC236}">
+                  <a16:creationId xmlns:a16="http://schemas.microsoft.com/office/drawing/2014/main" id="{3230D782-A15B-1140-AA08-CA946E448D94}"/>
+                </a:ext>
+              </a:extLst>
+            </p:cNvPr>
+            <p:cNvCxnSpPr>
+              <a:cxnSpLocks/>
+            </p:cNvCxnSpPr>
+            <p:nvPr/>
+          </p:nvCxnSpPr>
+          <p:spPr bwMode="auto">
+            <a:xfrm>
+              <a:off x="6820114" y="2608093"/>
+              <a:ext cx="267555" cy="0"/>
+            </a:xfrm>
+            <a:prstGeom prst="straightConnector1">
+              <a:avLst/>
+            </a:prstGeom>
+            <a:noFill/>
+            <a:ln w="28575" cap="flat" cmpd="sng" algn="ctr">
+              <a:solidFill>
+                <a:schemeClr val="tx1"/>
+              </a:solidFill>
+              <a:prstDash val="solid"/>
+              <a:round/>
+              <a:headEnd type="none" w="med" len="med"/>
+              <a:tailEnd type="triangle"/>
+            </a:ln>
+            <a:effectLst/>
+          </p:spPr>
+        </p:cxnSp>
+        <p:sp>
+          <p:nvSpPr>
+            <p:cNvPr id="76" name="TextBox 75">
+              <a:extLst>
+                <a:ext uri="{FF2B5EF4-FFF2-40B4-BE49-F238E27FC236}">
+                  <a16:creationId xmlns:a16="http://schemas.microsoft.com/office/drawing/2014/main" id="{6F3D77B4-AF5A-1942-862D-708FDD132C7C}"/>
+                </a:ext>
+              </a:extLst>
+            </p:cNvPr>
+            <p:cNvSpPr txBox="1"/>
+            <p:nvPr/>
+          </p:nvSpPr>
+          <p:spPr>
+            <a:xfrm>
+              <a:off x="6594451" y="2444533"/>
+              <a:ext cx="298480" cy="338554"/>
+            </a:xfrm>
+            <a:prstGeom prst="rect">
+              <a:avLst/>
+            </a:prstGeom>
+            <a:noFill/>
+          </p:spPr>
+          <p:txBody>
+            <a:bodyPr wrap="none" rtlCol="0">
+              <a:spAutoFit/>
+            </a:bodyPr>
+            <a:lstStyle/>
+            <a:p>
+              <a:r>
+                <a:rPr lang="en-US" sz="1600" dirty="0">
+                  <a:latin typeface="Helvetica" pitchFamily="34" charset="0"/>
+                </a:rPr>
+                <a:t>0</a:t>
+              </a:r>
+            </a:p>
+          </p:txBody>
+        </p:sp>
+        <p:cxnSp>
+          <p:nvCxnSpPr>
+            <p:cNvPr id="77" name="Straight Arrow Connector 76">
+              <a:extLst>
+                <a:ext uri="{FF2B5EF4-FFF2-40B4-BE49-F238E27FC236}">
+                  <a16:creationId xmlns:a16="http://schemas.microsoft.com/office/drawing/2014/main" id="{D7B2A72C-19B9-8947-9EB6-70572FB562D0}"/>
+                </a:ext>
+              </a:extLst>
+            </p:cNvPr>
+            <p:cNvCxnSpPr>
+              <a:cxnSpLocks/>
+            </p:cNvCxnSpPr>
+            <p:nvPr/>
+          </p:nvCxnSpPr>
+          <p:spPr bwMode="auto">
+            <a:xfrm>
+              <a:off x="7097036" y="2437462"/>
+              <a:ext cx="0" cy="176348"/>
+            </a:xfrm>
+            <a:prstGeom prst="straightConnector1">
+              <a:avLst/>
+            </a:prstGeom>
+            <a:noFill/>
+            <a:ln w="28575" cap="flat" cmpd="sng" algn="ctr">
+              <a:solidFill>
+                <a:schemeClr val="tx1"/>
+              </a:solidFill>
+              <a:prstDash val="solid"/>
+              <a:round/>
+              <a:headEnd type="none" w="med" len="med"/>
+              <a:tailEnd type="none" w="med" len="med"/>
+            </a:ln>
+            <a:effectLst/>
+          </p:spPr>
+        </p:cxnSp>
+      </p:grpSp>
+      <p:grpSp>
+        <p:nvGrpSpPr>
+          <p:cNvPr id="78" name="Group 77">
+            <a:extLst>
+              <a:ext uri="{FF2B5EF4-FFF2-40B4-BE49-F238E27FC236}">
+                <a16:creationId xmlns:a16="http://schemas.microsoft.com/office/drawing/2014/main" id="{1EE265F6-3665-8E4B-816D-51F3446B7A73}"/>
+              </a:ext>
+            </a:extLst>
+          </p:cNvPr>
+          <p:cNvGrpSpPr/>
+          <p:nvPr/>
+        </p:nvGrpSpPr>
+        <p:grpSpPr>
+          <a:xfrm>
+            <a:off x="6455051" y="3435504"/>
+            <a:ext cx="490345" cy="338630"/>
+            <a:chOff x="6606691" y="2437462"/>
+            <a:chExt cx="490345" cy="338630"/>
+          </a:xfrm>
+        </p:grpSpPr>
+        <p:cxnSp>
+          <p:nvCxnSpPr>
+            <p:cNvPr id="81" name="Straight Arrow Connector 80">
+              <a:extLst>
+                <a:ext uri="{FF2B5EF4-FFF2-40B4-BE49-F238E27FC236}">
+                  <a16:creationId xmlns:a16="http://schemas.microsoft.com/office/drawing/2014/main" id="{CB4C4499-8C68-2548-A02F-21306A2EAEC3}"/>
+                </a:ext>
+              </a:extLst>
+            </p:cNvPr>
+            <p:cNvCxnSpPr>
+              <a:cxnSpLocks/>
+            </p:cNvCxnSpPr>
+            <p:nvPr/>
+          </p:nvCxnSpPr>
+          <p:spPr bwMode="auto">
+            <a:xfrm>
+              <a:off x="6820114" y="2608093"/>
+              <a:ext cx="267555" cy="0"/>
+            </a:xfrm>
+            <a:prstGeom prst="straightConnector1">
+              <a:avLst/>
+            </a:prstGeom>
+            <a:noFill/>
+            <a:ln w="28575" cap="flat" cmpd="sng" algn="ctr">
+              <a:solidFill>
+                <a:schemeClr val="tx1"/>
+              </a:solidFill>
+              <a:prstDash val="solid"/>
+              <a:round/>
+              <a:headEnd type="none" w="med" len="med"/>
+              <a:tailEnd type="triangle"/>
+            </a:ln>
+            <a:effectLst/>
+          </p:spPr>
+        </p:cxnSp>
+        <p:sp>
+          <p:nvSpPr>
+            <p:cNvPr id="82" name="TextBox 81">
+              <a:extLst>
+                <a:ext uri="{FF2B5EF4-FFF2-40B4-BE49-F238E27FC236}">
+                  <a16:creationId xmlns:a16="http://schemas.microsoft.com/office/drawing/2014/main" id="{C2E2348E-3136-104C-8019-C8C04B7EDF3B}"/>
+                </a:ext>
+              </a:extLst>
+            </p:cNvPr>
+            <p:cNvSpPr txBox="1"/>
+            <p:nvPr/>
+          </p:nvSpPr>
+          <p:spPr>
+            <a:xfrm>
+              <a:off x="6606691" y="2437538"/>
+              <a:ext cx="298480" cy="338554"/>
+            </a:xfrm>
+            <a:prstGeom prst="rect">
+              <a:avLst/>
+            </a:prstGeom>
+            <a:noFill/>
+          </p:spPr>
+          <p:txBody>
+            <a:bodyPr wrap="none" rtlCol="0">
+              <a:spAutoFit/>
+            </a:bodyPr>
+            <a:lstStyle/>
+            <a:p>
+              <a:r>
+                <a:rPr lang="en-US" sz="1600" dirty="0">
+                  <a:latin typeface="Helvetica" pitchFamily="34" charset="0"/>
+                </a:rPr>
+                <a:t>0</a:t>
+              </a:r>
+            </a:p>
+          </p:txBody>
+        </p:sp>
+        <p:cxnSp>
+          <p:nvCxnSpPr>
+            <p:cNvPr id="84" name="Straight Arrow Connector 83">
+              <a:extLst>
+                <a:ext uri="{FF2B5EF4-FFF2-40B4-BE49-F238E27FC236}">
+                  <a16:creationId xmlns:a16="http://schemas.microsoft.com/office/drawing/2014/main" id="{4CC27EDD-D872-D94C-99AF-5FEF936F92E6}"/>
+                </a:ext>
+              </a:extLst>
+            </p:cNvPr>
+            <p:cNvCxnSpPr>
+              <a:cxnSpLocks/>
+            </p:cNvCxnSpPr>
+            <p:nvPr/>
+          </p:nvCxnSpPr>
+          <p:spPr bwMode="auto">
+            <a:xfrm>
+              <a:off x="7097036" y="2437462"/>
+              <a:ext cx="0" cy="176348"/>
+            </a:xfrm>
+            <a:prstGeom prst="straightConnector1">
+              <a:avLst/>
+            </a:prstGeom>
+            <a:noFill/>
+            <a:ln w="28575" cap="flat" cmpd="sng" algn="ctr">
+              <a:solidFill>
+                <a:schemeClr val="tx1"/>
+              </a:solidFill>
+              <a:prstDash val="solid"/>
+              <a:round/>
+              <a:headEnd type="none" w="med" len="med"/>
+              <a:tailEnd type="none" w="med" len="med"/>
+            </a:ln>
+            <a:effectLst/>
+          </p:spPr>
+        </p:cxnSp>
+      </p:grpSp>
+      <p:cxnSp>
+        <p:nvCxnSpPr>
+          <p:cNvPr id="48" name="Elbow Connector 47">
+            <a:extLst>
+              <a:ext uri="{FF2B5EF4-FFF2-40B4-BE49-F238E27FC236}">
+                <a16:creationId xmlns:a16="http://schemas.microsoft.com/office/drawing/2014/main" id="{6001D3D6-3C4B-C64B-97DA-90B50448F058}"/>
+              </a:ext>
+            </a:extLst>
+          </p:cNvPr>
+          <p:cNvCxnSpPr>
+            <a:cxnSpLocks/>
+          </p:cNvCxnSpPr>
+          <p:nvPr/>
+        </p:nvCxnSpPr>
+        <p:spPr>
+          <a:xfrm>
+            <a:off x="6951252" y="2444232"/>
+            <a:ext cx="350826" cy="156915"/>
+          </a:xfrm>
+          <a:prstGeom prst="bentConnector3">
+            <a:avLst>
+              <a:gd name="adj1" fmla="val 50000"/>
+            </a:avLst>
+          </a:prstGeom>
+          <a:ln w="38100">
+            <a:solidFill>
+              <a:schemeClr val="tx1"/>
+            </a:solidFill>
+            <a:tailEnd type="triangle"/>
+          </a:ln>
+        </p:spPr>
+        <p:style>
+          <a:lnRef idx="1">
+            <a:schemeClr val="accent1"/>
+          </a:lnRef>
+          <a:fillRef idx="0">
+            <a:schemeClr val="accent1"/>
+          </a:fillRef>
+          <a:effectRef idx="0">
+            <a:schemeClr val="accent1"/>
+          </a:effectRef>
+          <a:fontRef idx="minor">
+            <a:schemeClr val="tx1"/>
+          </a:fontRef>
+        </p:style>
+      </p:cxnSp>
+      <p:cxnSp>
+        <p:nvCxnSpPr>
+          <p:cNvPr id="85" name="Elbow Connector 84">
+            <a:extLst>
+              <a:ext uri="{FF2B5EF4-FFF2-40B4-BE49-F238E27FC236}">
+                <a16:creationId xmlns:a16="http://schemas.microsoft.com/office/drawing/2014/main" id="{BB19CBC6-7B62-3846-A111-D82AD5A8223E}"/>
+              </a:ext>
+            </a:extLst>
+          </p:cNvPr>
+          <p:cNvCxnSpPr>
+            <a:cxnSpLocks/>
+          </p:cNvCxnSpPr>
+          <p:nvPr/>
+        </p:nvCxnSpPr>
+        <p:spPr>
+          <a:xfrm flipV="1">
+            <a:off x="6967211" y="2788490"/>
+            <a:ext cx="333350" cy="187875"/>
+          </a:xfrm>
+          <a:prstGeom prst="bentConnector3">
+            <a:avLst>
+              <a:gd name="adj1" fmla="val 50000"/>
+            </a:avLst>
+          </a:prstGeom>
+          <a:ln w="38100">
+            <a:solidFill>
+              <a:schemeClr val="tx1"/>
+            </a:solidFill>
+            <a:tailEnd type="triangle"/>
+          </a:ln>
+        </p:spPr>
+        <p:style>
+          <a:lnRef idx="1">
+            <a:schemeClr val="accent1"/>
+          </a:lnRef>
+          <a:fillRef idx="0">
+            <a:schemeClr val="accent1"/>
+          </a:fillRef>
+          <a:effectRef idx="0">
+            <a:schemeClr val="accent1"/>
+          </a:effectRef>
+          <a:fontRef idx="minor">
+            <a:schemeClr val="tx1"/>
+          </a:fontRef>
+        </p:style>
+      </p:cxnSp>
+      <p:cxnSp>
+        <p:nvCxnSpPr>
+          <p:cNvPr id="87" name="Elbow Connector 86">
+            <a:extLst>
+              <a:ext uri="{FF2B5EF4-FFF2-40B4-BE49-F238E27FC236}">
+                <a16:creationId xmlns:a16="http://schemas.microsoft.com/office/drawing/2014/main" id="{219825E6-88D9-5040-9A7B-BF7CA95AF85C}"/>
+              </a:ext>
+            </a:extLst>
+          </p:cNvPr>
+          <p:cNvCxnSpPr>
+            <a:cxnSpLocks/>
+            <a:stCxn id="83" idx="3"/>
+          </p:cNvCxnSpPr>
+          <p:nvPr/>
+        </p:nvCxnSpPr>
+        <p:spPr>
+          <a:xfrm>
+            <a:off x="7759966" y="2684016"/>
+            <a:ext cx="328638" cy="189109"/>
+          </a:xfrm>
+          <a:prstGeom prst="bentConnector3">
+            <a:avLst>
+              <a:gd name="adj1" fmla="val 31451"/>
+            </a:avLst>
+          </a:prstGeom>
+          <a:ln w="38100">
+            <a:solidFill>
+              <a:schemeClr val="tx1"/>
+            </a:solidFill>
+            <a:tailEnd type="triangle"/>
+          </a:ln>
+        </p:spPr>
+        <p:style>
+          <a:lnRef idx="1">
+            <a:schemeClr val="accent1"/>
+          </a:lnRef>
+          <a:fillRef idx="0">
+            <a:schemeClr val="accent1"/>
+          </a:fillRef>
+          <a:effectRef idx="0">
+            <a:schemeClr val="accent1"/>
+          </a:effectRef>
+          <a:fontRef idx="minor">
+            <a:schemeClr val="tx1"/>
+          </a:fontRef>
+        </p:style>
+      </p:cxnSp>
+      <p:cxnSp>
+        <p:nvCxnSpPr>
+          <p:cNvPr id="88" name="Elbow Connector 87">
+            <a:extLst>
+              <a:ext uri="{FF2B5EF4-FFF2-40B4-BE49-F238E27FC236}">
+                <a16:creationId xmlns:a16="http://schemas.microsoft.com/office/drawing/2014/main" id="{BD9DC20D-055B-4F4C-9628-8B132FDC3C9D}"/>
+              </a:ext>
+            </a:extLst>
+          </p:cNvPr>
+          <p:cNvCxnSpPr>
+            <a:cxnSpLocks/>
+          </p:cNvCxnSpPr>
+          <p:nvPr/>
+        </p:nvCxnSpPr>
+        <p:spPr>
+          <a:xfrm flipV="1">
+            <a:off x="6955972" y="3060285"/>
+            <a:ext cx="1132167" cy="458918"/>
+          </a:xfrm>
+          <a:prstGeom prst="bentConnector3">
+            <a:avLst>
+              <a:gd name="adj1" fmla="val 79859"/>
+            </a:avLst>
+          </a:prstGeom>
+          <a:ln w="38100">
+            <a:solidFill>
+              <a:schemeClr val="tx1"/>
+            </a:solidFill>
+            <a:tailEnd type="triangle"/>
+          </a:ln>
+        </p:spPr>
+        <p:style>
+          <a:lnRef idx="1">
+            <a:schemeClr val="accent1"/>
+          </a:lnRef>
+          <a:fillRef idx="0">
+            <a:schemeClr val="accent1"/>
+          </a:fillRef>
+          <a:effectRef idx="0">
+            <a:schemeClr val="accent1"/>
+          </a:effectRef>
+          <a:fontRef idx="minor">
+            <a:schemeClr val="tx1"/>
+          </a:fontRef>
+        </p:style>
+      </p:cxnSp>
+      <p:grpSp>
+        <p:nvGrpSpPr>
+          <p:cNvPr id="93" name="Group 92">
+            <a:extLst>
+              <a:ext uri="{FF2B5EF4-FFF2-40B4-BE49-F238E27FC236}">
+                <a16:creationId xmlns:a16="http://schemas.microsoft.com/office/drawing/2014/main" id="{566F9DF9-FB1D-7A46-8AA2-277D77E4A900}"/>
+              </a:ext>
+            </a:extLst>
+          </p:cNvPr>
+          <p:cNvGrpSpPr/>
+          <p:nvPr/>
+        </p:nvGrpSpPr>
+        <p:grpSpPr>
+          <a:xfrm>
+            <a:off x="6958718" y="2149597"/>
+            <a:ext cx="269626" cy="393689"/>
+            <a:chOff x="6208105" y="2760994"/>
+            <a:chExt cx="269626" cy="393689"/>
+          </a:xfrm>
+        </p:grpSpPr>
+        <p:cxnSp>
+          <p:nvCxnSpPr>
+            <p:cNvPr id="94" name="Straight Arrow Connector 93">
+              <a:extLst>
+                <a:ext uri="{FF2B5EF4-FFF2-40B4-BE49-F238E27FC236}">
+                  <a16:creationId xmlns:a16="http://schemas.microsoft.com/office/drawing/2014/main" id="{BD2B3AAF-E486-A447-8EF3-F7D65672DC85}"/>
+                </a:ext>
+              </a:extLst>
+            </p:cNvPr>
+            <p:cNvCxnSpPr>
+              <a:cxnSpLocks/>
+            </p:cNvCxnSpPr>
+            <p:nvPr/>
+          </p:nvCxnSpPr>
+          <p:spPr bwMode="auto">
+            <a:xfrm flipV="1">
+              <a:off x="6266504" y="2965948"/>
+              <a:ext cx="87929" cy="188735"/>
+            </a:xfrm>
+            <a:prstGeom prst="straightConnector1">
+              <a:avLst/>
+            </a:prstGeom>
+            <a:noFill/>
+            <a:ln w="19050" cap="flat" cmpd="sng" algn="ctr">
+              <a:solidFill>
+                <a:schemeClr val="tx1"/>
+              </a:solidFill>
+              <a:prstDash val="solid"/>
+              <a:round/>
+              <a:headEnd type="none" w="med" len="med"/>
+              <a:tailEnd type="none" w="med" len="med"/>
+            </a:ln>
+            <a:effectLst/>
+          </p:spPr>
+        </p:cxnSp>
+        <p:sp>
+          <p:nvSpPr>
+            <p:cNvPr id="95" name="TextBox 94">
+              <a:extLst>
+                <a:ext uri="{FF2B5EF4-FFF2-40B4-BE49-F238E27FC236}">
+                  <a16:creationId xmlns:a16="http://schemas.microsoft.com/office/drawing/2014/main" id="{1958043D-3101-FD49-B9E3-F8538EBBB808}"/>
+                </a:ext>
+              </a:extLst>
+            </p:cNvPr>
+            <p:cNvSpPr txBox="1"/>
+            <p:nvPr/>
+          </p:nvSpPr>
+          <p:spPr>
+            <a:xfrm>
+              <a:off x="6208105" y="2760994"/>
+              <a:ext cx="269626" cy="276999"/>
+            </a:xfrm>
+            <a:prstGeom prst="rect">
+              <a:avLst/>
+            </a:prstGeom>
+            <a:noFill/>
+          </p:spPr>
+          <p:txBody>
+            <a:bodyPr wrap="none" rtlCol="0">
+              <a:spAutoFit/>
+            </a:bodyPr>
+            <a:lstStyle/>
+            <a:p>
+              <a:r>
+                <a:rPr lang="en-US" sz="1200" dirty="0">
+                  <a:latin typeface="Helvetica" pitchFamily="34" charset="0"/>
+                </a:rPr>
+                <a:t>2</a:t>
+              </a:r>
+            </a:p>
+          </p:txBody>
+        </p:sp>
+      </p:grpSp>
+      <p:grpSp>
+        <p:nvGrpSpPr>
+          <p:cNvPr id="96" name="Group 95">
+            <a:extLst>
+              <a:ext uri="{FF2B5EF4-FFF2-40B4-BE49-F238E27FC236}">
+                <a16:creationId xmlns:a16="http://schemas.microsoft.com/office/drawing/2014/main" id="{9985FE5D-572B-AB4C-9C14-8DB50B717C97}"/>
+              </a:ext>
+            </a:extLst>
+          </p:cNvPr>
+          <p:cNvGrpSpPr/>
+          <p:nvPr/>
+        </p:nvGrpSpPr>
+        <p:grpSpPr>
+          <a:xfrm>
+            <a:off x="6953805" y="2881858"/>
+            <a:ext cx="269626" cy="333157"/>
+            <a:chOff x="6222002" y="2965948"/>
+            <a:chExt cx="269626" cy="333157"/>
+          </a:xfrm>
+        </p:grpSpPr>
+        <p:cxnSp>
+          <p:nvCxnSpPr>
+            <p:cNvPr id="97" name="Straight Arrow Connector 96">
+              <a:extLst>
+                <a:ext uri="{FF2B5EF4-FFF2-40B4-BE49-F238E27FC236}">
+                  <a16:creationId xmlns:a16="http://schemas.microsoft.com/office/drawing/2014/main" id="{FBDD2530-992B-3C41-89D7-772341E98D9F}"/>
+                </a:ext>
+              </a:extLst>
+            </p:cNvPr>
+            <p:cNvCxnSpPr>
+              <a:cxnSpLocks/>
+            </p:cNvCxnSpPr>
+            <p:nvPr/>
+          </p:nvCxnSpPr>
+          <p:spPr bwMode="auto">
+            <a:xfrm flipV="1">
+              <a:off x="6266504" y="2965948"/>
+              <a:ext cx="87929" cy="188735"/>
+            </a:xfrm>
+            <a:prstGeom prst="straightConnector1">
+              <a:avLst/>
+            </a:prstGeom>
+            <a:noFill/>
+            <a:ln w="19050" cap="flat" cmpd="sng" algn="ctr">
+              <a:solidFill>
+                <a:schemeClr val="tx1"/>
+              </a:solidFill>
+              <a:prstDash val="solid"/>
+              <a:round/>
+              <a:headEnd type="none" w="med" len="med"/>
+              <a:tailEnd type="none" w="med" len="med"/>
+            </a:ln>
+            <a:effectLst/>
+          </p:spPr>
+        </p:cxnSp>
+        <p:sp>
+          <p:nvSpPr>
+            <p:cNvPr id="98" name="TextBox 97">
+              <a:extLst>
+                <a:ext uri="{FF2B5EF4-FFF2-40B4-BE49-F238E27FC236}">
+                  <a16:creationId xmlns:a16="http://schemas.microsoft.com/office/drawing/2014/main" id="{57E6D354-EA40-164B-B9A6-7DC718CB79EA}"/>
+                </a:ext>
+              </a:extLst>
+            </p:cNvPr>
+            <p:cNvSpPr txBox="1"/>
+            <p:nvPr/>
+          </p:nvSpPr>
+          <p:spPr>
+            <a:xfrm>
+              <a:off x="6222002" y="3022106"/>
+              <a:ext cx="269626" cy="276999"/>
+            </a:xfrm>
+            <a:prstGeom prst="rect">
+              <a:avLst/>
+            </a:prstGeom>
+            <a:noFill/>
+          </p:spPr>
+          <p:txBody>
+            <a:bodyPr wrap="none" rtlCol="0">
+              <a:spAutoFit/>
+            </a:bodyPr>
+            <a:lstStyle/>
+            <a:p>
+              <a:r>
+                <a:rPr lang="en-US" sz="1200" dirty="0">
+                  <a:latin typeface="Helvetica" pitchFamily="34" charset="0"/>
+                </a:rPr>
+                <a:t>2</a:t>
+              </a:r>
+            </a:p>
+          </p:txBody>
+        </p:sp>
+      </p:grpSp>
+      <p:grpSp>
+        <p:nvGrpSpPr>
+          <p:cNvPr id="99" name="Group 98">
+            <a:extLst>
+              <a:ext uri="{FF2B5EF4-FFF2-40B4-BE49-F238E27FC236}">
+                <a16:creationId xmlns:a16="http://schemas.microsoft.com/office/drawing/2014/main" id="{A17354BD-4CE9-034C-A9E7-F8E843A205F1}"/>
+              </a:ext>
+            </a:extLst>
+          </p:cNvPr>
+          <p:cNvGrpSpPr/>
+          <p:nvPr/>
+        </p:nvGrpSpPr>
+        <p:grpSpPr>
+          <a:xfrm>
+            <a:off x="7046385" y="3227382"/>
+            <a:ext cx="269626" cy="396568"/>
+            <a:chOff x="6205562" y="2758115"/>
+            <a:chExt cx="269626" cy="396568"/>
+          </a:xfrm>
+        </p:grpSpPr>
+        <p:cxnSp>
+          <p:nvCxnSpPr>
+            <p:cNvPr id="100" name="Straight Arrow Connector 99">
+              <a:extLst>
+                <a:ext uri="{FF2B5EF4-FFF2-40B4-BE49-F238E27FC236}">
+                  <a16:creationId xmlns:a16="http://schemas.microsoft.com/office/drawing/2014/main" id="{D00EF447-237D-D74C-BA1A-AC6BF7AC1691}"/>
+                </a:ext>
+              </a:extLst>
+            </p:cNvPr>
+            <p:cNvCxnSpPr>
+              <a:cxnSpLocks/>
+            </p:cNvCxnSpPr>
+            <p:nvPr/>
+          </p:nvCxnSpPr>
+          <p:spPr bwMode="auto">
+            <a:xfrm flipV="1">
+              <a:off x="6266504" y="2965948"/>
+              <a:ext cx="87929" cy="188735"/>
+            </a:xfrm>
+            <a:prstGeom prst="straightConnector1">
+              <a:avLst/>
+            </a:prstGeom>
+            <a:noFill/>
+            <a:ln w="19050" cap="flat" cmpd="sng" algn="ctr">
+              <a:solidFill>
+                <a:schemeClr val="tx1"/>
+              </a:solidFill>
+              <a:prstDash val="solid"/>
+              <a:round/>
+              <a:headEnd type="none" w="med" len="med"/>
+              <a:tailEnd type="none" w="med" len="med"/>
+            </a:ln>
+            <a:effectLst/>
+          </p:spPr>
+        </p:cxnSp>
+        <p:sp>
+          <p:nvSpPr>
+            <p:cNvPr id="101" name="TextBox 100">
+              <a:extLst>
+                <a:ext uri="{FF2B5EF4-FFF2-40B4-BE49-F238E27FC236}">
+                  <a16:creationId xmlns:a16="http://schemas.microsoft.com/office/drawing/2014/main" id="{9F174B5E-A4B4-6946-8242-7106C09FABBE}"/>
+                </a:ext>
+              </a:extLst>
+            </p:cNvPr>
+            <p:cNvSpPr txBox="1"/>
+            <p:nvPr/>
+          </p:nvSpPr>
+          <p:spPr>
+            <a:xfrm>
+              <a:off x="6205562" y="2758115"/>
+              <a:ext cx="269626" cy="276999"/>
+            </a:xfrm>
+            <a:prstGeom prst="rect">
+              <a:avLst/>
+            </a:prstGeom>
+            <a:noFill/>
+          </p:spPr>
+          <p:txBody>
+            <a:bodyPr wrap="none" rtlCol="0">
+              <a:spAutoFit/>
+            </a:bodyPr>
+            <a:lstStyle/>
+            <a:p>
+              <a:r>
+                <a:rPr lang="en-US" sz="1200" dirty="0">
+                  <a:latin typeface="Helvetica" pitchFamily="34" charset="0"/>
+                </a:rPr>
+                <a:t>2</a:t>
+              </a:r>
+            </a:p>
+          </p:txBody>
+        </p:sp>
+      </p:grpSp>
+      <p:sp>
+        <p:nvSpPr>
+          <p:cNvPr id="102" name="Rectangle 101">
+            <a:extLst>
+              <a:ext uri="{FF2B5EF4-FFF2-40B4-BE49-F238E27FC236}">
+                <a16:creationId xmlns:a16="http://schemas.microsoft.com/office/drawing/2014/main" id="{06DB98C4-B909-874E-9161-7CE14D4D3BC8}"/>
+              </a:ext>
+            </a:extLst>
+          </p:cNvPr>
+          <p:cNvSpPr/>
+          <p:nvPr/>
+        </p:nvSpPr>
+        <p:spPr>
+          <a:xfrm>
+            <a:off x="8914927" y="3151997"/>
+            <a:ext cx="447265" cy="459199"/>
+          </a:xfrm>
+          <a:prstGeom prst="rect">
+            <a:avLst/>
+          </a:prstGeom>
+          <a:solidFill>
+            <a:schemeClr val="bg1"/>
+          </a:solidFill>
+          <a:ln w="28575">
+            <a:solidFill>
+              <a:schemeClr val="tx1"/>
+            </a:solidFill>
+          </a:ln>
+        </p:spPr>
+        <p:style>
+          <a:lnRef idx="2">
+            <a:schemeClr val="accent1">
+              <a:shade val="50000"/>
+            </a:schemeClr>
+          </a:lnRef>
+          <a:fillRef idx="1">
+            <a:schemeClr val="accent1"/>
+          </a:fillRef>
+          <a:effectRef idx="0">
+            <a:schemeClr val="accent1"/>
+          </a:effectRef>
+          <a:fontRef idx="minor">
+            <a:schemeClr val="lt1"/>
+          </a:fontRef>
+        </p:style>
+        <p:txBody>
+          <a:bodyPr lIns="0" rIns="0" rtlCol="0" anchor="ctr"/>
+          <a:lstStyle/>
+          <a:p>
+            <a:pPr algn="ctr"/>
+            <a:r>
+              <a:rPr lang="en-US" sz="2000" dirty="0">
+                <a:solidFill>
+                  <a:schemeClr val="tx1"/>
+                </a:solidFill>
+                <a:latin typeface="Helvetica" panose="020B0604020202020204" pitchFamily="34" charset="0"/>
+                <a:cs typeface="Helvetica" panose="020B0604020202020204" pitchFamily="34" charset="0"/>
+              </a:rPr>
+              <a:t>&gt;=</a:t>
+            </a:r>
+          </a:p>
+        </p:txBody>
+      </p:sp>
+      <p:cxnSp>
+        <p:nvCxnSpPr>
+          <p:cNvPr id="103" name="Elbow Connector 102">
+            <a:extLst>
+              <a:ext uri="{FF2B5EF4-FFF2-40B4-BE49-F238E27FC236}">
+                <a16:creationId xmlns:a16="http://schemas.microsoft.com/office/drawing/2014/main" id="{9ABA9F47-6E90-FF48-97A0-AF7A0CEF58FD}"/>
+              </a:ext>
+            </a:extLst>
+          </p:cNvPr>
+          <p:cNvCxnSpPr>
+            <a:cxnSpLocks/>
+            <a:stCxn id="86" idx="3"/>
+          </p:cNvCxnSpPr>
+          <p:nvPr/>
+        </p:nvCxnSpPr>
+        <p:spPr>
+          <a:xfrm>
+            <a:off x="8538221" y="2951757"/>
+            <a:ext cx="372510" cy="356941"/>
+          </a:xfrm>
+          <a:prstGeom prst="bentConnector3">
+            <a:avLst>
+              <a:gd name="adj1" fmla="val 50000"/>
+            </a:avLst>
+          </a:prstGeom>
+          <a:ln w="38100">
+            <a:solidFill>
+              <a:schemeClr val="tx1"/>
+            </a:solidFill>
+            <a:tailEnd type="triangle"/>
+          </a:ln>
+        </p:spPr>
+        <p:style>
+          <a:lnRef idx="1">
+            <a:schemeClr val="accent1"/>
+          </a:lnRef>
+          <a:fillRef idx="0">
+            <a:schemeClr val="accent1"/>
+          </a:fillRef>
+          <a:effectRef idx="0">
+            <a:schemeClr val="accent1"/>
+          </a:effectRef>
+          <a:fontRef idx="minor">
+            <a:schemeClr val="tx1"/>
+          </a:fontRef>
+        </p:style>
+      </p:cxnSp>
+      <p:sp>
+        <p:nvSpPr>
+          <p:cNvPr id="86" name="Rectangle 85">
+            <a:extLst>
+              <a:ext uri="{FF2B5EF4-FFF2-40B4-BE49-F238E27FC236}">
+                <a16:creationId xmlns:a16="http://schemas.microsoft.com/office/drawing/2014/main" id="{63B05756-F24A-B343-A78F-BFDC3937C4A0}"/>
+              </a:ext>
+            </a:extLst>
+          </p:cNvPr>
+          <p:cNvSpPr/>
+          <p:nvPr/>
+        </p:nvSpPr>
+        <p:spPr>
+          <a:xfrm>
+            <a:off x="8090956" y="2722157"/>
+            <a:ext cx="447265" cy="459199"/>
+          </a:xfrm>
+          <a:prstGeom prst="rect">
+            <a:avLst/>
+          </a:prstGeom>
+          <a:solidFill>
+            <a:schemeClr val="bg1"/>
+          </a:solidFill>
+          <a:ln w="28575">
+            <a:solidFill>
+              <a:schemeClr val="tx1"/>
+            </a:solidFill>
+          </a:ln>
+        </p:spPr>
+        <p:style>
+          <a:lnRef idx="2">
+            <a:schemeClr val="accent1">
+              <a:shade val="50000"/>
+            </a:schemeClr>
+          </a:lnRef>
+          <a:fillRef idx="1">
+            <a:schemeClr val="accent1"/>
+          </a:fillRef>
+          <a:effectRef idx="0">
+            <a:schemeClr val="accent1"/>
+          </a:effectRef>
+          <a:fontRef idx="minor">
+            <a:schemeClr val="lt1"/>
+          </a:fontRef>
+        </p:style>
+        <p:txBody>
+          <a:bodyPr lIns="0" rIns="0" rtlCol="0" anchor="ctr"/>
+          <a:lstStyle/>
+          <a:p>
+            <a:pPr algn="ctr"/>
+            <a:r>
+              <a:rPr lang="en-US" sz="2400" dirty="0">
+                <a:solidFill>
+                  <a:schemeClr val="tx1"/>
+                </a:solidFill>
+                <a:latin typeface="Helvetica" panose="020B0604020202020204" pitchFamily="34" charset="0"/>
+                <a:cs typeface="Helvetica" panose="020B0604020202020204" pitchFamily="34" charset="0"/>
+              </a:rPr>
+              <a:t>+</a:t>
+            </a:r>
+          </a:p>
+        </p:txBody>
+      </p:sp>
+      <p:sp>
+        <p:nvSpPr>
+          <p:cNvPr id="109" name="TextBox 108">
+            <a:extLst>
+              <a:ext uri="{FF2B5EF4-FFF2-40B4-BE49-F238E27FC236}">
+                <a16:creationId xmlns:a16="http://schemas.microsoft.com/office/drawing/2014/main" id="{0DCCD0CD-3A12-1949-85FB-DFD10FD42C3A}"/>
+              </a:ext>
+            </a:extLst>
+          </p:cNvPr>
+          <p:cNvSpPr txBox="1"/>
+          <p:nvPr/>
+        </p:nvSpPr>
+        <p:spPr>
+          <a:xfrm>
+            <a:off x="8506457" y="2663390"/>
+            <a:ext cx="572593" cy="338554"/>
+          </a:xfrm>
+          <a:prstGeom prst="rect">
+            <a:avLst/>
+          </a:prstGeom>
+          <a:noFill/>
+        </p:spPr>
+        <p:txBody>
+          <a:bodyPr wrap="none" rtlCol="0">
+            <a:spAutoFit/>
+          </a:bodyPr>
+          <a:lstStyle/>
+          <a:p>
+            <a:r>
+              <a:rPr lang="en-US" sz="1600" dirty="0">
+                <a:latin typeface="Helvetica" pitchFamily="34" charset="0"/>
+              </a:rPr>
+              <a:t>sum</a:t>
+            </a:r>
+          </a:p>
+        </p:txBody>
+      </p:sp>
+      <p:cxnSp>
+        <p:nvCxnSpPr>
+          <p:cNvPr id="110" name="Straight Arrow Connector 109">
+            <a:extLst>
+              <a:ext uri="{FF2B5EF4-FFF2-40B4-BE49-F238E27FC236}">
+                <a16:creationId xmlns:a16="http://schemas.microsoft.com/office/drawing/2014/main" id="{576871EE-D355-0F46-B609-5453A0E418EC}"/>
+              </a:ext>
+            </a:extLst>
+          </p:cNvPr>
+          <p:cNvCxnSpPr>
+            <a:cxnSpLocks/>
+            <a:stCxn id="112" idx="3"/>
+          </p:cNvCxnSpPr>
+          <p:nvPr/>
+        </p:nvCxnSpPr>
+        <p:spPr bwMode="auto">
+          <a:xfrm>
+            <a:off x="8503932" y="3533776"/>
+            <a:ext cx="406800" cy="0"/>
+          </a:xfrm>
+          <a:prstGeom prst="straightConnector1">
+            <a:avLst/>
+          </a:prstGeom>
+          <a:noFill/>
+          <a:ln w="38100" cap="flat" cmpd="sng" algn="ctr">
+            <a:solidFill>
+              <a:schemeClr val="tx1"/>
+            </a:solidFill>
+            <a:prstDash val="solid"/>
+            <a:round/>
+            <a:headEnd type="none" w="med" len="med"/>
+            <a:tailEnd type="triangle"/>
+          </a:ln>
+          <a:effectLst/>
+        </p:spPr>
+      </p:cxnSp>
+      <p:sp>
+        <p:nvSpPr>
+          <p:cNvPr id="112" name="TextBox 111">
+            <a:extLst>
+              <a:ext uri="{FF2B5EF4-FFF2-40B4-BE49-F238E27FC236}">
+                <a16:creationId xmlns:a16="http://schemas.microsoft.com/office/drawing/2014/main" id="{10C8C623-5D01-944A-8B48-31CF0DA901D4}"/>
+              </a:ext>
+            </a:extLst>
+          </p:cNvPr>
+          <p:cNvSpPr txBox="1"/>
+          <p:nvPr/>
+        </p:nvSpPr>
+        <p:spPr>
+          <a:xfrm>
+            <a:off x="8259448" y="3364499"/>
+            <a:ext cx="244484" cy="338554"/>
+          </a:xfrm>
+          <a:prstGeom prst="rect">
+            <a:avLst/>
+          </a:prstGeom>
+          <a:noFill/>
+        </p:spPr>
+        <p:txBody>
+          <a:bodyPr wrap="square" rtlCol="0">
+            <a:spAutoFit/>
+          </a:bodyPr>
+          <a:lstStyle/>
+          <a:p>
+            <a:r>
+              <a:rPr lang="en-US" sz="1600" dirty="0">
+                <a:latin typeface="Helvetica" pitchFamily="34" charset="0"/>
+              </a:rPr>
+              <a:t>2</a:t>
+            </a:r>
+          </a:p>
+        </p:txBody>
+      </p:sp>
+      <p:sp>
+        <p:nvSpPr>
+          <p:cNvPr id="113" name="Trapezoid 112">
+            <a:extLst>
+              <a:ext uri="{FF2B5EF4-FFF2-40B4-BE49-F238E27FC236}">
+                <a16:creationId xmlns:a16="http://schemas.microsoft.com/office/drawing/2014/main" id="{6A561592-8604-824B-8258-05B13C7235A4}"/>
+              </a:ext>
+            </a:extLst>
+          </p:cNvPr>
+          <p:cNvSpPr/>
+          <p:nvPr/>
+        </p:nvSpPr>
+        <p:spPr>
+          <a:xfrm rot="5400000">
+            <a:off x="9377584" y="2687427"/>
+            <a:ext cx="614395" cy="194291"/>
+          </a:xfrm>
+          <a:prstGeom prst="trapezoid">
+            <a:avLst/>
+          </a:prstGeom>
+          <a:solidFill>
+            <a:schemeClr val="bg1"/>
+          </a:solidFill>
+          <a:ln w="28575">
+            <a:solidFill>
+              <a:schemeClr val="tx1"/>
+            </a:solidFill>
+          </a:ln>
+        </p:spPr>
+        <p:style>
+          <a:lnRef idx="2">
+            <a:schemeClr val="accent1">
+              <a:shade val="50000"/>
+            </a:schemeClr>
+          </a:lnRef>
+          <a:fillRef idx="1">
+            <a:schemeClr val="accent1"/>
+          </a:fillRef>
+          <a:effectRef idx="0">
+            <a:schemeClr val="accent1"/>
+          </a:effectRef>
+          <a:fontRef idx="minor">
+            <a:schemeClr val="lt1"/>
+          </a:fontRef>
+        </p:style>
+        <p:txBody>
+          <a:bodyPr rtlCol="0" anchor="ctr"/>
+          <a:lstStyle/>
+          <a:p>
+            <a:pPr algn="ctr"/>
+            <a:endParaRPr lang="en-US"/>
+          </a:p>
+        </p:txBody>
+      </p:sp>
+      <p:cxnSp>
+        <p:nvCxnSpPr>
+          <p:cNvPr id="115" name="Elbow Connector 114">
+            <a:extLst>
+              <a:ext uri="{FF2B5EF4-FFF2-40B4-BE49-F238E27FC236}">
+                <a16:creationId xmlns:a16="http://schemas.microsoft.com/office/drawing/2014/main" id="{CD92DE67-386F-7C4C-A465-260C2BA51F62}"/>
+              </a:ext>
+            </a:extLst>
+          </p:cNvPr>
+          <p:cNvCxnSpPr>
+            <a:stCxn id="102" idx="3"/>
+            <a:endCxn id="113" idx="3"/>
+          </p:cNvCxnSpPr>
+          <p:nvPr/>
+        </p:nvCxnSpPr>
+        <p:spPr>
+          <a:xfrm flipV="1">
+            <a:off x="9362192" y="3067484"/>
+            <a:ext cx="322589" cy="314113"/>
+          </a:xfrm>
+          <a:prstGeom prst="bentConnector2">
+            <a:avLst/>
+          </a:prstGeom>
+          <a:ln w="28575">
+            <a:solidFill>
+              <a:schemeClr val="tx1"/>
+            </a:solidFill>
+            <a:tailEnd type="triangle"/>
+          </a:ln>
+        </p:spPr>
+        <p:style>
+          <a:lnRef idx="1">
+            <a:schemeClr val="accent1"/>
+          </a:lnRef>
+          <a:fillRef idx="0">
+            <a:schemeClr val="accent1"/>
+          </a:fillRef>
+          <a:effectRef idx="0">
+            <a:schemeClr val="accent1"/>
+          </a:effectRef>
+          <a:fontRef idx="minor">
+            <a:schemeClr val="tx1"/>
+          </a:fontRef>
+        </p:style>
+      </p:cxnSp>
+      <p:cxnSp>
+        <p:nvCxnSpPr>
+          <p:cNvPr id="116" name="Straight Arrow Connector 115">
+            <a:extLst>
+              <a:ext uri="{FF2B5EF4-FFF2-40B4-BE49-F238E27FC236}">
+                <a16:creationId xmlns:a16="http://schemas.microsoft.com/office/drawing/2014/main" id="{EB4886C4-E7D1-154A-B310-6A47A7B94332}"/>
+              </a:ext>
+            </a:extLst>
+          </p:cNvPr>
+          <p:cNvCxnSpPr>
+            <a:cxnSpLocks/>
+          </p:cNvCxnSpPr>
+          <p:nvPr/>
+        </p:nvCxnSpPr>
+        <p:spPr bwMode="auto">
+          <a:xfrm>
+            <a:off x="9781927" y="2788927"/>
+            <a:ext cx="451725" cy="0"/>
+          </a:xfrm>
+          <a:prstGeom prst="straightConnector1">
+            <a:avLst/>
+          </a:prstGeom>
+          <a:noFill/>
+          <a:ln w="28575" cap="flat" cmpd="sng" algn="ctr">
+            <a:solidFill>
+              <a:schemeClr val="tx1"/>
+            </a:solidFill>
+            <a:prstDash val="solid"/>
+            <a:round/>
+            <a:headEnd type="none" w="med" len="med"/>
+            <a:tailEnd type="triangle"/>
+          </a:ln>
+          <a:effectLst/>
+        </p:spPr>
+      </p:cxnSp>
+      <p:sp>
+        <p:nvSpPr>
+          <p:cNvPr id="118" name="TextBox 117">
+            <a:extLst>
+              <a:ext uri="{FF2B5EF4-FFF2-40B4-BE49-F238E27FC236}">
+                <a16:creationId xmlns:a16="http://schemas.microsoft.com/office/drawing/2014/main" id="{A965705A-D1C1-C545-A755-EF61414F63A0}"/>
+              </a:ext>
+            </a:extLst>
+          </p:cNvPr>
+          <p:cNvSpPr txBox="1"/>
+          <p:nvPr/>
+        </p:nvSpPr>
+        <p:spPr>
+          <a:xfrm>
+            <a:off x="9724707" y="2499370"/>
+            <a:ext cx="470000" cy="338554"/>
+          </a:xfrm>
+          <a:prstGeom prst="rect">
+            <a:avLst/>
+          </a:prstGeom>
+          <a:noFill/>
+        </p:spPr>
+        <p:txBody>
+          <a:bodyPr wrap="none" rtlCol="0">
+            <a:spAutoFit/>
+          </a:bodyPr>
+          <a:lstStyle/>
+          <a:p>
+            <a:r>
+              <a:rPr lang="en-US" sz="1600" dirty="0">
+                <a:latin typeface="Helvetica" pitchFamily="34" charset="0"/>
+              </a:rPr>
+              <a:t>out</a:t>
+            </a:r>
+          </a:p>
+        </p:txBody>
+      </p:sp>
+      <p:grpSp>
+        <p:nvGrpSpPr>
+          <p:cNvPr id="120" name="Group 119">
+            <a:extLst>
+              <a:ext uri="{FF2B5EF4-FFF2-40B4-BE49-F238E27FC236}">
+                <a16:creationId xmlns:a16="http://schemas.microsoft.com/office/drawing/2014/main" id="{3D6E910F-F2E8-3B4E-91A8-7B4073FC22DE}"/>
+              </a:ext>
+            </a:extLst>
+          </p:cNvPr>
+          <p:cNvGrpSpPr/>
+          <p:nvPr/>
+        </p:nvGrpSpPr>
+        <p:grpSpPr>
+          <a:xfrm>
+            <a:off x="9165264" y="2460349"/>
+            <a:ext cx="416197" cy="338554"/>
+            <a:chOff x="6594451" y="2444533"/>
+            <a:chExt cx="569136" cy="338554"/>
+          </a:xfrm>
+        </p:grpSpPr>
+        <p:cxnSp>
+          <p:nvCxnSpPr>
+            <p:cNvPr id="121" name="Straight Arrow Connector 120">
+              <a:extLst>
+                <a:ext uri="{FF2B5EF4-FFF2-40B4-BE49-F238E27FC236}">
+                  <a16:creationId xmlns:a16="http://schemas.microsoft.com/office/drawing/2014/main" id="{DA42A685-5E66-DE41-A438-F30450BAF6C7}"/>
+                </a:ext>
+              </a:extLst>
+            </p:cNvPr>
+            <p:cNvCxnSpPr>
+              <a:cxnSpLocks/>
+            </p:cNvCxnSpPr>
+            <p:nvPr/>
+          </p:nvCxnSpPr>
+          <p:spPr bwMode="auto">
+            <a:xfrm>
+              <a:off x="6896034" y="2609214"/>
+              <a:ext cx="267553" cy="0"/>
+            </a:xfrm>
+            <a:prstGeom prst="straightConnector1">
+              <a:avLst/>
+            </a:prstGeom>
+            <a:noFill/>
+            <a:ln w="28575" cap="flat" cmpd="sng" algn="ctr">
+              <a:solidFill>
+                <a:schemeClr val="tx1"/>
+              </a:solidFill>
+              <a:prstDash val="solid"/>
+              <a:round/>
+              <a:headEnd type="none" w="med" len="med"/>
+              <a:tailEnd type="triangle"/>
+            </a:ln>
+            <a:effectLst/>
+          </p:spPr>
+        </p:cxnSp>
+        <p:sp>
+          <p:nvSpPr>
+            <p:cNvPr id="122" name="TextBox 121">
+              <a:extLst>
+                <a:ext uri="{FF2B5EF4-FFF2-40B4-BE49-F238E27FC236}">
+                  <a16:creationId xmlns:a16="http://schemas.microsoft.com/office/drawing/2014/main" id="{DE24C63E-3116-3646-B5D4-706B5F78CE7A}"/>
+                </a:ext>
+              </a:extLst>
+            </p:cNvPr>
+            <p:cNvSpPr txBox="1"/>
+            <p:nvPr/>
+          </p:nvSpPr>
+          <p:spPr>
+            <a:xfrm>
+              <a:off x="6594451" y="2444533"/>
+              <a:ext cx="298480" cy="338554"/>
+            </a:xfrm>
+            <a:prstGeom prst="rect">
+              <a:avLst/>
+            </a:prstGeom>
+            <a:noFill/>
+          </p:spPr>
+          <p:txBody>
+            <a:bodyPr wrap="none" rtlCol="0">
+              <a:spAutoFit/>
+            </a:bodyPr>
+            <a:lstStyle/>
+            <a:p>
+              <a:r>
+                <a:rPr lang="en-US" sz="1600" dirty="0">
+                  <a:latin typeface="Helvetica" pitchFamily="34" charset="0"/>
+                </a:rPr>
+                <a:t>0</a:t>
+              </a:r>
+            </a:p>
+          </p:txBody>
+        </p:sp>
+      </p:grpSp>
+      <p:grpSp>
+        <p:nvGrpSpPr>
+          <p:cNvPr id="124" name="Group 123">
+            <a:extLst>
+              <a:ext uri="{FF2B5EF4-FFF2-40B4-BE49-F238E27FC236}">
+                <a16:creationId xmlns:a16="http://schemas.microsoft.com/office/drawing/2014/main" id="{88909033-043E-E848-A6FB-ABA24B323CB9}"/>
+              </a:ext>
+            </a:extLst>
+          </p:cNvPr>
+          <p:cNvGrpSpPr/>
+          <p:nvPr/>
+        </p:nvGrpSpPr>
+        <p:grpSpPr>
+          <a:xfrm>
+            <a:off x="9165264" y="2748317"/>
+            <a:ext cx="416197" cy="338554"/>
+            <a:chOff x="6594451" y="2444533"/>
+            <a:chExt cx="569136" cy="338554"/>
+          </a:xfrm>
+        </p:grpSpPr>
+        <p:cxnSp>
+          <p:nvCxnSpPr>
+            <p:cNvPr id="125" name="Straight Arrow Connector 124">
+              <a:extLst>
+                <a:ext uri="{FF2B5EF4-FFF2-40B4-BE49-F238E27FC236}">
+                  <a16:creationId xmlns:a16="http://schemas.microsoft.com/office/drawing/2014/main" id="{6DB213A5-BCEA-194B-9E7C-DD4D2596EE44}"/>
+                </a:ext>
+              </a:extLst>
+            </p:cNvPr>
+            <p:cNvCxnSpPr>
+              <a:cxnSpLocks/>
+            </p:cNvCxnSpPr>
+            <p:nvPr/>
+          </p:nvCxnSpPr>
+          <p:spPr bwMode="auto">
+            <a:xfrm>
+              <a:off x="6896034" y="2609214"/>
+              <a:ext cx="267553" cy="0"/>
+            </a:xfrm>
+            <a:prstGeom prst="straightConnector1">
+              <a:avLst/>
+            </a:prstGeom>
+            <a:noFill/>
+            <a:ln w="28575" cap="flat" cmpd="sng" algn="ctr">
+              <a:solidFill>
+                <a:schemeClr val="tx1"/>
+              </a:solidFill>
+              <a:prstDash val="solid"/>
+              <a:round/>
+              <a:headEnd type="none" w="med" len="med"/>
+              <a:tailEnd type="triangle"/>
+            </a:ln>
+            <a:effectLst/>
+          </p:spPr>
+        </p:cxnSp>
+        <p:sp>
+          <p:nvSpPr>
+            <p:cNvPr id="126" name="TextBox 125">
+              <a:extLst>
+                <a:ext uri="{FF2B5EF4-FFF2-40B4-BE49-F238E27FC236}">
+                  <a16:creationId xmlns:a16="http://schemas.microsoft.com/office/drawing/2014/main" id="{B9FBD919-DDCC-984F-B7AB-C5E271CA69AC}"/>
+                </a:ext>
+              </a:extLst>
+            </p:cNvPr>
+            <p:cNvSpPr txBox="1"/>
+            <p:nvPr/>
+          </p:nvSpPr>
+          <p:spPr>
+            <a:xfrm>
+              <a:off x="6594451" y="2444533"/>
+              <a:ext cx="408162" cy="338554"/>
+            </a:xfrm>
+            <a:prstGeom prst="rect">
+              <a:avLst/>
+            </a:prstGeom>
+            <a:noFill/>
+          </p:spPr>
+          <p:txBody>
+            <a:bodyPr wrap="none" rtlCol="0">
+              <a:spAutoFit/>
+            </a:bodyPr>
+            <a:lstStyle/>
+            <a:p>
+              <a:r>
+                <a:rPr lang="en-US" sz="1600" dirty="0">
+                  <a:latin typeface="Helvetica" pitchFamily="34" charset="0"/>
+                </a:rPr>
+                <a:t>1</a:t>
+              </a:r>
+            </a:p>
+          </p:txBody>
+        </p:sp>
+      </p:grpSp>
+      <p:grpSp>
+        <p:nvGrpSpPr>
+          <p:cNvPr id="131" name="Group 130">
+            <a:extLst>
+              <a:ext uri="{FF2B5EF4-FFF2-40B4-BE49-F238E27FC236}">
+                <a16:creationId xmlns:a16="http://schemas.microsoft.com/office/drawing/2014/main" id="{646319C8-B726-D548-94FC-B78308CF830D}"/>
+              </a:ext>
+            </a:extLst>
+          </p:cNvPr>
+          <p:cNvGrpSpPr/>
+          <p:nvPr/>
+        </p:nvGrpSpPr>
+        <p:grpSpPr>
+          <a:xfrm>
+            <a:off x="8574111" y="3436277"/>
+            <a:ext cx="269626" cy="341677"/>
+            <a:chOff x="6239731" y="2965948"/>
+            <a:chExt cx="269626" cy="341677"/>
+          </a:xfrm>
+        </p:grpSpPr>
+        <p:cxnSp>
+          <p:nvCxnSpPr>
+            <p:cNvPr id="132" name="Straight Arrow Connector 131">
+              <a:extLst>
+                <a:ext uri="{FF2B5EF4-FFF2-40B4-BE49-F238E27FC236}">
+                  <a16:creationId xmlns:a16="http://schemas.microsoft.com/office/drawing/2014/main" id="{4CA77940-E92B-8145-8C1D-6F818B6BDF6D}"/>
+                </a:ext>
+              </a:extLst>
+            </p:cNvPr>
+            <p:cNvCxnSpPr>
+              <a:cxnSpLocks/>
+            </p:cNvCxnSpPr>
+            <p:nvPr/>
+          </p:nvCxnSpPr>
+          <p:spPr bwMode="auto">
+            <a:xfrm flipV="1">
+              <a:off x="6266504" y="2965948"/>
+              <a:ext cx="87929" cy="188735"/>
+            </a:xfrm>
+            <a:prstGeom prst="straightConnector1">
+              <a:avLst/>
+            </a:prstGeom>
+            <a:noFill/>
+            <a:ln w="19050" cap="flat" cmpd="sng" algn="ctr">
+              <a:solidFill>
+                <a:schemeClr val="tx1"/>
+              </a:solidFill>
+              <a:prstDash val="solid"/>
+              <a:round/>
+              <a:headEnd type="none" w="med" len="med"/>
+              <a:tailEnd type="none" w="med" len="med"/>
+            </a:ln>
+            <a:effectLst/>
+          </p:spPr>
+        </p:cxnSp>
+        <p:sp>
+          <p:nvSpPr>
+            <p:cNvPr id="133" name="TextBox 132">
+              <a:extLst>
+                <a:ext uri="{FF2B5EF4-FFF2-40B4-BE49-F238E27FC236}">
+                  <a16:creationId xmlns:a16="http://schemas.microsoft.com/office/drawing/2014/main" id="{6944547F-F2EB-C24D-92BB-AEF0914B9536}"/>
+                </a:ext>
+              </a:extLst>
+            </p:cNvPr>
+            <p:cNvSpPr txBox="1"/>
+            <p:nvPr/>
+          </p:nvSpPr>
+          <p:spPr>
+            <a:xfrm>
+              <a:off x="6239731" y="3030626"/>
+              <a:ext cx="269626" cy="276999"/>
+            </a:xfrm>
+            <a:prstGeom prst="rect">
+              <a:avLst/>
+            </a:prstGeom>
+            <a:noFill/>
+          </p:spPr>
+          <p:txBody>
+            <a:bodyPr wrap="none" rtlCol="0">
+              <a:spAutoFit/>
+            </a:bodyPr>
+            <a:lstStyle/>
+            <a:p>
+              <a:r>
+                <a:rPr lang="en-US" sz="1200" dirty="0">
+                  <a:latin typeface="Helvetica" pitchFamily="34" charset="0"/>
+                </a:rPr>
+                <a:t>2</a:t>
+              </a:r>
+            </a:p>
+          </p:txBody>
+        </p:sp>
+      </p:grpSp>
+      <p:grpSp>
+        <p:nvGrpSpPr>
+          <p:cNvPr id="15" name="Group 14"/>
+          <p:cNvGrpSpPr/>
+          <p:nvPr/>
+        </p:nvGrpSpPr>
+        <p:grpSpPr>
+          <a:xfrm>
+            <a:off x="7770832" y="761674"/>
+            <a:ext cx="599333" cy="1030950"/>
+            <a:chOff x="7770832" y="777269"/>
+            <a:chExt cx="599333" cy="1148828"/>
+          </a:xfrm>
+        </p:grpSpPr>
+        <p:cxnSp>
+          <p:nvCxnSpPr>
+            <p:cNvPr id="34" name="Straight Arrow Connector 33"/>
+            <p:cNvCxnSpPr/>
+            <p:nvPr/>
+          </p:nvCxnSpPr>
+          <p:spPr bwMode="auto">
+            <a:xfrm>
+              <a:off x="8020901" y="959041"/>
+              <a:ext cx="349264" cy="0"/>
+            </a:xfrm>
+            <a:prstGeom prst="straightConnector1">
+              <a:avLst/>
+            </a:prstGeom>
+            <a:noFill/>
+            <a:ln w="28575" cap="flat" cmpd="sng" algn="ctr">
+              <a:solidFill>
+                <a:schemeClr val="tx1"/>
+              </a:solidFill>
+              <a:prstDash val="solid"/>
+              <a:round/>
+              <a:headEnd type="none" w="med" len="med"/>
+              <a:tailEnd type="triangle"/>
+            </a:ln>
+            <a:effectLst/>
+          </p:spPr>
+        </p:cxnSp>
+        <p:cxnSp>
+          <p:nvCxnSpPr>
+            <p:cNvPr id="35" name="Straight Arrow Connector 34"/>
+            <p:cNvCxnSpPr/>
+            <p:nvPr/>
+          </p:nvCxnSpPr>
+          <p:spPr bwMode="auto">
+            <a:xfrm>
+              <a:off x="8017240" y="1234719"/>
+              <a:ext cx="349264" cy="0"/>
+            </a:xfrm>
+            <a:prstGeom prst="straightConnector1">
+              <a:avLst/>
+            </a:prstGeom>
+            <a:noFill/>
+            <a:ln w="28575" cap="flat" cmpd="sng" algn="ctr">
+              <a:solidFill>
+                <a:schemeClr val="tx1"/>
+              </a:solidFill>
+              <a:prstDash val="solid"/>
+              <a:round/>
+              <a:headEnd type="none" w="med" len="med"/>
+              <a:tailEnd type="triangle"/>
+            </a:ln>
+            <a:effectLst/>
+          </p:spPr>
+        </p:cxnSp>
+        <p:sp>
+          <p:nvSpPr>
+            <p:cNvPr id="36" name="TextBox 35"/>
+            <p:cNvSpPr txBox="1"/>
+            <p:nvPr/>
+          </p:nvSpPr>
+          <p:spPr>
+            <a:xfrm>
+              <a:off x="7770832" y="777269"/>
+              <a:ext cx="298480" cy="338554"/>
+            </a:xfrm>
+            <a:prstGeom prst="rect">
+              <a:avLst/>
+            </a:prstGeom>
+            <a:noFill/>
+          </p:spPr>
+          <p:txBody>
+            <a:bodyPr wrap="none" rtlCol="0">
+              <a:spAutoFit/>
+            </a:bodyPr>
+            <a:lstStyle/>
+            <a:p>
+              <a:r>
+                <a:rPr lang="en-US" sz="1600" dirty="0">
+                  <a:latin typeface="Helvetica" pitchFamily="34" charset="0"/>
+                </a:rPr>
+                <a:t>a</a:t>
+              </a:r>
+            </a:p>
+          </p:txBody>
+        </p:sp>
+        <p:sp>
+          <p:nvSpPr>
+            <p:cNvPr id="37" name="TextBox 36"/>
+            <p:cNvSpPr txBox="1"/>
+            <p:nvPr/>
+          </p:nvSpPr>
+          <p:spPr>
+            <a:xfrm>
+              <a:off x="7785303" y="1051587"/>
+              <a:ext cx="298480" cy="338554"/>
+            </a:xfrm>
+            <a:prstGeom prst="rect">
+              <a:avLst/>
+            </a:prstGeom>
+            <a:noFill/>
+          </p:spPr>
+          <p:txBody>
+            <a:bodyPr wrap="none" rtlCol="0">
+              <a:spAutoFit/>
+            </a:bodyPr>
+            <a:lstStyle/>
+            <a:p>
+              <a:r>
+                <a:rPr lang="en-US" sz="1600" dirty="0">
+                  <a:latin typeface="Helvetica" pitchFamily="34" charset="0"/>
+                </a:rPr>
+                <a:t>b</a:t>
+              </a:r>
+            </a:p>
+          </p:txBody>
+        </p:sp>
+        <p:cxnSp>
+          <p:nvCxnSpPr>
+            <p:cNvPr id="106" name="Straight Arrow Connector 105"/>
+            <p:cNvCxnSpPr/>
+            <p:nvPr/>
+          </p:nvCxnSpPr>
+          <p:spPr bwMode="auto">
+            <a:xfrm>
+              <a:off x="8018520" y="1494997"/>
+              <a:ext cx="349264" cy="0"/>
+            </a:xfrm>
+            <a:prstGeom prst="straightConnector1">
+              <a:avLst/>
+            </a:prstGeom>
+            <a:noFill/>
+            <a:ln w="28575" cap="flat" cmpd="sng" algn="ctr">
+              <a:solidFill>
+                <a:schemeClr val="tx1"/>
+              </a:solidFill>
+              <a:prstDash val="solid"/>
+              <a:round/>
+              <a:headEnd type="none" w="med" len="med"/>
+              <a:tailEnd type="triangle"/>
+            </a:ln>
+            <a:effectLst/>
+          </p:spPr>
+        </p:cxnSp>
+        <p:cxnSp>
+          <p:nvCxnSpPr>
+            <p:cNvPr id="107" name="Straight Arrow Connector 106"/>
+            <p:cNvCxnSpPr/>
+            <p:nvPr/>
+          </p:nvCxnSpPr>
+          <p:spPr bwMode="auto">
+            <a:xfrm>
+              <a:off x="8017240" y="1770675"/>
+              <a:ext cx="349264" cy="0"/>
+            </a:xfrm>
+            <a:prstGeom prst="straightConnector1">
+              <a:avLst/>
+            </a:prstGeom>
+            <a:noFill/>
+            <a:ln w="28575" cap="flat" cmpd="sng" algn="ctr">
+              <a:solidFill>
+                <a:schemeClr val="tx1"/>
+              </a:solidFill>
+              <a:prstDash val="solid"/>
+              <a:round/>
+              <a:headEnd type="none" w="med" len="med"/>
+              <a:tailEnd type="triangle"/>
+            </a:ln>
+            <a:effectLst/>
+          </p:spPr>
+        </p:cxnSp>
+        <p:sp>
+          <p:nvSpPr>
+            <p:cNvPr id="108" name="TextBox 107"/>
+            <p:cNvSpPr txBox="1"/>
+            <p:nvPr/>
+          </p:nvSpPr>
+          <p:spPr>
+            <a:xfrm>
+              <a:off x="7780356" y="1313225"/>
+              <a:ext cx="287258" cy="338554"/>
+            </a:xfrm>
+            <a:prstGeom prst="rect">
+              <a:avLst/>
+            </a:prstGeom>
+            <a:noFill/>
+          </p:spPr>
+          <p:txBody>
+            <a:bodyPr wrap="none" rtlCol="0">
+              <a:spAutoFit/>
+            </a:bodyPr>
+            <a:lstStyle/>
+            <a:p>
+              <a:r>
+                <a:rPr lang="en-US" sz="1600" dirty="0" smtClean="0">
+                  <a:latin typeface="Helvetica" pitchFamily="34" charset="0"/>
+                </a:rPr>
+                <a:t>c</a:t>
+              </a:r>
+              <a:endParaRPr lang="en-US" sz="1600" dirty="0">
+                <a:latin typeface="Helvetica" pitchFamily="34" charset="0"/>
+              </a:endParaRPr>
+            </a:p>
+          </p:txBody>
+        </p:sp>
+        <p:sp>
+          <p:nvSpPr>
+            <p:cNvPr id="111" name="TextBox 110"/>
+            <p:cNvSpPr txBox="1"/>
+            <p:nvPr/>
+          </p:nvSpPr>
+          <p:spPr>
+            <a:xfrm>
+              <a:off x="7785303" y="1587543"/>
+              <a:ext cx="298480" cy="338554"/>
+            </a:xfrm>
+            <a:prstGeom prst="rect">
+              <a:avLst/>
+            </a:prstGeom>
+            <a:noFill/>
+          </p:spPr>
+          <p:txBody>
+            <a:bodyPr wrap="none" rtlCol="0">
+              <a:spAutoFit/>
+            </a:bodyPr>
+            <a:lstStyle/>
+            <a:p>
+              <a:r>
+                <a:rPr lang="en-US" sz="1600" dirty="0" smtClean="0">
+                  <a:latin typeface="Helvetica" pitchFamily="34" charset="0"/>
+                </a:rPr>
+                <a:t>d</a:t>
+              </a:r>
+              <a:endParaRPr lang="en-US" sz="1600" dirty="0">
+                <a:latin typeface="Helvetica" pitchFamily="34" charset="0"/>
+              </a:endParaRPr>
+            </a:p>
+          </p:txBody>
+        </p:sp>
+      </p:grpSp>
+      <p:sp>
+        <p:nvSpPr>
+          <p:cNvPr id="114" name="Rectangle 113"/>
+          <p:cNvSpPr/>
+          <p:nvPr/>
+        </p:nvSpPr>
+        <p:spPr>
+          <a:xfrm>
+            <a:off x="8373648" y="1334344"/>
+            <a:ext cx="558878" cy="387251"/>
+          </a:xfrm>
+          <a:prstGeom prst="rect">
+            <a:avLst/>
+          </a:prstGeom>
+          <a:solidFill>
+            <a:schemeClr val="bg1"/>
+          </a:solidFill>
+          <a:ln w="28575">
+            <a:solidFill>
+              <a:schemeClr val="tx1"/>
+            </a:solidFill>
+          </a:ln>
+        </p:spPr>
+        <p:style>
+          <a:lnRef idx="2">
+            <a:schemeClr val="accent1">
+              <a:shade val="50000"/>
+            </a:schemeClr>
+          </a:lnRef>
+          <a:fillRef idx="1">
+            <a:schemeClr val="accent1"/>
+          </a:fillRef>
+          <a:effectRef idx="0">
+            <a:schemeClr val="accent1"/>
+          </a:effectRef>
+          <a:fontRef idx="minor">
+            <a:schemeClr val="lt1"/>
+          </a:fontRef>
+        </p:style>
+        <p:txBody>
+          <a:bodyPr lIns="0" rIns="0" rtlCol="0" anchor="ctr"/>
+          <a:lstStyle/>
+          <a:p>
+            <a:pPr algn="ctr"/>
+            <a:r>
+              <a:rPr lang="en-US" dirty="0">
+                <a:solidFill>
+                  <a:schemeClr val="tx1"/>
+                </a:solidFill>
+                <a:latin typeface="Helvetica" panose="020B0604020202020204" pitchFamily="34" charset="0"/>
+                <a:cs typeface="Helvetica" panose="020B0604020202020204" pitchFamily="34" charset="0"/>
+              </a:rPr>
+              <a:t>and2</a:t>
+            </a:r>
+          </a:p>
+        </p:txBody>
+      </p:sp>
+      <p:sp>
+        <p:nvSpPr>
+          <p:cNvPr id="117" name="Rectangle 116"/>
+          <p:cNvSpPr/>
+          <p:nvPr/>
+        </p:nvSpPr>
+        <p:spPr>
+          <a:xfrm>
+            <a:off x="9201920" y="1095528"/>
+            <a:ext cx="558878" cy="387251"/>
+          </a:xfrm>
+          <a:prstGeom prst="rect">
+            <a:avLst/>
+          </a:prstGeom>
+          <a:solidFill>
+            <a:schemeClr val="bg1"/>
+          </a:solidFill>
+          <a:ln w="28575">
+            <a:solidFill>
+              <a:schemeClr val="tx1"/>
+            </a:solidFill>
+          </a:ln>
+        </p:spPr>
+        <p:style>
+          <a:lnRef idx="2">
+            <a:schemeClr val="accent1">
+              <a:shade val="50000"/>
+            </a:schemeClr>
+          </a:lnRef>
+          <a:fillRef idx="1">
+            <a:schemeClr val="accent1"/>
+          </a:fillRef>
+          <a:effectRef idx="0">
+            <a:schemeClr val="accent1"/>
+          </a:effectRef>
+          <a:fontRef idx="minor">
+            <a:schemeClr val="lt1"/>
+          </a:fontRef>
+        </p:style>
+        <p:txBody>
+          <a:bodyPr lIns="0" rIns="0" rtlCol="0" anchor="ctr"/>
+          <a:lstStyle/>
+          <a:p>
+            <a:pPr algn="ctr"/>
+            <a:r>
+              <a:rPr lang="en-US" dirty="0">
+                <a:solidFill>
+                  <a:schemeClr val="tx1"/>
+                </a:solidFill>
+                <a:latin typeface="Helvetica" panose="020B0604020202020204" pitchFamily="34" charset="0"/>
+                <a:cs typeface="Helvetica" panose="020B0604020202020204" pitchFamily="34" charset="0"/>
+              </a:rPr>
+              <a:t>and2</a:t>
+            </a:r>
+          </a:p>
+        </p:txBody>
+      </p:sp>
+      <p:grpSp>
+        <p:nvGrpSpPr>
+          <p:cNvPr id="16" name="Group 15"/>
+          <p:cNvGrpSpPr/>
+          <p:nvPr/>
+        </p:nvGrpSpPr>
+        <p:grpSpPr>
+          <a:xfrm flipV="1">
+            <a:off x="8919600" y="1410356"/>
+            <a:ext cx="273247" cy="128452"/>
+            <a:chOff x="9075402" y="1192760"/>
+            <a:chExt cx="273247" cy="129902"/>
+          </a:xfrm>
+        </p:grpSpPr>
+        <p:cxnSp>
+          <p:nvCxnSpPr>
+            <p:cNvPr id="119" name="Straight Arrow Connector 118"/>
+            <p:cNvCxnSpPr/>
+            <p:nvPr/>
+          </p:nvCxnSpPr>
+          <p:spPr bwMode="auto">
+            <a:xfrm>
+              <a:off x="9075402" y="1198028"/>
+              <a:ext cx="115106" cy="826"/>
+            </a:xfrm>
+            <a:prstGeom prst="straightConnector1">
+              <a:avLst/>
+            </a:prstGeom>
+            <a:noFill/>
+            <a:ln w="28575" cap="flat" cmpd="sng" algn="ctr">
+              <a:solidFill>
+                <a:schemeClr val="tx1"/>
+              </a:solidFill>
+              <a:prstDash val="solid"/>
+              <a:round/>
+              <a:headEnd type="none" w="med" len="med"/>
+              <a:tailEnd type="none" w="med" len="med"/>
+            </a:ln>
+            <a:effectLst/>
+          </p:spPr>
+        </p:cxnSp>
+        <p:cxnSp>
+          <p:nvCxnSpPr>
+            <p:cNvPr id="123" name="Straight Arrow Connector 122"/>
+            <p:cNvCxnSpPr/>
+            <p:nvPr/>
+          </p:nvCxnSpPr>
+          <p:spPr bwMode="auto">
+            <a:xfrm>
+              <a:off x="9160670" y="1322460"/>
+              <a:ext cx="187979" cy="202"/>
+            </a:xfrm>
+            <a:prstGeom prst="straightConnector1">
+              <a:avLst/>
+            </a:prstGeom>
+            <a:noFill/>
+            <a:ln w="28575" cap="flat" cmpd="sng" algn="ctr">
+              <a:solidFill>
+                <a:schemeClr val="tx1"/>
+              </a:solidFill>
+              <a:prstDash val="solid"/>
+              <a:round/>
+              <a:headEnd type="none" w="med" len="med"/>
+              <a:tailEnd type="triangle"/>
+            </a:ln>
+            <a:effectLst/>
+          </p:spPr>
+        </p:cxnSp>
+        <p:cxnSp>
+          <p:nvCxnSpPr>
+            <p:cNvPr id="127" name="Straight Arrow Connector 126"/>
+            <p:cNvCxnSpPr/>
+            <p:nvPr/>
+          </p:nvCxnSpPr>
+          <p:spPr bwMode="auto">
+            <a:xfrm>
+              <a:off x="9174017" y="1192760"/>
+              <a:ext cx="0" cy="128128"/>
+            </a:xfrm>
+            <a:prstGeom prst="straightConnector1">
+              <a:avLst/>
+            </a:prstGeom>
+            <a:noFill/>
+            <a:ln w="28575" cap="flat" cmpd="sng" algn="ctr">
+              <a:solidFill>
+                <a:schemeClr val="tx1"/>
+              </a:solidFill>
+              <a:prstDash val="solid"/>
+              <a:round/>
+              <a:headEnd type="none" w="med" len="med"/>
+              <a:tailEnd type="none" w="med" len="med"/>
+            </a:ln>
+            <a:effectLst/>
+          </p:spPr>
+        </p:cxnSp>
+      </p:grpSp>
+      <p:sp>
+        <p:nvSpPr>
+          <p:cNvPr id="128" name="TextBox 127"/>
+          <p:cNvSpPr txBox="1"/>
+          <p:nvPr/>
+        </p:nvSpPr>
+        <p:spPr>
+          <a:xfrm>
+            <a:off x="8961241" y="1412226"/>
+            <a:ext cx="401072" cy="338554"/>
+          </a:xfrm>
+          <a:prstGeom prst="rect">
+            <a:avLst/>
+          </a:prstGeom>
+          <a:noFill/>
+        </p:spPr>
+        <p:txBody>
+          <a:bodyPr wrap="none" rtlCol="0">
+            <a:spAutoFit/>
+          </a:bodyPr>
+          <a:lstStyle/>
+          <a:p>
+            <a:r>
+              <a:rPr lang="en-US" sz="1600" dirty="0" smtClean="0">
+                <a:latin typeface="Helvetica" pitchFamily="34" charset="0"/>
+              </a:rPr>
+              <a:t>cd</a:t>
+            </a:r>
+            <a:endParaRPr lang="en-US" sz="1600" dirty="0">
+              <a:latin typeface="Helvetica" pitchFamily="34" charset="0"/>
+            </a:endParaRPr>
+          </a:p>
+        </p:txBody>
+      </p:sp>
+    </p:spTree>
+    <p:extLst>
+      <p:ext uri="{BB962C8B-B14F-4D97-AF65-F5344CB8AC3E}">
+        <p14:creationId xmlns:p14="http://schemas.microsoft.com/office/powerpoint/2010/main" val="1250074660"/>
+      </p:ext>
+    </p:extLst>
+  </p:cSld>
+  <p:clrMapOvr>
+    <a:masterClrMapping/>
+  </p:clrMapOvr>
+</p:sld>
+</file>
+
+<file path=ppt/slides/slide2.xml><?xml version="1.0" encoding="utf-8"?>
+<p:sld xmlns:a="http://schemas.openxmlformats.org/drawingml/2006/main" xmlns:r="http://schemas.openxmlformats.org/officeDocument/2006/relationships" xmlns:p="http://schemas.openxmlformats.org/presentationml/2006/main">
+  <p:cSld>
+    <p:spTree>
+      <p:nvGrpSpPr>
+        <p:cNvPr id="1" name=""/>
+        <p:cNvGrpSpPr/>
+        <p:nvPr/>
+      </p:nvGrpSpPr>
+      <p:grpSpPr>
+        <a:xfrm>
+          <a:off x="0" y="0"/>
+          <a:ext cx="0" cy="0"/>
+          <a:chOff x="0" y="0"/>
+          <a:chExt cx="0" cy="0"/>
+        </a:xfrm>
+      </p:grpSpPr>
+      <p:sp>
+        <p:nvSpPr>
           <p:cNvPr id="81" name="Rectangle 80"/>
           <p:cNvSpPr/>
           <p:nvPr/>
@@ -5344,14 +7968,11 @@
           <a:lstStyle/>
           <a:p>
             <a:r>
-              <a:rPr lang="en-US" sz="1600" dirty="0" smtClean="0">
+              <a:rPr lang="en-US" sz="1600" dirty="0">
                 <a:latin typeface="Helvetica" pitchFamily="34" charset="0"/>
               </a:rPr>
               <a:t>inputs</a:t>
             </a:r>
-            <a:endParaRPr lang="en-US" sz="1600" dirty="0">
-              <a:latin typeface="Helvetica" pitchFamily="34" charset="0"/>
-            </a:endParaRPr>
           </a:p>
         </p:txBody>
       </p:sp>
@@ -5379,14 +8000,11 @@
           <a:p>
             <a:pPr algn="ctr"/>
             <a:r>
-              <a:rPr lang="en-US" sz="1600" dirty="0" smtClean="0">
+              <a:rPr lang="en-US" sz="1600" dirty="0">
                 <a:latin typeface="Helvetica" pitchFamily="34" charset="0"/>
               </a:rPr>
               <a:t>Registers</a:t>
             </a:r>
-            <a:endParaRPr lang="en-US" sz="1600" dirty="0">
-              <a:latin typeface="Helvetica" pitchFamily="34" charset="0"/>
-            </a:endParaRPr>
           </a:p>
         </p:txBody>
       </p:sp>
@@ -5413,17 +8031,11 @@
           <a:lstStyle/>
           <a:p>
             <a:pPr algn="ctr"/>
-            <a:r>
-              <a:rPr lang="en-US" sz="1600" dirty="0" smtClean="0">
-                <a:latin typeface="Helvetica" pitchFamily="34" charset="0"/>
-              </a:rPr>
-              <a:t>next </a:t>
-            </a:r>
             <a:r>
               <a:rPr lang="en-US" sz="1600" dirty="0">
                 <a:latin typeface="Helvetica" pitchFamily="34" charset="0"/>
               </a:rPr>
-              <a:t>state</a:t>
+              <a:t>next state</a:t>
             </a:r>
           </a:p>
         </p:txBody>
@@ -5654,14 +8266,11 @@
           <a:lstStyle/>
           <a:p>
             <a:r>
-              <a:rPr lang="en-US" sz="1600" dirty="0" smtClean="0">
+              <a:rPr lang="en-US" sz="1600" dirty="0">
                 <a:latin typeface="Helvetica" pitchFamily="34" charset="0"/>
               </a:rPr>
               <a:t>outputs</a:t>
             </a:r>
-            <a:endParaRPr lang="en-US" sz="1600" dirty="0">
-              <a:latin typeface="Helvetica" pitchFamily="34" charset="0"/>
-            </a:endParaRPr>
           </a:p>
         </p:txBody>
       </p:sp>
@@ -5688,17 +8297,11 @@
           <a:lstStyle/>
           <a:p>
             <a:pPr algn="ctr"/>
-            <a:r>
-              <a:rPr lang="en-US" sz="1600" dirty="0" smtClean="0">
-                <a:latin typeface="Helvetica" pitchFamily="34" charset="0"/>
-              </a:rPr>
-              <a:t>current </a:t>
-            </a:r>
             <a:r>
               <a:rPr lang="en-US" sz="1600" dirty="0">
                 <a:latin typeface="Helvetica" pitchFamily="34" charset="0"/>
               </a:rPr>
-              <a:t>state</a:t>
+              <a:t>current state</a:t>
             </a:r>
           </a:p>
         </p:txBody>
@@ -5781,14 +8384,11 @@
           <a:p>
             <a:pPr algn="ctr"/>
             <a:r>
-              <a:rPr lang="en-US" sz="1600" dirty="0" smtClean="0">
+              <a:rPr lang="en-US" sz="1600" dirty="0">
                 <a:latin typeface="Helvetica" pitchFamily="34" charset="0"/>
               </a:rPr>
               <a:t>rules</a:t>
             </a:r>
-            <a:endParaRPr lang="en-US" sz="1600" dirty="0">
-              <a:latin typeface="Helvetica" pitchFamily="34" charset="0"/>
-            </a:endParaRPr>
           </a:p>
         </p:txBody>
       </p:sp>
@@ -6147,19 +8747,10 @@
                 </a:solidFill>
                 <a:latin typeface="Helvetica" pitchFamily="34" charset="0"/>
               </a:rPr>
-              <a:t>m</a:t>
+              <a:t>method </a:t>
             </a:r>
             <a:r>
-              <a:rPr lang="en-US" sz="1600" dirty="0" smtClean="0">
-                <a:solidFill>
-                  <a:srgbClr val="C00000"/>
-                </a:solidFill>
-                <a:latin typeface="Helvetica" pitchFamily="34" charset="0"/>
-              </a:rPr>
-              <a:t>ethod </a:t>
-            </a:r>
-            <a:r>
-              <a:rPr lang="en-US" sz="1600" dirty="0" err="1" smtClean="0">
+              <a:rPr lang="en-US" sz="1600" dirty="0" err="1">
                 <a:solidFill>
                   <a:srgbClr val="C00000"/>
                 </a:solidFill>
@@ -6200,14 +8791,11 @@
           <a:p>
             <a:pPr algn="ctr"/>
             <a:r>
-              <a:rPr lang="en-US" sz="1600" dirty="0" smtClean="0">
+              <a:rPr lang="en-US" sz="1600" dirty="0">
                 <a:latin typeface="Helvetica" pitchFamily="34" charset="0"/>
               </a:rPr>
               <a:t>Registers</a:t>
             </a:r>
-            <a:endParaRPr lang="en-US" sz="1600" dirty="0">
-              <a:latin typeface="Helvetica" pitchFamily="34" charset="0"/>
-            </a:endParaRPr>
           </a:p>
         </p:txBody>
       </p:sp>
@@ -6234,17 +8822,11 @@
           <a:lstStyle/>
           <a:p>
             <a:pPr algn="ctr"/>
-            <a:r>
-              <a:rPr lang="en-US" sz="1600" dirty="0" smtClean="0">
-                <a:latin typeface="Helvetica" pitchFamily="34" charset="0"/>
-              </a:rPr>
-              <a:t>next </a:t>
-            </a:r>
             <a:r>
               <a:rPr lang="en-US" sz="1600" dirty="0">
                 <a:latin typeface="Helvetica" pitchFamily="34" charset="0"/>
               </a:rPr>
-              <a:t>state</a:t>
+              <a:t>next state</a:t>
             </a:r>
           </a:p>
         </p:txBody>
@@ -6380,7 +8962,7 @@
           <a:lstStyle/>
           <a:p>
             <a:r>
-              <a:rPr lang="en-US" sz="1600" dirty="0" smtClean="0">
+              <a:rPr lang="en-US" sz="1600" dirty="0">
                 <a:solidFill>
                   <a:srgbClr val="00B050"/>
                 </a:solidFill>
@@ -6388,12 +8970,6 @@
               </a:rPr>
               <a:t>outputs</a:t>
             </a:r>
-            <a:endParaRPr lang="en-US" sz="1600" dirty="0">
-              <a:solidFill>
-                <a:srgbClr val="00B050"/>
-              </a:solidFill>
-              <a:latin typeface="Helvetica" pitchFamily="34" charset="0"/>
-            </a:endParaRPr>
           </a:p>
         </p:txBody>
       </p:sp>
@@ -6420,17 +8996,11 @@
           <a:lstStyle/>
           <a:p>
             <a:pPr algn="ctr"/>
-            <a:r>
-              <a:rPr lang="en-US" sz="1600" dirty="0" smtClean="0">
-                <a:latin typeface="Helvetica" pitchFamily="34" charset="0"/>
-              </a:rPr>
-              <a:t>current </a:t>
-            </a:r>
             <a:r>
               <a:rPr lang="en-US" sz="1600" dirty="0">
                 <a:latin typeface="Helvetica" pitchFamily="34" charset="0"/>
               </a:rPr>
-              <a:t>state</a:t>
+              <a:t>current state</a:t>
             </a:r>
           </a:p>
         </p:txBody>
@@ -6458,7 +9028,7 @@
           <a:lstStyle/>
           <a:p>
             <a:r>
-              <a:rPr lang="en-US" sz="1600" dirty="0" smtClean="0">
+              <a:rPr lang="en-US" sz="1600" dirty="0">
                 <a:solidFill>
                   <a:schemeClr val="accent2">
                     <a:lumMod val="75000"/>
@@ -6468,14 +9038,6 @@
               </a:rPr>
               <a:t>inputs</a:t>
             </a:r>
-            <a:endParaRPr lang="en-US" sz="1600" dirty="0">
-              <a:solidFill>
-                <a:schemeClr val="accent2">
-                  <a:lumMod val="75000"/>
-                </a:schemeClr>
-              </a:solidFill>
-              <a:latin typeface="Helvetica" pitchFamily="34" charset="0"/>
-            </a:endParaRPr>
           </a:p>
         </p:txBody>
       </p:sp>
@@ -6597,14 +9159,11 @@
           <a:p>
             <a:pPr algn="ctr"/>
             <a:r>
-              <a:rPr lang="en-US" sz="1600" dirty="0" smtClean="0">
+              <a:rPr lang="en-US" sz="1600" dirty="0">
                 <a:latin typeface="Helvetica" pitchFamily="34" charset="0"/>
               </a:rPr>
               <a:t>methods</a:t>
             </a:r>
-            <a:endParaRPr lang="en-US" sz="1600" dirty="0">
-              <a:latin typeface="Helvetica" pitchFamily="34" charset="0"/>
-            </a:endParaRPr>
           </a:p>
         </p:txBody>
       </p:sp>
@@ -6853,19 +9412,10 @@
                 </a:solidFill>
                 <a:latin typeface="Helvetica" pitchFamily="34" charset="0"/>
               </a:rPr>
-              <a:t>m</a:t>
+              <a:t>method </a:t>
             </a:r>
             <a:r>
-              <a:rPr lang="en-US" sz="1600" dirty="0" smtClean="0">
-                <a:solidFill>
-                  <a:srgbClr val="C00000"/>
-                </a:solidFill>
-                <a:latin typeface="Helvetica" pitchFamily="34" charset="0"/>
-              </a:rPr>
-              <a:t>ethod </a:t>
-            </a:r>
-            <a:r>
-              <a:rPr lang="en-US" sz="1600" dirty="0" err="1" smtClean="0">
+              <a:rPr lang="en-US" sz="1600" dirty="0" err="1">
                 <a:solidFill>
                   <a:srgbClr val="C00000"/>
                 </a:solidFill>
@@ -6962,7 +9512,7 @@
           <a:lstStyle/>
           <a:p>
             <a:r>
-              <a:rPr lang="en-US" sz="1600" dirty="0" smtClean="0">
+              <a:rPr lang="en-US" sz="1600" dirty="0">
                 <a:solidFill>
                   <a:srgbClr val="00B050"/>
                 </a:solidFill>
@@ -6970,12 +9520,6 @@
               </a:rPr>
               <a:t>outputs</a:t>
             </a:r>
-            <a:endParaRPr lang="en-US" sz="1600" dirty="0">
-              <a:solidFill>
-                <a:srgbClr val="00B050"/>
-              </a:solidFill>
-              <a:latin typeface="Helvetica" pitchFamily="34" charset="0"/>
-            </a:endParaRPr>
           </a:p>
         </p:txBody>
       </p:sp>
@@ -7002,7 +9546,7 @@
           <a:lstStyle/>
           <a:p>
             <a:r>
-              <a:rPr lang="en-US" sz="1100" dirty="0" smtClean="0">
+              <a:rPr lang="en-US" sz="1100" dirty="0">
                 <a:solidFill>
                   <a:schemeClr val="accent2">
                     <a:lumMod val="75000"/>
@@ -7012,14 +9556,6 @@
               </a:rPr>
               <a:t>inputs</a:t>
             </a:r>
-            <a:endParaRPr lang="en-US" sz="1100" dirty="0">
-              <a:solidFill>
-                <a:schemeClr val="accent2">
-                  <a:lumMod val="75000"/>
-                </a:schemeClr>
-              </a:solidFill>
-              <a:latin typeface="Helvetica" pitchFamily="34" charset="0"/>
-            </a:endParaRPr>
           </a:p>
         </p:txBody>
       </p:sp>
@@ -7324,14 +9860,11 @@
           <a:p>
             <a:pPr algn="ctr"/>
             <a:r>
-              <a:rPr lang="en-US" sz="1600" dirty="0" smtClean="0">
+              <a:rPr lang="en-US" sz="1600" dirty="0">
                 <a:latin typeface="Helvetica" pitchFamily="34" charset="0"/>
               </a:rPr>
               <a:t>rules</a:t>
             </a:r>
-            <a:endParaRPr lang="en-US" sz="1600" dirty="0">
-              <a:latin typeface="Helvetica" pitchFamily="34" charset="0"/>
-            </a:endParaRPr>
           </a:p>
         </p:txBody>
       </p:sp>
@@ -7413,14 +9946,11 @@
           <a:p>
             <a:pPr algn="ctr"/>
             <a:r>
-              <a:rPr lang="en-US" sz="1600" dirty="0" smtClean="0">
+              <a:rPr lang="en-US" sz="1600" dirty="0">
                 <a:latin typeface="Helvetica" pitchFamily="34" charset="0"/>
               </a:rPr>
               <a:t>methods</a:t>
             </a:r>
-            <a:endParaRPr lang="en-US" sz="1600" dirty="0">
-              <a:latin typeface="Helvetica" pitchFamily="34" charset="0"/>
-            </a:endParaRPr>
           </a:p>
         </p:txBody>
       </p:sp>
@@ -7518,14 +10048,11 @@
           <a:p>
             <a:pPr algn="ctr"/>
             <a:r>
-              <a:rPr lang="en-US" sz="1600" dirty="0" smtClean="0">
+              <a:rPr lang="en-US" sz="1600" dirty="0">
                 <a:latin typeface="Helvetica" pitchFamily="34" charset="0"/>
               </a:rPr>
               <a:t>Submodules</a:t>
             </a:r>
-            <a:endParaRPr lang="en-US" sz="1600" dirty="0">
-              <a:latin typeface="Helvetica" pitchFamily="34" charset="0"/>
-            </a:endParaRPr>
           </a:p>
         </p:txBody>
       </p:sp>
@@ -7603,7 +10130,7 @@
           <a:lstStyle/>
           <a:p>
             <a:r>
-              <a:rPr lang="en-US" sz="1600" dirty="0" smtClean="0">
+              <a:rPr lang="en-US" sz="1600" dirty="0">
                 <a:solidFill>
                   <a:schemeClr val="accent2">
                     <a:lumMod val="75000"/>
@@ -7613,14 +10140,6 @@
               </a:rPr>
               <a:t>inputs</a:t>
             </a:r>
-            <a:endParaRPr lang="en-US" sz="1600" dirty="0">
-              <a:solidFill>
-                <a:schemeClr val="accent2">
-                  <a:lumMod val="75000"/>
-                </a:schemeClr>
-              </a:solidFill>
-              <a:latin typeface="Helvetica" pitchFamily="34" charset="0"/>
-            </a:endParaRPr>
           </a:p>
         </p:txBody>
       </p:sp>
@@ -7647,7 +10166,7 @@
           <a:lstStyle/>
           <a:p>
             <a:r>
-              <a:rPr lang="en-US" sz="1100" dirty="0" err="1" smtClean="0">
+              <a:rPr lang="en-US" sz="1100" dirty="0" err="1">
                 <a:solidFill>
                   <a:srgbClr val="C00000"/>
                 </a:solidFill>
@@ -7687,7 +10206,7 @@
           <a:lstStyle/>
           <a:p>
             <a:r>
-              <a:rPr lang="en-US" sz="1100" dirty="0" err="1" smtClean="0">
+              <a:rPr lang="en-US" sz="1100" dirty="0" err="1">
                 <a:solidFill>
                   <a:srgbClr val="C00000"/>
                 </a:solidFill>
@@ -7727,7 +10246,7 @@
           <a:lstStyle/>
           <a:p>
             <a:r>
-              <a:rPr lang="en-US" sz="1100" dirty="0" smtClean="0">
+              <a:rPr lang="en-US" sz="1100" dirty="0">
                 <a:solidFill>
                   <a:srgbClr val="00B050"/>
                 </a:solidFill>
@@ -7735,12 +10254,6 @@
               </a:rPr>
               <a:t>outputs</a:t>
             </a:r>
-            <a:endParaRPr lang="en-US" sz="1100" dirty="0">
-              <a:solidFill>
-                <a:srgbClr val="00B050"/>
-              </a:solidFill>
-              <a:latin typeface="Helvetica" pitchFamily="34" charset="0"/>
-            </a:endParaRPr>
           </a:p>
         </p:txBody>
       </p:sp>
@@ -7767,7 +10280,7 @@
           <a:lstStyle/>
           <a:p>
             <a:r>
-              <a:rPr lang="en-US" sz="1100" dirty="0" smtClean="0">
+              <a:rPr lang="en-US" sz="1100" dirty="0">
                 <a:solidFill>
                   <a:srgbClr val="00B050"/>
                 </a:solidFill>
@@ -7775,12 +10288,6 @@
               </a:rPr>
               <a:t>outputs</a:t>
             </a:r>
-            <a:endParaRPr lang="en-US" sz="1100" dirty="0">
-              <a:solidFill>
-                <a:srgbClr val="00B050"/>
-              </a:solidFill>
-              <a:latin typeface="Helvetica" pitchFamily="34" charset="0"/>
-            </a:endParaRPr>
           </a:p>
         </p:txBody>
       </p:sp>
@@ -7794,17 +10301,10 @@
   <p:clrMapOvr>
     <a:masterClrMapping/>
   </p:clrMapOvr>
-  <p:timing>
-    <p:tnLst>
-      <p:par>
-        <p:cTn id="1" dur="indefinite" restart="never" nodeType="tmRoot"/>
-      </p:par>
-    </p:tnLst>
-  </p:timing>
 </p:sld>
 </file>
 
-<file path=ppt/slides/slide2.xml><?xml version="1.0" encoding="utf-8"?>
+<file path=ppt/slides/slide3.xml><?xml version="1.0" encoding="utf-8"?>
 <p:sld xmlns:a="http://schemas.openxmlformats.org/drawingml/2006/main" xmlns:r="http://schemas.openxmlformats.org/officeDocument/2006/relationships" xmlns:p="http://schemas.openxmlformats.org/presentationml/2006/main">
   <p:cSld>
     <p:spTree>
@@ -8289,14 +10789,11 @@
           <a:lstStyle/>
           <a:p>
             <a:r>
-              <a:rPr lang="en-US" sz="1600" dirty="0" smtClean="0">
+              <a:rPr lang="en-US" sz="1600" dirty="0">
                 <a:latin typeface="Helvetica" pitchFamily="34" charset="0"/>
               </a:rPr>
               <a:t>inputs</a:t>
             </a:r>
-            <a:endParaRPr lang="en-US" sz="1600" dirty="0">
-              <a:latin typeface="Helvetica" pitchFamily="34" charset="0"/>
-            </a:endParaRPr>
           </a:p>
         </p:txBody>
       </p:sp>
@@ -8324,14 +10821,11 @@
           <a:p>
             <a:pPr algn="ctr"/>
             <a:r>
-              <a:rPr lang="en-US" sz="1600" dirty="0" smtClean="0">
+              <a:rPr lang="en-US" sz="1600" dirty="0">
                 <a:latin typeface="Helvetica" pitchFamily="34" charset="0"/>
               </a:rPr>
               <a:t>Registers</a:t>
             </a:r>
-            <a:endParaRPr lang="en-US" sz="1600" dirty="0">
-              <a:latin typeface="Helvetica" pitchFamily="34" charset="0"/>
-            </a:endParaRPr>
           </a:p>
         </p:txBody>
       </p:sp>
@@ -8358,17 +10852,11 @@
           <a:lstStyle/>
           <a:p>
             <a:pPr algn="ctr"/>
-            <a:r>
-              <a:rPr lang="en-US" sz="1600" dirty="0" smtClean="0">
-                <a:latin typeface="Helvetica" pitchFamily="34" charset="0"/>
-              </a:rPr>
-              <a:t>next </a:t>
-            </a:r>
             <a:r>
               <a:rPr lang="en-US" sz="1600" dirty="0">
                 <a:latin typeface="Helvetica" pitchFamily="34" charset="0"/>
               </a:rPr>
-              <a:t>state</a:t>
+              <a:t>next state</a:t>
             </a:r>
           </a:p>
         </p:txBody>
@@ -8599,14 +11087,11 @@
           <a:lstStyle/>
           <a:p>
             <a:r>
-              <a:rPr lang="en-US" sz="1600" dirty="0" smtClean="0">
+              <a:rPr lang="en-US" sz="1600" dirty="0">
                 <a:latin typeface="Helvetica" pitchFamily="34" charset="0"/>
               </a:rPr>
               <a:t>outputs</a:t>
             </a:r>
-            <a:endParaRPr lang="en-US" sz="1600" dirty="0">
-              <a:latin typeface="Helvetica" pitchFamily="34" charset="0"/>
-            </a:endParaRPr>
           </a:p>
         </p:txBody>
       </p:sp>
@@ -8633,17 +11118,11 @@
           <a:lstStyle/>
           <a:p>
             <a:pPr algn="ctr"/>
-            <a:r>
-              <a:rPr lang="en-US" sz="1600" dirty="0" smtClean="0">
-                <a:latin typeface="Helvetica" pitchFamily="34" charset="0"/>
-              </a:rPr>
-              <a:t>current </a:t>
-            </a:r>
             <a:r>
               <a:rPr lang="en-US" sz="1600" dirty="0">
                 <a:latin typeface="Helvetica" pitchFamily="34" charset="0"/>
               </a:rPr>
-              <a:t>state</a:t>
+              <a:t>current state</a:t>
             </a:r>
           </a:p>
         </p:txBody>
@@ -8658,17 +11137,10 @@
   <p:clrMapOvr>
     <a:masterClrMapping/>
   </p:clrMapOvr>
-  <p:timing>
-    <p:tnLst>
-      <p:par>
-        <p:cTn id="1" dur="indefinite" restart="never" nodeType="tmRoot"/>
-      </p:par>
-    </p:tnLst>
-  </p:timing>
 </p:sld>
 </file>
 
-<file path=ppt/slides/slide3.xml><?xml version="1.0" encoding="utf-8"?>
+<file path=ppt/slides/slide4.xml><?xml version="1.0" encoding="utf-8"?>
 <p:sld xmlns:a="http://schemas.openxmlformats.org/drawingml/2006/main" xmlns:r="http://schemas.openxmlformats.org/officeDocument/2006/relationships" xmlns:p="http://schemas.openxmlformats.org/presentationml/2006/main">
   <p:cSld>
     <p:spTree>
@@ -8882,14 +11354,11 @@
           <a:p>
             <a:pPr algn="ctr"/>
             <a:r>
-              <a:rPr lang="en-US" sz="1600" dirty="0" smtClean="0">
+              <a:rPr lang="en-US" sz="1600" dirty="0">
                 <a:latin typeface="Helvetica" pitchFamily="34" charset="0"/>
               </a:rPr>
               <a:t>rules</a:t>
             </a:r>
-            <a:endParaRPr lang="en-US" sz="1600" dirty="0">
-              <a:latin typeface="Helvetica" pitchFamily="34" charset="0"/>
-            </a:endParaRPr>
           </a:p>
         </p:txBody>
       </p:sp>
@@ -9248,19 +11717,10 @@
                 </a:solidFill>
                 <a:latin typeface="Helvetica" pitchFamily="34" charset="0"/>
               </a:rPr>
-              <a:t>m</a:t>
+              <a:t>method </a:t>
             </a:r>
             <a:r>
-              <a:rPr lang="en-US" sz="1600" dirty="0" smtClean="0">
-                <a:solidFill>
-                  <a:srgbClr val="C00000"/>
-                </a:solidFill>
-                <a:latin typeface="Helvetica" pitchFamily="34" charset="0"/>
-              </a:rPr>
-              <a:t>ethod </a:t>
-            </a:r>
-            <a:r>
-              <a:rPr lang="en-US" sz="1600" dirty="0" err="1" smtClean="0">
+              <a:rPr lang="en-US" sz="1600" dirty="0" err="1">
                 <a:solidFill>
                   <a:srgbClr val="C00000"/>
                 </a:solidFill>
@@ -9301,14 +11761,11 @@
           <a:p>
             <a:pPr algn="ctr"/>
             <a:r>
-              <a:rPr lang="en-US" sz="1600" dirty="0" smtClean="0">
+              <a:rPr lang="en-US" sz="1600" dirty="0">
                 <a:latin typeface="Helvetica" pitchFamily="34" charset="0"/>
               </a:rPr>
               <a:t>Registers</a:t>
             </a:r>
-            <a:endParaRPr lang="en-US" sz="1600" dirty="0">
-              <a:latin typeface="Helvetica" pitchFamily="34" charset="0"/>
-            </a:endParaRPr>
           </a:p>
         </p:txBody>
       </p:sp>
@@ -9335,17 +11792,11 @@
           <a:lstStyle/>
           <a:p>
             <a:pPr algn="ctr"/>
-            <a:r>
-              <a:rPr lang="en-US" sz="1600" dirty="0" smtClean="0">
-                <a:latin typeface="Helvetica" pitchFamily="34" charset="0"/>
-              </a:rPr>
-              <a:t>next </a:t>
-            </a:r>
             <a:r>
               <a:rPr lang="en-US" sz="1600" dirty="0">
                 <a:latin typeface="Helvetica" pitchFamily="34" charset="0"/>
               </a:rPr>
-              <a:t>state</a:t>
+              <a:t>next state</a:t>
             </a:r>
           </a:p>
         </p:txBody>
@@ -9481,7 +11932,7 @@
           <a:lstStyle/>
           <a:p>
             <a:r>
-              <a:rPr lang="en-US" sz="1600" dirty="0" smtClean="0">
+              <a:rPr lang="en-US" sz="1600" dirty="0">
                 <a:solidFill>
                   <a:srgbClr val="00B050"/>
                 </a:solidFill>
@@ -9489,12 +11940,6 @@
               </a:rPr>
               <a:t>outputs</a:t>
             </a:r>
-            <a:endParaRPr lang="en-US" sz="1600" dirty="0">
-              <a:solidFill>
-                <a:srgbClr val="00B050"/>
-              </a:solidFill>
-              <a:latin typeface="Helvetica" pitchFamily="34" charset="0"/>
-            </a:endParaRPr>
           </a:p>
         </p:txBody>
       </p:sp>
@@ -9521,17 +11966,11 @@
           <a:lstStyle/>
           <a:p>
             <a:pPr algn="ctr"/>
-            <a:r>
-              <a:rPr lang="en-US" sz="1600" dirty="0" smtClean="0">
-                <a:latin typeface="Helvetica" pitchFamily="34" charset="0"/>
-              </a:rPr>
-              <a:t>current </a:t>
-            </a:r>
             <a:r>
               <a:rPr lang="en-US" sz="1600" dirty="0">
                 <a:latin typeface="Helvetica" pitchFamily="34" charset="0"/>
               </a:rPr>
-              <a:t>state</a:t>
+              <a:t>current state</a:t>
             </a:r>
           </a:p>
         </p:txBody>
@@ -9559,7 +11998,7 @@
           <a:lstStyle/>
           <a:p>
             <a:r>
-              <a:rPr lang="en-US" sz="1600" dirty="0" smtClean="0">
+              <a:rPr lang="en-US" sz="1600" dirty="0">
                 <a:solidFill>
                   <a:schemeClr val="accent2">
                     <a:lumMod val="75000"/>
@@ -9569,14 +12008,6 @@
               </a:rPr>
               <a:t>inputs</a:t>
             </a:r>
-            <a:endParaRPr lang="en-US" sz="1600" dirty="0">
-              <a:solidFill>
-                <a:schemeClr val="accent2">
-                  <a:lumMod val="75000"/>
-                </a:schemeClr>
-              </a:solidFill>
-              <a:latin typeface="Helvetica" pitchFamily="34" charset="0"/>
-            </a:endParaRPr>
           </a:p>
         </p:txBody>
       </p:sp>
@@ -9698,14 +12129,11 @@
           <a:p>
             <a:pPr algn="ctr"/>
             <a:r>
-              <a:rPr lang="en-US" sz="1600" dirty="0" smtClean="0">
+              <a:rPr lang="en-US" sz="1600" dirty="0">
                 <a:latin typeface="Helvetica" pitchFamily="34" charset="0"/>
               </a:rPr>
               <a:t>methods</a:t>
             </a:r>
-            <a:endParaRPr lang="en-US" sz="1600" dirty="0">
-              <a:latin typeface="Helvetica" pitchFamily="34" charset="0"/>
-            </a:endParaRPr>
           </a:p>
         </p:txBody>
       </p:sp>
@@ -9760,17 +12188,10 @@
   <p:clrMapOvr>
     <a:masterClrMapping/>
   </p:clrMapOvr>
-  <p:timing>
-    <p:tnLst>
-      <p:par>
-        <p:cTn id="1" dur="indefinite" restart="never" nodeType="tmRoot"/>
-      </p:par>
-    </p:tnLst>
-  </p:timing>
 </p:sld>
 </file>
 
-<file path=ppt/slides/slide4.xml><?xml version="1.0" encoding="utf-8"?>
+<file path=ppt/slides/slide5.xml><?xml version="1.0" encoding="utf-8"?>
 <p:sld xmlns:a="http://schemas.openxmlformats.org/drawingml/2006/main" xmlns:r="http://schemas.openxmlformats.org/officeDocument/2006/relationships" xmlns:p="http://schemas.openxmlformats.org/presentationml/2006/main">
   <p:cSld>
     <p:spTree>
@@ -9991,19 +12412,10 @@
                 </a:solidFill>
                 <a:latin typeface="Helvetica" pitchFamily="34" charset="0"/>
               </a:rPr>
-              <a:t>m</a:t>
+              <a:t>method </a:t>
             </a:r>
             <a:r>
-              <a:rPr lang="en-US" sz="1600" dirty="0" smtClean="0">
-                <a:solidFill>
-                  <a:srgbClr val="C00000"/>
-                </a:solidFill>
-                <a:latin typeface="Helvetica" pitchFamily="34" charset="0"/>
-              </a:rPr>
-              <a:t>ethod </a:t>
-            </a:r>
-            <a:r>
-              <a:rPr lang="en-US" sz="1600" dirty="0" err="1" smtClean="0">
+              <a:rPr lang="en-US" sz="1600" dirty="0" err="1">
                 <a:solidFill>
                   <a:srgbClr val="C00000"/>
                 </a:solidFill>
@@ -10100,7 +12512,7 @@
           <a:lstStyle/>
           <a:p>
             <a:r>
-              <a:rPr lang="en-US" sz="1600" dirty="0" smtClean="0">
+              <a:rPr lang="en-US" sz="1600" dirty="0">
                 <a:solidFill>
                   <a:srgbClr val="00B050"/>
                 </a:solidFill>
@@ -10108,12 +12520,6 @@
               </a:rPr>
               <a:t>outputs</a:t>
             </a:r>
-            <a:endParaRPr lang="en-US" sz="1600" dirty="0">
-              <a:solidFill>
-                <a:srgbClr val="00B050"/>
-              </a:solidFill>
-              <a:latin typeface="Helvetica" pitchFamily="34" charset="0"/>
-            </a:endParaRPr>
           </a:p>
         </p:txBody>
       </p:sp>
@@ -10140,7 +12546,7 @@
           <a:lstStyle/>
           <a:p>
             <a:r>
-              <a:rPr lang="en-US" sz="1100" dirty="0" smtClean="0">
+              <a:rPr lang="en-US" sz="1100" dirty="0">
                 <a:solidFill>
                   <a:schemeClr val="accent2">
                     <a:lumMod val="75000"/>
@@ -10150,14 +12556,6 @@
               </a:rPr>
               <a:t>inputs</a:t>
             </a:r>
-            <a:endParaRPr lang="en-US" sz="1100" dirty="0">
-              <a:solidFill>
-                <a:schemeClr val="accent2">
-                  <a:lumMod val="75000"/>
-                </a:schemeClr>
-              </a:solidFill>
-              <a:latin typeface="Helvetica" pitchFamily="34" charset="0"/>
-            </a:endParaRPr>
           </a:p>
         </p:txBody>
       </p:sp>
@@ -10462,14 +12860,11 @@
           <a:p>
             <a:pPr algn="ctr"/>
             <a:r>
-              <a:rPr lang="en-US" sz="1600" dirty="0" smtClean="0">
+              <a:rPr lang="en-US" sz="1600" dirty="0">
                 <a:latin typeface="Helvetica" pitchFamily="34" charset="0"/>
               </a:rPr>
               <a:t>rules</a:t>
             </a:r>
-            <a:endParaRPr lang="en-US" sz="1600" dirty="0">
-              <a:latin typeface="Helvetica" pitchFamily="34" charset="0"/>
-            </a:endParaRPr>
           </a:p>
         </p:txBody>
       </p:sp>
@@ -10551,14 +12946,11 @@
           <a:p>
             <a:pPr algn="ctr"/>
             <a:r>
-              <a:rPr lang="en-US" sz="1600" dirty="0" smtClean="0">
+              <a:rPr lang="en-US" sz="1600" dirty="0">
                 <a:latin typeface="Helvetica" pitchFamily="34" charset="0"/>
               </a:rPr>
               <a:t>methods</a:t>
             </a:r>
-            <a:endParaRPr lang="en-US" sz="1600" dirty="0">
-              <a:latin typeface="Helvetica" pitchFamily="34" charset="0"/>
-            </a:endParaRPr>
           </a:p>
         </p:txBody>
       </p:sp>
@@ -10656,14 +13048,11 @@
           <a:p>
             <a:pPr algn="ctr"/>
             <a:r>
-              <a:rPr lang="en-US" sz="1600" dirty="0" smtClean="0">
+              <a:rPr lang="en-US" sz="1600" dirty="0">
                 <a:latin typeface="Helvetica" pitchFamily="34" charset="0"/>
               </a:rPr>
               <a:t>Submodules</a:t>
             </a:r>
-            <a:endParaRPr lang="en-US" sz="1600" dirty="0">
-              <a:latin typeface="Helvetica" pitchFamily="34" charset="0"/>
-            </a:endParaRPr>
           </a:p>
         </p:txBody>
       </p:sp>
@@ -10741,7 +13130,7 @@
           <a:lstStyle/>
           <a:p>
             <a:r>
-              <a:rPr lang="en-US" sz="1600" dirty="0" smtClean="0">
+              <a:rPr lang="en-US" sz="1600" dirty="0">
                 <a:solidFill>
                   <a:schemeClr val="accent2">
                     <a:lumMod val="75000"/>
@@ -10751,14 +13140,6 @@
               </a:rPr>
               <a:t>inputs</a:t>
             </a:r>
-            <a:endParaRPr lang="en-US" sz="1600" dirty="0">
-              <a:solidFill>
-                <a:schemeClr val="accent2">
-                  <a:lumMod val="75000"/>
-                </a:schemeClr>
-              </a:solidFill>
-              <a:latin typeface="Helvetica" pitchFamily="34" charset="0"/>
-            </a:endParaRPr>
           </a:p>
         </p:txBody>
       </p:sp>
@@ -10785,7 +13166,7 @@
           <a:lstStyle/>
           <a:p>
             <a:r>
-              <a:rPr lang="en-US" sz="1100" dirty="0" err="1" smtClean="0">
+              <a:rPr lang="en-US" sz="1100" dirty="0" err="1">
                 <a:solidFill>
                   <a:srgbClr val="C00000"/>
                 </a:solidFill>
@@ -10825,7 +13206,7 @@
           <a:lstStyle/>
           <a:p>
             <a:r>
-              <a:rPr lang="en-US" sz="1100" dirty="0" err="1" smtClean="0">
+              <a:rPr lang="en-US" sz="1100" dirty="0" err="1">
                 <a:solidFill>
                   <a:srgbClr val="C00000"/>
                 </a:solidFill>
@@ -10865,7 +13246,7 @@
           <a:lstStyle/>
           <a:p>
             <a:r>
-              <a:rPr lang="en-US" sz="1100" dirty="0" smtClean="0">
+              <a:rPr lang="en-US" sz="1100" dirty="0">
                 <a:solidFill>
                   <a:srgbClr val="00B050"/>
                 </a:solidFill>
@@ -10873,12 +13254,6 @@
               </a:rPr>
               <a:t>outputs</a:t>
             </a:r>
-            <a:endParaRPr lang="en-US" sz="1100" dirty="0">
-              <a:solidFill>
-                <a:srgbClr val="00B050"/>
-              </a:solidFill>
-              <a:latin typeface="Helvetica" pitchFamily="34" charset="0"/>
-            </a:endParaRPr>
           </a:p>
         </p:txBody>
       </p:sp>
@@ -10905,7 +13280,7 @@
           <a:lstStyle/>
           <a:p>
             <a:r>
-              <a:rPr lang="en-US" sz="1100" dirty="0" smtClean="0">
+              <a:rPr lang="en-US" sz="1100" dirty="0">
                 <a:solidFill>
                   <a:srgbClr val="00B050"/>
                 </a:solidFill>
@@ -10913,12 +13288,6 @@
               </a:rPr>
               <a:t>outputs</a:t>
             </a:r>
-            <a:endParaRPr lang="en-US" sz="1100" dirty="0">
-              <a:solidFill>
-                <a:srgbClr val="00B050"/>
-              </a:solidFill>
-              <a:latin typeface="Helvetica" pitchFamily="34" charset="0"/>
-            </a:endParaRPr>
           </a:p>
         </p:txBody>
       </p:sp>
@@ -10932,13 +13301,4314 @@
   <p:clrMapOvr>
     <a:masterClrMapping/>
   </p:clrMapOvr>
-  <p:timing>
-    <p:tnLst>
-      <p:par>
-        <p:cTn id="1" dur="indefinite" restart="never" nodeType="tmRoot"/>
-      </p:par>
-    </p:tnLst>
-  </p:timing>
+</p:sld>
+</file>
+
+<file path=ppt/slides/slide6.xml><?xml version="1.0" encoding="utf-8"?>
+<p:sld xmlns:a="http://schemas.openxmlformats.org/drawingml/2006/main" xmlns:r="http://schemas.openxmlformats.org/officeDocument/2006/relationships" xmlns:p="http://schemas.openxmlformats.org/presentationml/2006/main">
+  <p:cSld>
+    <p:spTree>
+      <p:nvGrpSpPr>
+        <p:cNvPr id="1" name=""/>
+        <p:cNvGrpSpPr/>
+        <p:nvPr/>
+      </p:nvGrpSpPr>
+      <p:grpSpPr>
+        <a:xfrm>
+          <a:off x="0" y="0"/>
+          <a:ext cx="0" cy="0"/>
+          <a:chOff x="0" y="0"/>
+          <a:chExt cx="0" cy="0"/>
+        </a:xfrm>
+      </p:grpSpPr>
+      <p:sp>
+        <p:nvSpPr>
+          <p:cNvPr id="148" name="Rectangle 147"/>
+          <p:cNvSpPr/>
+          <p:nvPr/>
+        </p:nvSpPr>
+        <p:spPr bwMode="auto">
+          <a:xfrm>
+            <a:off x="2047959" y="594391"/>
+            <a:ext cx="3031670" cy="2687204"/>
+          </a:xfrm>
+          <a:prstGeom prst="rect">
+            <a:avLst/>
+          </a:prstGeom>
+          <a:solidFill>
+            <a:srgbClr val="FDFDFD"/>
+          </a:solidFill>
+          <a:ln w="28575" cap="flat" cmpd="sng" algn="ctr">
+            <a:solidFill>
+              <a:schemeClr val="bg1">
+                <a:lumMod val="85000"/>
+              </a:schemeClr>
+            </a:solidFill>
+            <a:prstDash val="solid"/>
+            <a:round/>
+            <a:headEnd type="none" w="med" len="med"/>
+            <a:tailEnd type="none" w="med" len="med"/>
+          </a:ln>
+          <a:effectLst/>
+        </p:spPr>
+        <p:txBody>
+          <a:bodyPr vert="horz" wrap="square" lIns="91440" tIns="45720" rIns="91440" bIns="45720" numCol="1" rtlCol="0" anchor="t" anchorCtr="0" compatLnSpc="1">
+            <a:prstTxWarp prst="textNoShape">
+              <a:avLst/>
+            </a:prstTxWarp>
+          </a:bodyPr>
+          <a:lstStyle/>
+          <a:p>
+            <a:pPr marL="0" marR="0" indent="0" algn="l" defTabSz="914400" rtl="0" eaLnBrk="1" fontAlgn="base" latinLnBrk="0" hangingPunct="1">
+              <a:lnSpc>
+                <a:spcPct val="90000"/>
+              </a:lnSpc>
+              <a:spcBef>
+                <a:spcPct val="25000"/>
+              </a:spcBef>
+              <a:spcAft>
+                <a:spcPct val="0"/>
+              </a:spcAft>
+              <a:buClr>
+                <a:schemeClr val="bg1"/>
+              </a:buClr>
+              <a:buSzPct val="100000"/>
+              <a:buFont typeface="Wingdings" pitchFamily="2" charset="2"/>
+              <a:buChar char="•"/>
+              <a:tabLst/>
+            </a:pPr>
+            <a:endParaRPr kumimoji="0" lang="en-US" sz="1600" b="0" i="0" u="none" strike="noStrike" cap="none" normalizeH="0" baseline="0" dirty="0">
+              <a:ln>
+                <a:noFill/>
+              </a:ln>
+              <a:solidFill>
+                <a:schemeClr val="tx1"/>
+              </a:solidFill>
+              <a:effectLst/>
+              <a:latin typeface="Helvetica" pitchFamily="34" charset="0"/>
+            </a:endParaRPr>
+          </a:p>
+        </p:txBody>
+      </p:sp>
+      <p:sp>
+        <p:nvSpPr>
+          <p:cNvPr id="154" name="Rectangle 153"/>
+          <p:cNvSpPr/>
+          <p:nvPr/>
+        </p:nvSpPr>
+        <p:spPr bwMode="auto">
+          <a:xfrm>
+            <a:off x="2273475" y="1990455"/>
+            <a:ext cx="1429256" cy="920898"/>
+          </a:xfrm>
+          <a:prstGeom prst="rect">
+            <a:avLst/>
+          </a:prstGeom>
+          <a:solidFill>
+            <a:schemeClr val="bg1"/>
+          </a:solidFill>
+          <a:ln w="28575" cap="flat" cmpd="sng" algn="ctr">
+            <a:solidFill>
+              <a:schemeClr val="tx1"/>
+            </a:solidFill>
+            <a:prstDash val="solid"/>
+            <a:round/>
+            <a:headEnd type="none" w="med" len="med"/>
+            <a:tailEnd type="none" w="med" len="med"/>
+          </a:ln>
+          <a:effectLst/>
+        </p:spPr>
+        <p:txBody>
+          <a:bodyPr vert="horz" wrap="square" lIns="91440" tIns="45720" rIns="91440" bIns="45720" numCol="1" rtlCol="0" anchor="t" anchorCtr="0" compatLnSpc="1">
+            <a:prstTxWarp prst="textNoShape">
+              <a:avLst/>
+            </a:prstTxWarp>
+          </a:bodyPr>
+          <a:lstStyle/>
+          <a:p>
+            <a:pPr marL="0" marR="0" indent="0" algn="l" defTabSz="914400" rtl="0" eaLnBrk="1" fontAlgn="base" latinLnBrk="0" hangingPunct="1">
+              <a:lnSpc>
+                <a:spcPct val="90000"/>
+              </a:lnSpc>
+              <a:spcBef>
+                <a:spcPct val="25000"/>
+              </a:spcBef>
+              <a:spcAft>
+                <a:spcPct val="0"/>
+              </a:spcAft>
+              <a:buClr>
+                <a:schemeClr val="bg1"/>
+              </a:buClr>
+              <a:buSzPct val="100000"/>
+              <a:buFont typeface="Wingdings" pitchFamily="2" charset="2"/>
+              <a:buChar char="•"/>
+              <a:tabLst/>
+            </a:pPr>
+            <a:endParaRPr kumimoji="0" lang="en-US" sz="1600" b="0" i="0" u="none" strike="noStrike" cap="none" normalizeH="0" baseline="0">
+              <a:ln>
+                <a:noFill/>
+              </a:ln>
+              <a:solidFill>
+                <a:schemeClr val="tx1"/>
+              </a:solidFill>
+              <a:effectLst/>
+              <a:latin typeface="Helvetica" pitchFamily="34" charset="0"/>
+            </a:endParaRPr>
+          </a:p>
+        </p:txBody>
+      </p:sp>
+      <p:sp>
+        <p:nvSpPr>
+          <p:cNvPr id="158" name="TextBox 157"/>
+          <p:cNvSpPr txBox="1"/>
+          <p:nvPr/>
+        </p:nvSpPr>
+        <p:spPr>
+          <a:xfrm>
+            <a:off x="2164668" y="1705302"/>
+            <a:ext cx="1388351" cy="338554"/>
+          </a:xfrm>
+          <a:prstGeom prst="rect">
+            <a:avLst/>
+          </a:prstGeom>
+          <a:noFill/>
+        </p:spPr>
+        <p:txBody>
+          <a:bodyPr wrap="square" rtlCol="0">
+            <a:spAutoFit/>
+          </a:bodyPr>
+          <a:lstStyle/>
+          <a:p>
+            <a:pPr algn="ctr"/>
+            <a:r>
+              <a:rPr lang="en-US" sz="1600" dirty="0" smtClean="0">
+                <a:latin typeface="Helvetica" pitchFamily="34" charset="0"/>
+              </a:rPr>
+              <a:t>Submodule s</a:t>
+            </a:r>
+            <a:endParaRPr lang="en-US" sz="1600" dirty="0">
+              <a:latin typeface="Helvetica" pitchFamily="34" charset="0"/>
+            </a:endParaRPr>
+          </a:p>
+        </p:txBody>
+      </p:sp>
+      <p:cxnSp>
+        <p:nvCxnSpPr>
+          <p:cNvPr id="30" name="Straight Arrow Connector 29"/>
+          <p:cNvCxnSpPr/>
+          <p:nvPr/>
+        </p:nvCxnSpPr>
+        <p:spPr bwMode="auto">
+          <a:xfrm>
+            <a:off x="4307223" y="1039392"/>
+            <a:ext cx="996344" cy="0"/>
+          </a:xfrm>
+          <a:prstGeom prst="straightConnector1">
+            <a:avLst/>
+          </a:prstGeom>
+          <a:noFill/>
+          <a:ln w="28575" cap="flat" cmpd="sng" algn="ctr">
+            <a:solidFill>
+              <a:schemeClr val="tx1"/>
+            </a:solidFill>
+            <a:prstDash val="solid"/>
+            <a:round/>
+            <a:headEnd type="none" w="med" len="med"/>
+            <a:tailEnd type="triangle"/>
+          </a:ln>
+          <a:effectLst/>
+        </p:spPr>
+      </p:cxnSp>
+      <p:cxnSp>
+        <p:nvCxnSpPr>
+          <p:cNvPr id="31" name="Straight Arrow Connector 30"/>
+          <p:cNvCxnSpPr/>
+          <p:nvPr/>
+        </p:nvCxnSpPr>
+        <p:spPr bwMode="auto">
+          <a:xfrm>
+            <a:off x="3633375" y="2345747"/>
+            <a:ext cx="237961" cy="0"/>
+          </a:xfrm>
+          <a:prstGeom prst="straightConnector1">
+            <a:avLst/>
+          </a:prstGeom>
+          <a:noFill/>
+          <a:ln w="28575" cap="flat" cmpd="sng" algn="ctr">
+            <a:solidFill>
+              <a:srgbClr val="C00000"/>
+            </a:solidFill>
+            <a:prstDash val="solid"/>
+            <a:round/>
+            <a:headEnd type="none" w="med" len="med"/>
+            <a:tailEnd type="triangle"/>
+          </a:ln>
+          <a:effectLst/>
+        </p:spPr>
+      </p:cxnSp>
+      <p:sp>
+        <p:nvSpPr>
+          <p:cNvPr id="32" name="TextBox 31"/>
+          <p:cNvSpPr txBox="1"/>
+          <p:nvPr/>
+        </p:nvSpPr>
+        <p:spPr>
+          <a:xfrm>
+            <a:off x="2040338" y="731577"/>
+            <a:ext cx="731290" cy="338554"/>
+          </a:xfrm>
+          <a:prstGeom prst="rect">
+            <a:avLst/>
+          </a:prstGeom>
+          <a:noFill/>
+        </p:spPr>
+        <p:txBody>
+          <a:bodyPr wrap="none" rtlCol="0">
+            <a:spAutoFit/>
+          </a:bodyPr>
+          <a:lstStyle/>
+          <a:p>
+            <a:r>
+              <a:rPr lang="en-US" sz="1600" dirty="0">
+                <a:latin typeface="Helvetica" pitchFamily="34" charset="0"/>
+              </a:rPr>
+              <a:t>inputs</a:t>
+            </a:r>
+          </a:p>
+        </p:txBody>
+      </p:sp>
+      <p:sp>
+        <p:nvSpPr>
+          <p:cNvPr id="33" name="Cloud 32"/>
+          <p:cNvSpPr/>
+          <p:nvPr/>
+        </p:nvSpPr>
+        <p:spPr>
+          <a:xfrm>
+            <a:off x="2837655" y="697878"/>
+            <a:ext cx="1781986" cy="1146976"/>
+          </a:xfrm>
+          <a:prstGeom prst="cloud">
+            <a:avLst/>
+          </a:prstGeom>
+          <a:solidFill>
+            <a:schemeClr val="accent2">
+              <a:lumMod val="40000"/>
+              <a:lumOff val="60000"/>
+            </a:schemeClr>
+          </a:solidFill>
+          <a:ln>
+            <a:solidFill>
+              <a:schemeClr val="tx1">
+                <a:lumMod val="50000"/>
+                <a:lumOff val="50000"/>
+              </a:schemeClr>
+            </a:solidFill>
+          </a:ln>
+        </p:spPr>
+        <p:style>
+          <a:lnRef idx="2">
+            <a:schemeClr val="accent1">
+              <a:shade val="50000"/>
+            </a:schemeClr>
+          </a:lnRef>
+          <a:fillRef idx="1">
+            <a:schemeClr val="accent1"/>
+          </a:fillRef>
+          <a:effectRef idx="0">
+            <a:schemeClr val="accent1"/>
+          </a:effectRef>
+          <a:fontRef idx="minor">
+            <a:schemeClr val="lt1"/>
+          </a:fontRef>
+        </p:style>
+        <p:txBody>
+          <a:bodyPr rtlCol="0" anchor="ctr"/>
+          <a:lstStyle/>
+          <a:p>
+            <a:pPr algn="ctr"/>
+            <a:endParaRPr lang="en-US"/>
+          </a:p>
+        </p:txBody>
+      </p:sp>
+      <p:sp>
+        <p:nvSpPr>
+          <p:cNvPr id="34" name="TextBox 33"/>
+          <p:cNvSpPr txBox="1"/>
+          <p:nvPr/>
+        </p:nvSpPr>
+        <p:spPr>
+          <a:xfrm>
+            <a:off x="3049452" y="862897"/>
+            <a:ext cx="1492716" cy="584775"/>
+          </a:xfrm>
+          <a:prstGeom prst="rect">
+            <a:avLst/>
+          </a:prstGeom>
+          <a:noFill/>
+        </p:spPr>
+        <p:txBody>
+          <a:bodyPr wrap="none" rtlCol="0">
+            <a:spAutoFit/>
+          </a:bodyPr>
+          <a:lstStyle/>
+          <a:p>
+            <a:pPr algn="ctr"/>
+            <a:r>
+              <a:rPr lang="en-US" sz="1600" dirty="0">
+                <a:latin typeface="Helvetica" pitchFamily="34" charset="0"/>
+              </a:rPr>
+              <a:t>Combinational</a:t>
+            </a:r>
+          </a:p>
+          <a:p>
+            <a:pPr algn="ctr"/>
+            <a:r>
+              <a:rPr lang="en-US" sz="1600" dirty="0">
+                <a:latin typeface="Helvetica" pitchFamily="34" charset="0"/>
+              </a:rPr>
+              <a:t>logic</a:t>
+            </a:r>
+          </a:p>
+        </p:txBody>
+      </p:sp>
+      <p:cxnSp>
+        <p:nvCxnSpPr>
+          <p:cNvPr id="35" name="Straight Arrow Connector 34"/>
+          <p:cNvCxnSpPr/>
+          <p:nvPr/>
+        </p:nvCxnSpPr>
+        <p:spPr bwMode="auto">
+          <a:xfrm>
+            <a:off x="1961874" y="1048394"/>
+            <a:ext cx="1032236" cy="0"/>
+          </a:xfrm>
+          <a:prstGeom prst="straightConnector1">
+            <a:avLst/>
+          </a:prstGeom>
+          <a:noFill/>
+          <a:ln w="28575" cap="flat" cmpd="sng" algn="ctr">
+            <a:solidFill>
+              <a:schemeClr val="tx1"/>
+            </a:solidFill>
+            <a:prstDash val="solid"/>
+            <a:round/>
+            <a:headEnd type="none" w="med" len="med"/>
+            <a:tailEnd type="triangle"/>
+          </a:ln>
+          <a:effectLst/>
+        </p:spPr>
+      </p:cxnSp>
+      <p:sp>
+        <p:nvSpPr>
+          <p:cNvPr id="36" name="TextBox 35"/>
+          <p:cNvSpPr txBox="1"/>
+          <p:nvPr/>
+        </p:nvSpPr>
+        <p:spPr>
+          <a:xfrm>
+            <a:off x="4537079" y="685830"/>
+            <a:ext cx="857927" cy="338554"/>
+          </a:xfrm>
+          <a:prstGeom prst="rect">
+            <a:avLst/>
+          </a:prstGeom>
+          <a:noFill/>
+        </p:spPr>
+        <p:txBody>
+          <a:bodyPr wrap="none" rtlCol="0">
+            <a:spAutoFit/>
+          </a:bodyPr>
+          <a:lstStyle/>
+          <a:p>
+            <a:r>
+              <a:rPr lang="en-US" sz="1600" dirty="0">
+                <a:latin typeface="Helvetica" pitchFamily="34" charset="0"/>
+              </a:rPr>
+              <a:t>outputs</a:t>
+            </a:r>
+          </a:p>
+        </p:txBody>
+      </p:sp>
+      <p:sp>
+        <p:nvSpPr>
+          <p:cNvPr id="56" name="Isosceles Triangle 55"/>
+          <p:cNvSpPr/>
+          <p:nvPr/>
+        </p:nvSpPr>
+        <p:spPr>
+          <a:xfrm>
+            <a:off x="2679258" y="3144614"/>
+            <a:ext cx="182879" cy="132287"/>
+          </a:xfrm>
+          <a:prstGeom prst="triangle">
+            <a:avLst/>
+          </a:prstGeom>
+          <a:solidFill>
+            <a:srgbClr val="FDFDFD"/>
+          </a:solidFill>
+          <a:ln>
+            <a:solidFill>
+              <a:schemeClr val="bg1">
+                <a:lumMod val="85000"/>
+              </a:schemeClr>
+            </a:solidFill>
+          </a:ln>
+        </p:spPr>
+        <p:style>
+          <a:lnRef idx="2">
+            <a:schemeClr val="accent1">
+              <a:shade val="50000"/>
+            </a:schemeClr>
+          </a:lnRef>
+          <a:fillRef idx="1">
+            <a:schemeClr val="accent1"/>
+          </a:fillRef>
+          <a:effectRef idx="0">
+            <a:schemeClr val="accent1"/>
+          </a:effectRef>
+          <a:fontRef idx="minor">
+            <a:schemeClr val="lt1"/>
+          </a:fontRef>
+        </p:style>
+        <p:txBody>
+          <a:bodyPr rtlCol="0" anchor="ctr"/>
+          <a:lstStyle/>
+          <a:p>
+            <a:pPr algn="ctr"/>
+            <a:endParaRPr lang="en-US"/>
+          </a:p>
+        </p:txBody>
+      </p:sp>
+      <p:sp>
+        <p:nvSpPr>
+          <p:cNvPr id="61" name="Rectangle 60"/>
+          <p:cNvSpPr/>
+          <p:nvPr/>
+        </p:nvSpPr>
+        <p:spPr>
+          <a:xfrm>
+            <a:off x="2757578" y="2987558"/>
+            <a:ext cx="873242" cy="338554"/>
+          </a:xfrm>
+          <a:prstGeom prst="rect">
+            <a:avLst/>
+          </a:prstGeom>
+        </p:spPr>
+        <p:txBody>
+          <a:bodyPr wrap="square">
+            <a:spAutoFit/>
+          </a:bodyPr>
+          <a:lstStyle/>
+          <a:p>
+            <a:r>
+              <a:rPr lang="en-US" sz="1600" dirty="0">
+                <a:latin typeface="Helvetica" pitchFamily="34" charset="0"/>
+              </a:rPr>
+              <a:t>clock</a:t>
+            </a:r>
+          </a:p>
+        </p:txBody>
+      </p:sp>
+      <p:grpSp>
+        <p:nvGrpSpPr>
+          <p:cNvPr id="6" name="Group 5"/>
+          <p:cNvGrpSpPr/>
+          <p:nvPr/>
+        </p:nvGrpSpPr>
+        <p:grpSpPr>
+          <a:xfrm>
+            <a:off x="2554047" y="2331732"/>
+            <a:ext cx="430828" cy="459829"/>
+            <a:chOff x="691035" y="4069072"/>
+            <a:chExt cx="430828" cy="668764"/>
+          </a:xfrm>
+        </p:grpSpPr>
+        <p:sp>
+          <p:nvSpPr>
+            <p:cNvPr id="58" name="Rectangle 57"/>
+            <p:cNvSpPr/>
+            <p:nvPr/>
+          </p:nvSpPr>
+          <p:spPr bwMode="auto">
+            <a:xfrm>
+              <a:off x="691035" y="4069072"/>
+              <a:ext cx="430828" cy="668764"/>
+            </a:xfrm>
+            <a:prstGeom prst="rect">
+              <a:avLst/>
+            </a:prstGeom>
+            <a:solidFill>
+              <a:schemeClr val="accent1">
+                <a:lumMod val="40000"/>
+                <a:lumOff val="60000"/>
+              </a:schemeClr>
+            </a:solidFill>
+            <a:ln w="28575" cap="flat" cmpd="sng" algn="ctr">
+              <a:solidFill>
+                <a:schemeClr val="tx1"/>
+              </a:solidFill>
+              <a:prstDash val="solid"/>
+              <a:round/>
+              <a:headEnd type="none" w="med" len="med"/>
+              <a:tailEnd type="none" w="med" len="med"/>
+            </a:ln>
+            <a:effectLst/>
+          </p:spPr>
+          <p:txBody>
+            <a:bodyPr vert="horz" wrap="square" lIns="91440" tIns="45720" rIns="91440" bIns="45720" numCol="1" rtlCol="0" anchor="t" anchorCtr="0" compatLnSpc="1">
+              <a:prstTxWarp prst="textNoShape">
+                <a:avLst/>
+              </a:prstTxWarp>
+            </a:bodyPr>
+            <a:lstStyle/>
+            <a:p>
+              <a:pPr marL="0" marR="0" indent="0" algn="l" defTabSz="914400" rtl="0" eaLnBrk="1" fontAlgn="base" latinLnBrk="0" hangingPunct="1">
+                <a:lnSpc>
+                  <a:spcPct val="90000"/>
+                </a:lnSpc>
+                <a:spcBef>
+                  <a:spcPct val="25000"/>
+                </a:spcBef>
+                <a:spcAft>
+                  <a:spcPct val="0"/>
+                </a:spcAft>
+                <a:buClr>
+                  <a:schemeClr val="bg1"/>
+                </a:buClr>
+                <a:buSzPct val="100000"/>
+                <a:buFont typeface="Wingdings" pitchFamily="2" charset="2"/>
+                <a:buChar char="•"/>
+                <a:tabLst/>
+              </a:pPr>
+              <a:endParaRPr kumimoji="0" lang="en-US" sz="1200" b="0" i="0" u="none" strike="noStrike" cap="none" normalizeH="0" baseline="0">
+                <a:ln>
+                  <a:noFill/>
+                </a:ln>
+                <a:solidFill>
+                  <a:schemeClr val="tx1"/>
+                </a:solidFill>
+                <a:effectLst/>
+                <a:latin typeface="Helvetica" pitchFamily="34" charset="0"/>
+              </a:endParaRPr>
+            </a:p>
+          </p:txBody>
+        </p:sp>
+        <p:sp>
+          <p:nvSpPr>
+            <p:cNvPr id="60" name="TextBox 59"/>
+            <p:cNvSpPr txBox="1"/>
+            <p:nvPr/>
+          </p:nvSpPr>
+          <p:spPr>
+            <a:xfrm>
+              <a:off x="723305" y="4116483"/>
+              <a:ext cx="391717" cy="402861"/>
+            </a:xfrm>
+            <a:prstGeom prst="rect">
+              <a:avLst/>
+            </a:prstGeom>
+            <a:noFill/>
+          </p:spPr>
+          <p:txBody>
+            <a:bodyPr wrap="square" lIns="0" rIns="0" rtlCol="0">
+              <a:spAutoFit/>
+            </a:bodyPr>
+            <a:lstStyle/>
+            <a:p>
+              <a:pPr algn="ctr"/>
+              <a:r>
+                <a:rPr lang="en-US" sz="1200" dirty="0" err="1" smtClean="0">
+                  <a:latin typeface="Helvetica" pitchFamily="34" charset="0"/>
+                </a:rPr>
+                <a:t>Reg</a:t>
+              </a:r>
+              <a:endParaRPr lang="en-US" sz="1200" dirty="0">
+                <a:latin typeface="Helvetica" pitchFamily="34" charset="0"/>
+              </a:endParaRPr>
+            </a:p>
+          </p:txBody>
+        </p:sp>
+        <p:sp>
+          <p:nvSpPr>
+            <p:cNvPr id="62" name="Isosceles Triangle 61"/>
+            <p:cNvSpPr/>
+            <p:nvPr/>
+          </p:nvSpPr>
+          <p:spPr>
+            <a:xfrm>
+              <a:off x="812954" y="4554957"/>
+              <a:ext cx="182878" cy="182877"/>
+            </a:xfrm>
+            <a:prstGeom prst="triangle">
+              <a:avLst/>
+            </a:prstGeom>
+            <a:solidFill>
+              <a:schemeClr val="accent1">
+                <a:lumMod val="40000"/>
+                <a:lumOff val="60000"/>
+              </a:schemeClr>
+            </a:solidFill>
+            <a:ln>
+              <a:solidFill>
+                <a:schemeClr val="tx1"/>
+              </a:solidFill>
+            </a:ln>
+          </p:spPr>
+          <p:style>
+            <a:lnRef idx="2">
+              <a:schemeClr val="accent1">
+                <a:shade val="50000"/>
+              </a:schemeClr>
+            </a:lnRef>
+            <a:fillRef idx="1">
+              <a:schemeClr val="accent1"/>
+            </a:fillRef>
+            <a:effectRef idx="0">
+              <a:schemeClr val="accent1"/>
+            </a:effectRef>
+            <a:fontRef idx="minor">
+              <a:schemeClr val="lt1"/>
+            </a:fontRef>
+          </p:style>
+          <p:txBody>
+            <a:bodyPr rtlCol="0" anchor="ctr"/>
+            <a:lstStyle/>
+            <a:p>
+              <a:pPr algn="ctr"/>
+              <a:endParaRPr lang="en-US"/>
+            </a:p>
+          </p:txBody>
+        </p:sp>
+      </p:grpSp>
+      <p:cxnSp>
+        <p:nvCxnSpPr>
+          <p:cNvPr id="57" name="Straight Arrow Connector 56"/>
+          <p:cNvCxnSpPr>
+            <a:endCxn id="58" idx="2"/>
+          </p:cNvCxnSpPr>
+          <p:nvPr/>
+        </p:nvCxnSpPr>
+        <p:spPr bwMode="auto">
+          <a:xfrm flipV="1">
+            <a:off x="2768600" y="2791561"/>
+            <a:ext cx="861" cy="573939"/>
+          </a:xfrm>
+          <a:prstGeom prst="straightConnector1">
+            <a:avLst/>
+          </a:prstGeom>
+          <a:noFill/>
+          <a:ln w="28575" cap="flat" cmpd="sng" algn="ctr">
+            <a:solidFill>
+              <a:schemeClr val="accent1">
+                <a:lumMod val="75000"/>
+              </a:schemeClr>
+            </a:solidFill>
+            <a:prstDash val="solid"/>
+            <a:round/>
+            <a:headEnd type="none" w="med" len="med"/>
+            <a:tailEnd type="triangle"/>
+          </a:ln>
+          <a:effectLst/>
+        </p:spPr>
+      </p:cxnSp>
+      <p:sp>
+        <p:nvSpPr>
+          <p:cNvPr id="67" name="Freeform 66"/>
+          <p:cNvSpPr/>
+          <p:nvPr/>
+        </p:nvSpPr>
+        <p:spPr bwMode="auto">
+          <a:xfrm flipV="1">
+            <a:off x="2170050" y="1569516"/>
+            <a:ext cx="2654106" cy="1440136"/>
+          </a:xfrm>
+          <a:custGeom>
+            <a:avLst/>
+            <a:gdLst>
+              <a:gd name="connsiteX0" fmla="*/ 3518320 w 4384275"/>
+              <a:gd name="connsiteY0" fmla="*/ 932567 h 950733"/>
+              <a:gd name="connsiteX1" fmla="*/ 4384275 w 4384275"/>
+              <a:gd name="connsiteY1" fmla="*/ 950733 h 950733"/>
+              <a:gd name="connsiteX2" fmla="*/ 4384275 w 4384275"/>
+              <a:gd name="connsiteY2" fmla="*/ 6055 h 950733"/>
+              <a:gd name="connsiteX3" fmla="*/ 0 w 4384275"/>
+              <a:gd name="connsiteY3" fmla="*/ 0 h 950733"/>
+              <a:gd name="connsiteX4" fmla="*/ 0 w 4384275"/>
+              <a:gd name="connsiteY4" fmla="*/ 938622 h 950733"/>
+              <a:gd name="connsiteX5" fmla="*/ 436005 w 4384275"/>
+              <a:gd name="connsiteY5" fmla="*/ 932567 h 950733"/>
+              <a:gd name="connsiteX0" fmla="*/ 3687878 w 4384275"/>
+              <a:gd name="connsiteY0" fmla="*/ 932567 h 950733"/>
+              <a:gd name="connsiteX1" fmla="*/ 4384275 w 4384275"/>
+              <a:gd name="connsiteY1" fmla="*/ 950733 h 950733"/>
+              <a:gd name="connsiteX2" fmla="*/ 4384275 w 4384275"/>
+              <a:gd name="connsiteY2" fmla="*/ 6055 h 950733"/>
+              <a:gd name="connsiteX3" fmla="*/ 0 w 4384275"/>
+              <a:gd name="connsiteY3" fmla="*/ 0 h 950733"/>
+              <a:gd name="connsiteX4" fmla="*/ 0 w 4384275"/>
+              <a:gd name="connsiteY4" fmla="*/ 938622 h 950733"/>
+              <a:gd name="connsiteX5" fmla="*/ 436005 w 4384275"/>
+              <a:gd name="connsiteY5" fmla="*/ 932567 h 950733"/>
+              <a:gd name="connsiteX0" fmla="*/ 3663656 w 4384275"/>
+              <a:gd name="connsiteY0" fmla="*/ 987068 h 987068"/>
+              <a:gd name="connsiteX1" fmla="*/ 4384275 w 4384275"/>
+              <a:gd name="connsiteY1" fmla="*/ 950733 h 987068"/>
+              <a:gd name="connsiteX2" fmla="*/ 4384275 w 4384275"/>
+              <a:gd name="connsiteY2" fmla="*/ 6055 h 987068"/>
+              <a:gd name="connsiteX3" fmla="*/ 0 w 4384275"/>
+              <a:gd name="connsiteY3" fmla="*/ 0 h 987068"/>
+              <a:gd name="connsiteX4" fmla="*/ 0 w 4384275"/>
+              <a:gd name="connsiteY4" fmla="*/ 938622 h 987068"/>
+              <a:gd name="connsiteX5" fmla="*/ 436005 w 4384275"/>
+              <a:gd name="connsiteY5" fmla="*/ 932567 h 987068"/>
+              <a:gd name="connsiteX0" fmla="*/ 3663656 w 4384275"/>
+              <a:gd name="connsiteY0" fmla="*/ 944679 h 950733"/>
+              <a:gd name="connsiteX1" fmla="*/ 4384275 w 4384275"/>
+              <a:gd name="connsiteY1" fmla="*/ 950733 h 950733"/>
+              <a:gd name="connsiteX2" fmla="*/ 4384275 w 4384275"/>
+              <a:gd name="connsiteY2" fmla="*/ 6055 h 950733"/>
+              <a:gd name="connsiteX3" fmla="*/ 0 w 4384275"/>
+              <a:gd name="connsiteY3" fmla="*/ 0 h 950733"/>
+              <a:gd name="connsiteX4" fmla="*/ 0 w 4384275"/>
+              <a:gd name="connsiteY4" fmla="*/ 938622 h 950733"/>
+              <a:gd name="connsiteX5" fmla="*/ 436005 w 4384275"/>
+              <a:gd name="connsiteY5" fmla="*/ 932567 h 950733"/>
+              <a:gd name="connsiteX0" fmla="*/ 3663656 w 4384275"/>
+              <a:gd name="connsiteY0" fmla="*/ 944679 h 950733"/>
+              <a:gd name="connsiteX1" fmla="*/ 4384275 w 4384275"/>
+              <a:gd name="connsiteY1" fmla="*/ 950733 h 950733"/>
+              <a:gd name="connsiteX2" fmla="*/ 4384275 w 4384275"/>
+              <a:gd name="connsiteY2" fmla="*/ 6055 h 950733"/>
+              <a:gd name="connsiteX3" fmla="*/ 0 w 4384275"/>
+              <a:gd name="connsiteY3" fmla="*/ 0 h 950733"/>
+              <a:gd name="connsiteX4" fmla="*/ 0 w 4384275"/>
+              <a:gd name="connsiteY4" fmla="*/ 938622 h 950733"/>
+              <a:gd name="connsiteX5" fmla="*/ 208722 w 4384275"/>
+              <a:gd name="connsiteY5" fmla="*/ 935891 h 950733"/>
+              <a:gd name="connsiteX0" fmla="*/ 3663656 w 4384275"/>
+              <a:gd name="connsiteY0" fmla="*/ 944679 h 950733"/>
+              <a:gd name="connsiteX1" fmla="*/ 4384275 w 4384275"/>
+              <a:gd name="connsiteY1" fmla="*/ 950733 h 950733"/>
+              <a:gd name="connsiteX2" fmla="*/ 4384275 w 4384275"/>
+              <a:gd name="connsiteY2" fmla="*/ 6055 h 950733"/>
+              <a:gd name="connsiteX3" fmla="*/ 0 w 4384275"/>
+              <a:gd name="connsiteY3" fmla="*/ 0 h 950733"/>
+              <a:gd name="connsiteX4" fmla="*/ 0 w 4384275"/>
+              <a:gd name="connsiteY4" fmla="*/ 522874 h 950733"/>
+              <a:gd name="connsiteX5" fmla="*/ 208722 w 4384275"/>
+              <a:gd name="connsiteY5" fmla="*/ 935891 h 950733"/>
+              <a:gd name="connsiteX0" fmla="*/ 3663656 w 4384275"/>
+              <a:gd name="connsiteY0" fmla="*/ 944679 h 950733"/>
+              <a:gd name="connsiteX1" fmla="*/ 4384275 w 4384275"/>
+              <a:gd name="connsiteY1" fmla="*/ 950733 h 950733"/>
+              <a:gd name="connsiteX2" fmla="*/ 4384275 w 4384275"/>
+              <a:gd name="connsiteY2" fmla="*/ 6055 h 950733"/>
+              <a:gd name="connsiteX3" fmla="*/ 0 w 4384275"/>
+              <a:gd name="connsiteY3" fmla="*/ 0 h 950733"/>
+              <a:gd name="connsiteX4" fmla="*/ 0 w 4384275"/>
+              <a:gd name="connsiteY4" fmla="*/ 522874 h 950733"/>
+              <a:gd name="connsiteX5" fmla="*/ 181187 w 4384275"/>
+              <a:gd name="connsiteY5" fmla="*/ 520143 h 950733"/>
+              <a:gd name="connsiteX0" fmla="*/ 3663656 w 4384275"/>
+              <a:gd name="connsiteY0" fmla="*/ 944679 h 950733"/>
+              <a:gd name="connsiteX1" fmla="*/ 4384275 w 4384275"/>
+              <a:gd name="connsiteY1" fmla="*/ 950733 h 950733"/>
+              <a:gd name="connsiteX2" fmla="*/ 4384275 w 4384275"/>
+              <a:gd name="connsiteY2" fmla="*/ 6055 h 950733"/>
+              <a:gd name="connsiteX3" fmla="*/ 0 w 4384275"/>
+              <a:gd name="connsiteY3" fmla="*/ 0 h 950733"/>
+              <a:gd name="connsiteX4" fmla="*/ 7868 w 4384275"/>
+              <a:gd name="connsiteY4" fmla="*/ 511681 h 950733"/>
+              <a:gd name="connsiteX5" fmla="*/ 181187 w 4384275"/>
+              <a:gd name="connsiteY5" fmla="*/ 520143 h 950733"/>
+              <a:gd name="connsiteX0" fmla="*/ 3663656 w 4384275"/>
+              <a:gd name="connsiteY0" fmla="*/ 944679 h 950733"/>
+              <a:gd name="connsiteX1" fmla="*/ 4384275 w 4384275"/>
+              <a:gd name="connsiteY1" fmla="*/ 950733 h 950733"/>
+              <a:gd name="connsiteX2" fmla="*/ 4384275 w 4384275"/>
+              <a:gd name="connsiteY2" fmla="*/ 6055 h 950733"/>
+              <a:gd name="connsiteX3" fmla="*/ 0 w 4384275"/>
+              <a:gd name="connsiteY3" fmla="*/ 0 h 950733"/>
+              <a:gd name="connsiteX4" fmla="*/ 3933 w 4384275"/>
+              <a:gd name="connsiteY4" fmla="*/ 519676 h 950733"/>
+              <a:gd name="connsiteX5" fmla="*/ 181187 w 4384275"/>
+              <a:gd name="connsiteY5" fmla="*/ 520143 h 950733"/>
+              <a:gd name="connsiteX0" fmla="*/ 3451243 w 4384275"/>
+              <a:gd name="connsiteY0" fmla="*/ 967065 h 967065"/>
+              <a:gd name="connsiteX1" fmla="*/ 4384275 w 4384275"/>
+              <a:gd name="connsiteY1" fmla="*/ 950733 h 967065"/>
+              <a:gd name="connsiteX2" fmla="*/ 4384275 w 4384275"/>
+              <a:gd name="connsiteY2" fmla="*/ 6055 h 967065"/>
+              <a:gd name="connsiteX3" fmla="*/ 0 w 4384275"/>
+              <a:gd name="connsiteY3" fmla="*/ 0 h 967065"/>
+              <a:gd name="connsiteX4" fmla="*/ 3933 w 4384275"/>
+              <a:gd name="connsiteY4" fmla="*/ 519676 h 967065"/>
+              <a:gd name="connsiteX5" fmla="*/ 181187 w 4384275"/>
+              <a:gd name="connsiteY5" fmla="*/ 520143 h 967065"/>
+              <a:gd name="connsiteX0" fmla="*/ 3451243 w 4400009"/>
+              <a:gd name="connsiteY0" fmla="*/ 967065 h 969922"/>
+              <a:gd name="connsiteX1" fmla="*/ 4400009 w 4400009"/>
+              <a:gd name="connsiteY1" fmla="*/ 969922 h 969922"/>
+              <a:gd name="connsiteX2" fmla="*/ 4384275 w 4400009"/>
+              <a:gd name="connsiteY2" fmla="*/ 6055 h 969922"/>
+              <a:gd name="connsiteX3" fmla="*/ 0 w 4400009"/>
+              <a:gd name="connsiteY3" fmla="*/ 0 h 969922"/>
+              <a:gd name="connsiteX4" fmla="*/ 3933 w 4400009"/>
+              <a:gd name="connsiteY4" fmla="*/ 519676 h 969922"/>
+              <a:gd name="connsiteX5" fmla="*/ 181187 w 4400009"/>
+              <a:gd name="connsiteY5" fmla="*/ 520143 h 969922"/>
+              <a:gd name="connsiteX0" fmla="*/ 3451243 w 4384275"/>
+              <a:gd name="connsiteY0" fmla="*/ 967065 h 967065"/>
+              <a:gd name="connsiteX1" fmla="*/ 4376409 w 4384275"/>
+              <a:gd name="connsiteY1" fmla="*/ 960327 h 967065"/>
+              <a:gd name="connsiteX2" fmla="*/ 4384275 w 4384275"/>
+              <a:gd name="connsiteY2" fmla="*/ 6055 h 967065"/>
+              <a:gd name="connsiteX3" fmla="*/ 0 w 4384275"/>
+              <a:gd name="connsiteY3" fmla="*/ 0 h 967065"/>
+              <a:gd name="connsiteX4" fmla="*/ 3933 w 4384275"/>
+              <a:gd name="connsiteY4" fmla="*/ 519676 h 967065"/>
+              <a:gd name="connsiteX5" fmla="*/ 181187 w 4384275"/>
+              <a:gd name="connsiteY5" fmla="*/ 520143 h 967065"/>
+              <a:gd name="connsiteX0" fmla="*/ 3451243 w 4384275"/>
+              <a:gd name="connsiteY0" fmla="*/ 967065 h 967065"/>
+              <a:gd name="connsiteX1" fmla="*/ 4376409 w 4384275"/>
+              <a:gd name="connsiteY1" fmla="*/ 966723 h 967065"/>
+              <a:gd name="connsiteX2" fmla="*/ 4384275 w 4384275"/>
+              <a:gd name="connsiteY2" fmla="*/ 6055 h 967065"/>
+              <a:gd name="connsiteX3" fmla="*/ 0 w 4384275"/>
+              <a:gd name="connsiteY3" fmla="*/ 0 h 967065"/>
+              <a:gd name="connsiteX4" fmla="*/ 3933 w 4384275"/>
+              <a:gd name="connsiteY4" fmla="*/ 519676 h 967065"/>
+              <a:gd name="connsiteX5" fmla="*/ 181187 w 4384275"/>
+              <a:gd name="connsiteY5" fmla="*/ 520143 h 967065"/>
+              <a:gd name="connsiteX0" fmla="*/ 3451243 w 4384275"/>
+              <a:gd name="connsiteY0" fmla="*/ 967065 h 967065"/>
+              <a:gd name="connsiteX1" fmla="*/ 4380342 w 4384275"/>
+              <a:gd name="connsiteY1" fmla="*/ 965124 h 967065"/>
+              <a:gd name="connsiteX2" fmla="*/ 4384275 w 4384275"/>
+              <a:gd name="connsiteY2" fmla="*/ 6055 h 967065"/>
+              <a:gd name="connsiteX3" fmla="*/ 0 w 4384275"/>
+              <a:gd name="connsiteY3" fmla="*/ 0 h 967065"/>
+              <a:gd name="connsiteX4" fmla="*/ 3933 w 4384275"/>
+              <a:gd name="connsiteY4" fmla="*/ 519676 h 967065"/>
+              <a:gd name="connsiteX5" fmla="*/ 181187 w 4384275"/>
+              <a:gd name="connsiteY5" fmla="*/ 520143 h 967065"/>
+              <a:gd name="connsiteX0" fmla="*/ 3451243 w 4384275"/>
+              <a:gd name="connsiteY0" fmla="*/ 967065 h 967065"/>
+              <a:gd name="connsiteX1" fmla="*/ 4380342 w 4384275"/>
+              <a:gd name="connsiteY1" fmla="*/ 966723 h 967065"/>
+              <a:gd name="connsiteX2" fmla="*/ 4384275 w 4384275"/>
+              <a:gd name="connsiteY2" fmla="*/ 6055 h 967065"/>
+              <a:gd name="connsiteX3" fmla="*/ 0 w 4384275"/>
+              <a:gd name="connsiteY3" fmla="*/ 0 h 967065"/>
+              <a:gd name="connsiteX4" fmla="*/ 3933 w 4384275"/>
+              <a:gd name="connsiteY4" fmla="*/ 519676 h 967065"/>
+              <a:gd name="connsiteX5" fmla="*/ 181187 w 4384275"/>
+              <a:gd name="connsiteY5" fmla="*/ 520143 h 967065"/>
+              <a:gd name="connsiteX0" fmla="*/ 3451243 w 4384275"/>
+              <a:gd name="connsiteY0" fmla="*/ 967065 h 967065"/>
+              <a:gd name="connsiteX1" fmla="*/ 4384275 w 4384275"/>
+              <a:gd name="connsiteY1" fmla="*/ 966723 h 967065"/>
+              <a:gd name="connsiteX2" fmla="*/ 4384275 w 4384275"/>
+              <a:gd name="connsiteY2" fmla="*/ 6055 h 967065"/>
+              <a:gd name="connsiteX3" fmla="*/ 0 w 4384275"/>
+              <a:gd name="connsiteY3" fmla="*/ 0 h 967065"/>
+              <a:gd name="connsiteX4" fmla="*/ 3933 w 4384275"/>
+              <a:gd name="connsiteY4" fmla="*/ 519676 h 967065"/>
+              <a:gd name="connsiteX5" fmla="*/ 181187 w 4384275"/>
+              <a:gd name="connsiteY5" fmla="*/ 520143 h 967065"/>
+            </a:gdLst>
+            <a:ahLst/>
+            <a:cxnLst>
+              <a:cxn ang="0">
+                <a:pos x="connsiteX0" y="connsiteY0"/>
+              </a:cxn>
+              <a:cxn ang="0">
+                <a:pos x="connsiteX1" y="connsiteY1"/>
+              </a:cxn>
+              <a:cxn ang="0">
+                <a:pos x="connsiteX2" y="connsiteY2"/>
+              </a:cxn>
+              <a:cxn ang="0">
+                <a:pos x="connsiteX3" y="connsiteY3"/>
+              </a:cxn>
+              <a:cxn ang="0">
+                <a:pos x="connsiteX4" y="connsiteY4"/>
+              </a:cxn>
+              <a:cxn ang="0">
+                <a:pos x="connsiteX5" y="connsiteY5"/>
+              </a:cxn>
+            </a:cxnLst>
+            <a:rect l="l" t="t" r="r" b="b"/>
+            <a:pathLst>
+              <a:path w="4384275" h="967065">
+                <a:moveTo>
+                  <a:pt x="3451243" y="967065"/>
+                </a:moveTo>
+                <a:lnTo>
+                  <a:pt x="4384275" y="966723"/>
+                </a:lnTo>
+                <a:lnTo>
+                  <a:pt x="4384275" y="6055"/>
+                </a:lnTo>
+                <a:lnTo>
+                  <a:pt x="0" y="0"/>
+                </a:lnTo>
+                <a:lnTo>
+                  <a:pt x="3933" y="519676"/>
+                </a:lnTo>
+                <a:lnTo>
+                  <a:pt x="181187" y="520143"/>
+                </a:lnTo>
+              </a:path>
+            </a:pathLst>
+          </a:custGeom>
+          <a:noFill/>
+          <a:ln w="28575" cap="flat" cmpd="sng" algn="ctr">
+            <a:solidFill>
+              <a:srgbClr val="C00000"/>
+            </a:solidFill>
+            <a:prstDash val="solid"/>
+            <a:round/>
+            <a:headEnd type="none" w="med" len="med"/>
+            <a:tailEnd type="triangle" w="med" len="med"/>
+          </a:ln>
+          <a:effectLst/>
+        </p:spPr>
+        <p:txBody>
+          <a:bodyPr vert="horz" wrap="square" lIns="91440" tIns="45720" rIns="91440" bIns="45720" numCol="1" rtlCol="0" anchor="t" anchorCtr="0" compatLnSpc="1">
+            <a:prstTxWarp prst="textNoShape">
+              <a:avLst/>
+            </a:prstTxWarp>
+          </a:bodyPr>
+          <a:lstStyle/>
+          <a:p>
+            <a:pPr marL="0" marR="0" indent="0" algn="l" defTabSz="914400" rtl="0" eaLnBrk="1" fontAlgn="base" latinLnBrk="0" hangingPunct="1">
+              <a:lnSpc>
+                <a:spcPct val="90000"/>
+              </a:lnSpc>
+              <a:spcBef>
+                <a:spcPct val="25000"/>
+              </a:spcBef>
+              <a:spcAft>
+                <a:spcPct val="0"/>
+              </a:spcAft>
+              <a:buClr>
+                <a:schemeClr val="bg1"/>
+              </a:buClr>
+              <a:buSzPct val="100000"/>
+              <a:buFont typeface="Wingdings" pitchFamily="2" charset="2"/>
+              <a:buChar char="•"/>
+              <a:tabLst/>
+            </a:pPr>
+            <a:endParaRPr kumimoji="0" lang="en-US" sz="1600" b="0" i="0" u="none" strike="noStrike" cap="none" normalizeH="0" baseline="0">
+              <a:ln>
+                <a:noFill/>
+              </a:ln>
+              <a:solidFill>
+                <a:schemeClr val="tx1"/>
+              </a:solidFill>
+              <a:effectLst/>
+              <a:latin typeface="Helvetica" pitchFamily="34" charset="0"/>
+            </a:endParaRPr>
+          </a:p>
+        </p:txBody>
+      </p:sp>
+      <p:cxnSp>
+        <p:nvCxnSpPr>
+          <p:cNvPr id="71" name="Straight Connector 70"/>
+          <p:cNvCxnSpPr/>
+          <p:nvPr/>
+        </p:nvCxnSpPr>
+        <p:spPr>
+          <a:xfrm>
+            <a:off x="2994110" y="2440650"/>
+            <a:ext cx="231733" cy="0"/>
+          </a:xfrm>
+          <a:prstGeom prst="line">
+            <a:avLst/>
+          </a:prstGeom>
+          <a:ln w="28575">
+            <a:solidFill>
+              <a:schemeClr val="tx1"/>
+            </a:solidFill>
+          </a:ln>
+        </p:spPr>
+        <p:style>
+          <a:lnRef idx="1">
+            <a:schemeClr val="accent1"/>
+          </a:lnRef>
+          <a:fillRef idx="0">
+            <a:schemeClr val="accent1"/>
+          </a:fillRef>
+          <a:effectRef idx="0">
+            <a:schemeClr val="accent1"/>
+          </a:effectRef>
+          <a:fontRef idx="minor">
+            <a:schemeClr val="tx1"/>
+          </a:fontRef>
+        </p:style>
+      </p:cxnSp>
+      <p:cxnSp>
+        <p:nvCxnSpPr>
+          <p:cNvPr id="72" name="Straight Connector 71"/>
+          <p:cNvCxnSpPr/>
+          <p:nvPr/>
+        </p:nvCxnSpPr>
+        <p:spPr>
+          <a:xfrm>
+            <a:off x="2238579" y="2240328"/>
+            <a:ext cx="995159" cy="1858"/>
+          </a:xfrm>
+          <a:prstGeom prst="line">
+            <a:avLst/>
+          </a:prstGeom>
+          <a:ln w="28575">
+            <a:solidFill>
+              <a:srgbClr val="C00000"/>
+            </a:solidFill>
+          </a:ln>
+        </p:spPr>
+        <p:style>
+          <a:lnRef idx="1">
+            <a:schemeClr val="accent1"/>
+          </a:lnRef>
+          <a:fillRef idx="0">
+            <a:schemeClr val="accent1"/>
+          </a:fillRef>
+          <a:effectRef idx="0">
+            <a:schemeClr val="accent1"/>
+          </a:effectRef>
+          <a:fontRef idx="minor">
+            <a:schemeClr val="tx1"/>
+          </a:fontRef>
+        </p:style>
+      </p:cxnSp>
+      <p:cxnSp>
+        <p:nvCxnSpPr>
+          <p:cNvPr id="73" name="Straight Connector 72"/>
+          <p:cNvCxnSpPr/>
+          <p:nvPr/>
+        </p:nvCxnSpPr>
+        <p:spPr>
+          <a:xfrm flipV="1">
+            <a:off x="3617150" y="2344635"/>
+            <a:ext cx="90883" cy="484"/>
+          </a:xfrm>
+          <a:prstGeom prst="line">
+            <a:avLst/>
+          </a:prstGeom>
+          <a:ln w="28575">
+            <a:solidFill>
+              <a:srgbClr val="C00000"/>
+            </a:solidFill>
+          </a:ln>
+        </p:spPr>
+        <p:style>
+          <a:lnRef idx="1">
+            <a:schemeClr val="accent1"/>
+          </a:lnRef>
+          <a:fillRef idx="0">
+            <a:schemeClr val="accent1"/>
+          </a:fillRef>
+          <a:effectRef idx="0">
+            <a:schemeClr val="accent1"/>
+          </a:effectRef>
+          <a:fontRef idx="minor">
+            <a:schemeClr val="tx1"/>
+          </a:fontRef>
+        </p:style>
+      </p:cxnSp>
+      <p:grpSp>
+        <p:nvGrpSpPr>
+          <p:cNvPr id="12" name="Group 11"/>
+          <p:cNvGrpSpPr/>
+          <p:nvPr/>
+        </p:nvGrpSpPr>
+        <p:grpSpPr>
+          <a:xfrm>
+            <a:off x="3143396" y="2149906"/>
+            <a:ext cx="467899" cy="386614"/>
+            <a:chOff x="3218362" y="2241345"/>
+            <a:chExt cx="397695" cy="386614"/>
+          </a:xfrm>
+        </p:grpSpPr>
+        <p:sp>
+          <p:nvSpPr>
+            <p:cNvPr id="74" name="Stored Data 71"/>
+            <p:cNvSpPr/>
+            <p:nvPr/>
+          </p:nvSpPr>
+          <p:spPr>
+            <a:xfrm rot="10800000">
+              <a:off x="3268377" y="2241739"/>
+              <a:ext cx="347680" cy="386220"/>
+            </a:xfrm>
+            <a:custGeom>
+              <a:avLst/>
+              <a:gdLst>
+                <a:gd name="connsiteX0" fmla="*/ 1667 w 10000"/>
+                <a:gd name="connsiteY0" fmla="*/ 0 h 10000"/>
+                <a:gd name="connsiteX1" fmla="*/ 10000 w 10000"/>
+                <a:gd name="connsiteY1" fmla="*/ 0 h 10000"/>
+                <a:gd name="connsiteX2" fmla="*/ 8333 w 10000"/>
+                <a:gd name="connsiteY2" fmla="*/ 5000 h 10000"/>
+                <a:gd name="connsiteX3" fmla="*/ 10000 w 10000"/>
+                <a:gd name="connsiteY3" fmla="*/ 10000 h 10000"/>
+                <a:gd name="connsiteX4" fmla="*/ 1667 w 10000"/>
+                <a:gd name="connsiteY4" fmla="*/ 10000 h 10000"/>
+                <a:gd name="connsiteX5" fmla="*/ 0 w 10000"/>
+                <a:gd name="connsiteY5" fmla="*/ 5000 h 10000"/>
+                <a:gd name="connsiteX6" fmla="*/ 1667 w 10000"/>
+                <a:gd name="connsiteY6" fmla="*/ 0 h 10000"/>
+                <a:gd name="connsiteX0" fmla="*/ 4932 w 13265"/>
+                <a:gd name="connsiteY0" fmla="*/ 0 h 10000"/>
+                <a:gd name="connsiteX1" fmla="*/ 13265 w 13265"/>
+                <a:gd name="connsiteY1" fmla="*/ 0 h 10000"/>
+                <a:gd name="connsiteX2" fmla="*/ 11598 w 13265"/>
+                <a:gd name="connsiteY2" fmla="*/ 5000 h 10000"/>
+                <a:gd name="connsiteX3" fmla="*/ 13265 w 13265"/>
+                <a:gd name="connsiteY3" fmla="*/ 10000 h 10000"/>
+                <a:gd name="connsiteX4" fmla="*/ 4932 w 13265"/>
+                <a:gd name="connsiteY4" fmla="*/ 10000 h 10000"/>
+                <a:gd name="connsiteX5" fmla="*/ 0 w 13265"/>
+                <a:gd name="connsiteY5" fmla="*/ 5084 h 10000"/>
+                <a:gd name="connsiteX6" fmla="*/ 4932 w 13265"/>
+                <a:gd name="connsiteY6" fmla="*/ 0 h 10000"/>
+                <a:gd name="connsiteX0" fmla="*/ 5226 w 13559"/>
+                <a:gd name="connsiteY0" fmla="*/ 0 h 10000"/>
+                <a:gd name="connsiteX1" fmla="*/ 13559 w 13559"/>
+                <a:gd name="connsiteY1" fmla="*/ 0 h 10000"/>
+                <a:gd name="connsiteX2" fmla="*/ 11892 w 13559"/>
+                <a:gd name="connsiteY2" fmla="*/ 5000 h 10000"/>
+                <a:gd name="connsiteX3" fmla="*/ 13559 w 13559"/>
+                <a:gd name="connsiteY3" fmla="*/ 10000 h 10000"/>
+                <a:gd name="connsiteX4" fmla="*/ 5226 w 13559"/>
+                <a:gd name="connsiteY4" fmla="*/ 10000 h 10000"/>
+                <a:gd name="connsiteX5" fmla="*/ 294 w 13559"/>
+                <a:gd name="connsiteY5" fmla="*/ 5084 h 10000"/>
+                <a:gd name="connsiteX6" fmla="*/ 5226 w 13559"/>
+                <a:gd name="connsiteY6" fmla="*/ 0 h 10000"/>
+                <a:gd name="connsiteX0" fmla="*/ 4933 w 13266"/>
+                <a:gd name="connsiteY0" fmla="*/ 0 h 10000"/>
+                <a:gd name="connsiteX1" fmla="*/ 13266 w 13266"/>
+                <a:gd name="connsiteY1" fmla="*/ 0 h 10000"/>
+                <a:gd name="connsiteX2" fmla="*/ 11599 w 13266"/>
+                <a:gd name="connsiteY2" fmla="*/ 5000 h 10000"/>
+                <a:gd name="connsiteX3" fmla="*/ 13266 w 13266"/>
+                <a:gd name="connsiteY3" fmla="*/ 10000 h 10000"/>
+                <a:gd name="connsiteX4" fmla="*/ 4933 w 13266"/>
+                <a:gd name="connsiteY4" fmla="*/ 10000 h 10000"/>
+                <a:gd name="connsiteX5" fmla="*/ 1 w 13266"/>
+                <a:gd name="connsiteY5" fmla="*/ 5084 h 10000"/>
+                <a:gd name="connsiteX6" fmla="*/ 4933 w 13266"/>
+                <a:gd name="connsiteY6" fmla="*/ 0 h 10000"/>
+                <a:gd name="connsiteX0" fmla="*/ 4933 w 13266"/>
+                <a:gd name="connsiteY0" fmla="*/ 0 h 10000"/>
+                <a:gd name="connsiteX1" fmla="*/ 13266 w 13266"/>
+                <a:gd name="connsiteY1" fmla="*/ 0 h 10000"/>
+                <a:gd name="connsiteX2" fmla="*/ 11599 w 13266"/>
+                <a:gd name="connsiteY2" fmla="*/ 5000 h 10000"/>
+                <a:gd name="connsiteX3" fmla="*/ 13266 w 13266"/>
+                <a:gd name="connsiteY3" fmla="*/ 10000 h 10000"/>
+                <a:gd name="connsiteX4" fmla="*/ 4933 w 13266"/>
+                <a:gd name="connsiteY4" fmla="*/ 10000 h 10000"/>
+                <a:gd name="connsiteX5" fmla="*/ 1 w 13266"/>
+                <a:gd name="connsiteY5" fmla="*/ 5084 h 10000"/>
+                <a:gd name="connsiteX6" fmla="*/ 4933 w 13266"/>
+                <a:gd name="connsiteY6" fmla="*/ 0 h 10000"/>
+                <a:gd name="connsiteX0" fmla="*/ 4966 w 13299"/>
+                <a:gd name="connsiteY0" fmla="*/ 0 h 10000"/>
+                <a:gd name="connsiteX1" fmla="*/ 13299 w 13299"/>
+                <a:gd name="connsiteY1" fmla="*/ 0 h 10000"/>
+                <a:gd name="connsiteX2" fmla="*/ 11632 w 13299"/>
+                <a:gd name="connsiteY2" fmla="*/ 5000 h 10000"/>
+                <a:gd name="connsiteX3" fmla="*/ 13299 w 13299"/>
+                <a:gd name="connsiteY3" fmla="*/ 10000 h 10000"/>
+                <a:gd name="connsiteX4" fmla="*/ 7782 w 13299"/>
+                <a:gd name="connsiteY4" fmla="*/ 10000 h 10000"/>
+                <a:gd name="connsiteX5" fmla="*/ 34 w 13299"/>
+                <a:gd name="connsiteY5" fmla="*/ 5084 h 10000"/>
+                <a:gd name="connsiteX6" fmla="*/ 4966 w 13299"/>
+                <a:gd name="connsiteY6" fmla="*/ 0 h 10000"/>
+                <a:gd name="connsiteX0" fmla="*/ 4947 w 13280"/>
+                <a:gd name="connsiteY0" fmla="*/ 0 h 10000"/>
+                <a:gd name="connsiteX1" fmla="*/ 13280 w 13280"/>
+                <a:gd name="connsiteY1" fmla="*/ 0 h 10000"/>
+                <a:gd name="connsiteX2" fmla="*/ 11613 w 13280"/>
+                <a:gd name="connsiteY2" fmla="*/ 5000 h 10000"/>
+                <a:gd name="connsiteX3" fmla="*/ 13280 w 13280"/>
+                <a:gd name="connsiteY3" fmla="*/ 10000 h 10000"/>
+                <a:gd name="connsiteX4" fmla="*/ 6702 w 13280"/>
+                <a:gd name="connsiteY4" fmla="*/ 9832 h 10000"/>
+                <a:gd name="connsiteX5" fmla="*/ 15 w 13280"/>
+                <a:gd name="connsiteY5" fmla="*/ 5084 h 10000"/>
+                <a:gd name="connsiteX6" fmla="*/ 4947 w 13280"/>
+                <a:gd name="connsiteY6" fmla="*/ 0 h 10000"/>
+                <a:gd name="connsiteX0" fmla="*/ 4933 w 13266"/>
+                <a:gd name="connsiteY0" fmla="*/ 0 h 10000"/>
+                <a:gd name="connsiteX1" fmla="*/ 13266 w 13266"/>
+                <a:gd name="connsiteY1" fmla="*/ 0 h 10000"/>
+                <a:gd name="connsiteX2" fmla="*/ 11599 w 13266"/>
+                <a:gd name="connsiteY2" fmla="*/ 5000 h 10000"/>
+                <a:gd name="connsiteX3" fmla="*/ 13266 w 13266"/>
+                <a:gd name="connsiteY3" fmla="*/ 10000 h 10000"/>
+                <a:gd name="connsiteX4" fmla="*/ 6688 w 13266"/>
+                <a:gd name="connsiteY4" fmla="*/ 9832 h 10000"/>
+                <a:gd name="connsiteX5" fmla="*/ 1 w 13266"/>
+                <a:gd name="connsiteY5" fmla="*/ 5084 h 10000"/>
+                <a:gd name="connsiteX6" fmla="*/ 4933 w 13266"/>
+                <a:gd name="connsiteY6" fmla="*/ 0 h 10000"/>
+                <a:gd name="connsiteX0" fmla="*/ 5711 w 13268"/>
+                <a:gd name="connsiteY0" fmla="*/ 126 h 10000"/>
+                <a:gd name="connsiteX1" fmla="*/ 13268 w 13268"/>
+                <a:gd name="connsiteY1" fmla="*/ 0 h 10000"/>
+                <a:gd name="connsiteX2" fmla="*/ 11601 w 13268"/>
+                <a:gd name="connsiteY2" fmla="*/ 5000 h 10000"/>
+                <a:gd name="connsiteX3" fmla="*/ 13268 w 13268"/>
+                <a:gd name="connsiteY3" fmla="*/ 10000 h 10000"/>
+                <a:gd name="connsiteX4" fmla="*/ 6690 w 13268"/>
+                <a:gd name="connsiteY4" fmla="*/ 9832 h 10000"/>
+                <a:gd name="connsiteX5" fmla="*/ 3 w 13268"/>
+                <a:gd name="connsiteY5" fmla="*/ 5084 h 10000"/>
+                <a:gd name="connsiteX6" fmla="*/ 5711 w 13268"/>
+                <a:gd name="connsiteY6" fmla="*/ 126 h 10000"/>
+                <a:gd name="connsiteX0" fmla="*/ 5709 w 13266"/>
+                <a:gd name="connsiteY0" fmla="*/ 126 h 10000"/>
+                <a:gd name="connsiteX1" fmla="*/ 13266 w 13266"/>
+                <a:gd name="connsiteY1" fmla="*/ 0 h 10000"/>
+                <a:gd name="connsiteX2" fmla="*/ 11599 w 13266"/>
+                <a:gd name="connsiteY2" fmla="*/ 5000 h 10000"/>
+                <a:gd name="connsiteX3" fmla="*/ 13266 w 13266"/>
+                <a:gd name="connsiteY3" fmla="*/ 10000 h 10000"/>
+                <a:gd name="connsiteX4" fmla="*/ 6688 w 13266"/>
+                <a:gd name="connsiteY4" fmla="*/ 9832 h 10000"/>
+                <a:gd name="connsiteX5" fmla="*/ 1 w 13266"/>
+                <a:gd name="connsiteY5" fmla="*/ 5084 h 10000"/>
+                <a:gd name="connsiteX6" fmla="*/ 5709 w 13266"/>
+                <a:gd name="connsiteY6" fmla="*/ 126 h 10000"/>
+                <a:gd name="connsiteX0" fmla="*/ 5709 w 13266"/>
+                <a:gd name="connsiteY0" fmla="*/ 126 h 10000"/>
+                <a:gd name="connsiteX1" fmla="*/ 13266 w 13266"/>
+                <a:gd name="connsiteY1" fmla="*/ 0 h 10000"/>
+                <a:gd name="connsiteX2" fmla="*/ 11599 w 13266"/>
+                <a:gd name="connsiteY2" fmla="*/ 5000 h 10000"/>
+                <a:gd name="connsiteX3" fmla="*/ 13266 w 13266"/>
+                <a:gd name="connsiteY3" fmla="*/ 10000 h 10000"/>
+                <a:gd name="connsiteX4" fmla="*/ 6688 w 13266"/>
+                <a:gd name="connsiteY4" fmla="*/ 9832 h 10000"/>
+                <a:gd name="connsiteX5" fmla="*/ 1 w 13266"/>
+                <a:gd name="connsiteY5" fmla="*/ 5084 h 10000"/>
+                <a:gd name="connsiteX6" fmla="*/ 5709 w 13266"/>
+                <a:gd name="connsiteY6" fmla="*/ 126 h 10000"/>
+                <a:gd name="connsiteX0" fmla="*/ 6688 w 13265"/>
+                <a:gd name="connsiteY0" fmla="*/ 42 h 10000"/>
+                <a:gd name="connsiteX1" fmla="*/ 13265 w 13265"/>
+                <a:gd name="connsiteY1" fmla="*/ 0 h 10000"/>
+                <a:gd name="connsiteX2" fmla="*/ 11598 w 13265"/>
+                <a:gd name="connsiteY2" fmla="*/ 5000 h 10000"/>
+                <a:gd name="connsiteX3" fmla="*/ 13265 w 13265"/>
+                <a:gd name="connsiteY3" fmla="*/ 10000 h 10000"/>
+                <a:gd name="connsiteX4" fmla="*/ 6687 w 13265"/>
+                <a:gd name="connsiteY4" fmla="*/ 9832 h 10000"/>
+                <a:gd name="connsiteX5" fmla="*/ 0 w 13265"/>
+                <a:gd name="connsiteY5" fmla="*/ 5084 h 10000"/>
+                <a:gd name="connsiteX6" fmla="*/ 6688 w 13265"/>
+                <a:gd name="connsiteY6" fmla="*/ 42 h 10000"/>
+                <a:gd name="connsiteX0" fmla="*/ 6688 w 13265"/>
+                <a:gd name="connsiteY0" fmla="*/ 42 h 9832"/>
+                <a:gd name="connsiteX1" fmla="*/ 13265 w 13265"/>
+                <a:gd name="connsiteY1" fmla="*/ 0 h 9832"/>
+                <a:gd name="connsiteX2" fmla="*/ 11598 w 13265"/>
+                <a:gd name="connsiteY2" fmla="*/ 5000 h 9832"/>
+                <a:gd name="connsiteX3" fmla="*/ 11387 w 13265"/>
+                <a:gd name="connsiteY3" fmla="*/ 9790 h 9832"/>
+                <a:gd name="connsiteX4" fmla="*/ 6687 w 13265"/>
+                <a:gd name="connsiteY4" fmla="*/ 9832 h 9832"/>
+                <a:gd name="connsiteX5" fmla="*/ 0 w 13265"/>
+                <a:gd name="connsiteY5" fmla="*/ 5084 h 9832"/>
+                <a:gd name="connsiteX6" fmla="*/ 6688 w 13265"/>
+                <a:gd name="connsiteY6" fmla="*/ 42 h 9832"/>
+                <a:gd name="connsiteX0" fmla="*/ 5042 w 10000"/>
+                <a:gd name="connsiteY0" fmla="*/ 43 h 10000"/>
+                <a:gd name="connsiteX1" fmla="*/ 10000 w 10000"/>
+                <a:gd name="connsiteY1" fmla="*/ 0 h 10000"/>
+                <a:gd name="connsiteX2" fmla="*/ 8743 w 10000"/>
+                <a:gd name="connsiteY2" fmla="*/ 5085 h 10000"/>
+                <a:gd name="connsiteX3" fmla="*/ 9692 w 10000"/>
+                <a:gd name="connsiteY3" fmla="*/ 10000 h 10000"/>
+                <a:gd name="connsiteX4" fmla="*/ 5041 w 10000"/>
+                <a:gd name="connsiteY4" fmla="*/ 10000 h 10000"/>
+                <a:gd name="connsiteX5" fmla="*/ 0 w 10000"/>
+                <a:gd name="connsiteY5" fmla="*/ 5171 h 10000"/>
+                <a:gd name="connsiteX6" fmla="*/ 5042 w 10000"/>
+                <a:gd name="connsiteY6" fmla="*/ 43 h 10000"/>
+                <a:gd name="connsiteX0" fmla="*/ 5042 w 10000"/>
+                <a:gd name="connsiteY0" fmla="*/ 43 h 10000"/>
+                <a:gd name="connsiteX1" fmla="*/ 10000 w 10000"/>
+                <a:gd name="connsiteY1" fmla="*/ 0 h 10000"/>
+                <a:gd name="connsiteX2" fmla="*/ 8743 w 10000"/>
+                <a:gd name="connsiteY2" fmla="*/ 5085 h 10000"/>
+                <a:gd name="connsiteX3" fmla="*/ 9784 w 10000"/>
+                <a:gd name="connsiteY3" fmla="*/ 10000 h 10000"/>
+                <a:gd name="connsiteX4" fmla="*/ 5041 w 10000"/>
+                <a:gd name="connsiteY4" fmla="*/ 10000 h 10000"/>
+                <a:gd name="connsiteX5" fmla="*/ 0 w 10000"/>
+                <a:gd name="connsiteY5" fmla="*/ 5171 h 10000"/>
+                <a:gd name="connsiteX6" fmla="*/ 5042 w 10000"/>
+                <a:gd name="connsiteY6" fmla="*/ 43 h 10000"/>
+                <a:gd name="connsiteX0" fmla="*/ 5042 w 9784"/>
+                <a:gd name="connsiteY0" fmla="*/ 0 h 9957"/>
+                <a:gd name="connsiteX1" fmla="*/ 9415 w 9784"/>
+                <a:gd name="connsiteY1" fmla="*/ 171 h 9957"/>
+                <a:gd name="connsiteX2" fmla="*/ 8743 w 9784"/>
+                <a:gd name="connsiteY2" fmla="*/ 5042 h 9957"/>
+                <a:gd name="connsiteX3" fmla="*/ 9784 w 9784"/>
+                <a:gd name="connsiteY3" fmla="*/ 9957 h 9957"/>
+                <a:gd name="connsiteX4" fmla="*/ 5041 w 9784"/>
+                <a:gd name="connsiteY4" fmla="*/ 9957 h 9957"/>
+                <a:gd name="connsiteX5" fmla="*/ 0 w 9784"/>
+                <a:gd name="connsiteY5" fmla="*/ 5128 h 9957"/>
+                <a:gd name="connsiteX6" fmla="*/ 5042 w 9784"/>
+                <a:gd name="connsiteY6" fmla="*/ 0 h 9957"/>
+                <a:gd name="connsiteX0" fmla="*/ 5153 w 10000"/>
+                <a:gd name="connsiteY0" fmla="*/ 0 h 10000"/>
+                <a:gd name="connsiteX1" fmla="*/ 9875 w 10000"/>
+                <a:gd name="connsiteY1" fmla="*/ 172 h 10000"/>
+                <a:gd name="connsiteX2" fmla="*/ 8936 w 10000"/>
+                <a:gd name="connsiteY2" fmla="*/ 5064 h 10000"/>
+                <a:gd name="connsiteX3" fmla="*/ 10000 w 10000"/>
+                <a:gd name="connsiteY3" fmla="*/ 10000 h 10000"/>
+                <a:gd name="connsiteX4" fmla="*/ 5152 w 10000"/>
+                <a:gd name="connsiteY4" fmla="*/ 10000 h 10000"/>
+                <a:gd name="connsiteX5" fmla="*/ 0 w 10000"/>
+                <a:gd name="connsiteY5" fmla="*/ 5150 h 10000"/>
+                <a:gd name="connsiteX6" fmla="*/ 5153 w 10000"/>
+                <a:gd name="connsiteY6" fmla="*/ 0 h 10000"/>
+                <a:gd name="connsiteX0" fmla="*/ 5153 w 10001"/>
+                <a:gd name="connsiteY0" fmla="*/ 0 h 10000"/>
+                <a:gd name="connsiteX1" fmla="*/ 10001 w 10001"/>
+                <a:gd name="connsiteY1" fmla="*/ 215 h 10000"/>
+                <a:gd name="connsiteX2" fmla="*/ 8936 w 10001"/>
+                <a:gd name="connsiteY2" fmla="*/ 5064 h 10000"/>
+                <a:gd name="connsiteX3" fmla="*/ 10000 w 10001"/>
+                <a:gd name="connsiteY3" fmla="*/ 10000 h 10000"/>
+                <a:gd name="connsiteX4" fmla="*/ 5152 w 10001"/>
+                <a:gd name="connsiteY4" fmla="*/ 10000 h 10000"/>
+                <a:gd name="connsiteX5" fmla="*/ 0 w 10001"/>
+                <a:gd name="connsiteY5" fmla="*/ 5150 h 10000"/>
+                <a:gd name="connsiteX6" fmla="*/ 5153 w 10001"/>
+                <a:gd name="connsiteY6" fmla="*/ 0 h 10000"/>
+                <a:gd name="connsiteX0" fmla="*/ 5184 w 10001"/>
+                <a:gd name="connsiteY0" fmla="*/ 43 h 9785"/>
+                <a:gd name="connsiteX1" fmla="*/ 10001 w 10001"/>
+                <a:gd name="connsiteY1" fmla="*/ 0 h 9785"/>
+                <a:gd name="connsiteX2" fmla="*/ 8936 w 10001"/>
+                <a:gd name="connsiteY2" fmla="*/ 4849 h 9785"/>
+                <a:gd name="connsiteX3" fmla="*/ 10000 w 10001"/>
+                <a:gd name="connsiteY3" fmla="*/ 9785 h 9785"/>
+                <a:gd name="connsiteX4" fmla="*/ 5152 w 10001"/>
+                <a:gd name="connsiteY4" fmla="*/ 9785 h 9785"/>
+                <a:gd name="connsiteX5" fmla="*/ 0 w 10001"/>
+                <a:gd name="connsiteY5" fmla="*/ 4935 h 9785"/>
+                <a:gd name="connsiteX6" fmla="*/ 5184 w 10001"/>
+                <a:gd name="connsiteY6" fmla="*/ 43 h 9785"/>
+                <a:gd name="connsiteX0" fmla="*/ 5183 w 10000"/>
+                <a:gd name="connsiteY0" fmla="*/ 44 h 10000"/>
+                <a:gd name="connsiteX1" fmla="*/ 10000 w 10000"/>
+                <a:gd name="connsiteY1" fmla="*/ 0 h 10000"/>
+                <a:gd name="connsiteX2" fmla="*/ 8935 w 10000"/>
+                <a:gd name="connsiteY2" fmla="*/ 4956 h 10000"/>
+                <a:gd name="connsiteX3" fmla="*/ 9999 w 10000"/>
+                <a:gd name="connsiteY3" fmla="*/ 10000 h 10000"/>
+                <a:gd name="connsiteX4" fmla="*/ 5151 w 10000"/>
+                <a:gd name="connsiteY4" fmla="*/ 10000 h 10000"/>
+                <a:gd name="connsiteX5" fmla="*/ 0 w 10000"/>
+                <a:gd name="connsiteY5" fmla="*/ 5043 h 10000"/>
+                <a:gd name="connsiteX6" fmla="*/ 5183 w 10000"/>
+                <a:gd name="connsiteY6" fmla="*/ 44 h 10000"/>
+                <a:gd name="connsiteX0" fmla="*/ 5183 w 10000"/>
+                <a:gd name="connsiteY0" fmla="*/ 44 h 10000"/>
+                <a:gd name="connsiteX1" fmla="*/ 10000 w 10000"/>
+                <a:gd name="connsiteY1" fmla="*/ 0 h 10000"/>
+                <a:gd name="connsiteX2" fmla="*/ 8935 w 10000"/>
+                <a:gd name="connsiteY2" fmla="*/ 4956 h 10000"/>
+                <a:gd name="connsiteX3" fmla="*/ 9999 w 10000"/>
+                <a:gd name="connsiteY3" fmla="*/ 10000 h 10000"/>
+                <a:gd name="connsiteX4" fmla="*/ 5151 w 10000"/>
+                <a:gd name="connsiteY4" fmla="*/ 10000 h 10000"/>
+                <a:gd name="connsiteX5" fmla="*/ 0 w 10000"/>
+                <a:gd name="connsiteY5" fmla="*/ 5043 h 10000"/>
+                <a:gd name="connsiteX6" fmla="*/ 5183 w 10000"/>
+                <a:gd name="connsiteY6" fmla="*/ 44 h 10000"/>
+                <a:gd name="connsiteX0" fmla="*/ 5183 w 10000"/>
+                <a:gd name="connsiteY0" fmla="*/ 44 h 10000"/>
+                <a:gd name="connsiteX1" fmla="*/ 10000 w 10000"/>
+                <a:gd name="connsiteY1" fmla="*/ 0 h 10000"/>
+                <a:gd name="connsiteX2" fmla="*/ 8935 w 10000"/>
+                <a:gd name="connsiteY2" fmla="*/ 4956 h 10000"/>
+                <a:gd name="connsiteX3" fmla="*/ 9999 w 10000"/>
+                <a:gd name="connsiteY3" fmla="*/ 10000 h 10000"/>
+                <a:gd name="connsiteX4" fmla="*/ 5151 w 10000"/>
+                <a:gd name="connsiteY4" fmla="*/ 10000 h 10000"/>
+                <a:gd name="connsiteX5" fmla="*/ 0 w 10000"/>
+                <a:gd name="connsiteY5" fmla="*/ 5043 h 10000"/>
+                <a:gd name="connsiteX6" fmla="*/ 5183 w 10000"/>
+                <a:gd name="connsiteY6" fmla="*/ 44 h 10000"/>
+                <a:gd name="connsiteX0" fmla="*/ 5183 w 10000"/>
+                <a:gd name="connsiteY0" fmla="*/ 44 h 10000"/>
+                <a:gd name="connsiteX1" fmla="*/ 10000 w 10000"/>
+                <a:gd name="connsiteY1" fmla="*/ 0 h 10000"/>
+                <a:gd name="connsiteX2" fmla="*/ 8935 w 10000"/>
+                <a:gd name="connsiteY2" fmla="*/ 4956 h 10000"/>
+                <a:gd name="connsiteX3" fmla="*/ 9999 w 10000"/>
+                <a:gd name="connsiteY3" fmla="*/ 10000 h 10000"/>
+                <a:gd name="connsiteX4" fmla="*/ 5151 w 10000"/>
+                <a:gd name="connsiteY4" fmla="*/ 10000 h 10000"/>
+                <a:gd name="connsiteX5" fmla="*/ 0 w 10000"/>
+                <a:gd name="connsiteY5" fmla="*/ 5043 h 10000"/>
+                <a:gd name="connsiteX6" fmla="*/ 5183 w 10000"/>
+                <a:gd name="connsiteY6" fmla="*/ 44 h 10000"/>
+                <a:gd name="connsiteX0" fmla="*/ 5183 w 10000"/>
+                <a:gd name="connsiteY0" fmla="*/ 44 h 10000"/>
+                <a:gd name="connsiteX1" fmla="*/ 10000 w 10000"/>
+                <a:gd name="connsiteY1" fmla="*/ 0 h 10000"/>
+                <a:gd name="connsiteX2" fmla="*/ 8935 w 10000"/>
+                <a:gd name="connsiteY2" fmla="*/ 4956 h 10000"/>
+                <a:gd name="connsiteX3" fmla="*/ 9999 w 10000"/>
+                <a:gd name="connsiteY3" fmla="*/ 10000 h 10000"/>
+                <a:gd name="connsiteX4" fmla="*/ 5151 w 10000"/>
+                <a:gd name="connsiteY4" fmla="*/ 10000 h 10000"/>
+                <a:gd name="connsiteX5" fmla="*/ 0 w 10000"/>
+                <a:gd name="connsiteY5" fmla="*/ 5043 h 10000"/>
+                <a:gd name="connsiteX6" fmla="*/ 5183 w 10000"/>
+                <a:gd name="connsiteY6" fmla="*/ 44 h 10000"/>
+                <a:gd name="connsiteX0" fmla="*/ 5183 w 10000"/>
+                <a:gd name="connsiteY0" fmla="*/ 44 h 10000"/>
+                <a:gd name="connsiteX1" fmla="*/ 10000 w 10000"/>
+                <a:gd name="connsiteY1" fmla="*/ 0 h 10000"/>
+                <a:gd name="connsiteX2" fmla="*/ 8935 w 10000"/>
+                <a:gd name="connsiteY2" fmla="*/ 4956 h 10000"/>
+                <a:gd name="connsiteX3" fmla="*/ 9999 w 10000"/>
+                <a:gd name="connsiteY3" fmla="*/ 10000 h 10000"/>
+                <a:gd name="connsiteX4" fmla="*/ 5340 w 10000"/>
+                <a:gd name="connsiteY4" fmla="*/ 9956 h 10000"/>
+                <a:gd name="connsiteX5" fmla="*/ 0 w 10000"/>
+                <a:gd name="connsiteY5" fmla="*/ 5043 h 10000"/>
+                <a:gd name="connsiteX6" fmla="*/ 5183 w 10000"/>
+                <a:gd name="connsiteY6" fmla="*/ 44 h 10000"/>
+                <a:gd name="connsiteX0" fmla="*/ 5183 w 10000"/>
+                <a:gd name="connsiteY0" fmla="*/ 44 h 10000"/>
+                <a:gd name="connsiteX1" fmla="*/ 10000 w 10000"/>
+                <a:gd name="connsiteY1" fmla="*/ 0 h 10000"/>
+                <a:gd name="connsiteX2" fmla="*/ 8935 w 10000"/>
+                <a:gd name="connsiteY2" fmla="*/ 4956 h 10000"/>
+                <a:gd name="connsiteX3" fmla="*/ 9999 w 10000"/>
+                <a:gd name="connsiteY3" fmla="*/ 10000 h 10000"/>
+                <a:gd name="connsiteX4" fmla="*/ 5340 w 10000"/>
+                <a:gd name="connsiteY4" fmla="*/ 9956 h 10000"/>
+                <a:gd name="connsiteX5" fmla="*/ 0 w 10000"/>
+                <a:gd name="connsiteY5" fmla="*/ 5043 h 10000"/>
+                <a:gd name="connsiteX6" fmla="*/ 5183 w 10000"/>
+                <a:gd name="connsiteY6" fmla="*/ 44 h 10000"/>
+                <a:gd name="connsiteX0" fmla="*/ 5183 w 10000"/>
+                <a:gd name="connsiteY0" fmla="*/ 44 h 10000"/>
+                <a:gd name="connsiteX1" fmla="*/ 10000 w 10000"/>
+                <a:gd name="connsiteY1" fmla="*/ 0 h 10000"/>
+                <a:gd name="connsiteX2" fmla="*/ 8935 w 10000"/>
+                <a:gd name="connsiteY2" fmla="*/ 4956 h 10000"/>
+                <a:gd name="connsiteX3" fmla="*/ 9999 w 10000"/>
+                <a:gd name="connsiteY3" fmla="*/ 10000 h 10000"/>
+                <a:gd name="connsiteX4" fmla="*/ 5183 w 10000"/>
+                <a:gd name="connsiteY4" fmla="*/ 9912 h 10000"/>
+                <a:gd name="connsiteX5" fmla="*/ 0 w 10000"/>
+                <a:gd name="connsiteY5" fmla="*/ 5043 h 10000"/>
+                <a:gd name="connsiteX6" fmla="*/ 5183 w 10000"/>
+                <a:gd name="connsiteY6" fmla="*/ 44 h 10000"/>
+                <a:gd name="connsiteX0" fmla="*/ 5183 w 10000"/>
+                <a:gd name="connsiteY0" fmla="*/ 44 h 10000"/>
+                <a:gd name="connsiteX1" fmla="*/ 10000 w 10000"/>
+                <a:gd name="connsiteY1" fmla="*/ 0 h 10000"/>
+                <a:gd name="connsiteX2" fmla="*/ 8935 w 10000"/>
+                <a:gd name="connsiteY2" fmla="*/ 4956 h 10000"/>
+                <a:gd name="connsiteX3" fmla="*/ 9999 w 10000"/>
+                <a:gd name="connsiteY3" fmla="*/ 10000 h 10000"/>
+                <a:gd name="connsiteX4" fmla="*/ 5183 w 10000"/>
+                <a:gd name="connsiteY4" fmla="*/ 9912 h 10000"/>
+                <a:gd name="connsiteX5" fmla="*/ 0 w 10000"/>
+                <a:gd name="connsiteY5" fmla="*/ 5043 h 10000"/>
+                <a:gd name="connsiteX6" fmla="*/ 5183 w 10000"/>
+                <a:gd name="connsiteY6" fmla="*/ 44 h 10000"/>
+                <a:gd name="connsiteX0" fmla="*/ 5183 w 10000"/>
+                <a:gd name="connsiteY0" fmla="*/ 44 h 10000"/>
+                <a:gd name="connsiteX1" fmla="*/ 10000 w 10000"/>
+                <a:gd name="connsiteY1" fmla="*/ 0 h 10000"/>
+                <a:gd name="connsiteX2" fmla="*/ 8935 w 10000"/>
+                <a:gd name="connsiteY2" fmla="*/ 4956 h 10000"/>
+                <a:gd name="connsiteX3" fmla="*/ 9999 w 10000"/>
+                <a:gd name="connsiteY3" fmla="*/ 10000 h 10000"/>
+                <a:gd name="connsiteX4" fmla="*/ 5183 w 10000"/>
+                <a:gd name="connsiteY4" fmla="*/ 9912 h 10000"/>
+                <a:gd name="connsiteX5" fmla="*/ 0 w 10000"/>
+                <a:gd name="connsiteY5" fmla="*/ 5043 h 10000"/>
+                <a:gd name="connsiteX6" fmla="*/ 5183 w 10000"/>
+                <a:gd name="connsiteY6" fmla="*/ 44 h 10000"/>
+                <a:gd name="connsiteX0" fmla="*/ 8935 w 10000"/>
+                <a:gd name="connsiteY0" fmla="*/ 4956 h 10000"/>
+                <a:gd name="connsiteX1" fmla="*/ 9999 w 10000"/>
+                <a:gd name="connsiteY1" fmla="*/ 10000 h 10000"/>
+                <a:gd name="connsiteX2" fmla="*/ 5183 w 10000"/>
+                <a:gd name="connsiteY2" fmla="*/ 9912 h 10000"/>
+                <a:gd name="connsiteX3" fmla="*/ 0 w 10000"/>
+                <a:gd name="connsiteY3" fmla="*/ 5043 h 10000"/>
+                <a:gd name="connsiteX4" fmla="*/ 5183 w 10000"/>
+                <a:gd name="connsiteY4" fmla="*/ 44 h 10000"/>
+                <a:gd name="connsiteX5" fmla="*/ 10000 w 10000"/>
+                <a:gd name="connsiteY5" fmla="*/ 0 h 10000"/>
+                <a:gd name="connsiteX6" fmla="*/ 9841 w 10000"/>
+                <a:gd name="connsiteY6" fmla="*/ 6220 h 10000"/>
+                <a:gd name="connsiteX0" fmla="*/ 8935 w 10000"/>
+                <a:gd name="connsiteY0" fmla="*/ 4956 h 10000"/>
+                <a:gd name="connsiteX1" fmla="*/ 9999 w 10000"/>
+                <a:gd name="connsiteY1" fmla="*/ 10000 h 10000"/>
+                <a:gd name="connsiteX2" fmla="*/ 5183 w 10000"/>
+                <a:gd name="connsiteY2" fmla="*/ 9912 h 10000"/>
+                <a:gd name="connsiteX3" fmla="*/ 0 w 10000"/>
+                <a:gd name="connsiteY3" fmla="*/ 5043 h 10000"/>
+                <a:gd name="connsiteX4" fmla="*/ 5183 w 10000"/>
+                <a:gd name="connsiteY4" fmla="*/ 44 h 10000"/>
+                <a:gd name="connsiteX5" fmla="*/ 10000 w 10000"/>
+                <a:gd name="connsiteY5" fmla="*/ 0 h 10000"/>
+                <a:gd name="connsiteX0" fmla="*/ 9999 w 10000"/>
+                <a:gd name="connsiteY0" fmla="*/ 10000 h 10000"/>
+                <a:gd name="connsiteX1" fmla="*/ 5183 w 10000"/>
+                <a:gd name="connsiteY1" fmla="*/ 9912 h 10000"/>
+                <a:gd name="connsiteX2" fmla="*/ 0 w 10000"/>
+                <a:gd name="connsiteY2" fmla="*/ 5043 h 10000"/>
+                <a:gd name="connsiteX3" fmla="*/ 5183 w 10000"/>
+                <a:gd name="connsiteY3" fmla="*/ 44 h 10000"/>
+                <a:gd name="connsiteX4" fmla="*/ 10000 w 10000"/>
+                <a:gd name="connsiteY4" fmla="*/ 0 h 10000"/>
+              </a:gdLst>
+              <a:ahLst/>
+              <a:cxnLst>
+                <a:cxn ang="0">
+                  <a:pos x="connsiteX0" y="connsiteY0"/>
+                </a:cxn>
+                <a:cxn ang="0">
+                  <a:pos x="connsiteX1" y="connsiteY1"/>
+                </a:cxn>
+                <a:cxn ang="0">
+                  <a:pos x="connsiteX2" y="connsiteY2"/>
+                </a:cxn>
+                <a:cxn ang="0">
+                  <a:pos x="connsiteX3" y="connsiteY3"/>
+                </a:cxn>
+                <a:cxn ang="0">
+                  <a:pos x="connsiteX4" y="connsiteY4"/>
+                </a:cxn>
+              </a:cxnLst>
+              <a:rect l="l" t="t" r="r" b="b"/>
+              <a:pathLst>
+                <a:path w="10000" h="10000">
+                  <a:moveTo>
+                    <a:pt x="9999" y="10000"/>
+                  </a:moveTo>
+                  <a:lnTo>
+                    <a:pt x="5183" y="9912"/>
+                  </a:lnTo>
+                  <a:cubicBezTo>
+                    <a:pt x="3060" y="9824"/>
+                    <a:pt x="0" y="6688"/>
+                    <a:pt x="0" y="5043"/>
+                  </a:cubicBezTo>
+                  <a:cubicBezTo>
+                    <a:pt x="0" y="3398"/>
+                    <a:pt x="2965" y="220"/>
+                    <a:pt x="5183" y="44"/>
+                  </a:cubicBezTo>
+                  <a:lnTo>
+                    <a:pt x="10000" y="0"/>
+                  </a:lnTo>
+                </a:path>
+              </a:pathLst>
+            </a:custGeom>
+            <a:noFill/>
+            <a:ln w="28575">
+              <a:solidFill>
+                <a:schemeClr val="tx1"/>
+              </a:solidFill>
+              <a:prstDash val="solid"/>
+            </a:ln>
+          </p:spPr>
+          <p:style>
+            <a:lnRef idx="2">
+              <a:schemeClr val="accent1">
+                <a:shade val="50000"/>
+              </a:schemeClr>
+            </a:lnRef>
+            <a:fillRef idx="1">
+              <a:schemeClr val="accent1"/>
+            </a:fillRef>
+            <a:effectRef idx="0">
+              <a:schemeClr val="accent1"/>
+            </a:effectRef>
+            <a:fontRef idx="minor">
+              <a:schemeClr val="lt1"/>
+            </a:fontRef>
+          </p:style>
+          <p:txBody>
+            <a:bodyPr rtlCol="0" anchor="ctr"/>
+            <a:lstStyle/>
+            <a:p>
+              <a:pPr algn="ctr"/>
+              <a:endParaRPr lang="en-GB">
+                <a:latin typeface="Consolas" panose="020B0609020204030204" pitchFamily="49" charset="0"/>
+              </a:endParaRPr>
+            </a:p>
+          </p:txBody>
+        </p:sp>
+        <p:sp>
+          <p:nvSpPr>
+            <p:cNvPr id="75" name="Stored Data 71"/>
+            <p:cNvSpPr/>
+            <p:nvPr/>
+          </p:nvSpPr>
+          <p:spPr>
+            <a:xfrm rot="10800000">
+              <a:off x="3265878" y="2241728"/>
+              <a:ext cx="37028" cy="386231"/>
+            </a:xfrm>
+            <a:custGeom>
+              <a:avLst/>
+              <a:gdLst>
+                <a:gd name="connsiteX0" fmla="*/ 1667 w 10000"/>
+                <a:gd name="connsiteY0" fmla="*/ 0 h 10000"/>
+                <a:gd name="connsiteX1" fmla="*/ 10000 w 10000"/>
+                <a:gd name="connsiteY1" fmla="*/ 0 h 10000"/>
+                <a:gd name="connsiteX2" fmla="*/ 8333 w 10000"/>
+                <a:gd name="connsiteY2" fmla="*/ 5000 h 10000"/>
+                <a:gd name="connsiteX3" fmla="*/ 10000 w 10000"/>
+                <a:gd name="connsiteY3" fmla="*/ 10000 h 10000"/>
+                <a:gd name="connsiteX4" fmla="*/ 1667 w 10000"/>
+                <a:gd name="connsiteY4" fmla="*/ 10000 h 10000"/>
+                <a:gd name="connsiteX5" fmla="*/ 0 w 10000"/>
+                <a:gd name="connsiteY5" fmla="*/ 5000 h 10000"/>
+                <a:gd name="connsiteX6" fmla="*/ 1667 w 10000"/>
+                <a:gd name="connsiteY6" fmla="*/ 0 h 10000"/>
+                <a:gd name="connsiteX0" fmla="*/ 4932 w 13265"/>
+                <a:gd name="connsiteY0" fmla="*/ 0 h 10000"/>
+                <a:gd name="connsiteX1" fmla="*/ 13265 w 13265"/>
+                <a:gd name="connsiteY1" fmla="*/ 0 h 10000"/>
+                <a:gd name="connsiteX2" fmla="*/ 11598 w 13265"/>
+                <a:gd name="connsiteY2" fmla="*/ 5000 h 10000"/>
+                <a:gd name="connsiteX3" fmla="*/ 13265 w 13265"/>
+                <a:gd name="connsiteY3" fmla="*/ 10000 h 10000"/>
+                <a:gd name="connsiteX4" fmla="*/ 4932 w 13265"/>
+                <a:gd name="connsiteY4" fmla="*/ 10000 h 10000"/>
+                <a:gd name="connsiteX5" fmla="*/ 0 w 13265"/>
+                <a:gd name="connsiteY5" fmla="*/ 5084 h 10000"/>
+                <a:gd name="connsiteX6" fmla="*/ 4932 w 13265"/>
+                <a:gd name="connsiteY6" fmla="*/ 0 h 10000"/>
+                <a:gd name="connsiteX0" fmla="*/ 5226 w 13559"/>
+                <a:gd name="connsiteY0" fmla="*/ 0 h 10000"/>
+                <a:gd name="connsiteX1" fmla="*/ 13559 w 13559"/>
+                <a:gd name="connsiteY1" fmla="*/ 0 h 10000"/>
+                <a:gd name="connsiteX2" fmla="*/ 11892 w 13559"/>
+                <a:gd name="connsiteY2" fmla="*/ 5000 h 10000"/>
+                <a:gd name="connsiteX3" fmla="*/ 13559 w 13559"/>
+                <a:gd name="connsiteY3" fmla="*/ 10000 h 10000"/>
+                <a:gd name="connsiteX4" fmla="*/ 5226 w 13559"/>
+                <a:gd name="connsiteY4" fmla="*/ 10000 h 10000"/>
+                <a:gd name="connsiteX5" fmla="*/ 294 w 13559"/>
+                <a:gd name="connsiteY5" fmla="*/ 5084 h 10000"/>
+                <a:gd name="connsiteX6" fmla="*/ 5226 w 13559"/>
+                <a:gd name="connsiteY6" fmla="*/ 0 h 10000"/>
+                <a:gd name="connsiteX0" fmla="*/ 4933 w 13266"/>
+                <a:gd name="connsiteY0" fmla="*/ 0 h 10000"/>
+                <a:gd name="connsiteX1" fmla="*/ 13266 w 13266"/>
+                <a:gd name="connsiteY1" fmla="*/ 0 h 10000"/>
+                <a:gd name="connsiteX2" fmla="*/ 11599 w 13266"/>
+                <a:gd name="connsiteY2" fmla="*/ 5000 h 10000"/>
+                <a:gd name="connsiteX3" fmla="*/ 13266 w 13266"/>
+                <a:gd name="connsiteY3" fmla="*/ 10000 h 10000"/>
+                <a:gd name="connsiteX4" fmla="*/ 4933 w 13266"/>
+                <a:gd name="connsiteY4" fmla="*/ 10000 h 10000"/>
+                <a:gd name="connsiteX5" fmla="*/ 1 w 13266"/>
+                <a:gd name="connsiteY5" fmla="*/ 5084 h 10000"/>
+                <a:gd name="connsiteX6" fmla="*/ 4933 w 13266"/>
+                <a:gd name="connsiteY6" fmla="*/ 0 h 10000"/>
+                <a:gd name="connsiteX0" fmla="*/ 4933 w 13266"/>
+                <a:gd name="connsiteY0" fmla="*/ 0 h 10000"/>
+                <a:gd name="connsiteX1" fmla="*/ 13266 w 13266"/>
+                <a:gd name="connsiteY1" fmla="*/ 0 h 10000"/>
+                <a:gd name="connsiteX2" fmla="*/ 11599 w 13266"/>
+                <a:gd name="connsiteY2" fmla="*/ 5000 h 10000"/>
+                <a:gd name="connsiteX3" fmla="*/ 13266 w 13266"/>
+                <a:gd name="connsiteY3" fmla="*/ 10000 h 10000"/>
+                <a:gd name="connsiteX4" fmla="*/ 4933 w 13266"/>
+                <a:gd name="connsiteY4" fmla="*/ 10000 h 10000"/>
+                <a:gd name="connsiteX5" fmla="*/ 1 w 13266"/>
+                <a:gd name="connsiteY5" fmla="*/ 5084 h 10000"/>
+                <a:gd name="connsiteX6" fmla="*/ 4933 w 13266"/>
+                <a:gd name="connsiteY6" fmla="*/ 0 h 10000"/>
+                <a:gd name="connsiteX0" fmla="*/ 4966 w 13299"/>
+                <a:gd name="connsiteY0" fmla="*/ 0 h 10000"/>
+                <a:gd name="connsiteX1" fmla="*/ 13299 w 13299"/>
+                <a:gd name="connsiteY1" fmla="*/ 0 h 10000"/>
+                <a:gd name="connsiteX2" fmla="*/ 11632 w 13299"/>
+                <a:gd name="connsiteY2" fmla="*/ 5000 h 10000"/>
+                <a:gd name="connsiteX3" fmla="*/ 13299 w 13299"/>
+                <a:gd name="connsiteY3" fmla="*/ 10000 h 10000"/>
+                <a:gd name="connsiteX4" fmla="*/ 7782 w 13299"/>
+                <a:gd name="connsiteY4" fmla="*/ 10000 h 10000"/>
+                <a:gd name="connsiteX5" fmla="*/ 34 w 13299"/>
+                <a:gd name="connsiteY5" fmla="*/ 5084 h 10000"/>
+                <a:gd name="connsiteX6" fmla="*/ 4966 w 13299"/>
+                <a:gd name="connsiteY6" fmla="*/ 0 h 10000"/>
+                <a:gd name="connsiteX0" fmla="*/ 4947 w 13280"/>
+                <a:gd name="connsiteY0" fmla="*/ 0 h 10000"/>
+                <a:gd name="connsiteX1" fmla="*/ 13280 w 13280"/>
+                <a:gd name="connsiteY1" fmla="*/ 0 h 10000"/>
+                <a:gd name="connsiteX2" fmla="*/ 11613 w 13280"/>
+                <a:gd name="connsiteY2" fmla="*/ 5000 h 10000"/>
+                <a:gd name="connsiteX3" fmla="*/ 13280 w 13280"/>
+                <a:gd name="connsiteY3" fmla="*/ 10000 h 10000"/>
+                <a:gd name="connsiteX4" fmla="*/ 6702 w 13280"/>
+                <a:gd name="connsiteY4" fmla="*/ 9832 h 10000"/>
+                <a:gd name="connsiteX5" fmla="*/ 15 w 13280"/>
+                <a:gd name="connsiteY5" fmla="*/ 5084 h 10000"/>
+                <a:gd name="connsiteX6" fmla="*/ 4947 w 13280"/>
+                <a:gd name="connsiteY6" fmla="*/ 0 h 10000"/>
+                <a:gd name="connsiteX0" fmla="*/ 4933 w 13266"/>
+                <a:gd name="connsiteY0" fmla="*/ 0 h 10000"/>
+                <a:gd name="connsiteX1" fmla="*/ 13266 w 13266"/>
+                <a:gd name="connsiteY1" fmla="*/ 0 h 10000"/>
+                <a:gd name="connsiteX2" fmla="*/ 11599 w 13266"/>
+                <a:gd name="connsiteY2" fmla="*/ 5000 h 10000"/>
+                <a:gd name="connsiteX3" fmla="*/ 13266 w 13266"/>
+                <a:gd name="connsiteY3" fmla="*/ 10000 h 10000"/>
+                <a:gd name="connsiteX4" fmla="*/ 6688 w 13266"/>
+                <a:gd name="connsiteY4" fmla="*/ 9832 h 10000"/>
+                <a:gd name="connsiteX5" fmla="*/ 1 w 13266"/>
+                <a:gd name="connsiteY5" fmla="*/ 5084 h 10000"/>
+                <a:gd name="connsiteX6" fmla="*/ 4933 w 13266"/>
+                <a:gd name="connsiteY6" fmla="*/ 0 h 10000"/>
+                <a:gd name="connsiteX0" fmla="*/ 5711 w 13268"/>
+                <a:gd name="connsiteY0" fmla="*/ 126 h 10000"/>
+                <a:gd name="connsiteX1" fmla="*/ 13268 w 13268"/>
+                <a:gd name="connsiteY1" fmla="*/ 0 h 10000"/>
+                <a:gd name="connsiteX2" fmla="*/ 11601 w 13268"/>
+                <a:gd name="connsiteY2" fmla="*/ 5000 h 10000"/>
+                <a:gd name="connsiteX3" fmla="*/ 13268 w 13268"/>
+                <a:gd name="connsiteY3" fmla="*/ 10000 h 10000"/>
+                <a:gd name="connsiteX4" fmla="*/ 6690 w 13268"/>
+                <a:gd name="connsiteY4" fmla="*/ 9832 h 10000"/>
+                <a:gd name="connsiteX5" fmla="*/ 3 w 13268"/>
+                <a:gd name="connsiteY5" fmla="*/ 5084 h 10000"/>
+                <a:gd name="connsiteX6" fmla="*/ 5711 w 13268"/>
+                <a:gd name="connsiteY6" fmla="*/ 126 h 10000"/>
+                <a:gd name="connsiteX0" fmla="*/ 5709 w 13266"/>
+                <a:gd name="connsiteY0" fmla="*/ 126 h 10000"/>
+                <a:gd name="connsiteX1" fmla="*/ 13266 w 13266"/>
+                <a:gd name="connsiteY1" fmla="*/ 0 h 10000"/>
+                <a:gd name="connsiteX2" fmla="*/ 11599 w 13266"/>
+                <a:gd name="connsiteY2" fmla="*/ 5000 h 10000"/>
+                <a:gd name="connsiteX3" fmla="*/ 13266 w 13266"/>
+                <a:gd name="connsiteY3" fmla="*/ 10000 h 10000"/>
+                <a:gd name="connsiteX4" fmla="*/ 6688 w 13266"/>
+                <a:gd name="connsiteY4" fmla="*/ 9832 h 10000"/>
+                <a:gd name="connsiteX5" fmla="*/ 1 w 13266"/>
+                <a:gd name="connsiteY5" fmla="*/ 5084 h 10000"/>
+                <a:gd name="connsiteX6" fmla="*/ 5709 w 13266"/>
+                <a:gd name="connsiteY6" fmla="*/ 126 h 10000"/>
+                <a:gd name="connsiteX0" fmla="*/ 5709 w 13266"/>
+                <a:gd name="connsiteY0" fmla="*/ 126 h 10000"/>
+                <a:gd name="connsiteX1" fmla="*/ 13266 w 13266"/>
+                <a:gd name="connsiteY1" fmla="*/ 0 h 10000"/>
+                <a:gd name="connsiteX2" fmla="*/ 11599 w 13266"/>
+                <a:gd name="connsiteY2" fmla="*/ 5000 h 10000"/>
+                <a:gd name="connsiteX3" fmla="*/ 13266 w 13266"/>
+                <a:gd name="connsiteY3" fmla="*/ 10000 h 10000"/>
+                <a:gd name="connsiteX4" fmla="*/ 6688 w 13266"/>
+                <a:gd name="connsiteY4" fmla="*/ 9832 h 10000"/>
+                <a:gd name="connsiteX5" fmla="*/ 1 w 13266"/>
+                <a:gd name="connsiteY5" fmla="*/ 5084 h 10000"/>
+                <a:gd name="connsiteX6" fmla="*/ 5709 w 13266"/>
+                <a:gd name="connsiteY6" fmla="*/ 126 h 10000"/>
+                <a:gd name="connsiteX0" fmla="*/ 6688 w 13265"/>
+                <a:gd name="connsiteY0" fmla="*/ 42 h 10000"/>
+                <a:gd name="connsiteX1" fmla="*/ 13265 w 13265"/>
+                <a:gd name="connsiteY1" fmla="*/ 0 h 10000"/>
+                <a:gd name="connsiteX2" fmla="*/ 11598 w 13265"/>
+                <a:gd name="connsiteY2" fmla="*/ 5000 h 10000"/>
+                <a:gd name="connsiteX3" fmla="*/ 13265 w 13265"/>
+                <a:gd name="connsiteY3" fmla="*/ 10000 h 10000"/>
+                <a:gd name="connsiteX4" fmla="*/ 6687 w 13265"/>
+                <a:gd name="connsiteY4" fmla="*/ 9832 h 10000"/>
+                <a:gd name="connsiteX5" fmla="*/ 0 w 13265"/>
+                <a:gd name="connsiteY5" fmla="*/ 5084 h 10000"/>
+                <a:gd name="connsiteX6" fmla="*/ 6688 w 13265"/>
+                <a:gd name="connsiteY6" fmla="*/ 42 h 10000"/>
+                <a:gd name="connsiteX0" fmla="*/ 6688 w 13265"/>
+                <a:gd name="connsiteY0" fmla="*/ 42 h 9832"/>
+                <a:gd name="connsiteX1" fmla="*/ 13265 w 13265"/>
+                <a:gd name="connsiteY1" fmla="*/ 0 h 9832"/>
+                <a:gd name="connsiteX2" fmla="*/ 11598 w 13265"/>
+                <a:gd name="connsiteY2" fmla="*/ 5000 h 9832"/>
+                <a:gd name="connsiteX3" fmla="*/ 11387 w 13265"/>
+                <a:gd name="connsiteY3" fmla="*/ 9790 h 9832"/>
+                <a:gd name="connsiteX4" fmla="*/ 6687 w 13265"/>
+                <a:gd name="connsiteY4" fmla="*/ 9832 h 9832"/>
+                <a:gd name="connsiteX5" fmla="*/ 0 w 13265"/>
+                <a:gd name="connsiteY5" fmla="*/ 5084 h 9832"/>
+                <a:gd name="connsiteX6" fmla="*/ 6688 w 13265"/>
+                <a:gd name="connsiteY6" fmla="*/ 42 h 9832"/>
+                <a:gd name="connsiteX0" fmla="*/ 5042 w 10000"/>
+                <a:gd name="connsiteY0" fmla="*/ 43 h 10000"/>
+                <a:gd name="connsiteX1" fmla="*/ 10000 w 10000"/>
+                <a:gd name="connsiteY1" fmla="*/ 0 h 10000"/>
+                <a:gd name="connsiteX2" fmla="*/ 8743 w 10000"/>
+                <a:gd name="connsiteY2" fmla="*/ 5085 h 10000"/>
+                <a:gd name="connsiteX3" fmla="*/ 9692 w 10000"/>
+                <a:gd name="connsiteY3" fmla="*/ 10000 h 10000"/>
+                <a:gd name="connsiteX4" fmla="*/ 5041 w 10000"/>
+                <a:gd name="connsiteY4" fmla="*/ 10000 h 10000"/>
+                <a:gd name="connsiteX5" fmla="*/ 0 w 10000"/>
+                <a:gd name="connsiteY5" fmla="*/ 5171 h 10000"/>
+                <a:gd name="connsiteX6" fmla="*/ 5042 w 10000"/>
+                <a:gd name="connsiteY6" fmla="*/ 43 h 10000"/>
+                <a:gd name="connsiteX0" fmla="*/ 5042 w 10000"/>
+                <a:gd name="connsiteY0" fmla="*/ 43 h 10000"/>
+                <a:gd name="connsiteX1" fmla="*/ 10000 w 10000"/>
+                <a:gd name="connsiteY1" fmla="*/ 0 h 10000"/>
+                <a:gd name="connsiteX2" fmla="*/ 8743 w 10000"/>
+                <a:gd name="connsiteY2" fmla="*/ 5085 h 10000"/>
+                <a:gd name="connsiteX3" fmla="*/ 9784 w 10000"/>
+                <a:gd name="connsiteY3" fmla="*/ 10000 h 10000"/>
+                <a:gd name="connsiteX4" fmla="*/ 5041 w 10000"/>
+                <a:gd name="connsiteY4" fmla="*/ 10000 h 10000"/>
+                <a:gd name="connsiteX5" fmla="*/ 0 w 10000"/>
+                <a:gd name="connsiteY5" fmla="*/ 5171 h 10000"/>
+                <a:gd name="connsiteX6" fmla="*/ 5042 w 10000"/>
+                <a:gd name="connsiteY6" fmla="*/ 43 h 10000"/>
+                <a:gd name="connsiteX0" fmla="*/ 5042 w 9784"/>
+                <a:gd name="connsiteY0" fmla="*/ 0 h 9957"/>
+                <a:gd name="connsiteX1" fmla="*/ 9415 w 9784"/>
+                <a:gd name="connsiteY1" fmla="*/ 171 h 9957"/>
+                <a:gd name="connsiteX2" fmla="*/ 8743 w 9784"/>
+                <a:gd name="connsiteY2" fmla="*/ 5042 h 9957"/>
+                <a:gd name="connsiteX3" fmla="*/ 9784 w 9784"/>
+                <a:gd name="connsiteY3" fmla="*/ 9957 h 9957"/>
+                <a:gd name="connsiteX4" fmla="*/ 5041 w 9784"/>
+                <a:gd name="connsiteY4" fmla="*/ 9957 h 9957"/>
+                <a:gd name="connsiteX5" fmla="*/ 0 w 9784"/>
+                <a:gd name="connsiteY5" fmla="*/ 5128 h 9957"/>
+                <a:gd name="connsiteX6" fmla="*/ 5042 w 9784"/>
+                <a:gd name="connsiteY6" fmla="*/ 0 h 9957"/>
+                <a:gd name="connsiteX0" fmla="*/ 5153 w 10000"/>
+                <a:gd name="connsiteY0" fmla="*/ 0 h 10000"/>
+                <a:gd name="connsiteX1" fmla="*/ 9875 w 10000"/>
+                <a:gd name="connsiteY1" fmla="*/ 172 h 10000"/>
+                <a:gd name="connsiteX2" fmla="*/ 8936 w 10000"/>
+                <a:gd name="connsiteY2" fmla="*/ 5064 h 10000"/>
+                <a:gd name="connsiteX3" fmla="*/ 10000 w 10000"/>
+                <a:gd name="connsiteY3" fmla="*/ 10000 h 10000"/>
+                <a:gd name="connsiteX4" fmla="*/ 5152 w 10000"/>
+                <a:gd name="connsiteY4" fmla="*/ 10000 h 10000"/>
+                <a:gd name="connsiteX5" fmla="*/ 0 w 10000"/>
+                <a:gd name="connsiteY5" fmla="*/ 5150 h 10000"/>
+                <a:gd name="connsiteX6" fmla="*/ 5153 w 10000"/>
+                <a:gd name="connsiteY6" fmla="*/ 0 h 10000"/>
+                <a:gd name="connsiteX0" fmla="*/ 5153 w 10001"/>
+                <a:gd name="connsiteY0" fmla="*/ 0 h 10000"/>
+                <a:gd name="connsiteX1" fmla="*/ 10001 w 10001"/>
+                <a:gd name="connsiteY1" fmla="*/ 215 h 10000"/>
+                <a:gd name="connsiteX2" fmla="*/ 8936 w 10001"/>
+                <a:gd name="connsiteY2" fmla="*/ 5064 h 10000"/>
+                <a:gd name="connsiteX3" fmla="*/ 10000 w 10001"/>
+                <a:gd name="connsiteY3" fmla="*/ 10000 h 10000"/>
+                <a:gd name="connsiteX4" fmla="*/ 5152 w 10001"/>
+                <a:gd name="connsiteY4" fmla="*/ 10000 h 10000"/>
+                <a:gd name="connsiteX5" fmla="*/ 0 w 10001"/>
+                <a:gd name="connsiteY5" fmla="*/ 5150 h 10000"/>
+                <a:gd name="connsiteX6" fmla="*/ 5153 w 10001"/>
+                <a:gd name="connsiteY6" fmla="*/ 0 h 10000"/>
+                <a:gd name="connsiteX0" fmla="*/ 5184 w 10001"/>
+                <a:gd name="connsiteY0" fmla="*/ 43 h 9785"/>
+                <a:gd name="connsiteX1" fmla="*/ 10001 w 10001"/>
+                <a:gd name="connsiteY1" fmla="*/ 0 h 9785"/>
+                <a:gd name="connsiteX2" fmla="*/ 8936 w 10001"/>
+                <a:gd name="connsiteY2" fmla="*/ 4849 h 9785"/>
+                <a:gd name="connsiteX3" fmla="*/ 10000 w 10001"/>
+                <a:gd name="connsiteY3" fmla="*/ 9785 h 9785"/>
+                <a:gd name="connsiteX4" fmla="*/ 5152 w 10001"/>
+                <a:gd name="connsiteY4" fmla="*/ 9785 h 9785"/>
+                <a:gd name="connsiteX5" fmla="*/ 0 w 10001"/>
+                <a:gd name="connsiteY5" fmla="*/ 4935 h 9785"/>
+                <a:gd name="connsiteX6" fmla="*/ 5184 w 10001"/>
+                <a:gd name="connsiteY6" fmla="*/ 43 h 9785"/>
+                <a:gd name="connsiteX0" fmla="*/ 5183 w 10000"/>
+                <a:gd name="connsiteY0" fmla="*/ 44 h 10000"/>
+                <a:gd name="connsiteX1" fmla="*/ 10000 w 10000"/>
+                <a:gd name="connsiteY1" fmla="*/ 0 h 10000"/>
+                <a:gd name="connsiteX2" fmla="*/ 8935 w 10000"/>
+                <a:gd name="connsiteY2" fmla="*/ 4956 h 10000"/>
+                <a:gd name="connsiteX3" fmla="*/ 9999 w 10000"/>
+                <a:gd name="connsiteY3" fmla="*/ 10000 h 10000"/>
+                <a:gd name="connsiteX4" fmla="*/ 5151 w 10000"/>
+                <a:gd name="connsiteY4" fmla="*/ 10000 h 10000"/>
+                <a:gd name="connsiteX5" fmla="*/ 0 w 10000"/>
+                <a:gd name="connsiteY5" fmla="*/ 5043 h 10000"/>
+                <a:gd name="connsiteX6" fmla="*/ 5183 w 10000"/>
+                <a:gd name="connsiteY6" fmla="*/ 44 h 10000"/>
+                <a:gd name="connsiteX0" fmla="*/ 5183 w 10000"/>
+                <a:gd name="connsiteY0" fmla="*/ 44 h 10000"/>
+                <a:gd name="connsiteX1" fmla="*/ 10000 w 10000"/>
+                <a:gd name="connsiteY1" fmla="*/ 0 h 10000"/>
+                <a:gd name="connsiteX2" fmla="*/ 8935 w 10000"/>
+                <a:gd name="connsiteY2" fmla="*/ 4956 h 10000"/>
+                <a:gd name="connsiteX3" fmla="*/ 9999 w 10000"/>
+                <a:gd name="connsiteY3" fmla="*/ 10000 h 10000"/>
+                <a:gd name="connsiteX4" fmla="*/ 5151 w 10000"/>
+                <a:gd name="connsiteY4" fmla="*/ 10000 h 10000"/>
+                <a:gd name="connsiteX5" fmla="*/ 0 w 10000"/>
+                <a:gd name="connsiteY5" fmla="*/ 5043 h 10000"/>
+                <a:gd name="connsiteX6" fmla="*/ 5183 w 10000"/>
+                <a:gd name="connsiteY6" fmla="*/ 44 h 10000"/>
+                <a:gd name="connsiteX0" fmla="*/ 5183 w 10000"/>
+                <a:gd name="connsiteY0" fmla="*/ 44 h 10000"/>
+                <a:gd name="connsiteX1" fmla="*/ 10000 w 10000"/>
+                <a:gd name="connsiteY1" fmla="*/ 0 h 10000"/>
+                <a:gd name="connsiteX2" fmla="*/ 8935 w 10000"/>
+                <a:gd name="connsiteY2" fmla="*/ 4956 h 10000"/>
+                <a:gd name="connsiteX3" fmla="*/ 9999 w 10000"/>
+                <a:gd name="connsiteY3" fmla="*/ 10000 h 10000"/>
+                <a:gd name="connsiteX4" fmla="*/ 5151 w 10000"/>
+                <a:gd name="connsiteY4" fmla="*/ 10000 h 10000"/>
+                <a:gd name="connsiteX5" fmla="*/ 0 w 10000"/>
+                <a:gd name="connsiteY5" fmla="*/ 5043 h 10000"/>
+                <a:gd name="connsiteX6" fmla="*/ 5183 w 10000"/>
+                <a:gd name="connsiteY6" fmla="*/ 44 h 10000"/>
+                <a:gd name="connsiteX0" fmla="*/ 5183 w 10000"/>
+                <a:gd name="connsiteY0" fmla="*/ 44 h 10000"/>
+                <a:gd name="connsiteX1" fmla="*/ 10000 w 10000"/>
+                <a:gd name="connsiteY1" fmla="*/ 0 h 10000"/>
+                <a:gd name="connsiteX2" fmla="*/ 8935 w 10000"/>
+                <a:gd name="connsiteY2" fmla="*/ 4956 h 10000"/>
+                <a:gd name="connsiteX3" fmla="*/ 9999 w 10000"/>
+                <a:gd name="connsiteY3" fmla="*/ 10000 h 10000"/>
+                <a:gd name="connsiteX4" fmla="*/ 5151 w 10000"/>
+                <a:gd name="connsiteY4" fmla="*/ 10000 h 10000"/>
+                <a:gd name="connsiteX5" fmla="*/ 0 w 10000"/>
+                <a:gd name="connsiteY5" fmla="*/ 5043 h 10000"/>
+                <a:gd name="connsiteX6" fmla="*/ 5183 w 10000"/>
+                <a:gd name="connsiteY6" fmla="*/ 44 h 10000"/>
+                <a:gd name="connsiteX0" fmla="*/ 5183 w 10000"/>
+                <a:gd name="connsiteY0" fmla="*/ 44 h 10000"/>
+                <a:gd name="connsiteX1" fmla="*/ 10000 w 10000"/>
+                <a:gd name="connsiteY1" fmla="*/ 0 h 10000"/>
+                <a:gd name="connsiteX2" fmla="*/ 8935 w 10000"/>
+                <a:gd name="connsiteY2" fmla="*/ 4956 h 10000"/>
+                <a:gd name="connsiteX3" fmla="*/ 9999 w 10000"/>
+                <a:gd name="connsiteY3" fmla="*/ 10000 h 10000"/>
+                <a:gd name="connsiteX4" fmla="*/ 5151 w 10000"/>
+                <a:gd name="connsiteY4" fmla="*/ 10000 h 10000"/>
+                <a:gd name="connsiteX5" fmla="*/ 0 w 10000"/>
+                <a:gd name="connsiteY5" fmla="*/ 5043 h 10000"/>
+                <a:gd name="connsiteX6" fmla="*/ 5183 w 10000"/>
+                <a:gd name="connsiteY6" fmla="*/ 44 h 10000"/>
+                <a:gd name="connsiteX0" fmla="*/ 5183 w 10000"/>
+                <a:gd name="connsiteY0" fmla="*/ 44 h 10000"/>
+                <a:gd name="connsiteX1" fmla="*/ 10000 w 10000"/>
+                <a:gd name="connsiteY1" fmla="*/ 0 h 10000"/>
+                <a:gd name="connsiteX2" fmla="*/ 8935 w 10000"/>
+                <a:gd name="connsiteY2" fmla="*/ 4956 h 10000"/>
+                <a:gd name="connsiteX3" fmla="*/ 9999 w 10000"/>
+                <a:gd name="connsiteY3" fmla="*/ 10000 h 10000"/>
+                <a:gd name="connsiteX4" fmla="*/ 5340 w 10000"/>
+                <a:gd name="connsiteY4" fmla="*/ 9956 h 10000"/>
+                <a:gd name="connsiteX5" fmla="*/ 0 w 10000"/>
+                <a:gd name="connsiteY5" fmla="*/ 5043 h 10000"/>
+                <a:gd name="connsiteX6" fmla="*/ 5183 w 10000"/>
+                <a:gd name="connsiteY6" fmla="*/ 44 h 10000"/>
+                <a:gd name="connsiteX0" fmla="*/ 5183 w 10000"/>
+                <a:gd name="connsiteY0" fmla="*/ 44 h 10000"/>
+                <a:gd name="connsiteX1" fmla="*/ 10000 w 10000"/>
+                <a:gd name="connsiteY1" fmla="*/ 0 h 10000"/>
+                <a:gd name="connsiteX2" fmla="*/ 8935 w 10000"/>
+                <a:gd name="connsiteY2" fmla="*/ 4956 h 10000"/>
+                <a:gd name="connsiteX3" fmla="*/ 9999 w 10000"/>
+                <a:gd name="connsiteY3" fmla="*/ 10000 h 10000"/>
+                <a:gd name="connsiteX4" fmla="*/ 5340 w 10000"/>
+                <a:gd name="connsiteY4" fmla="*/ 9956 h 10000"/>
+                <a:gd name="connsiteX5" fmla="*/ 0 w 10000"/>
+                <a:gd name="connsiteY5" fmla="*/ 5043 h 10000"/>
+                <a:gd name="connsiteX6" fmla="*/ 5183 w 10000"/>
+                <a:gd name="connsiteY6" fmla="*/ 44 h 10000"/>
+                <a:gd name="connsiteX0" fmla="*/ 5183 w 10000"/>
+                <a:gd name="connsiteY0" fmla="*/ 44 h 10000"/>
+                <a:gd name="connsiteX1" fmla="*/ 10000 w 10000"/>
+                <a:gd name="connsiteY1" fmla="*/ 0 h 10000"/>
+                <a:gd name="connsiteX2" fmla="*/ 8935 w 10000"/>
+                <a:gd name="connsiteY2" fmla="*/ 4956 h 10000"/>
+                <a:gd name="connsiteX3" fmla="*/ 9999 w 10000"/>
+                <a:gd name="connsiteY3" fmla="*/ 10000 h 10000"/>
+                <a:gd name="connsiteX4" fmla="*/ 5183 w 10000"/>
+                <a:gd name="connsiteY4" fmla="*/ 9912 h 10000"/>
+                <a:gd name="connsiteX5" fmla="*/ 0 w 10000"/>
+                <a:gd name="connsiteY5" fmla="*/ 5043 h 10000"/>
+                <a:gd name="connsiteX6" fmla="*/ 5183 w 10000"/>
+                <a:gd name="connsiteY6" fmla="*/ 44 h 10000"/>
+                <a:gd name="connsiteX0" fmla="*/ 603 w 5420"/>
+                <a:gd name="connsiteY0" fmla="*/ 44 h 10000"/>
+                <a:gd name="connsiteX1" fmla="*/ 5420 w 5420"/>
+                <a:gd name="connsiteY1" fmla="*/ 0 h 10000"/>
+                <a:gd name="connsiteX2" fmla="*/ 4355 w 5420"/>
+                <a:gd name="connsiteY2" fmla="*/ 4956 h 10000"/>
+                <a:gd name="connsiteX3" fmla="*/ 5419 w 5420"/>
+                <a:gd name="connsiteY3" fmla="*/ 10000 h 10000"/>
+                <a:gd name="connsiteX4" fmla="*/ 603 w 5420"/>
+                <a:gd name="connsiteY4" fmla="*/ 9912 h 10000"/>
+                <a:gd name="connsiteX5" fmla="*/ 603 w 5420"/>
+                <a:gd name="connsiteY5" fmla="*/ 44 h 10000"/>
+                <a:gd name="connsiteX0" fmla="*/ 1112 w 9999"/>
+                <a:gd name="connsiteY0" fmla="*/ 9912 h 11176"/>
+                <a:gd name="connsiteX1" fmla="*/ 1112 w 9999"/>
+                <a:gd name="connsiteY1" fmla="*/ 44 h 11176"/>
+                <a:gd name="connsiteX2" fmla="*/ 9999 w 9999"/>
+                <a:gd name="connsiteY2" fmla="*/ 0 h 11176"/>
+                <a:gd name="connsiteX3" fmla="*/ 8034 w 9999"/>
+                <a:gd name="connsiteY3" fmla="*/ 4956 h 11176"/>
+                <a:gd name="connsiteX4" fmla="*/ 9997 w 9999"/>
+                <a:gd name="connsiteY4" fmla="*/ 10000 h 11176"/>
+                <a:gd name="connsiteX5" fmla="*/ 2783 w 9999"/>
+                <a:gd name="connsiteY5" fmla="*/ 11176 h 11176"/>
+                <a:gd name="connsiteX0" fmla="*/ 1112 w 10000"/>
+                <a:gd name="connsiteY0" fmla="*/ 8869 h 8948"/>
+                <a:gd name="connsiteX1" fmla="*/ 1112 w 10000"/>
+                <a:gd name="connsiteY1" fmla="*/ 39 h 8948"/>
+                <a:gd name="connsiteX2" fmla="*/ 10000 w 10000"/>
+                <a:gd name="connsiteY2" fmla="*/ 0 h 8948"/>
+                <a:gd name="connsiteX3" fmla="*/ 8035 w 10000"/>
+                <a:gd name="connsiteY3" fmla="*/ 4435 h 8948"/>
+                <a:gd name="connsiteX4" fmla="*/ 9998 w 10000"/>
+                <a:gd name="connsiteY4" fmla="*/ 8948 h 8948"/>
+                <a:gd name="connsiteX0" fmla="*/ 0 w 8888"/>
+                <a:gd name="connsiteY0" fmla="*/ 44 h 10000"/>
+                <a:gd name="connsiteX1" fmla="*/ 8888 w 8888"/>
+                <a:gd name="connsiteY1" fmla="*/ 0 h 10000"/>
+                <a:gd name="connsiteX2" fmla="*/ 6923 w 8888"/>
+                <a:gd name="connsiteY2" fmla="*/ 4956 h 10000"/>
+                <a:gd name="connsiteX3" fmla="*/ 8886 w 8888"/>
+                <a:gd name="connsiteY3" fmla="*/ 10000 h 10000"/>
+                <a:gd name="connsiteX0" fmla="*/ 2211 w 2211"/>
+                <a:gd name="connsiteY0" fmla="*/ 0 h 10000"/>
+                <a:gd name="connsiteX1" fmla="*/ 0 w 2211"/>
+                <a:gd name="connsiteY1" fmla="*/ 4956 h 10000"/>
+                <a:gd name="connsiteX2" fmla="*/ 2209 w 2211"/>
+                <a:gd name="connsiteY2" fmla="*/ 10000 h 10000"/>
+              </a:gdLst>
+              <a:ahLst/>
+              <a:cxnLst>
+                <a:cxn ang="0">
+                  <a:pos x="connsiteX0" y="connsiteY0"/>
+                </a:cxn>
+                <a:cxn ang="0">
+                  <a:pos x="connsiteX1" y="connsiteY1"/>
+                </a:cxn>
+                <a:cxn ang="0">
+                  <a:pos x="connsiteX2" y="connsiteY2"/>
+                </a:cxn>
+              </a:cxnLst>
+              <a:rect l="l" t="t" r="r" b="b"/>
+              <a:pathLst>
+                <a:path w="2211" h="10000">
+                  <a:moveTo>
+                    <a:pt x="2211" y="0"/>
+                  </a:moveTo>
+                  <a:cubicBezTo>
+                    <a:pt x="739" y="0"/>
+                    <a:pt x="0" y="3289"/>
+                    <a:pt x="0" y="4956"/>
+                  </a:cubicBezTo>
+                  <a:cubicBezTo>
+                    <a:pt x="0" y="6622"/>
+                    <a:pt x="737" y="10000"/>
+                    <a:pt x="2209" y="10000"/>
+                  </a:cubicBezTo>
+                </a:path>
+              </a:pathLst>
+            </a:custGeom>
+            <a:noFill/>
+            <a:ln w="28575">
+              <a:solidFill>
+                <a:schemeClr val="tx1"/>
+              </a:solidFill>
+              <a:prstDash val="solid"/>
+            </a:ln>
+          </p:spPr>
+          <p:style>
+            <a:lnRef idx="2">
+              <a:schemeClr val="accent1">
+                <a:shade val="50000"/>
+              </a:schemeClr>
+            </a:lnRef>
+            <a:fillRef idx="1">
+              <a:schemeClr val="accent1"/>
+            </a:fillRef>
+            <a:effectRef idx="0">
+              <a:schemeClr val="accent1"/>
+            </a:effectRef>
+            <a:fontRef idx="minor">
+              <a:schemeClr val="lt1"/>
+            </a:fontRef>
+          </p:style>
+          <p:txBody>
+            <a:bodyPr rtlCol="0" anchor="ctr"/>
+            <a:lstStyle/>
+            <a:p>
+              <a:pPr algn="ctr"/>
+              <a:endParaRPr lang="en-GB">
+                <a:latin typeface="Consolas" panose="020B0609020204030204" pitchFamily="49" charset="0"/>
+              </a:endParaRPr>
+            </a:p>
+          </p:txBody>
+        </p:sp>
+        <p:sp>
+          <p:nvSpPr>
+            <p:cNvPr id="76" name="Stored Data 71"/>
+            <p:cNvSpPr/>
+            <p:nvPr/>
+          </p:nvSpPr>
+          <p:spPr>
+            <a:xfrm rot="10800000">
+              <a:off x="3218362" y="2241345"/>
+              <a:ext cx="37028" cy="386231"/>
+            </a:xfrm>
+            <a:custGeom>
+              <a:avLst/>
+              <a:gdLst>
+                <a:gd name="connsiteX0" fmla="*/ 1667 w 10000"/>
+                <a:gd name="connsiteY0" fmla="*/ 0 h 10000"/>
+                <a:gd name="connsiteX1" fmla="*/ 10000 w 10000"/>
+                <a:gd name="connsiteY1" fmla="*/ 0 h 10000"/>
+                <a:gd name="connsiteX2" fmla="*/ 8333 w 10000"/>
+                <a:gd name="connsiteY2" fmla="*/ 5000 h 10000"/>
+                <a:gd name="connsiteX3" fmla="*/ 10000 w 10000"/>
+                <a:gd name="connsiteY3" fmla="*/ 10000 h 10000"/>
+                <a:gd name="connsiteX4" fmla="*/ 1667 w 10000"/>
+                <a:gd name="connsiteY4" fmla="*/ 10000 h 10000"/>
+                <a:gd name="connsiteX5" fmla="*/ 0 w 10000"/>
+                <a:gd name="connsiteY5" fmla="*/ 5000 h 10000"/>
+                <a:gd name="connsiteX6" fmla="*/ 1667 w 10000"/>
+                <a:gd name="connsiteY6" fmla="*/ 0 h 10000"/>
+                <a:gd name="connsiteX0" fmla="*/ 4932 w 13265"/>
+                <a:gd name="connsiteY0" fmla="*/ 0 h 10000"/>
+                <a:gd name="connsiteX1" fmla="*/ 13265 w 13265"/>
+                <a:gd name="connsiteY1" fmla="*/ 0 h 10000"/>
+                <a:gd name="connsiteX2" fmla="*/ 11598 w 13265"/>
+                <a:gd name="connsiteY2" fmla="*/ 5000 h 10000"/>
+                <a:gd name="connsiteX3" fmla="*/ 13265 w 13265"/>
+                <a:gd name="connsiteY3" fmla="*/ 10000 h 10000"/>
+                <a:gd name="connsiteX4" fmla="*/ 4932 w 13265"/>
+                <a:gd name="connsiteY4" fmla="*/ 10000 h 10000"/>
+                <a:gd name="connsiteX5" fmla="*/ 0 w 13265"/>
+                <a:gd name="connsiteY5" fmla="*/ 5084 h 10000"/>
+                <a:gd name="connsiteX6" fmla="*/ 4932 w 13265"/>
+                <a:gd name="connsiteY6" fmla="*/ 0 h 10000"/>
+                <a:gd name="connsiteX0" fmla="*/ 5226 w 13559"/>
+                <a:gd name="connsiteY0" fmla="*/ 0 h 10000"/>
+                <a:gd name="connsiteX1" fmla="*/ 13559 w 13559"/>
+                <a:gd name="connsiteY1" fmla="*/ 0 h 10000"/>
+                <a:gd name="connsiteX2" fmla="*/ 11892 w 13559"/>
+                <a:gd name="connsiteY2" fmla="*/ 5000 h 10000"/>
+                <a:gd name="connsiteX3" fmla="*/ 13559 w 13559"/>
+                <a:gd name="connsiteY3" fmla="*/ 10000 h 10000"/>
+                <a:gd name="connsiteX4" fmla="*/ 5226 w 13559"/>
+                <a:gd name="connsiteY4" fmla="*/ 10000 h 10000"/>
+                <a:gd name="connsiteX5" fmla="*/ 294 w 13559"/>
+                <a:gd name="connsiteY5" fmla="*/ 5084 h 10000"/>
+                <a:gd name="connsiteX6" fmla="*/ 5226 w 13559"/>
+                <a:gd name="connsiteY6" fmla="*/ 0 h 10000"/>
+                <a:gd name="connsiteX0" fmla="*/ 4933 w 13266"/>
+                <a:gd name="connsiteY0" fmla="*/ 0 h 10000"/>
+                <a:gd name="connsiteX1" fmla="*/ 13266 w 13266"/>
+                <a:gd name="connsiteY1" fmla="*/ 0 h 10000"/>
+                <a:gd name="connsiteX2" fmla="*/ 11599 w 13266"/>
+                <a:gd name="connsiteY2" fmla="*/ 5000 h 10000"/>
+                <a:gd name="connsiteX3" fmla="*/ 13266 w 13266"/>
+                <a:gd name="connsiteY3" fmla="*/ 10000 h 10000"/>
+                <a:gd name="connsiteX4" fmla="*/ 4933 w 13266"/>
+                <a:gd name="connsiteY4" fmla="*/ 10000 h 10000"/>
+                <a:gd name="connsiteX5" fmla="*/ 1 w 13266"/>
+                <a:gd name="connsiteY5" fmla="*/ 5084 h 10000"/>
+                <a:gd name="connsiteX6" fmla="*/ 4933 w 13266"/>
+                <a:gd name="connsiteY6" fmla="*/ 0 h 10000"/>
+                <a:gd name="connsiteX0" fmla="*/ 4933 w 13266"/>
+                <a:gd name="connsiteY0" fmla="*/ 0 h 10000"/>
+                <a:gd name="connsiteX1" fmla="*/ 13266 w 13266"/>
+                <a:gd name="connsiteY1" fmla="*/ 0 h 10000"/>
+                <a:gd name="connsiteX2" fmla="*/ 11599 w 13266"/>
+                <a:gd name="connsiteY2" fmla="*/ 5000 h 10000"/>
+                <a:gd name="connsiteX3" fmla="*/ 13266 w 13266"/>
+                <a:gd name="connsiteY3" fmla="*/ 10000 h 10000"/>
+                <a:gd name="connsiteX4" fmla="*/ 4933 w 13266"/>
+                <a:gd name="connsiteY4" fmla="*/ 10000 h 10000"/>
+                <a:gd name="connsiteX5" fmla="*/ 1 w 13266"/>
+                <a:gd name="connsiteY5" fmla="*/ 5084 h 10000"/>
+                <a:gd name="connsiteX6" fmla="*/ 4933 w 13266"/>
+                <a:gd name="connsiteY6" fmla="*/ 0 h 10000"/>
+                <a:gd name="connsiteX0" fmla="*/ 4966 w 13299"/>
+                <a:gd name="connsiteY0" fmla="*/ 0 h 10000"/>
+                <a:gd name="connsiteX1" fmla="*/ 13299 w 13299"/>
+                <a:gd name="connsiteY1" fmla="*/ 0 h 10000"/>
+                <a:gd name="connsiteX2" fmla="*/ 11632 w 13299"/>
+                <a:gd name="connsiteY2" fmla="*/ 5000 h 10000"/>
+                <a:gd name="connsiteX3" fmla="*/ 13299 w 13299"/>
+                <a:gd name="connsiteY3" fmla="*/ 10000 h 10000"/>
+                <a:gd name="connsiteX4" fmla="*/ 7782 w 13299"/>
+                <a:gd name="connsiteY4" fmla="*/ 10000 h 10000"/>
+                <a:gd name="connsiteX5" fmla="*/ 34 w 13299"/>
+                <a:gd name="connsiteY5" fmla="*/ 5084 h 10000"/>
+                <a:gd name="connsiteX6" fmla="*/ 4966 w 13299"/>
+                <a:gd name="connsiteY6" fmla="*/ 0 h 10000"/>
+                <a:gd name="connsiteX0" fmla="*/ 4947 w 13280"/>
+                <a:gd name="connsiteY0" fmla="*/ 0 h 10000"/>
+                <a:gd name="connsiteX1" fmla="*/ 13280 w 13280"/>
+                <a:gd name="connsiteY1" fmla="*/ 0 h 10000"/>
+                <a:gd name="connsiteX2" fmla="*/ 11613 w 13280"/>
+                <a:gd name="connsiteY2" fmla="*/ 5000 h 10000"/>
+                <a:gd name="connsiteX3" fmla="*/ 13280 w 13280"/>
+                <a:gd name="connsiteY3" fmla="*/ 10000 h 10000"/>
+                <a:gd name="connsiteX4" fmla="*/ 6702 w 13280"/>
+                <a:gd name="connsiteY4" fmla="*/ 9832 h 10000"/>
+                <a:gd name="connsiteX5" fmla="*/ 15 w 13280"/>
+                <a:gd name="connsiteY5" fmla="*/ 5084 h 10000"/>
+                <a:gd name="connsiteX6" fmla="*/ 4947 w 13280"/>
+                <a:gd name="connsiteY6" fmla="*/ 0 h 10000"/>
+                <a:gd name="connsiteX0" fmla="*/ 4933 w 13266"/>
+                <a:gd name="connsiteY0" fmla="*/ 0 h 10000"/>
+                <a:gd name="connsiteX1" fmla="*/ 13266 w 13266"/>
+                <a:gd name="connsiteY1" fmla="*/ 0 h 10000"/>
+                <a:gd name="connsiteX2" fmla="*/ 11599 w 13266"/>
+                <a:gd name="connsiteY2" fmla="*/ 5000 h 10000"/>
+                <a:gd name="connsiteX3" fmla="*/ 13266 w 13266"/>
+                <a:gd name="connsiteY3" fmla="*/ 10000 h 10000"/>
+                <a:gd name="connsiteX4" fmla="*/ 6688 w 13266"/>
+                <a:gd name="connsiteY4" fmla="*/ 9832 h 10000"/>
+                <a:gd name="connsiteX5" fmla="*/ 1 w 13266"/>
+                <a:gd name="connsiteY5" fmla="*/ 5084 h 10000"/>
+                <a:gd name="connsiteX6" fmla="*/ 4933 w 13266"/>
+                <a:gd name="connsiteY6" fmla="*/ 0 h 10000"/>
+                <a:gd name="connsiteX0" fmla="*/ 5711 w 13268"/>
+                <a:gd name="connsiteY0" fmla="*/ 126 h 10000"/>
+                <a:gd name="connsiteX1" fmla="*/ 13268 w 13268"/>
+                <a:gd name="connsiteY1" fmla="*/ 0 h 10000"/>
+                <a:gd name="connsiteX2" fmla="*/ 11601 w 13268"/>
+                <a:gd name="connsiteY2" fmla="*/ 5000 h 10000"/>
+                <a:gd name="connsiteX3" fmla="*/ 13268 w 13268"/>
+                <a:gd name="connsiteY3" fmla="*/ 10000 h 10000"/>
+                <a:gd name="connsiteX4" fmla="*/ 6690 w 13268"/>
+                <a:gd name="connsiteY4" fmla="*/ 9832 h 10000"/>
+                <a:gd name="connsiteX5" fmla="*/ 3 w 13268"/>
+                <a:gd name="connsiteY5" fmla="*/ 5084 h 10000"/>
+                <a:gd name="connsiteX6" fmla="*/ 5711 w 13268"/>
+                <a:gd name="connsiteY6" fmla="*/ 126 h 10000"/>
+                <a:gd name="connsiteX0" fmla="*/ 5709 w 13266"/>
+                <a:gd name="connsiteY0" fmla="*/ 126 h 10000"/>
+                <a:gd name="connsiteX1" fmla="*/ 13266 w 13266"/>
+                <a:gd name="connsiteY1" fmla="*/ 0 h 10000"/>
+                <a:gd name="connsiteX2" fmla="*/ 11599 w 13266"/>
+                <a:gd name="connsiteY2" fmla="*/ 5000 h 10000"/>
+                <a:gd name="connsiteX3" fmla="*/ 13266 w 13266"/>
+                <a:gd name="connsiteY3" fmla="*/ 10000 h 10000"/>
+                <a:gd name="connsiteX4" fmla="*/ 6688 w 13266"/>
+                <a:gd name="connsiteY4" fmla="*/ 9832 h 10000"/>
+                <a:gd name="connsiteX5" fmla="*/ 1 w 13266"/>
+                <a:gd name="connsiteY5" fmla="*/ 5084 h 10000"/>
+                <a:gd name="connsiteX6" fmla="*/ 5709 w 13266"/>
+                <a:gd name="connsiteY6" fmla="*/ 126 h 10000"/>
+                <a:gd name="connsiteX0" fmla="*/ 5709 w 13266"/>
+                <a:gd name="connsiteY0" fmla="*/ 126 h 10000"/>
+                <a:gd name="connsiteX1" fmla="*/ 13266 w 13266"/>
+                <a:gd name="connsiteY1" fmla="*/ 0 h 10000"/>
+                <a:gd name="connsiteX2" fmla="*/ 11599 w 13266"/>
+                <a:gd name="connsiteY2" fmla="*/ 5000 h 10000"/>
+                <a:gd name="connsiteX3" fmla="*/ 13266 w 13266"/>
+                <a:gd name="connsiteY3" fmla="*/ 10000 h 10000"/>
+                <a:gd name="connsiteX4" fmla="*/ 6688 w 13266"/>
+                <a:gd name="connsiteY4" fmla="*/ 9832 h 10000"/>
+                <a:gd name="connsiteX5" fmla="*/ 1 w 13266"/>
+                <a:gd name="connsiteY5" fmla="*/ 5084 h 10000"/>
+                <a:gd name="connsiteX6" fmla="*/ 5709 w 13266"/>
+                <a:gd name="connsiteY6" fmla="*/ 126 h 10000"/>
+                <a:gd name="connsiteX0" fmla="*/ 6688 w 13265"/>
+                <a:gd name="connsiteY0" fmla="*/ 42 h 10000"/>
+                <a:gd name="connsiteX1" fmla="*/ 13265 w 13265"/>
+                <a:gd name="connsiteY1" fmla="*/ 0 h 10000"/>
+                <a:gd name="connsiteX2" fmla="*/ 11598 w 13265"/>
+                <a:gd name="connsiteY2" fmla="*/ 5000 h 10000"/>
+                <a:gd name="connsiteX3" fmla="*/ 13265 w 13265"/>
+                <a:gd name="connsiteY3" fmla="*/ 10000 h 10000"/>
+                <a:gd name="connsiteX4" fmla="*/ 6687 w 13265"/>
+                <a:gd name="connsiteY4" fmla="*/ 9832 h 10000"/>
+                <a:gd name="connsiteX5" fmla="*/ 0 w 13265"/>
+                <a:gd name="connsiteY5" fmla="*/ 5084 h 10000"/>
+                <a:gd name="connsiteX6" fmla="*/ 6688 w 13265"/>
+                <a:gd name="connsiteY6" fmla="*/ 42 h 10000"/>
+                <a:gd name="connsiteX0" fmla="*/ 6688 w 13265"/>
+                <a:gd name="connsiteY0" fmla="*/ 42 h 9832"/>
+                <a:gd name="connsiteX1" fmla="*/ 13265 w 13265"/>
+                <a:gd name="connsiteY1" fmla="*/ 0 h 9832"/>
+                <a:gd name="connsiteX2" fmla="*/ 11598 w 13265"/>
+                <a:gd name="connsiteY2" fmla="*/ 5000 h 9832"/>
+                <a:gd name="connsiteX3" fmla="*/ 11387 w 13265"/>
+                <a:gd name="connsiteY3" fmla="*/ 9790 h 9832"/>
+                <a:gd name="connsiteX4" fmla="*/ 6687 w 13265"/>
+                <a:gd name="connsiteY4" fmla="*/ 9832 h 9832"/>
+                <a:gd name="connsiteX5" fmla="*/ 0 w 13265"/>
+                <a:gd name="connsiteY5" fmla="*/ 5084 h 9832"/>
+                <a:gd name="connsiteX6" fmla="*/ 6688 w 13265"/>
+                <a:gd name="connsiteY6" fmla="*/ 42 h 9832"/>
+                <a:gd name="connsiteX0" fmla="*/ 5042 w 10000"/>
+                <a:gd name="connsiteY0" fmla="*/ 43 h 10000"/>
+                <a:gd name="connsiteX1" fmla="*/ 10000 w 10000"/>
+                <a:gd name="connsiteY1" fmla="*/ 0 h 10000"/>
+                <a:gd name="connsiteX2" fmla="*/ 8743 w 10000"/>
+                <a:gd name="connsiteY2" fmla="*/ 5085 h 10000"/>
+                <a:gd name="connsiteX3" fmla="*/ 9692 w 10000"/>
+                <a:gd name="connsiteY3" fmla="*/ 10000 h 10000"/>
+                <a:gd name="connsiteX4" fmla="*/ 5041 w 10000"/>
+                <a:gd name="connsiteY4" fmla="*/ 10000 h 10000"/>
+                <a:gd name="connsiteX5" fmla="*/ 0 w 10000"/>
+                <a:gd name="connsiteY5" fmla="*/ 5171 h 10000"/>
+                <a:gd name="connsiteX6" fmla="*/ 5042 w 10000"/>
+                <a:gd name="connsiteY6" fmla="*/ 43 h 10000"/>
+                <a:gd name="connsiteX0" fmla="*/ 5042 w 10000"/>
+                <a:gd name="connsiteY0" fmla="*/ 43 h 10000"/>
+                <a:gd name="connsiteX1" fmla="*/ 10000 w 10000"/>
+                <a:gd name="connsiteY1" fmla="*/ 0 h 10000"/>
+                <a:gd name="connsiteX2" fmla="*/ 8743 w 10000"/>
+                <a:gd name="connsiteY2" fmla="*/ 5085 h 10000"/>
+                <a:gd name="connsiteX3" fmla="*/ 9784 w 10000"/>
+                <a:gd name="connsiteY3" fmla="*/ 10000 h 10000"/>
+                <a:gd name="connsiteX4" fmla="*/ 5041 w 10000"/>
+                <a:gd name="connsiteY4" fmla="*/ 10000 h 10000"/>
+                <a:gd name="connsiteX5" fmla="*/ 0 w 10000"/>
+                <a:gd name="connsiteY5" fmla="*/ 5171 h 10000"/>
+                <a:gd name="connsiteX6" fmla="*/ 5042 w 10000"/>
+                <a:gd name="connsiteY6" fmla="*/ 43 h 10000"/>
+                <a:gd name="connsiteX0" fmla="*/ 5042 w 9784"/>
+                <a:gd name="connsiteY0" fmla="*/ 0 h 9957"/>
+                <a:gd name="connsiteX1" fmla="*/ 9415 w 9784"/>
+                <a:gd name="connsiteY1" fmla="*/ 171 h 9957"/>
+                <a:gd name="connsiteX2" fmla="*/ 8743 w 9784"/>
+                <a:gd name="connsiteY2" fmla="*/ 5042 h 9957"/>
+                <a:gd name="connsiteX3" fmla="*/ 9784 w 9784"/>
+                <a:gd name="connsiteY3" fmla="*/ 9957 h 9957"/>
+                <a:gd name="connsiteX4" fmla="*/ 5041 w 9784"/>
+                <a:gd name="connsiteY4" fmla="*/ 9957 h 9957"/>
+                <a:gd name="connsiteX5" fmla="*/ 0 w 9784"/>
+                <a:gd name="connsiteY5" fmla="*/ 5128 h 9957"/>
+                <a:gd name="connsiteX6" fmla="*/ 5042 w 9784"/>
+                <a:gd name="connsiteY6" fmla="*/ 0 h 9957"/>
+                <a:gd name="connsiteX0" fmla="*/ 5153 w 10000"/>
+                <a:gd name="connsiteY0" fmla="*/ 0 h 10000"/>
+                <a:gd name="connsiteX1" fmla="*/ 9875 w 10000"/>
+                <a:gd name="connsiteY1" fmla="*/ 172 h 10000"/>
+                <a:gd name="connsiteX2" fmla="*/ 8936 w 10000"/>
+                <a:gd name="connsiteY2" fmla="*/ 5064 h 10000"/>
+                <a:gd name="connsiteX3" fmla="*/ 10000 w 10000"/>
+                <a:gd name="connsiteY3" fmla="*/ 10000 h 10000"/>
+                <a:gd name="connsiteX4" fmla="*/ 5152 w 10000"/>
+                <a:gd name="connsiteY4" fmla="*/ 10000 h 10000"/>
+                <a:gd name="connsiteX5" fmla="*/ 0 w 10000"/>
+                <a:gd name="connsiteY5" fmla="*/ 5150 h 10000"/>
+                <a:gd name="connsiteX6" fmla="*/ 5153 w 10000"/>
+                <a:gd name="connsiteY6" fmla="*/ 0 h 10000"/>
+                <a:gd name="connsiteX0" fmla="*/ 5153 w 10001"/>
+                <a:gd name="connsiteY0" fmla="*/ 0 h 10000"/>
+                <a:gd name="connsiteX1" fmla="*/ 10001 w 10001"/>
+                <a:gd name="connsiteY1" fmla="*/ 215 h 10000"/>
+                <a:gd name="connsiteX2" fmla="*/ 8936 w 10001"/>
+                <a:gd name="connsiteY2" fmla="*/ 5064 h 10000"/>
+                <a:gd name="connsiteX3" fmla="*/ 10000 w 10001"/>
+                <a:gd name="connsiteY3" fmla="*/ 10000 h 10000"/>
+                <a:gd name="connsiteX4" fmla="*/ 5152 w 10001"/>
+                <a:gd name="connsiteY4" fmla="*/ 10000 h 10000"/>
+                <a:gd name="connsiteX5" fmla="*/ 0 w 10001"/>
+                <a:gd name="connsiteY5" fmla="*/ 5150 h 10000"/>
+                <a:gd name="connsiteX6" fmla="*/ 5153 w 10001"/>
+                <a:gd name="connsiteY6" fmla="*/ 0 h 10000"/>
+                <a:gd name="connsiteX0" fmla="*/ 5184 w 10001"/>
+                <a:gd name="connsiteY0" fmla="*/ 43 h 9785"/>
+                <a:gd name="connsiteX1" fmla="*/ 10001 w 10001"/>
+                <a:gd name="connsiteY1" fmla="*/ 0 h 9785"/>
+                <a:gd name="connsiteX2" fmla="*/ 8936 w 10001"/>
+                <a:gd name="connsiteY2" fmla="*/ 4849 h 9785"/>
+                <a:gd name="connsiteX3" fmla="*/ 10000 w 10001"/>
+                <a:gd name="connsiteY3" fmla="*/ 9785 h 9785"/>
+                <a:gd name="connsiteX4" fmla="*/ 5152 w 10001"/>
+                <a:gd name="connsiteY4" fmla="*/ 9785 h 9785"/>
+                <a:gd name="connsiteX5" fmla="*/ 0 w 10001"/>
+                <a:gd name="connsiteY5" fmla="*/ 4935 h 9785"/>
+                <a:gd name="connsiteX6" fmla="*/ 5184 w 10001"/>
+                <a:gd name="connsiteY6" fmla="*/ 43 h 9785"/>
+                <a:gd name="connsiteX0" fmla="*/ 5183 w 10000"/>
+                <a:gd name="connsiteY0" fmla="*/ 44 h 10000"/>
+                <a:gd name="connsiteX1" fmla="*/ 10000 w 10000"/>
+                <a:gd name="connsiteY1" fmla="*/ 0 h 10000"/>
+                <a:gd name="connsiteX2" fmla="*/ 8935 w 10000"/>
+                <a:gd name="connsiteY2" fmla="*/ 4956 h 10000"/>
+                <a:gd name="connsiteX3" fmla="*/ 9999 w 10000"/>
+                <a:gd name="connsiteY3" fmla="*/ 10000 h 10000"/>
+                <a:gd name="connsiteX4" fmla="*/ 5151 w 10000"/>
+                <a:gd name="connsiteY4" fmla="*/ 10000 h 10000"/>
+                <a:gd name="connsiteX5" fmla="*/ 0 w 10000"/>
+                <a:gd name="connsiteY5" fmla="*/ 5043 h 10000"/>
+                <a:gd name="connsiteX6" fmla="*/ 5183 w 10000"/>
+                <a:gd name="connsiteY6" fmla="*/ 44 h 10000"/>
+                <a:gd name="connsiteX0" fmla="*/ 5183 w 10000"/>
+                <a:gd name="connsiteY0" fmla="*/ 44 h 10000"/>
+                <a:gd name="connsiteX1" fmla="*/ 10000 w 10000"/>
+                <a:gd name="connsiteY1" fmla="*/ 0 h 10000"/>
+                <a:gd name="connsiteX2" fmla="*/ 8935 w 10000"/>
+                <a:gd name="connsiteY2" fmla="*/ 4956 h 10000"/>
+                <a:gd name="connsiteX3" fmla="*/ 9999 w 10000"/>
+                <a:gd name="connsiteY3" fmla="*/ 10000 h 10000"/>
+                <a:gd name="connsiteX4" fmla="*/ 5151 w 10000"/>
+                <a:gd name="connsiteY4" fmla="*/ 10000 h 10000"/>
+                <a:gd name="connsiteX5" fmla="*/ 0 w 10000"/>
+                <a:gd name="connsiteY5" fmla="*/ 5043 h 10000"/>
+                <a:gd name="connsiteX6" fmla="*/ 5183 w 10000"/>
+                <a:gd name="connsiteY6" fmla="*/ 44 h 10000"/>
+                <a:gd name="connsiteX0" fmla="*/ 5183 w 10000"/>
+                <a:gd name="connsiteY0" fmla="*/ 44 h 10000"/>
+                <a:gd name="connsiteX1" fmla="*/ 10000 w 10000"/>
+                <a:gd name="connsiteY1" fmla="*/ 0 h 10000"/>
+                <a:gd name="connsiteX2" fmla="*/ 8935 w 10000"/>
+                <a:gd name="connsiteY2" fmla="*/ 4956 h 10000"/>
+                <a:gd name="connsiteX3" fmla="*/ 9999 w 10000"/>
+                <a:gd name="connsiteY3" fmla="*/ 10000 h 10000"/>
+                <a:gd name="connsiteX4" fmla="*/ 5151 w 10000"/>
+                <a:gd name="connsiteY4" fmla="*/ 10000 h 10000"/>
+                <a:gd name="connsiteX5" fmla="*/ 0 w 10000"/>
+                <a:gd name="connsiteY5" fmla="*/ 5043 h 10000"/>
+                <a:gd name="connsiteX6" fmla="*/ 5183 w 10000"/>
+                <a:gd name="connsiteY6" fmla="*/ 44 h 10000"/>
+                <a:gd name="connsiteX0" fmla="*/ 5183 w 10000"/>
+                <a:gd name="connsiteY0" fmla="*/ 44 h 10000"/>
+                <a:gd name="connsiteX1" fmla="*/ 10000 w 10000"/>
+                <a:gd name="connsiteY1" fmla="*/ 0 h 10000"/>
+                <a:gd name="connsiteX2" fmla="*/ 8935 w 10000"/>
+                <a:gd name="connsiteY2" fmla="*/ 4956 h 10000"/>
+                <a:gd name="connsiteX3" fmla="*/ 9999 w 10000"/>
+                <a:gd name="connsiteY3" fmla="*/ 10000 h 10000"/>
+                <a:gd name="connsiteX4" fmla="*/ 5151 w 10000"/>
+                <a:gd name="connsiteY4" fmla="*/ 10000 h 10000"/>
+                <a:gd name="connsiteX5" fmla="*/ 0 w 10000"/>
+                <a:gd name="connsiteY5" fmla="*/ 5043 h 10000"/>
+                <a:gd name="connsiteX6" fmla="*/ 5183 w 10000"/>
+                <a:gd name="connsiteY6" fmla="*/ 44 h 10000"/>
+                <a:gd name="connsiteX0" fmla="*/ 5183 w 10000"/>
+                <a:gd name="connsiteY0" fmla="*/ 44 h 10000"/>
+                <a:gd name="connsiteX1" fmla="*/ 10000 w 10000"/>
+                <a:gd name="connsiteY1" fmla="*/ 0 h 10000"/>
+                <a:gd name="connsiteX2" fmla="*/ 8935 w 10000"/>
+                <a:gd name="connsiteY2" fmla="*/ 4956 h 10000"/>
+                <a:gd name="connsiteX3" fmla="*/ 9999 w 10000"/>
+                <a:gd name="connsiteY3" fmla="*/ 10000 h 10000"/>
+                <a:gd name="connsiteX4" fmla="*/ 5151 w 10000"/>
+                <a:gd name="connsiteY4" fmla="*/ 10000 h 10000"/>
+                <a:gd name="connsiteX5" fmla="*/ 0 w 10000"/>
+                <a:gd name="connsiteY5" fmla="*/ 5043 h 10000"/>
+                <a:gd name="connsiteX6" fmla="*/ 5183 w 10000"/>
+                <a:gd name="connsiteY6" fmla="*/ 44 h 10000"/>
+                <a:gd name="connsiteX0" fmla="*/ 5183 w 10000"/>
+                <a:gd name="connsiteY0" fmla="*/ 44 h 10000"/>
+                <a:gd name="connsiteX1" fmla="*/ 10000 w 10000"/>
+                <a:gd name="connsiteY1" fmla="*/ 0 h 10000"/>
+                <a:gd name="connsiteX2" fmla="*/ 8935 w 10000"/>
+                <a:gd name="connsiteY2" fmla="*/ 4956 h 10000"/>
+                <a:gd name="connsiteX3" fmla="*/ 9999 w 10000"/>
+                <a:gd name="connsiteY3" fmla="*/ 10000 h 10000"/>
+                <a:gd name="connsiteX4" fmla="*/ 5340 w 10000"/>
+                <a:gd name="connsiteY4" fmla="*/ 9956 h 10000"/>
+                <a:gd name="connsiteX5" fmla="*/ 0 w 10000"/>
+                <a:gd name="connsiteY5" fmla="*/ 5043 h 10000"/>
+                <a:gd name="connsiteX6" fmla="*/ 5183 w 10000"/>
+                <a:gd name="connsiteY6" fmla="*/ 44 h 10000"/>
+                <a:gd name="connsiteX0" fmla="*/ 5183 w 10000"/>
+                <a:gd name="connsiteY0" fmla="*/ 44 h 10000"/>
+                <a:gd name="connsiteX1" fmla="*/ 10000 w 10000"/>
+                <a:gd name="connsiteY1" fmla="*/ 0 h 10000"/>
+                <a:gd name="connsiteX2" fmla="*/ 8935 w 10000"/>
+                <a:gd name="connsiteY2" fmla="*/ 4956 h 10000"/>
+                <a:gd name="connsiteX3" fmla="*/ 9999 w 10000"/>
+                <a:gd name="connsiteY3" fmla="*/ 10000 h 10000"/>
+                <a:gd name="connsiteX4" fmla="*/ 5340 w 10000"/>
+                <a:gd name="connsiteY4" fmla="*/ 9956 h 10000"/>
+                <a:gd name="connsiteX5" fmla="*/ 0 w 10000"/>
+                <a:gd name="connsiteY5" fmla="*/ 5043 h 10000"/>
+                <a:gd name="connsiteX6" fmla="*/ 5183 w 10000"/>
+                <a:gd name="connsiteY6" fmla="*/ 44 h 10000"/>
+                <a:gd name="connsiteX0" fmla="*/ 5183 w 10000"/>
+                <a:gd name="connsiteY0" fmla="*/ 44 h 10000"/>
+                <a:gd name="connsiteX1" fmla="*/ 10000 w 10000"/>
+                <a:gd name="connsiteY1" fmla="*/ 0 h 10000"/>
+                <a:gd name="connsiteX2" fmla="*/ 8935 w 10000"/>
+                <a:gd name="connsiteY2" fmla="*/ 4956 h 10000"/>
+                <a:gd name="connsiteX3" fmla="*/ 9999 w 10000"/>
+                <a:gd name="connsiteY3" fmla="*/ 10000 h 10000"/>
+                <a:gd name="connsiteX4" fmla="*/ 5183 w 10000"/>
+                <a:gd name="connsiteY4" fmla="*/ 9912 h 10000"/>
+                <a:gd name="connsiteX5" fmla="*/ 0 w 10000"/>
+                <a:gd name="connsiteY5" fmla="*/ 5043 h 10000"/>
+                <a:gd name="connsiteX6" fmla="*/ 5183 w 10000"/>
+                <a:gd name="connsiteY6" fmla="*/ 44 h 10000"/>
+                <a:gd name="connsiteX0" fmla="*/ 603 w 5420"/>
+                <a:gd name="connsiteY0" fmla="*/ 44 h 10000"/>
+                <a:gd name="connsiteX1" fmla="*/ 5420 w 5420"/>
+                <a:gd name="connsiteY1" fmla="*/ 0 h 10000"/>
+                <a:gd name="connsiteX2" fmla="*/ 4355 w 5420"/>
+                <a:gd name="connsiteY2" fmla="*/ 4956 h 10000"/>
+                <a:gd name="connsiteX3" fmla="*/ 5419 w 5420"/>
+                <a:gd name="connsiteY3" fmla="*/ 10000 h 10000"/>
+                <a:gd name="connsiteX4" fmla="*/ 603 w 5420"/>
+                <a:gd name="connsiteY4" fmla="*/ 9912 h 10000"/>
+                <a:gd name="connsiteX5" fmla="*/ 603 w 5420"/>
+                <a:gd name="connsiteY5" fmla="*/ 44 h 10000"/>
+                <a:gd name="connsiteX0" fmla="*/ 1112 w 9999"/>
+                <a:gd name="connsiteY0" fmla="*/ 9912 h 11176"/>
+                <a:gd name="connsiteX1" fmla="*/ 1112 w 9999"/>
+                <a:gd name="connsiteY1" fmla="*/ 44 h 11176"/>
+                <a:gd name="connsiteX2" fmla="*/ 9999 w 9999"/>
+                <a:gd name="connsiteY2" fmla="*/ 0 h 11176"/>
+                <a:gd name="connsiteX3" fmla="*/ 8034 w 9999"/>
+                <a:gd name="connsiteY3" fmla="*/ 4956 h 11176"/>
+                <a:gd name="connsiteX4" fmla="*/ 9997 w 9999"/>
+                <a:gd name="connsiteY4" fmla="*/ 10000 h 11176"/>
+                <a:gd name="connsiteX5" fmla="*/ 2783 w 9999"/>
+                <a:gd name="connsiteY5" fmla="*/ 11176 h 11176"/>
+                <a:gd name="connsiteX0" fmla="*/ 1112 w 10000"/>
+                <a:gd name="connsiteY0" fmla="*/ 8869 h 8948"/>
+                <a:gd name="connsiteX1" fmla="*/ 1112 w 10000"/>
+                <a:gd name="connsiteY1" fmla="*/ 39 h 8948"/>
+                <a:gd name="connsiteX2" fmla="*/ 10000 w 10000"/>
+                <a:gd name="connsiteY2" fmla="*/ 0 h 8948"/>
+                <a:gd name="connsiteX3" fmla="*/ 8035 w 10000"/>
+                <a:gd name="connsiteY3" fmla="*/ 4435 h 8948"/>
+                <a:gd name="connsiteX4" fmla="*/ 9998 w 10000"/>
+                <a:gd name="connsiteY4" fmla="*/ 8948 h 8948"/>
+                <a:gd name="connsiteX0" fmla="*/ 0 w 8888"/>
+                <a:gd name="connsiteY0" fmla="*/ 44 h 10000"/>
+                <a:gd name="connsiteX1" fmla="*/ 8888 w 8888"/>
+                <a:gd name="connsiteY1" fmla="*/ 0 h 10000"/>
+                <a:gd name="connsiteX2" fmla="*/ 6923 w 8888"/>
+                <a:gd name="connsiteY2" fmla="*/ 4956 h 10000"/>
+                <a:gd name="connsiteX3" fmla="*/ 8886 w 8888"/>
+                <a:gd name="connsiteY3" fmla="*/ 10000 h 10000"/>
+                <a:gd name="connsiteX0" fmla="*/ 2211 w 2211"/>
+                <a:gd name="connsiteY0" fmla="*/ 0 h 10000"/>
+                <a:gd name="connsiteX1" fmla="*/ 0 w 2211"/>
+                <a:gd name="connsiteY1" fmla="*/ 4956 h 10000"/>
+                <a:gd name="connsiteX2" fmla="*/ 2209 w 2211"/>
+                <a:gd name="connsiteY2" fmla="*/ 10000 h 10000"/>
+              </a:gdLst>
+              <a:ahLst/>
+              <a:cxnLst>
+                <a:cxn ang="0">
+                  <a:pos x="connsiteX0" y="connsiteY0"/>
+                </a:cxn>
+                <a:cxn ang="0">
+                  <a:pos x="connsiteX1" y="connsiteY1"/>
+                </a:cxn>
+                <a:cxn ang="0">
+                  <a:pos x="connsiteX2" y="connsiteY2"/>
+                </a:cxn>
+              </a:cxnLst>
+              <a:rect l="l" t="t" r="r" b="b"/>
+              <a:pathLst>
+                <a:path w="2211" h="10000">
+                  <a:moveTo>
+                    <a:pt x="2211" y="0"/>
+                  </a:moveTo>
+                  <a:cubicBezTo>
+                    <a:pt x="739" y="0"/>
+                    <a:pt x="0" y="3289"/>
+                    <a:pt x="0" y="4956"/>
+                  </a:cubicBezTo>
+                  <a:cubicBezTo>
+                    <a:pt x="0" y="6622"/>
+                    <a:pt x="737" y="10000"/>
+                    <a:pt x="2209" y="10000"/>
+                  </a:cubicBezTo>
+                </a:path>
+              </a:pathLst>
+            </a:custGeom>
+            <a:noFill/>
+            <a:ln w="28575">
+              <a:solidFill>
+                <a:schemeClr val="tx1"/>
+              </a:solidFill>
+              <a:prstDash val="solid"/>
+            </a:ln>
+          </p:spPr>
+          <p:style>
+            <a:lnRef idx="2">
+              <a:schemeClr val="accent1">
+                <a:shade val="50000"/>
+              </a:schemeClr>
+            </a:lnRef>
+            <a:fillRef idx="1">
+              <a:schemeClr val="accent1"/>
+            </a:fillRef>
+            <a:effectRef idx="0">
+              <a:schemeClr val="accent1"/>
+            </a:effectRef>
+            <a:fontRef idx="minor">
+              <a:schemeClr val="lt1"/>
+            </a:fontRef>
+          </p:style>
+          <p:txBody>
+            <a:bodyPr rtlCol="0" anchor="ctr"/>
+            <a:lstStyle/>
+            <a:p>
+              <a:pPr algn="ctr"/>
+              <a:endParaRPr lang="en-GB">
+                <a:latin typeface="Consolas" panose="020B0609020204030204" pitchFamily="49" charset="0"/>
+              </a:endParaRPr>
+            </a:p>
+          </p:txBody>
+        </p:sp>
+      </p:grpSp>
+      <p:cxnSp>
+        <p:nvCxnSpPr>
+          <p:cNvPr id="84" name="Straight Connector 83"/>
+          <p:cNvCxnSpPr/>
+          <p:nvPr/>
+        </p:nvCxnSpPr>
+        <p:spPr>
+          <a:xfrm>
+            <a:off x="2385908" y="2440650"/>
+            <a:ext cx="156031" cy="0"/>
+          </a:xfrm>
+          <a:prstGeom prst="line">
+            <a:avLst/>
+          </a:prstGeom>
+          <a:ln w="28575">
+            <a:solidFill>
+              <a:schemeClr val="tx1"/>
+            </a:solidFill>
+          </a:ln>
+        </p:spPr>
+        <p:style>
+          <a:lnRef idx="1">
+            <a:schemeClr val="accent1"/>
+          </a:lnRef>
+          <a:fillRef idx="0">
+            <a:schemeClr val="accent1"/>
+          </a:fillRef>
+          <a:effectRef idx="0">
+            <a:schemeClr val="accent1"/>
+          </a:effectRef>
+          <a:fontRef idx="minor">
+            <a:schemeClr val="tx1"/>
+          </a:fontRef>
+        </p:style>
+      </p:cxnSp>
+      <p:cxnSp>
+        <p:nvCxnSpPr>
+          <p:cNvPr id="86" name="Straight Connector 85"/>
+          <p:cNvCxnSpPr/>
+          <p:nvPr/>
+        </p:nvCxnSpPr>
+        <p:spPr>
+          <a:xfrm flipV="1">
+            <a:off x="2400193" y="2240293"/>
+            <a:ext cx="1" cy="193202"/>
+          </a:xfrm>
+          <a:prstGeom prst="line">
+            <a:avLst/>
+          </a:prstGeom>
+          <a:ln w="28575">
+            <a:solidFill>
+              <a:schemeClr val="tx1"/>
+            </a:solidFill>
+          </a:ln>
+        </p:spPr>
+        <p:style>
+          <a:lnRef idx="1">
+            <a:schemeClr val="accent1"/>
+          </a:lnRef>
+          <a:fillRef idx="0">
+            <a:schemeClr val="accent1"/>
+          </a:fillRef>
+          <a:effectRef idx="0">
+            <a:schemeClr val="accent1"/>
+          </a:effectRef>
+          <a:fontRef idx="minor">
+            <a:schemeClr val="tx1"/>
+          </a:fontRef>
+        </p:style>
+      </p:cxnSp>
+      <p:sp>
+        <p:nvSpPr>
+          <p:cNvPr id="91" name="Rectangle 90"/>
+          <p:cNvSpPr/>
+          <p:nvPr/>
+        </p:nvSpPr>
+        <p:spPr>
+          <a:xfrm>
+            <a:off x="2216474" y="1950614"/>
+            <a:ext cx="873242" cy="338554"/>
+          </a:xfrm>
+          <a:prstGeom prst="rect">
+            <a:avLst/>
+          </a:prstGeom>
+        </p:spPr>
+        <p:txBody>
+          <a:bodyPr wrap="square">
+            <a:spAutoFit/>
+          </a:bodyPr>
+          <a:lstStyle/>
+          <a:p>
+            <a:r>
+              <a:rPr lang="en-US" sz="1600" dirty="0" smtClean="0">
+                <a:latin typeface="Helvetica" pitchFamily="34" charset="0"/>
+              </a:rPr>
+              <a:t>in</a:t>
+            </a:r>
+            <a:endParaRPr lang="en-US" sz="1600" dirty="0">
+              <a:latin typeface="Helvetica" pitchFamily="34" charset="0"/>
+            </a:endParaRPr>
+          </a:p>
+        </p:txBody>
+      </p:sp>
+      <p:sp>
+        <p:nvSpPr>
+          <p:cNvPr id="92" name="Rectangle 91"/>
+          <p:cNvSpPr/>
+          <p:nvPr/>
+        </p:nvSpPr>
+        <p:spPr>
+          <a:xfrm>
+            <a:off x="3702944" y="2289168"/>
+            <a:ext cx="873242" cy="338554"/>
+          </a:xfrm>
+          <a:prstGeom prst="rect">
+            <a:avLst/>
+          </a:prstGeom>
+        </p:spPr>
+        <p:txBody>
+          <a:bodyPr wrap="square">
+            <a:spAutoFit/>
+          </a:bodyPr>
+          <a:lstStyle/>
+          <a:p>
+            <a:r>
+              <a:rPr lang="en-US" sz="1600" dirty="0" smtClean="0">
+                <a:latin typeface="Helvetica" pitchFamily="34" charset="0"/>
+              </a:rPr>
+              <a:t>out</a:t>
+            </a:r>
+            <a:endParaRPr lang="en-US" sz="1600" dirty="0">
+              <a:latin typeface="Helvetica" pitchFamily="34" charset="0"/>
+            </a:endParaRPr>
+          </a:p>
+        </p:txBody>
+      </p:sp>
+      <p:grpSp>
+        <p:nvGrpSpPr>
+          <p:cNvPr id="23" name="Group 22"/>
+          <p:cNvGrpSpPr/>
+          <p:nvPr/>
+        </p:nvGrpSpPr>
+        <p:grpSpPr>
+          <a:xfrm>
+            <a:off x="3909332" y="1417342"/>
+            <a:ext cx="346124" cy="309556"/>
+            <a:chOff x="4357904" y="4427012"/>
+            <a:chExt cx="346124" cy="309556"/>
+          </a:xfrm>
+          <a:solidFill>
+            <a:schemeClr val="bg1"/>
+          </a:solidFill>
+        </p:grpSpPr>
+        <p:sp>
+          <p:nvSpPr>
+            <p:cNvPr id="95" name="Oval 94"/>
+            <p:cNvSpPr/>
+            <p:nvPr/>
+          </p:nvSpPr>
+          <p:spPr>
+            <a:xfrm>
+              <a:off x="4649950" y="4557380"/>
+              <a:ext cx="54078" cy="48286"/>
+            </a:xfrm>
+            <a:prstGeom prst="ellipse">
+              <a:avLst/>
+            </a:prstGeom>
+            <a:grpFill/>
+            <a:ln w="28575">
+              <a:solidFill>
+                <a:schemeClr val="tx1"/>
+              </a:solidFill>
+            </a:ln>
+          </p:spPr>
+          <p:style>
+            <a:lnRef idx="2">
+              <a:schemeClr val="accent1">
+                <a:shade val="50000"/>
+              </a:schemeClr>
+            </a:lnRef>
+            <a:fillRef idx="1">
+              <a:schemeClr val="accent1"/>
+            </a:fillRef>
+            <a:effectRef idx="0">
+              <a:schemeClr val="accent1"/>
+            </a:effectRef>
+            <a:fontRef idx="minor">
+              <a:schemeClr val="lt1"/>
+            </a:fontRef>
+          </p:style>
+          <p:txBody>
+            <a:bodyPr rtlCol="0" anchor="ctr"/>
+            <a:lstStyle/>
+            <a:p>
+              <a:pPr algn="ctr"/>
+              <a:endParaRPr lang="en-GB">
+                <a:latin typeface="Consolas" panose="020B0609020204030204" pitchFamily="49" charset="0"/>
+              </a:endParaRPr>
+            </a:p>
+          </p:txBody>
+        </p:sp>
+        <p:sp>
+          <p:nvSpPr>
+            <p:cNvPr id="96" name="Triangle 100"/>
+            <p:cNvSpPr/>
+            <p:nvPr/>
+          </p:nvSpPr>
+          <p:spPr>
+            <a:xfrm rot="5400000">
+              <a:off x="4349336" y="4435580"/>
+              <a:ext cx="309556" cy="292419"/>
+            </a:xfrm>
+            <a:prstGeom prst="triangle">
+              <a:avLst/>
+            </a:prstGeom>
+            <a:grpFill/>
+            <a:ln w="28575">
+              <a:solidFill>
+                <a:schemeClr val="tx1"/>
+              </a:solidFill>
+            </a:ln>
+          </p:spPr>
+          <p:style>
+            <a:lnRef idx="2">
+              <a:schemeClr val="accent1">
+                <a:shade val="50000"/>
+              </a:schemeClr>
+            </a:lnRef>
+            <a:fillRef idx="1">
+              <a:schemeClr val="accent1"/>
+            </a:fillRef>
+            <a:effectRef idx="0">
+              <a:schemeClr val="accent1"/>
+            </a:effectRef>
+            <a:fontRef idx="minor">
+              <a:schemeClr val="lt1"/>
+            </a:fontRef>
+          </p:style>
+          <p:txBody>
+            <a:bodyPr rtlCol="0" anchor="ctr"/>
+            <a:lstStyle/>
+            <a:p>
+              <a:pPr algn="ctr"/>
+              <a:endParaRPr lang="en-GB">
+                <a:latin typeface="Consolas" panose="020B0609020204030204" pitchFamily="49" charset="0"/>
+              </a:endParaRPr>
+            </a:p>
+          </p:txBody>
+        </p:sp>
+      </p:grpSp>
+      <p:cxnSp>
+        <p:nvCxnSpPr>
+          <p:cNvPr id="98" name="Straight Arrow Connector 97"/>
+          <p:cNvCxnSpPr/>
+          <p:nvPr/>
+        </p:nvCxnSpPr>
+        <p:spPr bwMode="auto">
+          <a:xfrm flipV="1">
+            <a:off x="3847007" y="1568496"/>
+            <a:ext cx="0" cy="774526"/>
+          </a:xfrm>
+          <a:prstGeom prst="straightConnector1">
+            <a:avLst/>
+          </a:prstGeom>
+          <a:noFill/>
+          <a:ln w="28575" cap="flat" cmpd="sng" algn="ctr">
+            <a:solidFill>
+              <a:srgbClr val="C00000"/>
+            </a:solidFill>
+            <a:prstDash val="solid"/>
+            <a:round/>
+            <a:headEnd type="none" w="med" len="med"/>
+            <a:tailEnd type="none" w="med" len="med"/>
+          </a:ln>
+          <a:effectLst/>
+        </p:spPr>
+      </p:cxnSp>
+      <p:cxnSp>
+        <p:nvCxnSpPr>
+          <p:cNvPr id="100" name="Straight Arrow Connector 99"/>
+          <p:cNvCxnSpPr>
+            <a:stCxn id="96" idx="3"/>
+          </p:cNvCxnSpPr>
+          <p:nvPr/>
+        </p:nvCxnSpPr>
+        <p:spPr bwMode="auto">
+          <a:xfrm flipH="1">
+            <a:off x="3833813" y="1572120"/>
+            <a:ext cx="75520" cy="935"/>
+          </a:xfrm>
+          <a:prstGeom prst="straightConnector1">
+            <a:avLst/>
+          </a:prstGeom>
+          <a:noFill/>
+          <a:ln w="28575" cap="flat" cmpd="sng" algn="ctr">
+            <a:solidFill>
+              <a:srgbClr val="C00000"/>
+            </a:solidFill>
+            <a:prstDash val="solid"/>
+            <a:round/>
+            <a:headEnd type="none" w="med" len="med"/>
+            <a:tailEnd type="none" w="med" len="med"/>
+          </a:ln>
+          <a:effectLst/>
+        </p:spPr>
+      </p:cxnSp>
+      <p:sp>
+        <p:nvSpPr>
+          <p:cNvPr id="109" name="TextBox 108"/>
+          <p:cNvSpPr txBox="1"/>
+          <p:nvPr/>
+        </p:nvSpPr>
+        <p:spPr>
+          <a:xfrm>
+            <a:off x="4105206" y="2451659"/>
+            <a:ext cx="788999" cy="584775"/>
+          </a:xfrm>
+          <a:prstGeom prst="rect">
+            <a:avLst/>
+          </a:prstGeom>
+          <a:noFill/>
+        </p:spPr>
+        <p:txBody>
+          <a:bodyPr wrap="none" rtlCol="0">
+            <a:spAutoFit/>
+          </a:bodyPr>
+          <a:lstStyle/>
+          <a:p>
+            <a:pPr algn="ctr"/>
+            <a:r>
+              <a:rPr lang="en-US" sz="1600" dirty="0" smtClean="0">
+                <a:solidFill>
+                  <a:srgbClr val="C00000"/>
+                </a:solidFill>
+                <a:latin typeface="Helvetica" pitchFamily="34" charset="0"/>
+              </a:rPr>
+              <a:t>Comb.</a:t>
+            </a:r>
+            <a:br>
+              <a:rPr lang="en-US" sz="1600" dirty="0" smtClean="0">
+                <a:solidFill>
+                  <a:srgbClr val="C00000"/>
+                </a:solidFill>
+                <a:latin typeface="Helvetica" pitchFamily="34" charset="0"/>
+              </a:rPr>
+            </a:br>
+            <a:r>
+              <a:rPr lang="en-US" sz="1600" dirty="0" smtClean="0">
+                <a:solidFill>
+                  <a:srgbClr val="C00000"/>
+                </a:solidFill>
+                <a:latin typeface="Helvetica" pitchFamily="34" charset="0"/>
+              </a:rPr>
+              <a:t>cycle</a:t>
+            </a:r>
+            <a:endParaRPr lang="en-US" sz="1600" dirty="0">
+              <a:solidFill>
+                <a:srgbClr val="C00000"/>
+              </a:solidFill>
+              <a:latin typeface="Helvetica" pitchFamily="34" charset="0"/>
+            </a:endParaRPr>
+          </a:p>
+        </p:txBody>
+      </p:sp>
+    </p:spTree>
+    <p:extLst>
+      <p:ext uri="{BB962C8B-B14F-4D97-AF65-F5344CB8AC3E}">
+        <p14:creationId xmlns:p14="http://schemas.microsoft.com/office/powerpoint/2010/main" val="848812433"/>
+      </p:ext>
+    </p:extLst>
+  </p:cSld>
+  <p:clrMapOvr>
+    <a:masterClrMapping/>
+  </p:clrMapOvr>
+</p:sld>
+</file>
+
+<file path=ppt/slides/slide7.xml><?xml version="1.0" encoding="utf-8"?>
+<p:sld xmlns:a="http://schemas.openxmlformats.org/drawingml/2006/main" xmlns:r="http://schemas.openxmlformats.org/officeDocument/2006/relationships" xmlns:p="http://schemas.openxmlformats.org/presentationml/2006/main">
+  <p:cSld>
+    <p:spTree>
+      <p:nvGrpSpPr>
+        <p:cNvPr id="1" name=""/>
+        <p:cNvGrpSpPr/>
+        <p:nvPr/>
+      </p:nvGrpSpPr>
+      <p:grpSpPr>
+        <a:xfrm>
+          <a:off x="0" y="0"/>
+          <a:ext cx="0" cy="0"/>
+          <a:chOff x="0" y="0"/>
+          <a:chExt cx="0" cy="0"/>
+        </a:xfrm>
+      </p:grpSpPr>
+      <p:cxnSp>
+        <p:nvCxnSpPr>
+          <p:cNvPr id="13" name="Straight Arrow Connector 12">
+            <a:extLst>
+              <a:ext uri="{FF2B5EF4-FFF2-40B4-BE49-F238E27FC236}">
+                <a16:creationId xmlns:a16="http://schemas.microsoft.com/office/drawing/2014/main" id="{EB4886C4-E7D1-154A-B310-6A47A7B94332}"/>
+              </a:ext>
+            </a:extLst>
+          </p:cNvPr>
+          <p:cNvCxnSpPr>
+            <a:cxnSpLocks/>
+            <a:stCxn id="12" idx="0"/>
+          </p:cNvCxnSpPr>
+          <p:nvPr/>
+        </p:nvCxnSpPr>
+        <p:spPr bwMode="auto">
+          <a:xfrm>
+            <a:off x="2468957" y="1179282"/>
+            <a:ext cx="961350" cy="4353"/>
+          </a:xfrm>
+          <a:prstGeom prst="straightConnector1">
+            <a:avLst/>
+          </a:prstGeom>
+          <a:noFill/>
+          <a:ln w="28575" cap="flat" cmpd="sng" algn="ctr">
+            <a:solidFill>
+              <a:schemeClr val="tx1"/>
+            </a:solidFill>
+            <a:prstDash val="solid"/>
+            <a:round/>
+            <a:headEnd type="none" w="med" len="med"/>
+            <a:tailEnd type="triangle"/>
+          </a:ln>
+          <a:effectLst/>
+        </p:spPr>
+      </p:cxnSp>
+      <p:cxnSp>
+        <p:nvCxnSpPr>
+          <p:cNvPr id="16" name="Straight Arrow Connector 15">
+            <a:extLst>
+              <a:ext uri="{FF2B5EF4-FFF2-40B4-BE49-F238E27FC236}">
+                <a16:creationId xmlns:a16="http://schemas.microsoft.com/office/drawing/2014/main" id="{DA42A685-5E66-DE41-A438-F30450BAF6C7}"/>
+              </a:ext>
+            </a:extLst>
+          </p:cNvPr>
+          <p:cNvCxnSpPr>
+            <a:cxnSpLocks/>
+          </p:cNvCxnSpPr>
+          <p:nvPr/>
+        </p:nvCxnSpPr>
+        <p:spPr bwMode="auto">
+          <a:xfrm>
+            <a:off x="2042929" y="1019738"/>
+            <a:ext cx="195656" cy="0"/>
+          </a:xfrm>
+          <a:prstGeom prst="straightConnector1">
+            <a:avLst/>
+          </a:prstGeom>
+          <a:noFill/>
+          <a:ln w="28575" cap="flat" cmpd="sng" algn="ctr">
+            <a:solidFill>
+              <a:schemeClr val="tx1"/>
+            </a:solidFill>
+            <a:prstDash val="solid"/>
+            <a:round/>
+            <a:headEnd type="none" w="med" len="med"/>
+            <a:tailEnd type="triangle"/>
+          </a:ln>
+          <a:effectLst/>
+        </p:spPr>
+      </p:cxnSp>
+      <p:grpSp>
+        <p:nvGrpSpPr>
+          <p:cNvPr id="18" name="Group 17">
+            <a:extLst>
+              <a:ext uri="{FF2B5EF4-FFF2-40B4-BE49-F238E27FC236}">
+                <a16:creationId xmlns:a16="http://schemas.microsoft.com/office/drawing/2014/main" id="{88909033-043E-E848-A6FB-ABA24B323CB9}"/>
+              </a:ext>
+            </a:extLst>
+          </p:cNvPr>
+          <p:cNvGrpSpPr/>
+          <p:nvPr/>
+        </p:nvGrpSpPr>
+        <p:grpSpPr>
+          <a:xfrm>
+            <a:off x="1266589" y="1135524"/>
+            <a:ext cx="971989" cy="338554"/>
+            <a:chOff x="5834423" y="2437032"/>
+            <a:chExt cx="1329164" cy="338554"/>
+          </a:xfrm>
+        </p:grpSpPr>
+        <p:cxnSp>
+          <p:nvCxnSpPr>
+            <p:cNvPr id="19" name="Straight Arrow Connector 18">
+              <a:extLst>
+                <a:ext uri="{FF2B5EF4-FFF2-40B4-BE49-F238E27FC236}">
+                  <a16:creationId xmlns:a16="http://schemas.microsoft.com/office/drawing/2014/main" id="{6DB213A5-BCEA-194B-9E7C-DD4D2596EE44}"/>
+                </a:ext>
+              </a:extLst>
+            </p:cNvPr>
+            <p:cNvCxnSpPr>
+              <a:cxnSpLocks/>
+            </p:cNvCxnSpPr>
+            <p:nvPr/>
+          </p:nvCxnSpPr>
+          <p:spPr bwMode="auto">
+            <a:xfrm>
+              <a:off x="6896034" y="2609214"/>
+              <a:ext cx="267553" cy="0"/>
+            </a:xfrm>
+            <a:prstGeom prst="straightConnector1">
+              <a:avLst/>
+            </a:prstGeom>
+            <a:noFill/>
+            <a:ln w="28575" cap="flat" cmpd="sng" algn="ctr">
+              <a:solidFill>
+                <a:schemeClr val="tx1"/>
+              </a:solidFill>
+              <a:prstDash val="solid"/>
+              <a:round/>
+              <a:headEnd type="none" w="med" len="med"/>
+              <a:tailEnd type="triangle"/>
+            </a:ln>
+            <a:effectLst/>
+          </p:spPr>
+        </p:cxnSp>
+        <p:sp>
+          <p:nvSpPr>
+            <p:cNvPr id="20" name="TextBox 19">
+              <a:extLst>
+                <a:ext uri="{FF2B5EF4-FFF2-40B4-BE49-F238E27FC236}">
+                  <a16:creationId xmlns:a16="http://schemas.microsoft.com/office/drawing/2014/main" id="{B9FBD919-DDCC-984F-B7AB-C5E271CA69AC}"/>
+                </a:ext>
+              </a:extLst>
+            </p:cNvPr>
+            <p:cNvSpPr txBox="1"/>
+            <p:nvPr/>
+          </p:nvSpPr>
+          <p:spPr>
+            <a:xfrm>
+              <a:off x="5834423" y="2437032"/>
+              <a:ext cx="1147936" cy="338554"/>
+            </a:xfrm>
+            <a:prstGeom prst="rect">
+              <a:avLst/>
+            </a:prstGeom>
+            <a:noFill/>
+          </p:spPr>
+          <p:txBody>
+            <a:bodyPr wrap="none" rtlCol="0">
+              <a:spAutoFit/>
+            </a:bodyPr>
+            <a:lstStyle/>
+            <a:p>
+              <a:r>
+                <a:rPr lang="en-US" sz="1600" dirty="0" err="1" smtClean="0">
+                  <a:latin typeface="Helvetica" pitchFamily="34" charset="0"/>
+                </a:rPr>
+                <a:t>newVal</a:t>
+              </a:r>
+              <a:endParaRPr lang="en-US" sz="1600" dirty="0">
+                <a:latin typeface="Helvetica" pitchFamily="34" charset="0"/>
+              </a:endParaRPr>
+            </a:p>
+          </p:txBody>
+        </p:sp>
+      </p:grpSp>
+      <p:cxnSp>
+        <p:nvCxnSpPr>
+          <p:cNvPr id="23" name="Straight Arrow Connector 22"/>
+          <p:cNvCxnSpPr/>
+          <p:nvPr/>
+        </p:nvCxnSpPr>
+        <p:spPr bwMode="auto">
+          <a:xfrm flipV="1">
+            <a:off x="2364735" y="1472056"/>
+            <a:ext cx="0" cy="368152"/>
+          </a:xfrm>
+          <a:prstGeom prst="straightConnector1">
+            <a:avLst/>
+          </a:prstGeom>
+          <a:noFill/>
+          <a:ln w="28575" cap="flat" cmpd="sng" algn="ctr">
+            <a:solidFill>
+              <a:schemeClr val="accent1">
+                <a:lumMod val="75000"/>
+              </a:schemeClr>
+            </a:solidFill>
+            <a:prstDash val="solid"/>
+            <a:round/>
+            <a:headEnd type="none" w="med" len="med"/>
+            <a:tailEnd type="triangle"/>
+          </a:ln>
+          <a:effectLst/>
+        </p:spPr>
+      </p:cxnSp>
+      <p:sp>
+        <p:nvSpPr>
+          <p:cNvPr id="25" name="TextBox 24"/>
+          <p:cNvSpPr txBox="1"/>
+          <p:nvPr/>
+        </p:nvSpPr>
+        <p:spPr>
+          <a:xfrm>
+            <a:off x="1979442" y="1786612"/>
+            <a:ext cx="755394" cy="338554"/>
+          </a:xfrm>
+          <a:prstGeom prst="rect">
+            <a:avLst/>
+          </a:prstGeom>
+          <a:noFill/>
+        </p:spPr>
+        <p:txBody>
+          <a:bodyPr wrap="square" lIns="0" rIns="0" rtlCol="0">
+            <a:spAutoFit/>
+          </a:bodyPr>
+          <a:lstStyle/>
+          <a:p>
+            <a:pPr algn="ctr"/>
+            <a:r>
+              <a:rPr lang="en-US" sz="1600" dirty="0" smtClean="0">
+                <a:solidFill>
+                  <a:schemeClr val="accent1">
+                    <a:lumMod val="50000"/>
+                  </a:schemeClr>
+                </a:solidFill>
+                <a:latin typeface="Helvetica" pitchFamily="34" charset="0"/>
+              </a:rPr>
+              <a:t>enable</a:t>
+            </a:r>
+            <a:endParaRPr lang="en-US" sz="1600" dirty="0">
+              <a:solidFill>
+                <a:schemeClr val="accent1">
+                  <a:lumMod val="50000"/>
+                </a:schemeClr>
+              </a:solidFill>
+              <a:latin typeface="Helvetica" pitchFamily="34" charset="0"/>
+            </a:endParaRPr>
+          </a:p>
+        </p:txBody>
+      </p:sp>
+      <p:cxnSp>
+        <p:nvCxnSpPr>
+          <p:cNvPr id="27" name="Straight Arrow Connector 26">
+            <a:extLst>
+              <a:ext uri="{FF2B5EF4-FFF2-40B4-BE49-F238E27FC236}">
+                <a16:creationId xmlns:a16="http://schemas.microsoft.com/office/drawing/2014/main" id="{EB4886C4-E7D1-154A-B310-6A47A7B94332}"/>
+              </a:ext>
+            </a:extLst>
+          </p:cNvPr>
+          <p:cNvCxnSpPr>
+            <a:cxnSpLocks/>
+          </p:cNvCxnSpPr>
+          <p:nvPr/>
+        </p:nvCxnSpPr>
+        <p:spPr bwMode="auto">
+          <a:xfrm>
+            <a:off x="3630772" y="1341710"/>
+            <a:ext cx="301210" cy="0"/>
+          </a:xfrm>
+          <a:prstGeom prst="straightConnector1">
+            <a:avLst/>
+          </a:prstGeom>
+          <a:noFill/>
+          <a:ln w="28575" cap="flat" cmpd="sng" algn="ctr">
+            <a:solidFill>
+              <a:schemeClr val="tx1"/>
+            </a:solidFill>
+            <a:prstDash val="solid"/>
+            <a:round/>
+            <a:headEnd type="none" w="med" len="med"/>
+            <a:tailEnd type="triangle"/>
+          </a:ln>
+          <a:effectLst/>
+        </p:spPr>
+      </p:cxnSp>
+      <p:grpSp>
+        <p:nvGrpSpPr>
+          <p:cNvPr id="29" name="Group 28">
+            <a:extLst>
+              <a:ext uri="{FF2B5EF4-FFF2-40B4-BE49-F238E27FC236}">
+                <a16:creationId xmlns:a16="http://schemas.microsoft.com/office/drawing/2014/main" id="{88909033-043E-E848-A6FB-ABA24B323CB9}"/>
+              </a:ext>
+            </a:extLst>
+          </p:cNvPr>
+          <p:cNvGrpSpPr/>
+          <p:nvPr/>
+        </p:nvGrpSpPr>
+        <p:grpSpPr>
+          <a:xfrm>
+            <a:off x="2566260" y="1293599"/>
+            <a:ext cx="864047" cy="338554"/>
+            <a:chOff x="5982031" y="2437032"/>
+            <a:chExt cx="1181556" cy="338554"/>
+          </a:xfrm>
+        </p:grpSpPr>
+        <p:cxnSp>
+          <p:nvCxnSpPr>
+            <p:cNvPr id="30" name="Straight Arrow Connector 29">
+              <a:extLst>
+                <a:ext uri="{FF2B5EF4-FFF2-40B4-BE49-F238E27FC236}">
+                  <a16:creationId xmlns:a16="http://schemas.microsoft.com/office/drawing/2014/main" id="{6DB213A5-BCEA-194B-9E7C-DD4D2596EE44}"/>
+                </a:ext>
+              </a:extLst>
+            </p:cNvPr>
+            <p:cNvCxnSpPr>
+              <a:cxnSpLocks/>
+            </p:cNvCxnSpPr>
+            <p:nvPr/>
+          </p:nvCxnSpPr>
+          <p:spPr bwMode="auto">
+            <a:xfrm>
+              <a:off x="6896034" y="2609214"/>
+              <a:ext cx="267553" cy="0"/>
+            </a:xfrm>
+            <a:prstGeom prst="straightConnector1">
+              <a:avLst/>
+            </a:prstGeom>
+            <a:noFill/>
+            <a:ln w="28575" cap="flat" cmpd="sng" algn="ctr">
+              <a:solidFill>
+                <a:schemeClr val="tx1"/>
+              </a:solidFill>
+              <a:prstDash val="solid"/>
+              <a:round/>
+              <a:headEnd type="none" w="med" len="med"/>
+              <a:tailEnd type="triangle"/>
+            </a:ln>
+            <a:effectLst/>
+          </p:spPr>
+        </p:cxnSp>
+        <p:sp>
+          <p:nvSpPr>
+            <p:cNvPr id="31" name="TextBox 30">
+              <a:extLst>
+                <a:ext uri="{FF2B5EF4-FFF2-40B4-BE49-F238E27FC236}">
+                  <a16:creationId xmlns:a16="http://schemas.microsoft.com/office/drawing/2014/main" id="{B9FBD919-DDCC-984F-B7AB-C5E271CA69AC}"/>
+                </a:ext>
+              </a:extLst>
+            </p:cNvPr>
+            <p:cNvSpPr txBox="1"/>
+            <p:nvPr/>
+          </p:nvSpPr>
+          <p:spPr>
+            <a:xfrm>
+              <a:off x="5982031" y="2437032"/>
+              <a:ext cx="992303" cy="338554"/>
+            </a:xfrm>
+            <a:prstGeom prst="rect">
+              <a:avLst/>
+            </a:prstGeom>
+            <a:noFill/>
+          </p:spPr>
+          <p:txBody>
+            <a:bodyPr wrap="none" rtlCol="0">
+              <a:spAutoFit/>
+            </a:bodyPr>
+            <a:lstStyle/>
+            <a:p>
+              <a:r>
+                <a:rPr lang="en-US" sz="1600" dirty="0" err="1" smtClean="0">
+                  <a:latin typeface="Helvetica" pitchFamily="34" charset="0"/>
+                </a:rPr>
+                <a:t>initVal</a:t>
+              </a:r>
+              <a:endParaRPr lang="en-US" sz="1600" dirty="0">
+                <a:latin typeface="Helvetica" pitchFamily="34" charset="0"/>
+              </a:endParaRPr>
+            </a:p>
+          </p:txBody>
+        </p:sp>
+      </p:grpSp>
+      <p:cxnSp>
+        <p:nvCxnSpPr>
+          <p:cNvPr id="32" name="Straight Arrow Connector 31"/>
+          <p:cNvCxnSpPr/>
+          <p:nvPr/>
+        </p:nvCxnSpPr>
+        <p:spPr bwMode="auto">
+          <a:xfrm flipV="1">
+            <a:off x="3541222" y="1630129"/>
+            <a:ext cx="0" cy="210079"/>
+          </a:xfrm>
+          <a:prstGeom prst="straightConnector1">
+            <a:avLst/>
+          </a:prstGeom>
+          <a:noFill/>
+          <a:ln w="28575" cap="flat" cmpd="sng" algn="ctr">
+            <a:solidFill>
+              <a:schemeClr val="accent1">
+                <a:lumMod val="75000"/>
+              </a:schemeClr>
+            </a:solidFill>
+            <a:prstDash val="solid"/>
+            <a:round/>
+            <a:headEnd type="none" w="med" len="med"/>
+            <a:tailEnd type="triangle"/>
+          </a:ln>
+          <a:effectLst/>
+        </p:spPr>
+      </p:cxnSp>
+      <p:grpSp>
+        <p:nvGrpSpPr>
+          <p:cNvPr id="42" name="Group 41"/>
+          <p:cNvGrpSpPr/>
+          <p:nvPr/>
+        </p:nvGrpSpPr>
+        <p:grpSpPr>
+          <a:xfrm>
+            <a:off x="3941294" y="868247"/>
+            <a:ext cx="430828" cy="702356"/>
+            <a:chOff x="691035" y="3716347"/>
+            <a:chExt cx="430828" cy="1021489"/>
+          </a:xfrm>
+        </p:grpSpPr>
+        <p:sp>
+          <p:nvSpPr>
+            <p:cNvPr id="43" name="Rectangle 42"/>
+            <p:cNvSpPr/>
+            <p:nvPr/>
+          </p:nvSpPr>
+          <p:spPr bwMode="auto">
+            <a:xfrm>
+              <a:off x="691035" y="4069072"/>
+              <a:ext cx="430828" cy="668764"/>
+            </a:xfrm>
+            <a:prstGeom prst="rect">
+              <a:avLst/>
+            </a:prstGeom>
+            <a:solidFill>
+              <a:schemeClr val="accent1">
+                <a:lumMod val="40000"/>
+                <a:lumOff val="60000"/>
+              </a:schemeClr>
+            </a:solidFill>
+            <a:ln w="28575" cap="flat" cmpd="sng" algn="ctr">
+              <a:solidFill>
+                <a:schemeClr val="tx1"/>
+              </a:solidFill>
+              <a:prstDash val="solid"/>
+              <a:round/>
+              <a:headEnd type="none" w="med" len="med"/>
+              <a:tailEnd type="none" w="med" len="med"/>
+            </a:ln>
+            <a:effectLst/>
+          </p:spPr>
+          <p:txBody>
+            <a:bodyPr vert="horz" wrap="square" lIns="91440" tIns="45720" rIns="91440" bIns="45720" numCol="1" rtlCol="0" anchor="t" anchorCtr="0" compatLnSpc="1">
+              <a:prstTxWarp prst="textNoShape">
+                <a:avLst/>
+              </a:prstTxWarp>
+            </a:bodyPr>
+            <a:lstStyle/>
+            <a:p>
+              <a:pPr marL="0" marR="0" indent="0" algn="l" defTabSz="914400" rtl="0" eaLnBrk="1" fontAlgn="base" latinLnBrk="0" hangingPunct="1">
+                <a:lnSpc>
+                  <a:spcPct val="90000"/>
+                </a:lnSpc>
+                <a:spcBef>
+                  <a:spcPct val="25000"/>
+                </a:spcBef>
+                <a:spcAft>
+                  <a:spcPct val="0"/>
+                </a:spcAft>
+                <a:buClr>
+                  <a:schemeClr val="bg1"/>
+                </a:buClr>
+                <a:buSzPct val="100000"/>
+                <a:buFont typeface="Wingdings" pitchFamily="2" charset="2"/>
+                <a:buChar char="•"/>
+                <a:tabLst/>
+              </a:pPr>
+              <a:endParaRPr kumimoji="0" lang="en-US" sz="1200" b="0" i="0" u="none" strike="noStrike" cap="none" normalizeH="0" baseline="0">
+                <a:ln>
+                  <a:noFill/>
+                </a:ln>
+                <a:solidFill>
+                  <a:schemeClr val="tx1"/>
+                </a:solidFill>
+                <a:effectLst/>
+                <a:latin typeface="Helvetica" pitchFamily="34" charset="0"/>
+              </a:endParaRPr>
+            </a:p>
+          </p:txBody>
+        </p:sp>
+        <p:sp>
+          <p:nvSpPr>
+            <p:cNvPr id="44" name="TextBox 43"/>
+            <p:cNvSpPr txBox="1"/>
+            <p:nvPr/>
+          </p:nvSpPr>
+          <p:spPr>
+            <a:xfrm>
+              <a:off x="706336" y="3716347"/>
+              <a:ext cx="391717" cy="402861"/>
+            </a:xfrm>
+            <a:prstGeom prst="rect">
+              <a:avLst/>
+            </a:prstGeom>
+            <a:noFill/>
+          </p:spPr>
+          <p:txBody>
+            <a:bodyPr wrap="square" lIns="0" rIns="0" rtlCol="0">
+              <a:spAutoFit/>
+            </a:bodyPr>
+            <a:lstStyle/>
+            <a:p>
+              <a:pPr algn="ctr"/>
+              <a:r>
+                <a:rPr lang="en-US" sz="1200" dirty="0" smtClean="0">
+                  <a:latin typeface="Helvetica" pitchFamily="34" charset="0"/>
+                </a:rPr>
+                <a:t>DFF</a:t>
+              </a:r>
+              <a:endParaRPr lang="en-US" sz="1200" dirty="0">
+                <a:latin typeface="Helvetica" pitchFamily="34" charset="0"/>
+              </a:endParaRPr>
+            </a:p>
+          </p:txBody>
+        </p:sp>
+        <p:sp>
+          <p:nvSpPr>
+            <p:cNvPr id="45" name="Isosceles Triangle 44"/>
+            <p:cNvSpPr/>
+            <p:nvPr/>
+          </p:nvSpPr>
+          <p:spPr>
+            <a:xfrm>
+              <a:off x="812954" y="4554957"/>
+              <a:ext cx="182878" cy="182877"/>
+            </a:xfrm>
+            <a:prstGeom prst="triangle">
+              <a:avLst/>
+            </a:prstGeom>
+            <a:solidFill>
+              <a:schemeClr val="accent1">
+                <a:lumMod val="40000"/>
+                <a:lumOff val="60000"/>
+              </a:schemeClr>
+            </a:solidFill>
+            <a:ln>
+              <a:solidFill>
+                <a:schemeClr val="tx1"/>
+              </a:solidFill>
+            </a:ln>
+          </p:spPr>
+          <p:style>
+            <a:lnRef idx="2">
+              <a:schemeClr val="accent1">
+                <a:shade val="50000"/>
+              </a:schemeClr>
+            </a:lnRef>
+            <a:fillRef idx="1">
+              <a:schemeClr val="accent1"/>
+            </a:fillRef>
+            <a:effectRef idx="0">
+              <a:schemeClr val="accent1"/>
+            </a:effectRef>
+            <a:fontRef idx="minor">
+              <a:schemeClr val="lt1"/>
+            </a:fontRef>
+          </p:style>
+          <p:txBody>
+            <a:bodyPr rtlCol="0" anchor="ctr"/>
+            <a:lstStyle/>
+            <a:p>
+              <a:pPr algn="ctr"/>
+              <a:endParaRPr lang="en-US"/>
+            </a:p>
+          </p:txBody>
+        </p:sp>
+      </p:grpSp>
+      <p:cxnSp>
+        <p:nvCxnSpPr>
+          <p:cNvPr id="46" name="Straight Arrow Connector 45"/>
+          <p:cNvCxnSpPr>
+            <a:endCxn id="43" idx="2"/>
+          </p:cNvCxnSpPr>
+          <p:nvPr/>
+        </p:nvCxnSpPr>
+        <p:spPr bwMode="auto">
+          <a:xfrm flipV="1">
+            <a:off x="4156708" y="1570602"/>
+            <a:ext cx="0" cy="269606"/>
+          </a:xfrm>
+          <a:prstGeom prst="straightConnector1">
+            <a:avLst/>
+          </a:prstGeom>
+          <a:noFill/>
+          <a:ln w="28575" cap="flat" cmpd="sng" algn="ctr">
+            <a:solidFill>
+              <a:schemeClr val="accent1">
+                <a:lumMod val="75000"/>
+              </a:schemeClr>
+            </a:solidFill>
+            <a:prstDash val="solid"/>
+            <a:round/>
+            <a:headEnd type="none" w="med" len="med"/>
+            <a:tailEnd type="triangle"/>
+          </a:ln>
+          <a:effectLst/>
+        </p:spPr>
+      </p:cxnSp>
+      <p:sp>
+        <p:nvSpPr>
+          <p:cNvPr id="53" name="TextBox 52"/>
+          <p:cNvSpPr txBox="1"/>
+          <p:nvPr/>
+        </p:nvSpPr>
+        <p:spPr>
+          <a:xfrm>
+            <a:off x="3852114" y="1188707"/>
+            <a:ext cx="391717" cy="276999"/>
+          </a:xfrm>
+          <a:prstGeom prst="rect">
+            <a:avLst/>
+          </a:prstGeom>
+          <a:noFill/>
+        </p:spPr>
+        <p:txBody>
+          <a:bodyPr wrap="square" lIns="0" rIns="0" rtlCol="0">
+            <a:spAutoFit/>
+          </a:bodyPr>
+          <a:lstStyle/>
+          <a:p>
+            <a:pPr algn="ctr"/>
+            <a:r>
+              <a:rPr lang="en-US" sz="1200" dirty="0" smtClean="0">
+                <a:latin typeface="Helvetica" pitchFamily="34" charset="0"/>
+              </a:rPr>
+              <a:t>D</a:t>
+            </a:r>
+            <a:endParaRPr lang="en-US" sz="1200" dirty="0">
+              <a:latin typeface="Helvetica" pitchFamily="34" charset="0"/>
+            </a:endParaRPr>
+          </a:p>
+        </p:txBody>
+      </p:sp>
+      <p:sp>
+        <p:nvSpPr>
+          <p:cNvPr id="54" name="TextBox 53"/>
+          <p:cNvSpPr txBox="1"/>
+          <p:nvPr/>
+        </p:nvSpPr>
+        <p:spPr>
+          <a:xfrm>
+            <a:off x="4072524" y="1188706"/>
+            <a:ext cx="391717" cy="276999"/>
+          </a:xfrm>
+          <a:prstGeom prst="rect">
+            <a:avLst/>
+          </a:prstGeom>
+          <a:noFill/>
+        </p:spPr>
+        <p:txBody>
+          <a:bodyPr wrap="square" lIns="0" rIns="0" rtlCol="0">
+            <a:spAutoFit/>
+          </a:bodyPr>
+          <a:lstStyle/>
+          <a:p>
+            <a:pPr algn="ctr"/>
+            <a:r>
+              <a:rPr lang="en-US" sz="1200" dirty="0" smtClean="0">
+                <a:latin typeface="Helvetica" pitchFamily="34" charset="0"/>
+              </a:rPr>
+              <a:t>Q</a:t>
+            </a:r>
+            <a:endParaRPr lang="en-US" sz="1200" dirty="0">
+              <a:latin typeface="Helvetica" pitchFamily="34" charset="0"/>
+            </a:endParaRPr>
+          </a:p>
+        </p:txBody>
+      </p:sp>
+      <p:cxnSp>
+        <p:nvCxnSpPr>
+          <p:cNvPr id="55" name="Straight Arrow Connector 54">
+            <a:extLst>
+              <a:ext uri="{FF2B5EF4-FFF2-40B4-BE49-F238E27FC236}">
+                <a16:creationId xmlns:a16="http://schemas.microsoft.com/office/drawing/2014/main" id="{EB4886C4-E7D1-154A-B310-6A47A7B94332}"/>
+              </a:ext>
+            </a:extLst>
+          </p:cNvPr>
+          <p:cNvCxnSpPr>
+            <a:cxnSpLocks/>
+          </p:cNvCxnSpPr>
+          <p:nvPr/>
+        </p:nvCxnSpPr>
+        <p:spPr bwMode="auto">
+          <a:xfrm>
+            <a:off x="4372122" y="1343491"/>
+            <a:ext cx="309985" cy="0"/>
+          </a:xfrm>
+          <a:prstGeom prst="straightConnector1">
+            <a:avLst/>
+          </a:prstGeom>
+          <a:noFill/>
+          <a:ln w="28575" cap="flat" cmpd="sng" algn="ctr">
+            <a:solidFill>
+              <a:schemeClr val="tx1"/>
+            </a:solidFill>
+            <a:prstDash val="solid"/>
+            <a:round/>
+            <a:headEnd type="none" w="med" len="med"/>
+            <a:tailEnd type="triangle"/>
+          </a:ln>
+          <a:effectLst/>
+        </p:spPr>
+      </p:cxnSp>
+      <p:sp>
+        <p:nvSpPr>
+          <p:cNvPr id="57" name="TextBox 56">
+            <a:extLst>
+              <a:ext uri="{FF2B5EF4-FFF2-40B4-BE49-F238E27FC236}">
+                <a16:creationId xmlns:a16="http://schemas.microsoft.com/office/drawing/2014/main" id="{B9FBD919-DDCC-984F-B7AB-C5E271CA69AC}"/>
+              </a:ext>
+            </a:extLst>
+          </p:cNvPr>
+          <p:cNvSpPr txBox="1"/>
+          <p:nvPr/>
+        </p:nvSpPr>
+        <p:spPr>
+          <a:xfrm>
+            <a:off x="4621392" y="1147892"/>
+            <a:ext cx="445956" cy="338554"/>
+          </a:xfrm>
+          <a:prstGeom prst="rect">
+            <a:avLst/>
+          </a:prstGeom>
+          <a:noFill/>
+        </p:spPr>
+        <p:txBody>
+          <a:bodyPr wrap="none" rtlCol="0">
+            <a:spAutoFit/>
+          </a:bodyPr>
+          <a:lstStyle/>
+          <a:p>
+            <a:r>
+              <a:rPr lang="en-US" sz="1600" dirty="0" err="1" smtClean="0">
+                <a:latin typeface="Helvetica" pitchFamily="34" charset="0"/>
+              </a:rPr>
+              <a:t>val</a:t>
+            </a:r>
+            <a:endParaRPr lang="en-US" sz="1600" dirty="0">
+              <a:latin typeface="Helvetica" pitchFamily="34" charset="0"/>
+            </a:endParaRPr>
+          </a:p>
+        </p:txBody>
+      </p:sp>
+      <p:cxnSp>
+        <p:nvCxnSpPr>
+          <p:cNvPr id="60" name="Straight Arrow Connector 59">
+            <a:extLst>
+              <a:ext uri="{FF2B5EF4-FFF2-40B4-BE49-F238E27FC236}">
+                <a16:creationId xmlns:a16="http://schemas.microsoft.com/office/drawing/2014/main" id="{EB4886C4-E7D1-154A-B310-6A47A7B94332}"/>
+              </a:ext>
+            </a:extLst>
+          </p:cNvPr>
+          <p:cNvCxnSpPr>
+            <a:cxnSpLocks/>
+          </p:cNvCxnSpPr>
+          <p:nvPr/>
+        </p:nvCxnSpPr>
+        <p:spPr bwMode="auto">
+          <a:xfrm>
+            <a:off x="2042922" y="777269"/>
+            <a:ext cx="2451799" cy="0"/>
+          </a:xfrm>
+          <a:prstGeom prst="straightConnector1">
+            <a:avLst/>
+          </a:prstGeom>
+          <a:noFill/>
+          <a:ln w="28575" cap="flat" cmpd="sng" algn="ctr">
+            <a:solidFill>
+              <a:schemeClr val="tx1"/>
+            </a:solidFill>
+            <a:prstDash val="solid"/>
+            <a:round/>
+            <a:headEnd type="none" w="med" len="med"/>
+            <a:tailEnd type="none" w="med" len="med"/>
+          </a:ln>
+          <a:effectLst/>
+        </p:spPr>
+      </p:cxnSp>
+      <p:cxnSp>
+        <p:nvCxnSpPr>
+          <p:cNvPr id="62" name="Straight Arrow Connector 61">
+            <a:extLst>
+              <a:ext uri="{FF2B5EF4-FFF2-40B4-BE49-F238E27FC236}">
+                <a16:creationId xmlns:a16="http://schemas.microsoft.com/office/drawing/2014/main" id="{EB4886C4-E7D1-154A-B310-6A47A7B94332}"/>
+              </a:ext>
+            </a:extLst>
+          </p:cNvPr>
+          <p:cNvCxnSpPr>
+            <a:cxnSpLocks/>
+          </p:cNvCxnSpPr>
+          <p:nvPr/>
+        </p:nvCxnSpPr>
+        <p:spPr bwMode="auto">
+          <a:xfrm flipV="1">
+            <a:off x="2058161" y="777269"/>
+            <a:ext cx="1" cy="242469"/>
+          </a:xfrm>
+          <a:prstGeom prst="straightConnector1">
+            <a:avLst/>
+          </a:prstGeom>
+          <a:noFill/>
+          <a:ln w="28575" cap="flat" cmpd="sng" algn="ctr">
+            <a:solidFill>
+              <a:schemeClr val="tx1"/>
+            </a:solidFill>
+            <a:prstDash val="solid"/>
+            <a:round/>
+            <a:headEnd type="none" w="med" len="med"/>
+            <a:tailEnd type="none" w="med" len="med"/>
+          </a:ln>
+          <a:effectLst/>
+        </p:spPr>
+      </p:cxnSp>
+      <p:cxnSp>
+        <p:nvCxnSpPr>
+          <p:cNvPr id="64" name="Straight Arrow Connector 63">
+            <a:extLst>
+              <a:ext uri="{FF2B5EF4-FFF2-40B4-BE49-F238E27FC236}">
+                <a16:creationId xmlns:a16="http://schemas.microsoft.com/office/drawing/2014/main" id="{EB4886C4-E7D1-154A-B310-6A47A7B94332}"/>
+              </a:ext>
+            </a:extLst>
+          </p:cNvPr>
+          <p:cNvCxnSpPr>
+            <a:cxnSpLocks/>
+          </p:cNvCxnSpPr>
+          <p:nvPr/>
+        </p:nvCxnSpPr>
+        <p:spPr bwMode="auto">
+          <a:xfrm>
+            <a:off x="4479481" y="777269"/>
+            <a:ext cx="0" cy="549937"/>
+          </a:xfrm>
+          <a:prstGeom prst="straightConnector1">
+            <a:avLst/>
+          </a:prstGeom>
+          <a:noFill/>
+          <a:ln w="28575" cap="flat" cmpd="sng" algn="ctr">
+            <a:solidFill>
+              <a:schemeClr val="tx1"/>
+            </a:solidFill>
+            <a:prstDash val="solid"/>
+            <a:round/>
+            <a:headEnd type="none" w="med" len="med"/>
+            <a:tailEnd type="none" w="med" len="med"/>
+          </a:ln>
+          <a:effectLst/>
+        </p:spPr>
+      </p:cxnSp>
+      <p:sp>
+        <p:nvSpPr>
+          <p:cNvPr id="69" name="TextBox 68"/>
+          <p:cNvSpPr txBox="1"/>
+          <p:nvPr/>
+        </p:nvSpPr>
+        <p:spPr>
+          <a:xfrm>
+            <a:off x="3171169" y="1786255"/>
+            <a:ext cx="755394" cy="338554"/>
+          </a:xfrm>
+          <a:prstGeom prst="rect">
+            <a:avLst/>
+          </a:prstGeom>
+          <a:noFill/>
+        </p:spPr>
+        <p:txBody>
+          <a:bodyPr wrap="square" lIns="0" rIns="0" rtlCol="0">
+            <a:spAutoFit/>
+          </a:bodyPr>
+          <a:lstStyle/>
+          <a:p>
+            <a:pPr algn="ctr"/>
+            <a:r>
+              <a:rPr lang="en-US" sz="1600" dirty="0" smtClean="0">
+                <a:solidFill>
+                  <a:schemeClr val="accent1">
+                    <a:lumMod val="50000"/>
+                  </a:schemeClr>
+                </a:solidFill>
+                <a:latin typeface="Helvetica" pitchFamily="34" charset="0"/>
+              </a:rPr>
+              <a:t>RST</a:t>
+            </a:r>
+            <a:endParaRPr lang="en-US" sz="1600" dirty="0">
+              <a:solidFill>
+                <a:schemeClr val="accent1">
+                  <a:lumMod val="50000"/>
+                </a:schemeClr>
+              </a:solidFill>
+              <a:latin typeface="Helvetica" pitchFamily="34" charset="0"/>
+            </a:endParaRPr>
+          </a:p>
+        </p:txBody>
+      </p:sp>
+      <p:sp>
+        <p:nvSpPr>
+          <p:cNvPr id="70" name="TextBox 69"/>
+          <p:cNvSpPr txBox="1"/>
+          <p:nvPr/>
+        </p:nvSpPr>
+        <p:spPr>
+          <a:xfrm>
+            <a:off x="3778647" y="1786255"/>
+            <a:ext cx="755394" cy="338554"/>
+          </a:xfrm>
+          <a:prstGeom prst="rect">
+            <a:avLst/>
+          </a:prstGeom>
+          <a:noFill/>
+        </p:spPr>
+        <p:txBody>
+          <a:bodyPr wrap="square" lIns="0" rIns="0" rtlCol="0">
+            <a:spAutoFit/>
+          </a:bodyPr>
+          <a:lstStyle/>
+          <a:p>
+            <a:pPr algn="ctr"/>
+            <a:r>
+              <a:rPr lang="en-US" sz="1600" dirty="0" smtClean="0">
+                <a:solidFill>
+                  <a:schemeClr val="accent1">
+                    <a:lumMod val="50000"/>
+                  </a:schemeClr>
+                </a:solidFill>
+                <a:latin typeface="Helvetica" pitchFamily="34" charset="0"/>
+              </a:rPr>
+              <a:t>CLK</a:t>
+            </a:r>
+            <a:endParaRPr lang="en-US" sz="1600" dirty="0">
+              <a:solidFill>
+                <a:schemeClr val="accent1">
+                  <a:lumMod val="50000"/>
+                </a:schemeClr>
+              </a:solidFill>
+              <a:latin typeface="Helvetica" pitchFamily="34" charset="0"/>
+            </a:endParaRPr>
+          </a:p>
+        </p:txBody>
+      </p:sp>
+      <p:grpSp>
+        <p:nvGrpSpPr>
+          <p:cNvPr id="75" name="Group 74"/>
+          <p:cNvGrpSpPr/>
+          <p:nvPr/>
+        </p:nvGrpSpPr>
+        <p:grpSpPr>
+          <a:xfrm>
+            <a:off x="2112431" y="872083"/>
+            <a:ext cx="423210" cy="614395"/>
+            <a:chOff x="2112431" y="872083"/>
+            <a:chExt cx="423210" cy="614395"/>
+          </a:xfrm>
+        </p:grpSpPr>
+        <p:sp>
+          <p:nvSpPr>
+            <p:cNvPr id="12" name="Trapezoid 11">
+              <a:extLst>
+                <a:ext uri="{FF2B5EF4-FFF2-40B4-BE49-F238E27FC236}">
+                  <a16:creationId xmlns:a16="http://schemas.microsoft.com/office/drawing/2014/main" id="{6A561592-8604-824B-8258-05B13C7235A4}"/>
+                </a:ext>
+              </a:extLst>
+            </p:cNvPr>
+            <p:cNvSpPr/>
+            <p:nvPr/>
+          </p:nvSpPr>
+          <p:spPr>
+            <a:xfrm rot="5400000">
+              <a:off x="2049657" y="1067179"/>
+              <a:ext cx="614395" cy="224204"/>
+            </a:xfrm>
+            <a:prstGeom prst="trapezoid">
+              <a:avLst/>
+            </a:prstGeom>
+            <a:solidFill>
+              <a:schemeClr val="bg1"/>
+            </a:solidFill>
+            <a:ln w="28575">
+              <a:solidFill>
+                <a:schemeClr val="tx1"/>
+              </a:solidFill>
+            </a:ln>
+          </p:spPr>
+          <p:style>
+            <a:lnRef idx="2">
+              <a:schemeClr val="accent1">
+                <a:shade val="50000"/>
+              </a:schemeClr>
+            </a:lnRef>
+            <a:fillRef idx="1">
+              <a:schemeClr val="accent1"/>
+            </a:fillRef>
+            <a:effectRef idx="0">
+              <a:schemeClr val="accent1"/>
+            </a:effectRef>
+            <a:fontRef idx="minor">
+              <a:schemeClr val="lt1"/>
+            </a:fontRef>
+          </p:style>
+          <p:txBody>
+            <a:bodyPr rtlCol="0" anchor="ctr"/>
+            <a:lstStyle/>
+            <a:p>
+              <a:pPr algn="ctr"/>
+              <a:endParaRPr lang="en-US"/>
+            </a:p>
+          </p:txBody>
+        </p:sp>
+        <p:sp>
+          <p:nvSpPr>
+            <p:cNvPr id="72" name="TextBox 71"/>
+            <p:cNvSpPr txBox="1"/>
+            <p:nvPr/>
+          </p:nvSpPr>
+          <p:spPr>
+            <a:xfrm>
+              <a:off x="2119888" y="884778"/>
+              <a:ext cx="415753" cy="276999"/>
+            </a:xfrm>
+            <a:prstGeom prst="rect">
+              <a:avLst/>
+            </a:prstGeom>
+            <a:noFill/>
+          </p:spPr>
+          <p:txBody>
+            <a:bodyPr wrap="square" lIns="0" rIns="0" rtlCol="0">
+              <a:spAutoFit/>
+            </a:bodyPr>
+            <a:lstStyle/>
+            <a:p>
+              <a:pPr algn="ctr"/>
+              <a:r>
+                <a:rPr lang="en-US" sz="1200" dirty="0" smtClean="0">
+                  <a:latin typeface="Helvetica" pitchFamily="34" charset="0"/>
+                </a:rPr>
+                <a:t>0</a:t>
+              </a:r>
+              <a:endParaRPr lang="en-US" sz="1200" dirty="0">
+                <a:latin typeface="Helvetica" pitchFamily="34" charset="0"/>
+              </a:endParaRPr>
+            </a:p>
+          </p:txBody>
+        </p:sp>
+        <p:sp>
+          <p:nvSpPr>
+            <p:cNvPr id="73" name="TextBox 72"/>
+            <p:cNvSpPr txBox="1"/>
+            <p:nvPr/>
+          </p:nvSpPr>
+          <p:spPr>
+            <a:xfrm>
+              <a:off x="2112431" y="1166301"/>
+              <a:ext cx="415753" cy="276999"/>
+            </a:xfrm>
+            <a:prstGeom prst="rect">
+              <a:avLst/>
+            </a:prstGeom>
+            <a:noFill/>
+          </p:spPr>
+          <p:txBody>
+            <a:bodyPr wrap="square" lIns="0" rIns="0" rtlCol="0">
+              <a:spAutoFit/>
+            </a:bodyPr>
+            <a:lstStyle/>
+            <a:p>
+              <a:pPr algn="ctr"/>
+              <a:r>
+                <a:rPr lang="en-US" sz="1200" dirty="0" smtClean="0">
+                  <a:latin typeface="Helvetica" pitchFamily="34" charset="0"/>
+                </a:rPr>
+                <a:t>1</a:t>
+              </a:r>
+              <a:endParaRPr lang="en-US" sz="1200" dirty="0">
+                <a:latin typeface="Helvetica" pitchFamily="34" charset="0"/>
+              </a:endParaRPr>
+            </a:p>
+          </p:txBody>
+        </p:sp>
+      </p:grpSp>
+      <p:grpSp>
+        <p:nvGrpSpPr>
+          <p:cNvPr id="76" name="Group 75"/>
+          <p:cNvGrpSpPr/>
+          <p:nvPr/>
+        </p:nvGrpSpPr>
+        <p:grpSpPr>
+          <a:xfrm>
+            <a:off x="3300047" y="1033490"/>
+            <a:ext cx="423210" cy="614395"/>
+            <a:chOff x="2112431" y="872083"/>
+            <a:chExt cx="423210" cy="614395"/>
+          </a:xfrm>
+        </p:grpSpPr>
+        <p:sp>
+          <p:nvSpPr>
+            <p:cNvPr id="77" name="Trapezoid 76">
+              <a:extLst>
+                <a:ext uri="{FF2B5EF4-FFF2-40B4-BE49-F238E27FC236}">
+                  <a16:creationId xmlns:a16="http://schemas.microsoft.com/office/drawing/2014/main" id="{6A561592-8604-824B-8258-05B13C7235A4}"/>
+                </a:ext>
+              </a:extLst>
+            </p:cNvPr>
+            <p:cNvSpPr/>
+            <p:nvPr/>
+          </p:nvSpPr>
+          <p:spPr>
+            <a:xfrm rot="5400000">
+              <a:off x="2049657" y="1067179"/>
+              <a:ext cx="614395" cy="224204"/>
+            </a:xfrm>
+            <a:prstGeom prst="trapezoid">
+              <a:avLst/>
+            </a:prstGeom>
+            <a:solidFill>
+              <a:schemeClr val="bg1"/>
+            </a:solidFill>
+            <a:ln w="28575">
+              <a:solidFill>
+                <a:schemeClr val="tx1"/>
+              </a:solidFill>
+            </a:ln>
+          </p:spPr>
+          <p:style>
+            <a:lnRef idx="2">
+              <a:schemeClr val="accent1">
+                <a:shade val="50000"/>
+              </a:schemeClr>
+            </a:lnRef>
+            <a:fillRef idx="1">
+              <a:schemeClr val="accent1"/>
+            </a:fillRef>
+            <a:effectRef idx="0">
+              <a:schemeClr val="accent1"/>
+            </a:effectRef>
+            <a:fontRef idx="minor">
+              <a:schemeClr val="lt1"/>
+            </a:fontRef>
+          </p:style>
+          <p:txBody>
+            <a:bodyPr rtlCol="0" anchor="ctr"/>
+            <a:lstStyle/>
+            <a:p>
+              <a:pPr algn="ctr"/>
+              <a:endParaRPr lang="en-US"/>
+            </a:p>
+          </p:txBody>
+        </p:sp>
+        <p:sp>
+          <p:nvSpPr>
+            <p:cNvPr id="78" name="TextBox 77"/>
+            <p:cNvSpPr txBox="1"/>
+            <p:nvPr/>
+          </p:nvSpPr>
+          <p:spPr>
+            <a:xfrm>
+              <a:off x="2119888" y="884778"/>
+              <a:ext cx="415753" cy="276999"/>
+            </a:xfrm>
+            <a:prstGeom prst="rect">
+              <a:avLst/>
+            </a:prstGeom>
+            <a:noFill/>
+          </p:spPr>
+          <p:txBody>
+            <a:bodyPr wrap="square" lIns="0" rIns="0" rtlCol="0">
+              <a:spAutoFit/>
+            </a:bodyPr>
+            <a:lstStyle/>
+            <a:p>
+              <a:pPr algn="ctr"/>
+              <a:r>
+                <a:rPr lang="en-US" sz="1200" dirty="0" smtClean="0">
+                  <a:latin typeface="Helvetica" pitchFamily="34" charset="0"/>
+                </a:rPr>
+                <a:t>0</a:t>
+              </a:r>
+              <a:endParaRPr lang="en-US" sz="1200" dirty="0">
+                <a:latin typeface="Helvetica" pitchFamily="34" charset="0"/>
+              </a:endParaRPr>
+            </a:p>
+          </p:txBody>
+        </p:sp>
+        <p:sp>
+          <p:nvSpPr>
+            <p:cNvPr id="79" name="TextBox 78"/>
+            <p:cNvSpPr txBox="1"/>
+            <p:nvPr/>
+          </p:nvSpPr>
+          <p:spPr>
+            <a:xfrm>
+              <a:off x="2112431" y="1166301"/>
+              <a:ext cx="415753" cy="276999"/>
+            </a:xfrm>
+            <a:prstGeom prst="rect">
+              <a:avLst/>
+            </a:prstGeom>
+            <a:noFill/>
+          </p:spPr>
+          <p:txBody>
+            <a:bodyPr wrap="square" lIns="0" rIns="0" rtlCol="0">
+              <a:spAutoFit/>
+            </a:bodyPr>
+            <a:lstStyle/>
+            <a:p>
+              <a:pPr algn="ctr"/>
+              <a:r>
+                <a:rPr lang="en-US" sz="1200" dirty="0" smtClean="0">
+                  <a:latin typeface="Helvetica" pitchFamily="34" charset="0"/>
+                </a:rPr>
+                <a:t>1</a:t>
+              </a:r>
+              <a:endParaRPr lang="en-US" sz="1200" dirty="0">
+                <a:latin typeface="Helvetica" pitchFamily="34" charset="0"/>
+              </a:endParaRPr>
+            </a:p>
+          </p:txBody>
+        </p:sp>
+      </p:grpSp>
+    </p:spTree>
+    <p:extLst>
+      <p:ext uri="{BB962C8B-B14F-4D97-AF65-F5344CB8AC3E}">
+        <p14:creationId xmlns:p14="http://schemas.microsoft.com/office/powerpoint/2010/main" val="2392715762"/>
+      </p:ext>
+    </p:extLst>
+  </p:cSld>
+  <p:clrMapOvr>
+    <a:masterClrMapping/>
+  </p:clrMapOvr>
 </p:sld>
 </file>
 
